--- a/doc/EVE新一代HIS核心系统.pptx
+++ b/doc/EVE新一代HIS核心系统.pptx
@@ -5,13 +5,14 @@
     <p:sldMasterId id="2147483660" r:id="rId2"/>
   </p:sldMasterIdLst>
   <p:notesMasterIdLst>
-    <p:notesMasterId r:id="rId7"/>
+    <p:notesMasterId r:id="rId8"/>
   </p:notesMasterIdLst>
   <p:sldIdLst>
     <p:sldId id="256" r:id="rId3"/>
     <p:sldId id="262" r:id="rId4"/>
     <p:sldId id="257" r:id="rId5"/>
-    <p:sldId id="263" r:id="rId6"/>
+    <p:sldId id="264" r:id="rId6"/>
+    <p:sldId id="263" r:id="rId7"/>
   </p:sldIdLst>
   <p:sldSz cx="12192000" cy="6858000"/>
   <p:notesSz cx="6858000" cy="9144000"/>
@@ -122,6 +123,7 @@
           <p14:sldIdLst>
             <p14:sldId id="262"/>
             <p14:sldId id="257"/>
+            <p14:sldId id="264"/>
           </p14:sldIdLst>
         </p14:section>
         <p14:section name="了解更多" id="{2CC34DB2-6590-42C0-AD4B-A04C6060184E}">
@@ -669,7 +671,7 @@
           <a:p>
             <a:fld id="{DF61EA0F-A667-4B49-8422-0062BC55E249}" type="slidenum">
               <a:rPr lang="en-US" altLang="zh-CN" smtClean="0"/>
-              <a:t>4</a:t>
+              <a:t>5</a:t>
             </a:fld>
             <a:endParaRPr lang="zh-CN"/>
           </a:p>
@@ -5138,7 +5140,19 @@
           <a:p>
             <a:r>
               <a:rPr lang="zh-CN" altLang="en-US" dirty="0" smtClean="0"/>
-              <a:t>诊疗业务与计费业务实现了真正分离</a:t>
+              <a:t>诊疗业务与计费业务</a:t>
+            </a:r>
+            <a:r>
+              <a:rPr lang="zh-CN" altLang="en-US" dirty="0" smtClean="0"/>
+              <a:t>实现</a:t>
+            </a:r>
+            <a:r>
+              <a:rPr lang="zh-CN" altLang="en-US" dirty="0" smtClean="0"/>
+              <a:t>了真正</a:t>
+            </a:r>
+            <a:r>
+              <a:rPr lang="zh-CN" altLang="en-US" dirty="0" smtClean="0"/>
+              <a:t>分离</a:t>
             </a:r>
             <a:endParaRPr lang="en-US" altLang="zh-CN" dirty="0" smtClean="0"/>
           </a:p>
@@ -5174,7 +5188,15 @@
             </a:r>
             <a:r>
               <a:rPr lang="zh-CN" altLang="en-US" dirty="0" smtClean="0"/>
-              <a:t>的方式灵活的实现与医院其他专有系统的交互</a:t>
+              <a:t>的方式灵活的实现与医院其他</a:t>
+            </a:r>
+            <a:r>
+              <a:rPr lang="zh-CN" altLang="en-US" dirty="0" smtClean="0"/>
+              <a:t>专有软件系统</a:t>
+            </a:r>
+            <a:r>
+              <a:rPr lang="zh-CN" altLang="en-US" dirty="0" smtClean="0"/>
+              <a:t>的交互</a:t>
             </a:r>
             <a:endParaRPr lang="en-US" altLang="zh-CN" dirty="0" smtClean="0"/>
           </a:p>
@@ -5222,6 +5244,852 @@
 </file>
 
 <file path=ppt/slides/slide4.xml><?xml version="1.0" encoding="utf-8"?>
+<p:sld xmlns:a="http://schemas.openxmlformats.org/drawingml/2006/main" xmlns:r="http://schemas.openxmlformats.org/officeDocument/2006/relationships" xmlns:p="http://schemas.openxmlformats.org/presentationml/2006/main">
+  <p:cSld>
+    <p:spTree>
+      <p:nvGrpSpPr>
+        <p:cNvPr id="1" name=""/>
+        <p:cNvGrpSpPr/>
+        <p:nvPr/>
+      </p:nvGrpSpPr>
+      <p:grpSpPr>
+        <a:xfrm>
+          <a:off x="0" y="0"/>
+          <a:ext cx="0" cy="0"/>
+          <a:chOff x="0" y="0"/>
+          <a:chExt cx="0" cy="0"/>
+        </a:xfrm>
+      </p:grpSpPr>
+      <p:sp>
+        <p:nvSpPr>
+          <p:cNvPr id="2" name="标题 1"/>
+          <p:cNvSpPr>
+            <a:spLocks noGrp="1"/>
+          </p:cNvSpPr>
+          <p:nvPr>
+            <p:ph type="title"/>
+          </p:nvPr>
+        </p:nvSpPr>
+        <p:spPr/>
+        <p:txBody>
+          <a:bodyPr/>
+          <a:lstStyle/>
+          <a:p>
+            <a:r>
+              <a:rPr lang="zh-CN" altLang="en-US" dirty="0" smtClean="0"/>
+              <a:t>内容</a:t>
+            </a:r>
+            <a:endParaRPr lang="zh-CN" altLang="en-US" dirty="0"/>
+          </a:p>
+        </p:txBody>
+      </p:sp>
+      <p:sp>
+        <p:nvSpPr>
+          <p:cNvPr id="4" name="矩形 3"/>
+          <p:cNvSpPr/>
+          <p:nvPr/>
+        </p:nvSpPr>
+        <p:spPr>
+          <a:xfrm>
+            <a:off x="4338406" y="6126479"/>
+            <a:ext cx="2323651" cy="560143"/>
+          </a:xfrm>
+          <a:prstGeom prst="rect">
+            <a:avLst/>
+          </a:prstGeom>
+          <a:noFill/>
+        </p:spPr>
+        <p:style>
+          <a:lnRef idx="2">
+            <a:schemeClr val="accent1">
+              <a:shade val="50000"/>
+            </a:schemeClr>
+          </a:lnRef>
+          <a:fillRef idx="1">
+            <a:schemeClr val="accent1"/>
+          </a:fillRef>
+          <a:effectRef idx="0">
+            <a:schemeClr val="accent1"/>
+          </a:effectRef>
+          <a:fontRef idx="minor">
+            <a:schemeClr val="lt1"/>
+          </a:fontRef>
+        </p:style>
+        <p:txBody>
+          <a:bodyPr rtlCol="0" anchor="ctr"/>
+          <a:lstStyle/>
+          <a:p>
+            <a:pPr algn="ctr"/>
+            <a:r>
+              <a:rPr lang="zh-CN" altLang="en-US" dirty="0" smtClean="0">
+                <a:solidFill>
+                  <a:schemeClr val="tx1"/>
+                </a:solidFill>
+              </a:rPr>
+              <a:t>患者生命周期</a:t>
+            </a:r>
+            <a:endParaRPr lang="zh-CN" altLang="en-US" dirty="0">
+              <a:solidFill>
+                <a:schemeClr val="tx1"/>
+              </a:solidFill>
+            </a:endParaRPr>
+          </a:p>
+        </p:txBody>
+      </p:sp>
+      <p:sp>
+        <p:nvSpPr>
+          <p:cNvPr id="5" name="矩形 4"/>
+          <p:cNvSpPr/>
+          <p:nvPr/>
+        </p:nvSpPr>
+        <p:spPr>
+          <a:xfrm>
+            <a:off x="7865811" y="4655629"/>
+            <a:ext cx="2323651" cy="478705"/>
+          </a:xfrm>
+          <a:prstGeom prst="rect">
+            <a:avLst/>
+          </a:prstGeom>
+          <a:noFill/>
+        </p:spPr>
+        <p:style>
+          <a:lnRef idx="2">
+            <a:schemeClr val="accent1">
+              <a:shade val="50000"/>
+            </a:schemeClr>
+          </a:lnRef>
+          <a:fillRef idx="1">
+            <a:schemeClr val="accent1"/>
+          </a:fillRef>
+          <a:effectRef idx="0">
+            <a:schemeClr val="accent1"/>
+          </a:effectRef>
+          <a:fontRef idx="minor">
+            <a:schemeClr val="lt1"/>
+          </a:fontRef>
+        </p:style>
+        <p:txBody>
+          <a:bodyPr rtlCol="0" anchor="ctr"/>
+          <a:lstStyle/>
+          <a:p>
+            <a:pPr algn="ctr"/>
+            <a:r>
+              <a:rPr lang="zh-CN" altLang="en-US" dirty="0" smtClean="0">
+                <a:solidFill>
+                  <a:schemeClr val="tx1"/>
+                </a:solidFill>
+              </a:rPr>
+              <a:t>病历编写</a:t>
+            </a:r>
+            <a:endParaRPr lang="zh-CN" altLang="en-US" dirty="0">
+              <a:solidFill>
+                <a:schemeClr val="tx1"/>
+              </a:solidFill>
+            </a:endParaRPr>
+          </a:p>
+        </p:txBody>
+      </p:sp>
+      <p:sp>
+        <p:nvSpPr>
+          <p:cNvPr id="6" name="矩形 5"/>
+          <p:cNvSpPr/>
+          <p:nvPr/>
+        </p:nvSpPr>
+        <p:spPr>
+          <a:xfrm>
+            <a:off x="4338407" y="4894982"/>
+            <a:ext cx="2323650" cy="557714"/>
+          </a:xfrm>
+          <a:prstGeom prst="rect">
+            <a:avLst/>
+          </a:prstGeom>
+          <a:noFill/>
+        </p:spPr>
+        <p:style>
+          <a:lnRef idx="2">
+            <a:schemeClr val="accent1">
+              <a:shade val="50000"/>
+            </a:schemeClr>
+          </a:lnRef>
+          <a:fillRef idx="1">
+            <a:schemeClr val="accent1"/>
+          </a:fillRef>
+          <a:effectRef idx="0">
+            <a:schemeClr val="accent1"/>
+          </a:effectRef>
+          <a:fontRef idx="minor">
+            <a:schemeClr val="lt1"/>
+          </a:fontRef>
+        </p:style>
+        <p:txBody>
+          <a:bodyPr rtlCol="0" anchor="ctr"/>
+          <a:lstStyle/>
+          <a:p>
+            <a:pPr algn="ctr"/>
+            <a:r>
+              <a:rPr lang="zh-CN" altLang="en-US" dirty="0" smtClean="0">
+                <a:solidFill>
+                  <a:schemeClr val="tx1"/>
+                </a:solidFill>
+              </a:rPr>
+              <a:t>医嘱执行</a:t>
+            </a:r>
+            <a:endParaRPr lang="zh-CN" altLang="en-US" dirty="0">
+              <a:solidFill>
+                <a:schemeClr val="tx1"/>
+              </a:solidFill>
+            </a:endParaRPr>
+          </a:p>
+        </p:txBody>
+      </p:sp>
+      <p:sp>
+        <p:nvSpPr>
+          <p:cNvPr id="8" name="矩形 7"/>
+          <p:cNvSpPr/>
+          <p:nvPr/>
+        </p:nvSpPr>
+        <p:spPr>
+          <a:xfrm>
+            <a:off x="7865811" y="5444517"/>
+            <a:ext cx="2323651" cy="525209"/>
+          </a:xfrm>
+          <a:prstGeom prst="rect">
+            <a:avLst/>
+          </a:prstGeom>
+          <a:noFill/>
+        </p:spPr>
+        <p:style>
+          <a:lnRef idx="2">
+            <a:schemeClr val="accent1">
+              <a:shade val="50000"/>
+            </a:schemeClr>
+          </a:lnRef>
+          <a:fillRef idx="1">
+            <a:schemeClr val="accent1"/>
+          </a:fillRef>
+          <a:effectRef idx="0">
+            <a:schemeClr val="accent1"/>
+          </a:effectRef>
+          <a:fontRef idx="minor">
+            <a:schemeClr val="lt1"/>
+          </a:fontRef>
+        </p:style>
+        <p:txBody>
+          <a:bodyPr rtlCol="0" anchor="ctr"/>
+          <a:lstStyle/>
+          <a:p>
+            <a:pPr algn="ctr"/>
+            <a:r>
+              <a:rPr lang="zh-CN" altLang="en-US" dirty="0" smtClean="0">
+                <a:solidFill>
+                  <a:schemeClr val="tx1"/>
+                </a:solidFill>
+              </a:rPr>
+              <a:t>诊疗信息</a:t>
+            </a:r>
+            <a:endParaRPr lang="zh-CN" altLang="en-US" dirty="0">
+              <a:solidFill>
+                <a:schemeClr val="tx1"/>
+              </a:solidFill>
+            </a:endParaRPr>
+          </a:p>
+        </p:txBody>
+      </p:sp>
+      <p:sp>
+        <p:nvSpPr>
+          <p:cNvPr id="9" name="矩形 8"/>
+          <p:cNvSpPr/>
+          <p:nvPr/>
+        </p:nvSpPr>
+        <p:spPr>
+          <a:xfrm>
+            <a:off x="1441347" y="4894982"/>
+            <a:ext cx="2205162" cy="549535"/>
+          </a:xfrm>
+          <a:prstGeom prst="rect">
+            <a:avLst/>
+          </a:prstGeom>
+          <a:noFill/>
+        </p:spPr>
+        <p:style>
+          <a:lnRef idx="2">
+            <a:schemeClr val="accent1">
+              <a:shade val="50000"/>
+            </a:schemeClr>
+          </a:lnRef>
+          <a:fillRef idx="1">
+            <a:schemeClr val="accent1"/>
+          </a:fillRef>
+          <a:effectRef idx="0">
+            <a:schemeClr val="accent1"/>
+          </a:effectRef>
+          <a:fontRef idx="minor">
+            <a:schemeClr val="lt1"/>
+          </a:fontRef>
+        </p:style>
+        <p:txBody>
+          <a:bodyPr rtlCol="0" anchor="ctr"/>
+          <a:lstStyle/>
+          <a:p>
+            <a:pPr algn="ctr"/>
+            <a:r>
+              <a:rPr lang="zh-CN" altLang="en-US" dirty="0">
+                <a:solidFill>
+                  <a:schemeClr val="tx1"/>
+                </a:solidFill>
+              </a:rPr>
+              <a:t>计费</a:t>
+            </a:r>
+          </a:p>
+        </p:txBody>
+      </p:sp>
+      <p:sp>
+        <p:nvSpPr>
+          <p:cNvPr id="10" name="椭圆 9"/>
+          <p:cNvSpPr/>
+          <p:nvPr/>
+        </p:nvSpPr>
+        <p:spPr>
+          <a:xfrm>
+            <a:off x="1251113" y="1682651"/>
+            <a:ext cx="2567354" cy="914400"/>
+          </a:xfrm>
+          <a:prstGeom prst="ellipse">
+            <a:avLst/>
+          </a:prstGeom>
+          <a:noFill/>
+        </p:spPr>
+        <p:style>
+          <a:lnRef idx="2">
+            <a:schemeClr val="accent1">
+              <a:shade val="50000"/>
+            </a:schemeClr>
+          </a:lnRef>
+          <a:fillRef idx="1">
+            <a:schemeClr val="accent1"/>
+          </a:fillRef>
+          <a:effectRef idx="0">
+            <a:schemeClr val="accent1"/>
+          </a:effectRef>
+          <a:fontRef idx="minor">
+            <a:schemeClr val="lt1"/>
+          </a:fontRef>
+        </p:style>
+        <p:txBody>
+          <a:bodyPr rtlCol="0" anchor="ctr"/>
+          <a:lstStyle/>
+          <a:p>
+            <a:pPr algn="ctr"/>
+            <a:r>
+              <a:rPr lang="zh-CN" altLang="en-US" dirty="0" smtClean="0">
+                <a:solidFill>
+                  <a:schemeClr val="tx1"/>
+                </a:solidFill>
+              </a:rPr>
+              <a:t>门诊看病</a:t>
+            </a:r>
+            <a:endParaRPr lang="zh-CN" altLang="en-US" dirty="0">
+              <a:solidFill>
+                <a:schemeClr val="tx1"/>
+              </a:solidFill>
+            </a:endParaRPr>
+          </a:p>
+        </p:txBody>
+      </p:sp>
+      <p:sp>
+        <p:nvSpPr>
+          <p:cNvPr id="11" name="椭圆 10"/>
+          <p:cNvSpPr/>
+          <p:nvPr/>
+        </p:nvSpPr>
+        <p:spPr>
+          <a:xfrm>
+            <a:off x="4497536" y="1662091"/>
+            <a:ext cx="2567354" cy="914400"/>
+          </a:xfrm>
+          <a:prstGeom prst="ellipse">
+            <a:avLst/>
+          </a:prstGeom>
+          <a:noFill/>
+        </p:spPr>
+        <p:style>
+          <a:lnRef idx="2">
+            <a:schemeClr val="accent1">
+              <a:shade val="50000"/>
+            </a:schemeClr>
+          </a:lnRef>
+          <a:fillRef idx="1">
+            <a:schemeClr val="accent1"/>
+          </a:fillRef>
+          <a:effectRef idx="0">
+            <a:schemeClr val="accent1"/>
+          </a:effectRef>
+          <a:fontRef idx="minor">
+            <a:schemeClr val="lt1"/>
+          </a:fontRef>
+        </p:style>
+        <p:txBody>
+          <a:bodyPr rtlCol="0" anchor="ctr"/>
+          <a:lstStyle/>
+          <a:p>
+            <a:pPr algn="ctr"/>
+            <a:r>
+              <a:rPr lang="zh-CN" altLang="en-US" dirty="0" smtClean="0">
+                <a:solidFill>
+                  <a:schemeClr val="tx1"/>
+                </a:solidFill>
+              </a:rPr>
+              <a:t>住院治病</a:t>
+            </a:r>
+            <a:endParaRPr lang="zh-CN" altLang="en-US" dirty="0">
+              <a:solidFill>
+                <a:schemeClr val="tx1"/>
+              </a:solidFill>
+            </a:endParaRPr>
+          </a:p>
+        </p:txBody>
+      </p:sp>
+      <p:sp>
+        <p:nvSpPr>
+          <p:cNvPr id="12" name="椭圆 11"/>
+          <p:cNvSpPr/>
+          <p:nvPr/>
+        </p:nvSpPr>
+        <p:spPr>
+          <a:xfrm>
+            <a:off x="7743960" y="1662091"/>
+            <a:ext cx="2567354" cy="914400"/>
+          </a:xfrm>
+          <a:prstGeom prst="ellipse">
+            <a:avLst/>
+          </a:prstGeom>
+          <a:noFill/>
+        </p:spPr>
+        <p:style>
+          <a:lnRef idx="2">
+            <a:schemeClr val="accent1">
+              <a:shade val="50000"/>
+            </a:schemeClr>
+          </a:lnRef>
+          <a:fillRef idx="1">
+            <a:schemeClr val="accent1"/>
+          </a:fillRef>
+          <a:effectRef idx="0">
+            <a:schemeClr val="accent1"/>
+          </a:effectRef>
+          <a:fontRef idx="minor">
+            <a:schemeClr val="lt1"/>
+          </a:fontRef>
+        </p:style>
+        <p:txBody>
+          <a:bodyPr rtlCol="0" anchor="ctr"/>
+          <a:lstStyle/>
+          <a:p>
+            <a:pPr algn="ctr"/>
+            <a:r>
+              <a:rPr lang="zh-CN" altLang="en-US" dirty="0" smtClean="0">
+                <a:solidFill>
+                  <a:schemeClr val="tx1"/>
+                </a:solidFill>
+              </a:rPr>
+              <a:t>信息维护和统计</a:t>
+            </a:r>
+            <a:endParaRPr lang="zh-CN" altLang="en-US" dirty="0">
+              <a:solidFill>
+                <a:schemeClr val="tx1"/>
+              </a:solidFill>
+            </a:endParaRPr>
+          </a:p>
+        </p:txBody>
+      </p:sp>
+      <p:sp>
+        <p:nvSpPr>
+          <p:cNvPr id="13" name="矩形 12"/>
+          <p:cNvSpPr/>
+          <p:nvPr/>
+        </p:nvSpPr>
+        <p:spPr>
+          <a:xfrm>
+            <a:off x="867937" y="4349931"/>
+            <a:ext cx="10013424" cy="2508068"/>
+          </a:xfrm>
+          <a:prstGeom prst="rect">
+            <a:avLst/>
+          </a:prstGeom>
+          <a:noFill/>
+        </p:spPr>
+        <p:style>
+          <a:lnRef idx="2">
+            <a:schemeClr val="accent1">
+              <a:shade val="50000"/>
+            </a:schemeClr>
+          </a:lnRef>
+          <a:fillRef idx="1">
+            <a:schemeClr val="accent1"/>
+          </a:fillRef>
+          <a:effectRef idx="0">
+            <a:schemeClr val="accent1"/>
+          </a:effectRef>
+          <a:fontRef idx="minor">
+            <a:schemeClr val="lt1"/>
+          </a:fontRef>
+        </p:style>
+        <p:txBody>
+          <a:bodyPr rtlCol="0" anchor="ctr"/>
+          <a:lstStyle/>
+          <a:p>
+            <a:pPr algn="ctr"/>
+            <a:r>
+              <a:rPr lang="zh-CN" altLang="en-US" dirty="0" smtClean="0">
+                <a:solidFill>
+                  <a:schemeClr val="tx1"/>
+                </a:solidFill>
+              </a:rPr>
+              <a:t>核心引擎</a:t>
+            </a:r>
+            <a:endParaRPr lang="zh-CN" altLang="en-US" dirty="0">
+              <a:solidFill>
+                <a:schemeClr val="tx1"/>
+              </a:solidFill>
+            </a:endParaRPr>
+          </a:p>
+        </p:txBody>
+      </p:sp>
+      <p:sp>
+        <p:nvSpPr>
+          <p:cNvPr id="14" name="矩形 13"/>
+          <p:cNvSpPr/>
+          <p:nvPr/>
+        </p:nvSpPr>
+        <p:spPr>
+          <a:xfrm>
+            <a:off x="867937" y="3084980"/>
+            <a:ext cx="1352749" cy="1003694"/>
+          </a:xfrm>
+          <a:prstGeom prst="rect">
+            <a:avLst/>
+          </a:prstGeom>
+          <a:noFill/>
+        </p:spPr>
+        <p:style>
+          <a:lnRef idx="2">
+            <a:schemeClr val="accent1">
+              <a:shade val="50000"/>
+            </a:schemeClr>
+          </a:lnRef>
+          <a:fillRef idx="1">
+            <a:schemeClr val="accent1"/>
+          </a:fillRef>
+          <a:effectRef idx="0">
+            <a:schemeClr val="accent1"/>
+          </a:effectRef>
+          <a:fontRef idx="minor">
+            <a:schemeClr val="lt1"/>
+          </a:fontRef>
+        </p:style>
+        <p:txBody>
+          <a:bodyPr rtlCol="0" anchor="ctr"/>
+          <a:lstStyle/>
+          <a:p>
+            <a:pPr algn="ctr"/>
+            <a:r>
+              <a:rPr lang="zh-CN" altLang="en-US" dirty="0" smtClean="0">
+                <a:solidFill>
+                  <a:schemeClr val="tx1"/>
+                </a:solidFill>
+              </a:rPr>
+              <a:t>门诊科室</a:t>
+            </a:r>
+            <a:endParaRPr lang="zh-CN" altLang="en-US" dirty="0">
+              <a:solidFill>
+                <a:schemeClr val="tx1"/>
+              </a:solidFill>
+            </a:endParaRPr>
+          </a:p>
+        </p:txBody>
+      </p:sp>
+      <p:sp>
+        <p:nvSpPr>
+          <p:cNvPr id="15" name="矩形 14"/>
+          <p:cNvSpPr/>
+          <p:nvPr/>
+        </p:nvSpPr>
+        <p:spPr>
+          <a:xfrm>
+            <a:off x="2501668" y="3068457"/>
+            <a:ext cx="1316799" cy="1017840"/>
+          </a:xfrm>
+          <a:prstGeom prst="rect">
+            <a:avLst/>
+          </a:prstGeom>
+          <a:noFill/>
+        </p:spPr>
+        <p:style>
+          <a:lnRef idx="2">
+            <a:schemeClr val="accent1">
+              <a:shade val="50000"/>
+            </a:schemeClr>
+          </a:lnRef>
+          <a:fillRef idx="1">
+            <a:schemeClr val="accent1"/>
+          </a:fillRef>
+          <a:effectRef idx="0">
+            <a:schemeClr val="accent1"/>
+          </a:effectRef>
+          <a:fontRef idx="minor">
+            <a:schemeClr val="lt1"/>
+          </a:fontRef>
+        </p:style>
+        <p:txBody>
+          <a:bodyPr rtlCol="0" anchor="ctr"/>
+          <a:lstStyle/>
+          <a:p>
+            <a:pPr algn="ctr"/>
+            <a:r>
+              <a:rPr lang="zh-CN" altLang="en-US" dirty="0">
+                <a:solidFill>
+                  <a:schemeClr val="tx1"/>
+                </a:solidFill>
+              </a:rPr>
+              <a:t>住院</a:t>
+            </a:r>
+            <a:r>
+              <a:rPr lang="zh-CN" altLang="en-US" dirty="0" smtClean="0">
+                <a:solidFill>
+                  <a:schemeClr val="tx1"/>
+                </a:solidFill>
+              </a:rPr>
+              <a:t>科室</a:t>
+            </a:r>
+            <a:endParaRPr lang="zh-CN" altLang="en-US" dirty="0">
+              <a:solidFill>
+                <a:schemeClr val="tx1"/>
+              </a:solidFill>
+            </a:endParaRPr>
+          </a:p>
+        </p:txBody>
+      </p:sp>
+      <p:sp>
+        <p:nvSpPr>
+          <p:cNvPr id="16" name="矩形 15"/>
+          <p:cNvSpPr/>
+          <p:nvPr/>
+        </p:nvSpPr>
+        <p:spPr>
+          <a:xfrm>
+            <a:off x="4141440" y="3068457"/>
+            <a:ext cx="1438714" cy="1017840"/>
+          </a:xfrm>
+          <a:prstGeom prst="rect">
+            <a:avLst/>
+          </a:prstGeom>
+          <a:noFill/>
+        </p:spPr>
+        <p:style>
+          <a:lnRef idx="2">
+            <a:schemeClr val="accent1">
+              <a:shade val="50000"/>
+            </a:schemeClr>
+          </a:lnRef>
+          <a:fillRef idx="1">
+            <a:schemeClr val="accent1"/>
+          </a:fillRef>
+          <a:effectRef idx="0">
+            <a:schemeClr val="accent1"/>
+          </a:effectRef>
+          <a:fontRef idx="minor">
+            <a:schemeClr val="lt1"/>
+          </a:fontRef>
+        </p:style>
+        <p:txBody>
+          <a:bodyPr rtlCol="0" anchor="ctr"/>
+          <a:lstStyle/>
+          <a:p>
+            <a:pPr algn="ctr"/>
+            <a:r>
+              <a:rPr lang="zh-CN" altLang="en-US" dirty="0">
+                <a:solidFill>
+                  <a:schemeClr val="tx1"/>
+                </a:solidFill>
+              </a:rPr>
+              <a:t>药房</a:t>
+            </a:r>
+          </a:p>
+        </p:txBody>
+      </p:sp>
+      <p:sp>
+        <p:nvSpPr>
+          <p:cNvPr id="17" name="矩形 16"/>
+          <p:cNvSpPr/>
+          <p:nvPr/>
+        </p:nvSpPr>
+        <p:spPr>
+          <a:xfrm>
+            <a:off x="5856892" y="3059566"/>
+            <a:ext cx="1610330" cy="1017840"/>
+          </a:xfrm>
+          <a:prstGeom prst="rect">
+            <a:avLst/>
+          </a:prstGeom>
+          <a:noFill/>
+        </p:spPr>
+        <p:style>
+          <a:lnRef idx="2">
+            <a:schemeClr val="accent1">
+              <a:shade val="50000"/>
+            </a:schemeClr>
+          </a:lnRef>
+          <a:fillRef idx="1">
+            <a:schemeClr val="accent1"/>
+          </a:fillRef>
+          <a:effectRef idx="0">
+            <a:schemeClr val="accent1"/>
+          </a:effectRef>
+          <a:fontRef idx="minor">
+            <a:schemeClr val="lt1"/>
+          </a:fontRef>
+        </p:style>
+        <p:txBody>
+          <a:bodyPr rtlCol="0" anchor="ctr"/>
+          <a:lstStyle/>
+          <a:p>
+            <a:pPr algn="ctr"/>
+            <a:r>
+              <a:rPr lang="zh-CN" altLang="en-US" dirty="0" smtClean="0">
+                <a:solidFill>
+                  <a:schemeClr val="tx1"/>
+                </a:solidFill>
+              </a:rPr>
+              <a:t>收费处</a:t>
+            </a:r>
+            <a:endParaRPr lang="zh-CN" altLang="en-US" dirty="0">
+              <a:solidFill>
+                <a:schemeClr val="tx1"/>
+              </a:solidFill>
+            </a:endParaRPr>
+          </a:p>
+        </p:txBody>
+      </p:sp>
+      <p:sp>
+        <p:nvSpPr>
+          <p:cNvPr id="18" name="矩形 17"/>
+          <p:cNvSpPr/>
+          <p:nvPr/>
+        </p:nvSpPr>
+        <p:spPr>
+          <a:xfrm>
+            <a:off x="7743960" y="3067588"/>
+            <a:ext cx="1494880" cy="1017840"/>
+          </a:xfrm>
+          <a:prstGeom prst="rect">
+            <a:avLst/>
+          </a:prstGeom>
+          <a:noFill/>
+        </p:spPr>
+        <p:style>
+          <a:lnRef idx="2">
+            <a:schemeClr val="accent1">
+              <a:shade val="50000"/>
+            </a:schemeClr>
+          </a:lnRef>
+          <a:fillRef idx="1">
+            <a:schemeClr val="accent1"/>
+          </a:fillRef>
+          <a:effectRef idx="0">
+            <a:schemeClr val="accent1"/>
+          </a:effectRef>
+          <a:fontRef idx="minor">
+            <a:schemeClr val="lt1"/>
+          </a:fontRef>
+        </p:style>
+        <p:txBody>
+          <a:bodyPr rtlCol="0" anchor="ctr"/>
+          <a:lstStyle/>
+          <a:p>
+            <a:pPr algn="ctr"/>
+            <a:r>
+              <a:rPr lang="zh-CN" altLang="en-US" dirty="0" smtClean="0">
+                <a:solidFill>
+                  <a:schemeClr val="tx1"/>
+                </a:solidFill>
+              </a:rPr>
+              <a:t>挂号室</a:t>
+            </a:r>
+            <a:endParaRPr lang="zh-CN" altLang="en-US" dirty="0">
+              <a:solidFill>
+                <a:schemeClr val="tx1"/>
+              </a:solidFill>
+            </a:endParaRPr>
+          </a:p>
+        </p:txBody>
+      </p:sp>
+      <p:sp>
+        <p:nvSpPr>
+          <p:cNvPr id="19" name="矩形 18"/>
+          <p:cNvSpPr/>
+          <p:nvPr/>
+        </p:nvSpPr>
+        <p:spPr>
+          <a:xfrm>
+            <a:off x="9499747" y="3044477"/>
+            <a:ext cx="1379430" cy="1017840"/>
+          </a:xfrm>
+          <a:prstGeom prst="rect">
+            <a:avLst/>
+          </a:prstGeom>
+          <a:noFill/>
+        </p:spPr>
+        <p:style>
+          <a:lnRef idx="2">
+            <a:schemeClr val="accent1">
+              <a:shade val="50000"/>
+            </a:schemeClr>
+          </a:lnRef>
+          <a:fillRef idx="1">
+            <a:schemeClr val="accent1"/>
+          </a:fillRef>
+          <a:effectRef idx="0">
+            <a:schemeClr val="accent1"/>
+          </a:effectRef>
+          <a:fontRef idx="minor">
+            <a:schemeClr val="lt1"/>
+          </a:fontRef>
+        </p:style>
+        <p:txBody>
+          <a:bodyPr rtlCol="0" anchor="ctr"/>
+          <a:lstStyle/>
+          <a:p>
+            <a:pPr algn="ctr"/>
+            <a:r>
+              <a:rPr lang="zh-CN" altLang="en-US" dirty="0" smtClean="0">
+                <a:solidFill>
+                  <a:schemeClr val="tx1"/>
+                </a:solidFill>
+              </a:rPr>
+              <a:t>病案室</a:t>
+            </a:r>
+            <a:endParaRPr lang="zh-CN" altLang="en-US" dirty="0">
+              <a:solidFill>
+                <a:schemeClr val="tx1"/>
+              </a:solidFill>
+            </a:endParaRPr>
+          </a:p>
+        </p:txBody>
+      </p:sp>
+    </p:spTree>
+    <p:extLst>
+      <p:ext uri="{BB962C8B-B14F-4D97-AF65-F5344CB8AC3E}">
+        <p14:creationId xmlns:p14="http://schemas.microsoft.com/office/powerpoint/2010/main" val="2626867116"/>
+      </p:ext>
+    </p:extLst>
+  </p:cSld>
+  <p:clrMapOvr>
+    <a:masterClrMapping/>
+  </p:clrMapOvr>
+</p:sld>
+</file>
+
+<file path=ppt/slides/slide5.xml><?xml version="1.0" encoding="utf-8"?>
 <p:sld xmlns:a="http://schemas.openxmlformats.org/drawingml/2006/main" xmlns:r="http://schemas.openxmlformats.org/officeDocument/2006/relationships" xmlns:p="http://schemas.openxmlformats.org/presentationml/2006/main">
   <p:cSld>
     <p:spTree>

--- a/doc/EVE新一代HIS核心系统.pptx
+++ b/doc/EVE新一代HIS核心系统.pptx
@@ -5,14 +5,15 @@
     <p:sldMasterId id="2147483660" r:id="rId2"/>
   </p:sldMasterIdLst>
   <p:notesMasterIdLst>
-    <p:notesMasterId r:id="rId8"/>
+    <p:notesMasterId r:id="rId9"/>
   </p:notesMasterIdLst>
   <p:sldIdLst>
     <p:sldId id="256" r:id="rId3"/>
     <p:sldId id="262" r:id="rId4"/>
     <p:sldId id="257" r:id="rId5"/>
     <p:sldId id="264" r:id="rId6"/>
-    <p:sldId id="263" r:id="rId7"/>
+    <p:sldId id="265" r:id="rId7"/>
+    <p:sldId id="263" r:id="rId8"/>
   </p:sldIdLst>
   <p:sldSz cx="12192000" cy="6858000"/>
   <p:notesSz cx="6858000" cy="9144000"/>
@@ -124,6 +125,7 @@
             <p14:sldId id="262"/>
             <p14:sldId id="257"/>
             <p14:sldId id="264"/>
+            <p14:sldId id="265"/>
           </p14:sldIdLst>
         </p14:section>
         <p14:section name="了解更多" id="{2CC34DB2-6590-42C0-AD4B-A04C6060184E}">
@@ -671,7 +673,7 @@
           <a:p>
             <a:fld id="{DF61EA0F-A667-4B49-8422-0062BC55E249}" type="slidenum">
               <a:rPr lang="en-US" altLang="zh-CN" smtClean="0"/>
-              <a:t>5</a:t>
+              <a:t>6</a:t>
             </a:fld>
             <a:endParaRPr lang="zh-CN"/>
           </a:p>
@@ -5878,7 +5880,7 @@
         <p:spPr>
           <a:xfrm>
             <a:off x="4141440" y="3068457"/>
-            <a:ext cx="1438714" cy="1017840"/>
+            <a:ext cx="1162080" cy="1017840"/>
           </a:xfrm>
           <a:prstGeom prst="rect">
             <a:avLst/>
@@ -5925,8 +5927,8 @@
         </p:nvSpPr>
         <p:spPr>
           <a:xfrm>
-            <a:off x="5856892" y="3059566"/>
-            <a:ext cx="1610330" cy="1017840"/>
+            <a:off x="5542180" y="3084980"/>
+            <a:ext cx="1207998" cy="1017840"/>
           </a:xfrm>
           <a:prstGeom prst="rect">
             <a:avLst/>
@@ -5978,8 +5980,8 @@
         </p:nvSpPr>
         <p:spPr>
           <a:xfrm>
-            <a:off x="7743960" y="3067588"/>
-            <a:ext cx="1494880" cy="1017840"/>
+            <a:off x="6988838" y="3077907"/>
+            <a:ext cx="1151846" cy="1017840"/>
           </a:xfrm>
           <a:prstGeom prst="rect">
             <a:avLst/>
@@ -6031,8 +6033,8 @@
         </p:nvSpPr>
         <p:spPr>
           <a:xfrm>
-            <a:off x="9499747" y="3044477"/>
-            <a:ext cx="1379430" cy="1017840"/>
+            <a:off x="9725010" y="3068457"/>
+            <a:ext cx="1172607" cy="1017840"/>
           </a:xfrm>
           <a:prstGeom prst="rect">
             <a:avLst/>
@@ -6076,6 +6078,59 @@
           </a:p>
         </p:txBody>
       </p:sp>
+      <p:sp>
+        <p:nvSpPr>
+          <p:cNvPr id="20" name="矩形 19"/>
+          <p:cNvSpPr/>
+          <p:nvPr/>
+        </p:nvSpPr>
+        <p:spPr>
+          <a:xfrm>
+            <a:off x="8379344" y="3068457"/>
+            <a:ext cx="1151846" cy="1017840"/>
+          </a:xfrm>
+          <a:prstGeom prst="rect">
+            <a:avLst/>
+          </a:prstGeom>
+          <a:noFill/>
+        </p:spPr>
+        <p:style>
+          <a:lnRef idx="2">
+            <a:schemeClr val="accent1">
+              <a:shade val="50000"/>
+            </a:schemeClr>
+          </a:lnRef>
+          <a:fillRef idx="1">
+            <a:schemeClr val="accent1"/>
+          </a:fillRef>
+          <a:effectRef idx="0">
+            <a:schemeClr val="accent1"/>
+          </a:effectRef>
+          <a:fontRef idx="minor">
+            <a:schemeClr val="lt1"/>
+          </a:fontRef>
+        </p:style>
+        <p:txBody>
+          <a:bodyPr rtlCol="0" anchor="ctr"/>
+          <a:lstStyle/>
+          <a:p>
+            <a:pPr algn="ctr"/>
+            <a:r>
+              <a:rPr lang="zh-CN" altLang="en-US" dirty="0" smtClean="0">
+                <a:solidFill>
+                  <a:schemeClr val="tx1"/>
+                </a:solidFill>
+              </a:rPr>
+              <a:t>检查检验</a:t>
+            </a:r>
+            <a:endParaRPr lang="zh-CN" altLang="en-US" dirty="0">
+              <a:solidFill>
+                <a:schemeClr val="tx1"/>
+              </a:solidFill>
+            </a:endParaRPr>
+          </a:p>
+        </p:txBody>
+      </p:sp>
     </p:spTree>
     <p:extLst>
       <p:ext uri="{BB962C8B-B14F-4D97-AF65-F5344CB8AC3E}">
@@ -6086,10 +6141,241 @@
   <p:clrMapOvr>
     <a:masterClrMapping/>
   </p:clrMapOvr>
+  <p:timing>
+    <p:tnLst>
+      <p:par>
+        <p:cTn id="1" dur="indefinite" restart="never" nodeType="tmRoot"/>
+      </p:par>
+    </p:tnLst>
+  </p:timing>
 </p:sld>
 </file>
 
 <file path=ppt/slides/slide5.xml><?xml version="1.0" encoding="utf-8"?>
+<p:sld xmlns:a="http://schemas.openxmlformats.org/drawingml/2006/main" xmlns:r="http://schemas.openxmlformats.org/officeDocument/2006/relationships" xmlns:p="http://schemas.openxmlformats.org/presentationml/2006/main">
+  <p:cSld>
+    <p:spTree>
+      <p:nvGrpSpPr>
+        <p:cNvPr id="1" name=""/>
+        <p:cNvGrpSpPr/>
+        <p:nvPr/>
+      </p:nvGrpSpPr>
+      <p:grpSpPr>
+        <a:xfrm>
+          <a:off x="0" y="0"/>
+          <a:ext cx="0" cy="0"/>
+          <a:chOff x="0" y="0"/>
+          <a:chExt cx="0" cy="0"/>
+        </a:xfrm>
+      </p:grpSpPr>
+      <p:sp>
+        <p:nvSpPr>
+          <p:cNvPr id="2" name="标题 1"/>
+          <p:cNvSpPr>
+            <a:spLocks noGrp="1"/>
+          </p:cNvSpPr>
+          <p:nvPr>
+            <p:ph type="title"/>
+          </p:nvPr>
+        </p:nvSpPr>
+        <p:spPr/>
+        <p:txBody>
+          <a:bodyPr>
+            <a:normAutofit/>
+          </a:bodyPr>
+          <a:lstStyle/>
+          <a:p>
+            <a:r>
+              <a:rPr lang="zh-CN" altLang="en-US" dirty="0" smtClean="0"/>
+              <a:t>特点分项讲解</a:t>
+            </a:r>
+            <a:r>
+              <a:rPr lang="en-US" altLang="zh-CN" sz="2000" dirty="0" smtClean="0"/>
+              <a:t>-</a:t>
+            </a:r>
+            <a:r>
+              <a:rPr lang="zh-CN" altLang="en-US" sz="2000" dirty="0"/>
+              <a:t>以患者为中心，联通患者初诊、复诊、住院等多个业务</a:t>
+            </a:r>
+            <a:r>
+              <a:rPr lang="zh-CN" altLang="en-US" sz="2000" dirty="0" smtClean="0"/>
+              <a:t>环节</a:t>
+            </a:r>
+            <a:endParaRPr lang="zh-CN" altLang="en-US" dirty="0"/>
+          </a:p>
+        </p:txBody>
+      </p:sp>
+      <p:pic>
+        <p:nvPicPr>
+          <p:cNvPr id="4" name="图片 3"/>
+          <p:cNvPicPr>
+            <a:picLocks noChangeAspect="1"/>
+          </p:cNvPicPr>
+          <p:nvPr/>
+        </p:nvPicPr>
+        <p:blipFill>
+          <a:blip r:embed="rId2"/>
+          <a:stretch>
+            <a:fillRect/>
+          </a:stretch>
+        </p:blipFill>
+        <p:spPr>
+          <a:xfrm>
+            <a:off x="430629" y="1208869"/>
+            <a:ext cx="4079589" cy="5531566"/>
+          </a:xfrm>
+          <a:prstGeom prst="rect">
+            <a:avLst/>
+          </a:prstGeom>
+        </p:spPr>
+      </p:pic>
+      <p:pic>
+        <p:nvPicPr>
+          <p:cNvPr id="6" name="图片 5"/>
+          <p:cNvPicPr>
+            <a:picLocks noChangeAspect="1"/>
+          </p:cNvPicPr>
+          <p:nvPr/>
+        </p:nvPicPr>
+        <p:blipFill>
+          <a:blip r:embed="rId3"/>
+          <a:stretch>
+            <a:fillRect/>
+          </a:stretch>
+        </p:blipFill>
+        <p:spPr>
+          <a:xfrm>
+            <a:off x="8163178" y="1615288"/>
+            <a:ext cx="3733333" cy="1371429"/>
+          </a:xfrm>
+          <a:prstGeom prst="rect">
+            <a:avLst/>
+          </a:prstGeom>
+        </p:spPr>
+      </p:pic>
+      <p:pic>
+        <p:nvPicPr>
+          <p:cNvPr id="7" name="图片 6"/>
+          <p:cNvPicPr>
+            <a:picLocks noChangeAspect="1"/>
+          </p:cNvPicPr>
+          <p:nvPr/>
+        </p:nvPicPr>
+        <p:blipFill>
+          <a:blip r:embed="rId4"/>
+          <a:stretch>
+            <a:fillRect/>
+          </a:stretch>
+        </p:blipFill>
+        <p:spPr>
+          <a:xfrm>
+            <a:off x="4698964" y="1615289"/>
+            <a:ext cx="3409524" cy="1371429"/>
+          </a:xfrm>
+          <a:prstGeom prst="rect">
+            <a:avLst/>
+          </a:prstGeom>
+        </p:spPr>
+      </p:pic>
+      <p:sp>
+        <p:nvSpPr>
+          <p:cNvPr id="8" name="内容占位符 2"/>
+          <p:cNvSpPr>
+            <a:spLocks noGrp="1"/>
+          </p:cNvSpPr>
+          <p:nvPr>
+            <p:ph idx="1"/>
+          </p:nvPr>
+        </p:nvSpPr>
+        <p:spPr>
+          <a:xfrm>
+            <a:off x="4863176" y="3393139"/>
+            <a:ext cx="6490625" cy="2850907"/>
+          </a:xfrm>
+        </p:spPr>
+        <p:txBody>
+          <a:bodyPr>
+            <a:normAutofit/>
+          </a:bodyPr>
+          <a:lstStyle/>
+          <a:p>
+            <a:r>
+              <a:rPr lang="zh-CN" altLang="en-US" dirty="0" smtClean="0">
+                <a:latin typeface="Microsoft YaHei UI" panose="020B0503020204020204" pitchFamily="34" charset="-122"/>
+                <a:ea typeface="Microsoft YaHei UI" panose="020B0503020204020204" pitchFamily="34" charset="-122"/>
+              </a:rPr>
+              <a:t>将连续的门诊看病和住院治病看作一次就诊，依此设计了患者一次就诊实体（</a:t>
+            </a:r>
+            <a:r>
+              <a:rPr lang="en-US" altLang="zh-CN" dirty="0" smtClean="0">
+                <a:latin typeface="Microsoft YaHei UI" panose="020B0503020204020204" pitchFamily="34" charset="-122"/>
+                <a:ea typeface="Microsoft YaHei UI" panose="020B0503020204020204" pitchFamily="34" charset="-122"/>
+              </a:rPr>
+              <a:t>Visit</a:t>
+            </a:r>
+            <a:r>
+              <a:rPr lang="zh-CN" altLang="en-US" dirty="0" smtClean="0">
+                <a:latin typeface="Microsoft YaHei UI" panose="020B0503020204020204" pitchFamily="34" charset="-122"/>
+                <a:ea typeface="Microsoft YaHei UI" panose="020B0503020204020204" pitchFamily="34" charset="-122"/>
+              </a:rPr>
+              <a:t>）</a:t>
+            </a:r>
+            <a:endParaRPr lang="en-US" altLang="zh-CN" dirty="0" smtClean="0">
+              <a:latin typeface="Microsoft YaHei UI" panose="020B0503020204020204" pitchFamily="34" charset="-122"/>
+              <a:ea typeface="Microsoft YaHei UI" panose="020B0503020204020204" pitchFamily="34" charset="-122"/>
+            </a:endParaRPr>
+          </a:p>
+          <a:p>
+            <a:r>
+              <a:rPr lang="zh-CN" altLang="en-US" dirty="0"/>
+              <a:t>患者一次就诊实体（</a:t>
+            </a:r>
+            <a:r>
+              <a:rPr lang="en-US" altLang="zh-CN" dirty="0"/>
+              <a:t>Visit</a:t>
+            </a:r>
+            <a:r>
+              <a:rPr lang="zh-CN" altLang="en-US" dirty="0" smtClean="0"/>
+              <a:t>）通过业务动作改变其状态</a:t>
+            </a:r>
+            <a:endParaRPr lang="en-US" altLang="zh-CN" dirty="0" smtClean="0"/>
+          </a:p>
+          <a:p>
+            <a:r>
+              <a:rPr lang="zh-CN" altLang="en-US" dirty="0" smtClean="0">
+                <a:latin typeface="Microsoft YaHei UI" panose="020B0503020204020204" pitchFamily="34" charset="-122"/>
+                <a:ea typeface="Microsoft YaHei UI" panose="020B0503020204020204" pitchFamily="34" charset="-122"/>
+              </a:rPr>
+              <a:t>如果业务差异性过大，未来考虑采用独立可配置的状态图来计算患者一次就诊的状态变化</a:t>
+            </a:r>
+            <a:endParaRPr lang="zh-CN" dirty="0">
+              <a:latin typeface="Microsoft YaHei UI" panose="020B0503020204020204" pitchFamily="34" charset="-122"/>
+              <a:ea typeface="Microsoft YaHei UI" panose="020B0503020204020204" pitchFamily="34" charset="-122"/>
+            </a:endParaRPr>
+          </a:p>
+        </p:txBody>
+      </p:sp>
+    </p:spTree>
+    <p:extLst>
+      <p:ext uri="{BB962C8B-B14F-4D97-AF65-F5344CB8AC3E}">
+        <p14:creationId xmlns:p14="http://schemas.microsoft.com/office/powerpoint/2010/main" val="3003115549"/>
+      </p:ext>
+    </p:extLst>
+  </p:cSld>
+  <p:clrMapOvr>
+    <a:masterClrMapping/>
+  </p:clrMapOvr>
+  <p:timing>
+    <p:tnLst>
+      <p:par>
+        <p:cTn id="1" dur="indefinite" restart="never" nodeType="tmRoot"/>
+      </p:par>
+    </p:tnLst>
+  </p:timing>
+</p:sld>
+</file>
+
+<file path=ppt/slides/slide6.xml><?xml version="1.0" encoding="utf-8"?>
 <p:sld xmlns:a="http://schemas.openxmlformats.org/drawingml/2006/main" xmlns:r="http://schemas.openxmlformats.org/officeDocument/2006/relationships" xmlns:p="http://schemas.openxmlformats.org/presentationml/2006/main">
   <p:cSld>
     <p:spTree>

--- a/doc/EVE新一代HIS核心系统.pptx
+++ b/doc/EVE新一代HIS核心系统.pptx
@@ -5,7 +5,7 @@
     <p:sldMasterId id="2147483660" r:id="rId2"/>
   </p:sldMasterIdLst>
   <p:notesMasterIdLst>
-    <p:notesMasterId r:id="rId9"/>
+    <p:notesMasterId r:id="rId10"/>
   </p:notesMasterIdLst>
   <p:sldIdLst>
     <p:sldId id="256" r:id="rId3"/>
@@ -13,7 +13,8 @@
     <p:sldId id="257" r:id="rId5"/>
     <p:sldId id="264" r:id="rId6"/>
     <p:sldId id="265" r:id="rId7"/>
-    <p:sldId id="263" r:id="rId8"/>
+    <p:sldId id="266" r:id="rId8"/>
+    <p:sldId id="263" r:id="rId9"/>
   </p:sldIdLst>
   <p:sldSz cx="12192000" cy="6858000"/>
   <p:notesSz cx="6858000" cy="9144000"/>
@@ -126,6 +127,7 @@
             <p14:sldId id="257"/>
             <p14:sldId id="264"/>
             <p14:sldId id="265"/>
+            <p14:sldId id="266"/>
           </p14:sldIdLst>
         </p14:section>
         <p14:section name="了解更多" id="{2CC34DB2-6590-42C0-AD4B-A04C6060184E}">
@@ -673,7 +675,7 @@
           <a:p>
             <a:fld id="{DF61EA0F-A667-4B49-8422-0062BC55E249}" type="slidenum">
               <a:rPr lang="en-US" altLang="zh-CN" smtClean="0"/>
-              <a:t>6</a:t>
+              <a:t>7</a:t>
             </a:fld>
             <a:endParaRPr lang="zh-CN"/>
           </a:p>
@@ -5399,8 +5401,8 @@
         </p:nvSpPr>
         <p:spPr>
           <a:xfrm>
-            <a:off x="4338407" y="4894982"/>
-            <a:ext cx="2323650" cy="557714"/>
+            <a:off x="4101160" y="4864241"/>
+            <a:ext cx="2963730" cy="984386"/>
           </a:xfrm>
           <a:prstGeom prst="rect">
             <a:avLst/>
@@ -5737,7 +5739,7 @@
           </a:fontRef>
         </p:style>
         <p:txBody>
-          <a:bodyPr rtlCol="0" anchor="ctr"/>
+          <a:bodyPr rtlCol="0" anchor="t" anchorCtr="0"/>
           <a:lstStyle/>
           <a:p>
             <a:pPr algn="ctr"/>
@@ -6304,7 +6306,7 @@
                 <a:latin typeface="Microsoft YaHei UI" panose="020B0503020204020204" pitchFamily="34" charset="-122"/>
                 <a:ea typeface="Microsoft YaHei UI" panose="020B0503020204020204" pitchFamily="34" charset="-122"/>
               </a:rPr>
-              <a:t>将连续的门诊看病和住院治病看作一次就诊，依此设计了患者一次就诊实体（</a:t>
+              <a:t>将连续的门诊看病和住院治病视作一次就诊，依此设计了患者一次就诊实体（</a:t>
             </a:r>
             <a:r>
               <a:rPr lang="en-US" altLang="zh-CN" dirty="0" smtClean="0">
@@ -6376,6 +6378,180 @@
 </file>
 
 <file path=ppt/slides/slide6.xml><?xml version="1.0" encoding="utf-8"?>
+<p:sld xmlns:a="http://schemas.openxmlformats.org/drawingml/2006/main" xmlns:r="http://schemas.openxmlformats.org/officeDocument/2006/relationships" xmlns:p="http://schemas.openxmlformats.org/presentationml/2006/main">
+  <p:cSld>
+    <p:spTree>
+      <p:nvGrpSpPr>
+        <p:cNvPr id="1" name=""/>
+        <p:cNvGrpSpPr/>
+        <p:nvPr/>
+      </p:nvGrpSpPr>
+      <p:grpSpPr>
+        <a:xfrm>
+          <a:off x="0" y="0"/>
+          <a:ext cx="0" cy="0"/>
+          <a:chOff x="0" y="0"/>
+          <a:chExt cx="0" cy="0"/>
+        </a:xfrm>
+      </p:grpSpPr>
+      <p:sp>
+        <p:nvSpPr>
+          <p:cNvPr id="2" name="标题 1"/>
+          <p:cNvSpPr>
+            <a:spLocks noGrp="1"/>
+          </p:cNvSpPr>
+          <p:nvPr>
+            <p:ph type="title"/>
+          </p:nvPr>
+        </p:nvSpPr>
+        <p:spPr/>
+        <p:txBody>
+          <a:bodyPr/>
+          <a:lstStyle/>
+          <a:p>
+            <a:r>
+              <a:rPr lang="zh-CN" altLang="en-US" dirty="0"/>
+              <a:t>特点分项讲解</a:t>
+            </a:r>
+            <a:r>
+              <a:rPr lang="en-US" altLang="zh-CN" dirty="0" smtClean="0"/>
+              <a:t>-</a:t>
+            </a:r>
+            <a:r>
+              <a:rPr lang="zh-CN" altLang="en-US" sz="2000" dirty="0"/>
+              <a:t>患者诊疗信息、医嘱、病历高度互动</a:t>
+            </a:r>
+            <a:endParaRPr lang="en-US" altLang="zh-CN" sz="2000" dirty="0"/>
+          </a:p>
+        </p:txBody>
+      </p:sp>
+      <p:pic>
+        <p:nvPicPr>
+          <p:cNvPr id="5" name="图片 4"/>
+          <p:cNvPicPr>
+            <a:picLocks noChangeAspect="1"/>
+          </p:cNvPicPr>
+          <p:nvPr/>
+        </p:nvPicPr>
+        <p:blipFill>
+          <a:blip r:embed="rId2"/>
+          <a:stretch>
+            <a:fillRect/>
+          </a:stretch>
+        </p:blipFill>
+        <p:spPr>
+          <a:xfrm>
+            <a:off x="348067" y="1625647"/>
+            <a:ext cx="6382984" cy="4848895"/>
+          </a:xfrm>
+          <a:prstGeom prst="rect">
+            <a:avLst/>
+          </a:prstGeom>
+        </p:spPr>
+      </p:pic>
+      <p:sp>
+        <p:nvSpPr>
+          <p:cNvPr id="6" name="内容占位符 2"/>
+          <p:cNvSpPr>
+            <a:spLocks noGrp="1"/>
+          </p:cNvSpPr>
+          <p:nvPr>
+            <p:ph idx="1"/>
+          </p:nvPr>
+        </p:nvSpPr>
+        <p:spPr>
+          <a:xfrm>
+            <a:off x="7013572" y="3187794"/>
+            <a:ext cx="4810128" cy="3670253"/>
+          </a:xfrm>
+        </p:spPr>
+        <p:txBody>
+          <a:bodyPr>
+            <a:normAutofit/>
+          </a:bodyPr>
+          <a:lstStyle/>
+          <a:p>
+            <a:r>
+              <a:rPr lang="zh-CN" altLang="en-US" dirty="0" smtClean="0">
+                <a:latin typeface="Microsoft YaHei UI" panose="020B0503020204020204" pitchFamily="34" charset="-122"/>
+                <a:ea typeface="Microsoft YaHei UI" panose="020B0503020204020204" pitchFamily="34" charset="-122"/>
+              </a:rPr>
+              <a:t>通过病历类型与患者诊疗信息项类型关联实现了在生成病历时数据来源于患者诊疗信息</a:t>
+            </a:r>
+            <a:endParaRPr lang="en-US" altLang="zh-CN" dirty="0" smtClean="0">
+              <a:latin typeface="Microsoft YaHei UI" panose="020B0503020204020204" pitchFamily="34" charset="-122"/>
+              <a:ea typeface="Microsoft YaHei UI" panose="020B0503020204020204" pitchFamily="34" charset="-122"/>
+            </a:endParaRPr>
+          </a:p>
+          <a:p>
+            <a:r>
+              <a:rPr lang="zh-CN" altLang="en-US" dirty="0" smtClean="0"/>
+              <a:t>患者诊疗信息独立于病历，可独立生成和维护，可以通过病历来展示和修改</a:t>
+            </a:r>
+            <a:endParaRPr lang="en-US" altLang="zh-CN" dirty="0" smtClean="0"/>
+          </a:p>
+          <a:p>
+            <a:r>
+              <a:rPr lang="zh-CN" altLang="en-US" dirty="0" smtClean="0"/>
+              <a:t>医嘱生成的患者临时医嘱列表被认为是一项诊疗信息类型，患者临时医嘱单由患者姓名、</a:t>
+            </a:r>
+            <a:r>
+              <a:rPr lang="zh-CN" altLang="en-US" dirty="0"/>
+              <a:t>患者临时医嘱</a:t>
+            </a:r>
+            <a:r>
+              <a:rPr lang="zh-CN" altLang="en-US" dirty="0" smtClean="0"/>
+              <a:t>列表等信息组成</a:t>
+            </a:r>
+            <a:endParaRPr lang="en-US" altLang="zh-CN" dirty="0" smtClean="0"/>
+          </a:p>
+        </p:txBody>
+      </p:sp>
+      <p:pic>
+        <p:nvPicPr>
+          <p:cNvPr id="7" name="图片 6"/>
+          <p:cNvPicPr>
+            <a:picLocks noChangeAspect="1"/>
+          </p:cNvPicPr>
+          <p:nvPr/>
+        </p:nvPicPr>
+        <p:blipFill>
+          <a:blip r:embed="rId3"/>
+          <a:stretch>
+            <a:fillRect/>
+          </a:stretch>
+        </p:blipFill>
+        <p:spPr>
+          <a:xfrm>
+            <a:off x="7102472" y="1498647"/>
+            <a:ext cx="4606928" cy="1412439"/>
+          </a:xfrm>
+          <a:prstGeom prst="rect">
+            <a:avLst/>
+          </a:prstGeom>
+        </p:spPr>
+      </p:pic>
+    </p:spTree>
+    <p:extLst>
+      <p:ext uri="{BB962C8B-B14F-4D97-AF65-F5344CB8AC3E}">
+        <p14:creationId xmlns:p14="http://schemas.microsoft.com/office/powerpoint/2010/main" val="2956261430"/>
+      </p:ext>
+    </p:extLst>
+  </p:cSld>
+  <p:clrMapOvr>
+    <a:masterClrMapping/>
+  </p:clrMapOvr>
+  <p:timing>
+    <p:tnLst>
+      <p:par>
+        <p:cTn id="1" dur="indefinite" restart="never" nodeType="tmRoot"/>
+      </p:par>
+    </p:tnLst>
+  </p:timing>
+</p:sld>
+</file>
+
+<file path=ppt/slides/slide7.xml><?xml version="1.0" encoding="utf-8"?>
 <p:sld xmlns:a="http://schemas.openxmlformats.org/drawingml/2006/main" xmlns:r="http://schemas.openxmlformats.org/officeDocument/2006/relationships" xmlns:p="http://schemas.openxmlformats.org/presentationml/2006/main">
   <p:cSld>
     <p:spTree>

--- a/doc/EVE新一代HIS核心系统.pptx
+++ b/doc/EVE新一代HIS核心系统.pptx
@@ -5,16 +5,17 @@
     <p:sldMasterId id="2147483660" r:id="rId2"/>
   </p:sldMasterIdLst>
   <p:notesMasterIdLst>
-    <p:notesMasterId r:id="rId10"/>
+    <p:notesMasterId r:id="rId11"/>
   </p:notesMasterIdLst>
   <p:sldIdLst>
     <p:sldId id="256" r:id="rId3"/>
-    <p:sldId id="262" r:id="rId4"/>
-    <p:sldId id="257" r:id="rId5"/>
-    <p:sldId id="264" r:id="rId6"/>
-    <p:sldId id="265" r:id="rId7"/>
-    <p:sldId id="266" r:id="rId8"/>
-    <p:sldId id="263" r:id="rId9"/>
+    <p:sldId id="257" r:id="rId4"/>
+    <p:sldId id="264" r:id="rId5"/>
+    <p:sldId id="265" r:id="rId6"/>
+    <p:sldId id="266" r:id="rId7"/>
+    <p:sldId id="267" r:id="rId8"/>
+    <p:sldId id="268" r:id="rId9"/>
+    <p:sldId id="263" r:id="rId10"/>
   </p:sldIdLst>
   <p:sldSz cx="12192000" cy="6858000"/>
   <p:notesSz cx="6858000" cy="9144000"/>
@@ -123,11 +124,12 @@
         </p14:section>
         <p14:section name="设计、令人印象深刻、协作" id="{B9B51309-D148-4332-87C2-07BE32FBCA3B}">
           <p14:sldIdLst>
-            <p14:sldId id="262"/>
             <p14:sldId id="257"/>
             <p14:sldId id="264"/>
             <p14:sldId id="265"/>
             <p14:sldId id="266"/>
+            <p14:sldId id="267"/>
+            <p14:sldId id="268"/>
           </p14:sldIdLst>
         </p14:section>
         <p14:section name="了解更多" id="{2CC34DB2-6590-42C0-AD4B-A04C6060184E}">
@@ -675,7 +677,7 @@
           <a:p>
             <a:fld id="{DF61EA0F-A667-4B49-8422-0062BC55E249}" type="slidenum">
               <a:rPr lang="en-US" altLang="zh-CN" smtClean="0"/>
-              <a:t>7</a:t>
+              <a:t>8</a:t>
             </a:fld>
             <a:endParaRPr lang="zh-CN"/>
           </a:p>
@@ -4963,45 +4965,88 @@
           <a:lstStyle/>
           <a:p>
             <a:r>
-              <a:rPr lang="zh-CN" altLang="en-US" dirty="0"/>
-              <a:t>提纲</a:t>
-            </a:r>
-            <a:endParaRPr lang="zh-CN" dirty="0">
-              <a:latin typeface="Microsoft YaHei UI" panose="020B0503020204020204" pitchFamily="34" charset="-122"/>
-              <a:ea typeface="Microsoft YaHei UI" panose="020B0503020204020204" pitchFamily="34" charset="-122"/>
-            </a:endParaRPr>
-          </a:p>
-        </p:txBody>
-      </p:sp>
-      <p:sp>
-        <p:nvSpPr>
-          <p:cNvPr id="3" name="内容占位符 2"/>
-          <p:cNvSpPr>
-            <a:spLocks noGrp="1"/>
-          </p:cNvSpPr>
-          <p:nvPr>
-            <p:ph idx="1"/>
-          </p:nvPr>
-        </p:nvSpPr>
-        <p:spPr>
-          <a:xfrm>
-            <a:off x="838200" y="1825624"/>
-            <a:ext cx="4876800" cy="4447761"/>
-          </a:xfrm>
-        </p:spPr>
-        <p:txBody>
-          <a:bodyPr>
-            <a:normAutofit/>
-          </a:bodyPr>
-          <a:lstStyle/>
-          <a:p>
-            <a:r>
               <a:rPr lang="zh-CN" altLang="en-US" dirty="0" smtClean="0">
                 <a:latin typeface="Microsoft YaHei UI" panose="020B0503020204020204" pitchFamily="34" charset="-122"/>
                 <a:ea typeface="Microsoft YaHei UI" panose="020B0503020204020204" pitchFamily="34" charset="-122"/>
               </a:rPr>
               <a:t>特点</a:t>
             </a:r>
+            <a:endParaRPr lang="zh-CN" dirty="0">
+              <a:latin typeface="Microsoft YaHei UI" panose="020B0503020204020204" pitchFamily="34" charset="-122"/>
+              <a:ea typeface="Microsoft YaHei UI" panose="020B0503020204020204" pitchFamily="34" charset="-122"/>
+            </a:endParaRPr>
+          </a:p>
+        </p:txBody>
+      </p:sp>
+      <p:sp>
+        <p:nvSpPr>
+          <p:cNvPr id="10" name="内容占位符 2"/>
+          <p:cNvSpPr>
+            <a:spLocks noGrp="1"/>
+          </p:cNvSpPr>
+          <p:nvPr>
+            <p:ph idx="1"/>
+          </p:nvPr>
+        </p:nvSpPr>
+        <p:spPr>
+          <a:xfrm>
+            <a:off x="838201" y="1825625"/>
+            <a:ext cx="11037710" cy="4351338"/>
+          </a:xfrm>
+        </p:spPr>
+        <p:txBody>
+          <a:bodyPr>
+            <a:normAutofit lnSpcReduction="10000"/>
+          </a:bodyPr>
+          <a:lstStyle/>
+          <a:p>
+            <a:r>
+              <a:rPr lang="zh-CN" altLang="en-US" dirty="0" smtClean="0"/>
+              <a:t>以患者为中心，联通患者初诊、复诊、住院等多个业务环节</a:t>
+            </a:r>
+            <a:endParaRPr lang="en-US" altLang="zh-CN" dirty="0" smtClean="0"/>
+          </a:p>
+          <a:p>
+            <a:r>
+              <a:rPr lang="zh-CN" altLang="en-US" dirty="0" smtClean="0"/>
+              <a:t>患者诊疗信息、医嘱、病历高度互动</a:t>
+            </a:r>
+            <a:endParaRPr lang="en-US" altLang="zh-CN" dirty="0" smtClean="0"/>
+          </a:p>
+          <a:p>
+            <a:r>
+              <a:rPr lang="zh-CN" altLang="en-US" dirty="0" smtClean="0"/>
+              <a:t>以医嘱为核心驱动院内绝大部分诊疗行为，自动向医生、护士推送待做事项，并提供基于人员、部门、单笔业务等多角度的绩效数据</a:t>
+            </a:r>
+            <a:endParaRPr lang="en-US" altLang="zh-CN" dirty="0" smtClean="0"/>
+          </a:p>
+          <a:p>
+            <a:r>
+              <a:rPr lang="zh-CN" altLang="en-US" dirty="0" smtClean="0"/>
+              <a:t>诊疗业务与计费业务</a:t>
+            </a:r>
+            <a:r>
+              <a:rPr lang="zh-CN" altLang="en-US" dirty="0" smtClean="0"/>
+              <a:t>实现</a:t>
+            </a:r>
+            <a:r>
+              <a:rPr lang="zh-CN" altLang="en-US" dirty="0" smtClean="0"/>
+              <a:t>了真正</a:t>
+            </a:r>
+            <a:r>
+              <a:rPr lang="zh-CN" altLang="en-US" dirty="0" smtClean="0"/>
+              <a:t>分离</a:t>
+            </a:r>
+            <a:endParaRPr lang="en-US" altLang="zh-CN" dirty="0" smtClean="0"/>
+          </a:p>
+          <a:p>
+            <a:r>
+              <a:rPr lang="zh-CN" altLang="en-US" dirty="0" smtClean="0">
+                <a:latin typeface="Microsoft YaHei UI" panose="020B0503020204020204" pitchFamily="34" charset="-122"/>
+                <a:ea typeface="Microsoft YaHei UI" panose="020B0503020204020204" pitchFamily="34" charset="-122"/>
+              </a:rPr>
+              <a:t>支持核心资产研发与本地化研发的分离，系统提供多种手段满足个性化业务扩展</a:t>
+            </a:r>
             <a:endParaRPr lang="en-US" altLang="zh-CN" dirty="0" smtClean="0">
               <a:latin typeface="Microsoft YaHei UI" panose="020B0503020204020204" pitchFamily="34" charset="-122"/>
               <a:ea typeface="Microsoft YaHei UI" panose="020B0503020204020204" pitchFamily="34" charset="-122"/>
@@ -5009,26 +5054,54 @@
           </a:p>
           <a:p>
             <a:r>
-              <a:rPr lang="zh-CN" altLang="en-US" dirty="0"/>
-              <a:t>内容</a:t>
+              <a:rPr lang="zh-CN" altLang="en-US" dirty="0" smtClean="0"/>
+              <a:t>系统通过</a:t>
+            </a:r>
+            <a:r>
+              <a:rPr lang="en-US" altLang="zh-CN" dirty="0" err="1" smtClean="0"/>
+              <a:t>OpenAPI</a:t>
+            </a:r>
+            <a:r>
+              <a:rPr lang="zh-CN" altLang="en-US" dirty="0" smtClean="0"/>
+              <a:t>和</a:t>
+            </a:r>
+            <a:r>
+              <a:rPr lang="en-US" altLang="zh-CN" dirty="0" smtClean="0"/>
+              <a:t>EDA</a:t>
+            </a:r>
+            <a:r>
+              <a:rPr lang="zh-CN" altLang="en-US" dirty="0" smtClean="0"/>
+              <a:t>的方式灵活的实现与医院其他</a:t>
+            </a:r>
+            <a:r>
+              <a:rPr lang="zh-CN" altLang="en-US" dirty="0" smtClean="0"/>
+              <a:t>专有软件系统</a:t>
+            </a:r>
+            <a:r>
+              <a:rPr lang="zh-CN" altLang="en-US" dirty="0" smtClean="0"/>
+              <a:t>的交互</a:t>
+            </a:r>
+            <a:endParaRPr lang="en-US" altLang="zh-CN" dirty="0" smtClean="0"/>
+          </a:p>
+          <a:p>
+            <a:r>
+              <a:rPr lang="zh-CN" altLang="en-US" dirty="0" smtClean="0">
+                <a:latin typeface="Microsoft YaHei UI" panose="020B0503020204020204" pitchFamily="34" charset="-122"/>
+                <a:ea typeface="Microsoft YaHei UI" panose="020B0503020204020204" pitchFamily="34" charset="-122"/>
+              </a:rPr>
+              <a:t>系统通过严格的错误处理设计和测试设计保证核心代码的质量，以及应用核心代码出现问题时定位问题的效率</a:t>
             </a:r>
             <a:endParaRPr lang="zh-CN" dirty="0">
               <a:latin typeface="Microsoft YaHei UI" panose="020B0503020204020204" pitchFamily="34" charset="-122"/>
               <a:ea typeface="Microsoft YaHei UI" panose="020B0503020204020204" pitchFamily="34" charset="-122"/>
             </a:endParaRPr>
           </a:p>
-          <a:p>
-            <a:endParaRPr lang="zh-CN" dirty="0">
-              <a:latin typeface="Microsoft YaHei UI" panose="020B0503020204020204" pitchFamily="34" charset="-122"/>
-              <a:ea typeface="Microsoft YaHei UI" panose="020B0503020204020204" pitchFamily="34" charset="-122"/>
-            </a:endParaRPr>
-          </a:p>
         </p:txBody>
       </p:sp>
     </p:spTree>
     <p:extLst>
       <p:ext uri="{BB962C8B-B14F-4D97-AF65-F5344CB8AC3E}">
-        <p14:creationId xmlns:p14="http://schemas.microsoft.com/office/powerpoint/2010/main" val="2090733893"/>
+        <p14:creationId xmlns:p14="http://schemas.microsoft.com/office/powerpoint/2010/main" val="1328676004"/>
       </p:ext>
     </p:extLst>
   </p:cSld>
@@ -5086,135 +5159,855 @@
           <a:lstStyle/>
           <a:p>
             <a:r>
+              <a:rPr lang="zh-CN" altLang="en-US" dirty="0" smtClean="0"/>
+              <a:t>内容</a:t>
+            </a:r>
+            <a:endParaRPr lang="zh-CN" altLang="en-US" dirty="0"/>
+          </a:p>
+        </p:txBody>
+      </p:sp>
+      <p:sp>
+        <p:nvSpPr>
+          <p:cNvPr id="4" name="矩形 3"/>
+          <p:cNvSpPr/>
+          <p:nvPr/>
+        </p:nvSpPr>
+        <p:spPr>
+          <a:xfrm>
+            <a:off x="4338406" y="6126479"/>
+            <a:ext cx="2323651" cy="560143"/>
+          </a:xfrm>
+          <a:prstGeom prst="rect">
+            <a:avLst/>
+          </a:prstGeom>
+          <a:noFill/>
+        </p:spPr>
+        <p:style>
+          <a:lnRef idx="2">
+            <a:schemeClr val="accent1">
+              <a:shade val="50000"/>
+            </a:schemeClr>
+          </a:lnRef>
+          <a:fillRef idx="1">
+            <a:schemeClr val="accent1"/>
+          </a:fillRef>
+          <a:effectRef idx="0">
+            <a:schemeClr val="accent1"/>
+          </a:effectRef>
+          <a:fontRef idx="minor">
+            <a:schemeClr val="lt1"/>
+          </a:fontRef>
+        </p:style>
+        <p:txBody>
+          <a:bodyPr rtlCol="0" anchor="ctr"/>
+          <a:lstStyle/>
+          <a:p>
+            <a:pPr algn="ctr"/>
+            <a:r>
               <a:rPr lang="zh-CN" altLang="en-US" dirty="0" smtClean="0">
-                <a:latin typeface="Microsoft YaHei UI" panose="020B0503020204020204" pitchFamily="34" charset="-122"/>
-                <a:ea typeface="Microsoft YaHei UI" panose="020B0503020204020204" pitchFamily="34" charset="-122"/>
+                <a:solidFill>
+                  <a:schemeClr val="tx1"/>
+                </a:solidFill>
               </a:rPr>
-              <a:t>特点</a:t>
-            </a:r>
-            <a:endParaRPr lang="zh-CN" dirty="0">
-              <a:latin typeface="Microsoft YaHei UI" panose="020B0503020204020204" pitchFamily="34" charset="-122"/>
-              <a:ea typeface="Microsoft YaHei UI" panose="020B0503020204020204" pitchFamily="34" charset="-122"/>
+              <a:t>患者生命周期</a:t>
+            </a:r>
+            <a:endParaRPr lang="zh-CN" altLang="en-US" dirty="0">
+              <a:solidFill>
+                <a:schemeClr val="tx1"/>
+              </a:solidFill>
             </a:endParaRPr>
           </a:p>
         </p:txBody>
       </p:sp>
       <p:sp>
         <p:nvSpPr>
-          <p:cNvPr id="10" name="内容占位符 2"/>
-          <p:cNvSpPr>
-            <a:spLocks noGrp="1"/>
-          </p:cNvSpPr>
-          <p:nvPr>
-            <p:ph idx="1"/>
-          </p:nvPr>
-        </p:nvSpPr>
-        <p:spPr>
-          <a:xfrm>
-            <a:off x="838201" y="1825625"/>
-            <a:ext cx="11037710" cy="4351338"/>
-          </a:xfrm>
-        </p:spPr>
-        <p:txBody>
-          <a:bodyPr>
-            <a:normAutofit lnSpcReduction="10000"/>
-          </a:bodyPr>
-          <a:lstStyle/>
-          <a:p>
-            <a:r>
-              <a:rPr lang="zh-CN" altLang="en-US" dirty="0" smtClean="0"/>
-              <a:t>以患者为中心，联通患者初诊、复诊、住院等多个业务环节</a:t>
-            </a:r>
-            <a:endParaRPr lang="en-US" altLang="zh-CN" dirty="0" smtClean="0"/>
-          </a:p>
-          <a:p>
-            <a:r>
-              <a:rPr lang="zh-CN" altLang="en-US" dirty="0" smtClean="0"/>
-              <a:t>患者诊疗信息、医嘱、病历高度互动</a:t>
-            </a:r>
-            <a:endParaRPr lang="en-US" altLang="zh-CN" dirty="0" smtClean="0"/>
-          </a:p>
-          <a:p>
-            <a:r>
-              <a:rPr lang="zh-CN" altLang="en-US" dirty="0" smtClean="0"/>
-              <a:t>以医嘱为核心驱动院内绝大部分诊疗行为，自动向医生、护士推送待做事项，并提供基于人员、部门、单笔业务等多角度的绩效数据</a:t>
-            </a:r>
-            <a:endParaRPr lang="en-US" altLang="zh-CN" dirty="0" smtClean="0"/>
-          </a:p>
-          <a:p>
-            <a:r>
-              <a:rPr lang="zh-CN" altLang="en-US" dirty="0" smtClean="0"/>
-              <a:t>诊疗业务与计费业务</a:t>
-            </a:r>
-            <a:r>
-              <a:rPr lang="zh-CN" altLang="en-US" dirty="0" smtClean="0"/>
-              <a:t>实现</a:t>
-            </a:r>
-            <a:r>
-              <a:rPr lang="zh-CN" altLang="en-US" dirty="0" smtClean="0"/>
-              <a:t>了真正</a:t>
-            </a:r>
-            <a:r>
-              <a:rPr lang="zh-CN" altLang="en-US" dirty="0" smtClean="0"/>
-              <a:t>分离</a:t>
-            </a:r>
-            <a:endParaRPr lang="en-US" altLang="zh-CN" dirty="0" smtClean="0"/>
-          </a:p>
-          <a:p>
+          <p:cNvPr id="5" name="矩形 4"/>
+          <p:cNvSpPr/>
+          <p:nvPr/>
+        </p:nvSpPr>
+        <p:spPr>
+          <a:xfrm>
+            <a:off x="7865811" y="4655629"/>
+            <a:ext cx="2323651" cy="478705"/>
+          </a:xfrm>
+          <a:prstGeom prst="rect">
+            <a:avLst/>
+          </a:prstGeom>
+          <a:noFill/>
+        </p:spPr>
+        <p:style>
+          <a:lnRef idx="2">
+            <a:schemeClr val="accent1">
+              <a:shade val="50000"/>
+            </a:schemeClr>
+          </a:lnRef>
+          <a:fillRef idx="1">
+            <a:schemeClr val="accent1"/>
+          </a:fillRef>
+          <a:effectRef idx="0">
+            <a:schemeClr val="accent1"/>
+          </a:effectRef>
+          <a:fontRef idx="minor">
+            <a:schemeClr val="lt1"/>
+          </a:fontRef>
+        </p:style>
+        <p:txBody>
+          <a:bodyPr rtlCol="0" anchor="ctr"/>
+          <a:lstStyle/>
+          <a:p>
+            <a:pPr algn="ctr"/>
             <a:r>
               <a:rPr lang="zh-CN" altLang="en-US" dirty="0" smtClean="0">
-                <a:latin typeface="Microsoft YaHei UI" panose="020B0503020204020204" pitchFamily="34" charset="-122"/>
-                <a:ea typeface="Microsoft YaHei UI" panose="020B0503020204020204" pitchFamily="34" charset="-122"/>
+                <a:solidFill>
+                  <a:schemeClr val="tx1"/>
+                </a:solidFill>
               </a:rPr>
-              <a:t>支持核心资产研发与本地化研发的分离，系统提供多种手段满足个性化业务扩展</a:t>
-            </a:r>
-            <a:endParaRPr lang="en-US" altLang="zh-CN" dirty="0" smtClean="0">
-              <a:latin typeface="Microsoft YaHei UI" panose="020B0503020204020204" pitchFamily="34" charset="-122"/>
-              <a:ea typeface="Microsoft YaHei UI" panose="020B0503020204020204" pitchFamily="34" charset="-122"/>
+              <a:t>病历编写</a:t>
+            </a:r>
+            <a:endParaRPr lang="zh-CN" altLang="en-US" dirty="0">
+              <a:solidFill>
+                <a:schemeClr val="tx1"/>
+              </a:solidFill>
             </a:endParaRPr>
           </a:p>
-          <a:p>
-            <a:r>
-              <a:rPr lang="zh-CN" altLang="en-US" dirty="0" smtClean="0"/>
-              <a:t>系统通过</a:t>
-            </a:r>
-            <a:r>
-              <a:rPr lang="en-US" altLang="zh-CN" dirty="0" err="1" smtClean="0"/>
-              <a:t>OpenAPI</a:t>
-            </a:r>
-            <a:r>
-              <a:rPr lang="zh-CN" altLang="en-US" dirty="0" smtClean="0"/>
-              <a:t>和</a:t>
-            </a:r>
-            <a:r>
-              <a:rPr lang="en-US" altLang="zh-CN" dirty="0" smtClean="0"/>
-              <a:t>EDA</a:t>
-            </a:r>
-            <a:r>
-              <a:rPr lang="zh-CN" altLang="en-US" dirty="0" smtClean="0"/>
-              <a:t>的方式灵活的实现与医院其他</a:t>
-            </a:r>
-            <a:r>
-              <a:rPr lang="zh-CN" altLang="en-US" dirty="0" smtClean="0"/>
-              <a:t>专有软件系统</a:t>
-            </a:r>
-            <a:r>
-              <a:rPr lang="zh-CN" altLang="en-US" dirty="0" smtClean="0"/>
-              <a:t>的交互</a:t>
-            </a:r>
-            <a:endParaRPr lang="en-US" altLang="zh-CN" dirty="0" smtClean="0"/>
-          </a:p>
-          <a:p>
+        </p:txBody>
+      </p:sp>
+      <p:sp>
+        <p:nvSpPr>
+          <p:cNvPr id="6" name="矩形 5"/>
+          <p:cNvSpPr/>
+          <p:nvPr/>
+        </p:nvSpPr>
+        <p:spPr>
+          <a:xfrm>
+            <a:off x="4101160" y="4864241"/>
+            <a:ext cx="2963730" cy="984386"/>
+          </a:xfrm>
+          <a:prstGeom prst="rect">
+            <a:avLst/>
+          </a:prstGeom>
+          <a:noFill/>
+        </p:spPr>
+        <p:style>
+          <a:lnRef idx="2">
+            <a:schemeClr val="accent1">
+              <a:shade val="50000"/>
+            </a:schemeClr>
+          </a:lnRef>
+          <a:fillRef idx="1">
+            <a:schemeClr val="accent1"/>
+          </a:fillRef>
+          <a:effectRef idx="0">
+            <a:schemeClr val="accent1"/>
+          </a:effectRef>
+          <a:fontRef idx="minor">
+            <a:schemeClr val="lt1"/>
+          </a:fontRef>
+        </p:style>
+        <p:txBody>
+          <a:bodyPr rtlCol="0" anchor="ctr"/>
+          <a:lstStyle/>
+          <a:p>
+            <a:pPr algn="ctr"/>
             <a:r>
               <a:rPr lang="zh-CN" altLang="en-US" dirty="0" smtClean="0">
-                <a:latin typeface="Microsoft YaHei UI" panose="020B0503020204020204" pitchFamily="34" charset="-122"/>
-                <a:ea typeface="Microsoft YaHei UI" panose="020B0503020204020204" pitchFamily="34" charset="-122"/>
+                <a:solidFill>
+                  <a:schemeClr val="tx1"/>
+                </a:solidFill>
               </a:rPr>
-              <a:t>系统通过严格的错误处理设计和测试设计保证核心代码的质量，以及应用核心代码出现问题时定位问题的效率</a:t>
-            </a:r>
-            <a:endParaRPr lang="zh-CN" dirty="0">
-              <a:latin typeface="Microsoft YaHei UI" panose="020B0503020204020204" pitchFamily="34" charset="-122"/>
-              <a:ea typeface="Microsoft YaHei UI" panose="020B0503020204020204" pitchFamily="34" charset="-122"/>
+              <a:t>医嘱执行</a:t>
+            </a:r>
+            <a:endParaRPr lang="zh-CN" altLang="en-US" dirty="0">
+              <a:solidFill>
+                <a:schemeClr val="tx1"/>
+              </a:solidFill>
+            </a:endParaRPr>
+          </a:p>
+        </p:txBody>
+      </p:sp>
+      <p:sp>
+        <p:nvSpPr>
+          <p:cNvPr id="8" name="矩形 7"/>
+          <p:cNvSpPr/>
+          <p:nvPr/>
+        </p:nvSpPr>
+        <p:spPr>
+          <a:xfrm>
+            <a:off x="7865811" y="5444517"/>
+            <a:ext cx="2323651" cy="525209"/>
+          </a:xfrm>
+          <a:prstGeom prst="rect">
+            <a:avLst/>
+          </a:prstGeom>
+          <a:noFill/>
+        </p:spPr>
+        <p:style>
+          <a:lnRef idx="2">
+            <a:schemeClr val="accent1">
+              <a:shade val="50000"/>
+            </a:schemeClr>
+          </a:lnRef>
+          <a:fillRef idx="1">
+            <a:schemeClr val="accent1"/>
+          </a:fillRef>
+          <a:effectRef idx="0">
+            <a:schemeClr val="accent1"/>
+          </a:effectRef>
+          <a:fontRef idx="minor">
+            <a:schemeClr val="lt1"/>
+          </a:fontRef>
+        </p:style>
+        <p:txBody>
+          <a:bodyPr rtlCol="0" anchor="ctr"/>
+          <a:lstStyle/>
+          <a:p>
+            <a:pPr algn="ctr"/>
+            <a:r>
+              <a:rPr lang="zh-CN" altLang="en-US" dirty="0" smtClean="0">
+                <a:solidFill>
+                  <a:schemeClr val="tx1"/>
+                </a:solidFill>
+              </a:rPr>
+              <a:t>诊疗信息</a:t>
+            </a:r>
+            <a:endParaRPr lang="zh-CN" altLang="en-US" dirty="0">
+              <a:solidFill>
+                <a:schemeClr val="tx1"/>
+              </a:solidFill>
+            </a:endParaRPr>
+          </a:p>
+        </p:txBody>
+      </p:sp>
+      <p:sp>
+        <p:nvSpPr>
+          <p:cNvPr id="9" name="矩形 8"/>
+          <p:cNvSpPr/>
+          <p:nvPr/>
+        </p:nvSpPr>
+        <p:spPr>
+          <a:xfrm>
+            <a:off x="1441347" y="4894982"/>
+            <a:ext cx="2205162" cy="549535"/>
+          </a:xfrm>
+          <a:prstGeom prst="rect">
+            <a:avLst/>
+          </a:prstGeom>
+          <a:noFill/>
+        </p:spPr>
+        <p:style>
+          <a:lnRef idx="2">
+            <a:schemeClr val="accent1">
+              <a:shade val="50000"/>
+            </a:schemeClr>
+          </a:lnRef>
+          <a:fillRef idx="1">
+            <a:schemeClr val="accent1"/>
+          </a:fillRef>
+          <a:effectRef idx="0">
+            <a:schemeClr val="accent1"/>
+          </a:effectRef>
+          <a:fontRef idx="minor">
+            <a:schemeClr val="lt1"/>
+          </a:fontRef>
+        </p:style>
+        <p:txBody>
+          <a:bodyPr rtlCol="0" anchor="ctr"/>
+          <a:lstStyle/>
+          <a:p>
+            <a:pPr algn="ctr"/>
+            <a:r>
+              <a:rPr lang="zh-CN" altLang="en-US" dirty="0">
+                <a:solidFill>
+                  <a:schemeClr val="tx1"/>
+                </a:solidFill>
+              </a:rPr>
+              <a:t>计费</a:t>
+            </a:r>
+          </a:p>
+        </p:txBody>
+      </p:sp>
+      <p:sp>
+        <p:nvSpPr>
+          <p:cNvPr id="10" name="椭圆 9"/>
+          <p:cNvSpPr/>
+          <p:nvPr/>
+        </p:nvSpPr>
+        <p:spPr>
+          <a:xfrm>
+            <a:off x="1251113" y="1682651"/>
+            <a:ext cx="2567354" cy="914400"/>
+          </a:xfrm>
+          <a:prstGeom prst="ellipse">
+            <a:avLst/>
+          </a:prstGeom>
+          <a:noFill/>
+        </p:spPr>
+        <p:style>
+          <a:lnRef idx="2">
+            <a:schemeClr val="accent1">
+              <a:shade val="50000"/>
+            </a:schemeClr>
+          </a:lnRef>
+          <a:fillRef idx="1">
+            <a:schemeClr val="accent1"/>
+          </a:fillRef>
+          <a:effectRef idx="0">
+            <a:schemeClr val="accent1"/>
+          </a:effectRef>
+          <a:fontRef idx="minor">
+            <a:schemeClr val="lt1"/>
+          </a:fontRef>
+        </p:style>
+        <p:txBody>
+          <a:bodyPr rtlCol="0" anchor="ctr"/>
+          <a:lstStyle/>
+          <a:p>
+            <a:pPr algn="ctr"/>
+            <a:r>
+              <a:rPr lang="zh-CN" altLang="en-US" dirty="0" smtClean="0">
+                <a:solidFill>
+                  <a:schemeClr val="tx1"/>
+                </a:solidFill>
+              </a:rPr>
+              <a:t>门诊看病</a:t>
+            </a:r>
+            <a:endParaRPr lang="zh-CN" altLang="en-US" dirty="0">
+              <a:solidFill>
+                <a:schemeClr val="tx1"/>
+              </a:solidFill>
+            </a:endParaRPr>
+          </a:p>
+        </p:txBody>
+      </p:sp>
+      <p:sp>
+        <p:nvSpPr>
+          <p:cNvPr id="11" name="椭圆 10"/>
+          <p:cNvSpPr/>
+          <p:nvPr/>
+        </p:nvSpPr>
+        <p:spPr>
+          <a:xfrm>
+            <a:off x="4497536" y="1662091"/>
+            <a:ext cx="2567354" cy="914400"/>
+          </a:xfrm>
+          <a:prstGeom prst="ellipse">
+            <a:avLst/>
+          </a:prstGeom>
+          <a:noFill/>
+        </p:spPr>
+        <p:style>
+          <a:lnRef idx="2">
+            <a:schemeClr val="accent1">
+              <a:shade val="50000"/>
+            </a:schemeClr>
+          </a:lnRef>
+          <a:fillRef idx="1">
+            <a:schemeClr val="accent1"/>
+          </a:fillRef>
+          <a:effectRef idx="0">
+            <a:schemeClr val="accent1"/>
+          </a:effectRef>
+          <a:fontRef idx="minor">
+            <a:schemeClr val="lt1"/>
+          </a:fontRef>
+        </p:style>
+        <p:txBody>
+          <a:bodyPr rtlCol="0" anchor="ctr"/>
+          <a:lstStyle/>
+          <a:p>
+            <a:pPr algn="ctr"/>
+            <a:r>
+              <a:rPr lang="zh-CN" altLang="en-US" dirty="0" smtClean="0">
+                <a:solidFill>
+                  <a:schemeClr val="tx1"/>
+                </a:solidFill>
+              </a:rPr>
+              <a:t>住院治病</a:t>
+            </a:r>
+            <a:endParaRPr lang="zh-CN" altLang="en-US" dirty="0">
+              <a:solidFill>
+                <a:schemeClr val="tx1"/>
+              </a:solidFill>
+            </a:endParaRPr>
+          </a:p>
+        </p:txBody>
+      </p:sp>
+      <p:sp>
+        <p:nvSpPr>
+          <p:cNvPr id="12" name="椭圆 11"/>
+          <p:cNvSpPr/>
+          <p:nvPr/>
+        </p:nvSpPr>
+        <p:spPr>
+          <a:xfrm>
+            <a:off x="7743960" y="1662091"/>
+            <a:ext cx="2567354" cy="914400"/>
+          </a:xfrm>
+          <a:prstGeom prst="ellipse">
+            <a:avLst/>
+          </a:prstGeom>
+          <a:noFill/>
+        </p:spPr>
+        <p:style>
+          <a:lnRef idx="2">
+            <a:schemeClr val="accent1">
+              <a:shade val="50000"/>
+            </a:schemeClr>
+          </a:lnRef>
+          <a:fillRef idx="1">
+            <a:schemeClr val="accent1"/>
+          </a:fillRef>
+          <a:effectRef idx="0">
+            <a:schemeClr val="accent1"/>
+          </a:effectRef>
+          <a:fontRef idx="minor">
+            <a:schemeClr val="lt1"/>
+          </a:fontRef>
+        </p:style>
+        <p:txBody>
+          <a:bodyPr rtlCol="0" anchor="ctr"/>
+          <a:lstStyle/>
+          <a:p>
+            <a:pPr algn="ctr"/>
+            <a:r>
+              <a:rPr lang="zh-CN" altLang="en-US" dirty="0" smtClean="0">
+                <a:solidFill>
+                  <a:schemeClr val="tx1"/>
+                </a:solidFill>
+              </a:rPr>
+              <a:t>信息维护和统计</a:t>
+            </a:r>
+            <a:endParaRPr lang="zh-CN" altLang="en-US" dirty="0">
+              <a:solidFill>
+                <a:schemeClr val="tx1"/>
+              </a:solidFill>
+            </a:endParaRPr>
+          </a:p>
+        </p:txBody>
+      </p:sp>
+      <p:sp>
+        <p:nvSpPr>
+          <p:cNvPr id="13" name="矩形 12"/>
+          <p:cNvSpPr/>
+          <p:nvPr/>
+        </p:nvSpPr>
+        <p:spPr>
+          <a:xfrm>
+            <a:off x="867937" y="4349931"/>
+            <a:ext cx="10013424" cy="2508068"/>
+          </a:xfrm>
+          <a:prstGeom prst="rect">
+            <a:avLst/>
+          </a:prstGeom>
+          <a:noFill/>
+        </p:spPr>
+        <p:style>
+          <a:lnRef idx="2">
+            <a:schemeClr val="accent1">
+              <a:shade val="50000"/>
+            </a:schemeClr>
+          </a:lnRef>
+          <a:fillRef idx="1">
+            <a:schemeClr val="accent1"/>
+          </a:fillRef>
+          <a:effectRef idx="0">
+            <a:schemeClr val="accent1"/>
+          </a:effectRef>
+          <a:fontRef idx="minor">
+            <a:schemeClr val="lt1"/>
+          </a:fontRef>
+        </p:style>
+        <p:txBody>
+          <a:bodyPr rtlCol="0" anchor="t" anchorCtr="0"/>
+          <a:lstStyle/>
+          <a:p>
+            <a:pPr algn="ctr"/>
+            <a:r>
+              <a:rPr lang="zh-CN" altLang="en-US" dirty="0" smtClean="0">
+                <a:solidFill>
+                  <a:schemeClr val="tx1"/>
+                </a:solidFill>
+              </a:rPr>
+              <a:t>核心引擎</a:t>
+            </a:r>
+            <a:endParaRPr lang="zh-CN" altLang="en-US" dirty="0">
+              <a:solidFill>
+                <a:schemeClr val="tx1"/>
+              </a:solidFill>
+            </a:endParaRPr>
+          </a:p>
+        </p:txBody>
+      </p:sp>
+      <p:sp>
+        <p:nvSpPr>
+          <p:cNvPr id="14" name="矩形 13"/>
+          <p:cNvSpPr/>
+          <p:nvPr/>
+        </p:nvSpPr>
+        <p:spPr>
+          <a:xfrm>
+            <a:off x="867937" y="3084980"/>
+            <a:ext cx="1352749" cy="1003694"/>
+          </a:xfrm>
+          <a:prstGeom prst="rect">
+            <a:avLst/>
+          </a:prstGeom>
+          <a:noFill/>
+        </p:spPr>
+        <p:style>
+          <a:lnRef idx="2">
+            <a:schemeClr val="accent1">
+              <a:shade val="50000"/>
+            </a:schemeClr>
+          </a:lnRef>
+          <a:fillRef idx="1">
+            <a:schemeClr val="accent1"/>
+          </a:fillRef>
+          <a:effectRef idx="0">
+            <a:schemeClr val="accent1"/>
+          </a:effectRef>
+          <a:fontRef idx="minor">
+            <a:schemeClr val="lt1"/>
+          </a:fontRef>
+        </p:style>
+        <p:txBody>
+          <a:bodyPr rtlCol="0" anchor="ctr"/>
+          <a:lstStyle/>
+          <a:p>
+            <a:pPr algn="ctr"/>
+            <a:r>
+              <a:rPr lang="zh-CN" altLang="en-US" dirty="0" smtClean="0">
+                <a:solidFill>
+                  <a:schemeClr val="tx1"/>
+                </a:solidFill>
+              </a:rPr>
+              <a:t>门诊科室</a:t>
+            </a:r>
+            <a:endParaRPr lang="zh-CN" altLang="en-US" dirty="0">
+              <a:solidFill>
+                <a:schemeClr val="tx1"/>
+              </a:solidFill>
+            </a:endParaRPr>
+          </a:p>
+        </p:txBody>
+      </p:sp>
+      <p:sp>
+        <p:nvSpPr>
+          <p:cNvPr id="15" name="矩形 14"/>
+          <p:cNvSpPr/>
+          <p:nvPr/>
+        </p:nvSpPr>
+        <p:spPr>
+          <a:xfrm>
+            <a:off x="2501668" y="3068457"/>
+            <a:ext cx="1316799" cy="1017840"/>
+          </a:xfrm>
+          <a:prstGeom prst="rect">
+            <a:avLst/>
+          </a:prstGeom>
+          <a:noFill/>
+        </p:spPr>
+        <p:style>
+          <a:lnRef idx="2">
+            <a:schemeClr val="accent1">
+              <a:shade val="50000"/>
+            </a:schemeClr>
+          </a:lnRef>
+          <a:fillRef idx="1">
+            <a:schemeClr val="accent1"/>
+          </a:fillRef>
+          <a:effectRef idx="0">
+            <a:schemeClr val="accent1"/>
+          </a:effectRef>
+          <a:fontRef idx="minor">
+            <a:schemeClr val="lt1"/>
+          </a:fontRef>
+        </p:style>
+        <p:txBody>
+          <a:bodyPr rtlCol="0" anchor="ctr"/>
+          <a:lstStyle/>
+          <a:p>
+            <a:pPr algn="ctr"/>
+            <a:r>
+              <a:rPr lang="zh-CN" altLang="en-US" dirty="0">
+                <a:solidFill>
+                  <a:schemeClr val="tx1"/>
+                </a:solidFill>
+              </a:rPr>
+              <a:t>住院</a:t>
+            </a:r>
+            <a:r>
+              <a:rPr lang="zh-CN" altLang="en-US" dirty="0" smtClean="0">
+                <a:solidFill>
+                  <a:schemeClr val="tx1"/>
+                </a:solidFill>
+              </a:rPr>
+              <a:t>科室</a:t>
+            </a:r>
+            <a:endParaRPr lang="zh-CN" altLang="en-US" dirty="0">
+              <a:solidFill>
+                <a:schemeClr val="tx1"/>
+              </a:solidFill>
+            </a:endParaRPr>
+          </a:p>
+        </p:txBody>
+      </p:sp>
+      <p:sp>
+        <p:nvSpPr>
+          <p:cNvPr id="16" name="矩形 15"/>
+          <p:cNvSpPr/>
+          <p:nvPr/>
+        </p:nvSpPr>
+        <p:spPr>
+          <a:xfrm>
+            <a:off x="4141440" y="3068457"/>
+            <a:ext cx="1162080" cy="1017840"/>
+          </a:xfrm>
+          <a:prstGeom prst="rect">
+            <a:avLst/>
+          </a:prstGeom>
+          <a:noFill/>
+        </p:spPr>
+        <p:style>
+          <a:lnRef idx="2">
+            <a:schemeClr val="accent1">
+              <a:shade val="50000"/>
+            </a:schemeClr>
+          </a:lnRef>
+          <a:fillRef idx="1">
+            <a:schemeClr val="accent1"/>
+          </a:fillRef>
+          <a:effectRef idx="0">
+            <a:schemeClr val="accent1"/>
+          </a:effectRef>
+          <a:fontRef idx="minor">
+            <a:schemeClr val="lt1"/>
+          </a:fontRef>
+        </p:style>
+        <p:txBody>
+          <a:bodyPr rtlCol="0" anchor="ctr"/>
+          <a:lstStyle/>
+          <a:p>
+            <a:pPr algn="ctr"/>
+            <a:r>
+              <a:rPr lang="zh-CN" altLang="en-US" dirty="0">
+                <a:solidFill>
+                  <a:schemeClr val="tx1"/>
+                </a:solidFill>
+              </a:rPr>
+              <a:t>药房</a:t>
+            </a:r>
+          </a:p>
+        </p:txBody>
+      </p:sp>
+      <p:sp>
+        <p:nvSpPr>
+          <p:cNvPr id="17" name="矩形 16"/>
+          <p:cNvSpPr/>
+          <p:nvPr/>
+        </p:nvSpPr>
+        <p:spPr>
+          <a:xfrm>
+            <a:off x="5542180" y="3084980"/>
+            <a:ext cx="1207998" cy="1017840"/>
+          </a:xfrm>
+          <a:prstGeom prst="rect">
+            <a:avLst/>
+          </a:prstGeom>
+          <a:noFill/>
+        </p:spPr>
+        <p:style>
+          <a:lnRef idx="2">
+            <a:schemeClr val="accent1">
+              <a:shade val="50000"/>
+            </a:schemeClr>
+          </a:lnRef>
+          <a:fillRef idx="1">
+            <a:schemeClr val="accent1"/>
+          </a:fillRef>
+          <a:effectRef idx="0">
+            <a:schemeClr val="accent1"/>
+          </a:effectRef>
+          <a:fontRef idx="minor">
+            <a:schemeClr val="lt1"/>
+          </a:fontRef>
+        </p:style>
+        <p:txBody>
+          <a:bodyPr rtlCol="0" anchor="ctr"/>
+          <a:lstStyle/>
+          <a:p>
+            <a:pPr algn="ctr"/>
+            <a:r>
+              <a:rPr lang="zh-CN" altLang="en-US" dirty="0" smtClean="0">
+                <a:solidFill>
+                  <a:schemeClr val="tx1"/>
+                </a:solidFill>
+              </a:rPr>
+              <a:t>收费处</a:t>
+            </a:r>
+            <a:endParaRPr lang="zh-CN" altLang="en-US" dirty="0">
+              <a:solidFill>
+                <a:schemeClr val="tx1"/>
+              </a:solidFill>
+            </a:endParaRPr>
+          </a:p>
+        </p:txBody>
+      </p:sp>
+      <p:sp>
+        <p:nvSpPr>
+          <p:cNvPr id="18" name="矩形 17"/>
+          <p:cNvSpPr/>
+          <p:nvPr/>
+        </p:nvSpPr>
+        <p:spPr>
+          <a:xfrm>
+            <a:off x="6988838" y="3077907"/>
+            <a:ext cx="1151846" cy="1017840"/>
+          </a:xfrm>
+          <a:prstGeom prst="rect">
+            <a:avLst/>
+          </a:prstGeom>
+          <a:noFill/>
+        </p:spPr>
+        <p:style>
+          <a:lnRef idx="2">
+            <a:schemeClr val="accent1">
+              <a:shade val="50000"/>
+            </a:schemeClr>
+          </a:lnRef>
+          <a:fillRef idx="1">
+            <a:schemeClr val="accent1"/>
+          </a:fillRef>
+          <a:effectRef idx="0">
+            <a:schemeClr val="accent1"/>
+          </a:effectRef>
+          <a:fontRef idx="minor">
+            <a:schemeClr val="lt1"/>
+          </a:fontRef>
+        </p:style>
+        <p:txBody>
+          <a:bodyPr rtlCol="0" anchor="ctr"/>
+          <a:lstStyle/>
+          <a:p>
+            <a:pPr algn="ctr"/>
+            <a:r>
+              <a:rPr lang="zh-CN" altLang="en-US" dirty="0" smtClean="0">
+                <a:solidFill>
+                  <a:schemeClr val="tx1"/>
+                </a:solidFill>
+              </a:rPr>
+              <a:t>挂号室</a:t>
+            </a:r>
+            <a:endParaRPr lang="zh-CN" altLang="en-US" dirty="0">
+              <a:solidFill>
+                <a:schemeClr val="tx1"/>
+              </a:solidFill>
+            </a:endParaRPr>
+          </a:p>
+        </p:txBody>
+      </p:sp>
+      <p:sp>
+        <p:nvSpPr>
+          <p:cNvPr id="19" name="矩形 18"/>
+          <p:cNvSpPr/>
+          <p:nvPr/>
+        </p:nvSpPr>
+        <p:spPr>
+          <a:xfrm>
+            <a:off x="9725010" y="3068457"/>
+            <a:ext cx="1172607" cy="1017840"/>
+          </a:xfrm>
+          <a:prstGeom prst="rect">
+            <a:avLst/>
+          </a:prstGeom>
+          <a:noFill/>
+        </p:spPr>
+        <p:style>
+          <a:lnRef idx="2">
+            <a:schemeClr val="accent1">
+              <a:shade val="50000"/>
+            </a:schemeClr>
+          </a:lnRef>
+          <a:fillRef idx="1">
+            <a:schemeClr val="accent1"/>
+          </a:fillRef>
+          <a:effectRef idx="0">
+            <a:schemeClr val="accent1"/>
+          </a:effectRef>
+          <a:fontRef idx="minor">
+            <a:schemeClr val="lt1"/>
+          </a:fontRef>
+        </p:style>
+        <p:txBody>
+          <a:bodyPr rtlCol="0" anchor="ctr"/>
+          <a:lstStyle/>
+          <a:p>
+            <a:pPr algn="ctr"/>
+            <a:r>
+              <a:rPr lang="zh-CN" altLang="en-US" dirty="0" smtClean="0">
+                <a:solidFill>
+                  <a:schemeClr val="tx1"/>
+                </a:solidFill>
+              </a:rPr>
+              <a:t>病案室</a:t>
+            </a:r>
+            <a:endParaRPr lang="zh-CN" altLang="en-US" dirty="0">
+              <a:solidFill>
+                <a:schemeClr val="tx1"/>
+              </a:solidFill>
+            </a:endParaRPr>
+          </a:p>
+        </p:txBody>
+      </p:sp>
+      <p:sp>
+        <p:nvSpPr>
+          <p:cNvPr id="20" name="矩形 19"/>
+          <p:cNvSpPr/>
+          <p:nvPr/>
+        </p:nvSpPr>
+        <p:spPr>
+          <a:xfrm>
+            <a:off x="8379344" y="3068457"/>
+            <a:ext cx="1151846" cy="1017840"/>
+          </a:xfrm>
+          <a:prstGeom prst="rect">
+            <a:avLst/>
+          </a:prstGeom>
+          <a:noFill/>
+        </p:spPr>
+        <p:style>
+          <a:lnRef idx="2">
+            <a:schemeClr val="accent1">
+              <a:shade val="50000"/>
+            </a:schemeClr>
+          </a:lnRef>
+          <a:fillRef idx="1">
+            <a:schemeClr val="accent1"/>
+          </a:fillRef>
+          <a:effectRef idx="0">
+            <a:schemeClr val="accent1"/>
+          </a:effectRef>
+          <a:fontRef idx="minor">
+            <a:schemeClr val="lt1"/>
+          </a:fontRef>
+        </p:style>
+        <p:txBody>
+          <a:bodyPr rtlCol="0" anchor="ctr"/>
+          <a:lstStyle/>
+          <a:p>
+            <a:pPr algn="ctr"/>
+            <a:r>
+              <a:rPr lang="zh-CN" altLang="en-US" dirty="0" smtClean="0">
+                <a:solidFill>
+                  <a:schemeClr val="tx1"/>
+                </a:solidFill>
+              </a:rPr>
+              <a:t>检查检验</a:t>
+            </a:r>
+            <a:endParaRPr lang="zh-CN" altLang="en-US" dirty="0">
+              <a:solidFill>
+                <a:schemeClr val="tx1"/>
+              </a:solidFill>
             </a:endParaRPr>
           </a:p>
         </p:txBody>
@@ -5222,21 +6015,13 @@
     </p:spTree>
     <p:extLst>
       <p:ext uri="{BB962C8B-B14F-4D97-AF65-F5344CB8AC3E}">
-        <p14:creationId xmlns:p14="http://schemas.microsoft.com/office/powerpoint/2010/main" val="1328676004"/>
+        <p14:creationId xmlns:p14="http://schemas.microsoft.com/office/powerpoint/2010/main" val="2626867116"/>
       </p:ext>
     </p:extLst>
   </p:cSld>
   <p:clrMapOvr>
     <a:masterClrMapping/>
   </p:clrMapOvr>
-  <mc:AlternateContent xmlns:mc="http://schemas.openxmlformats.org/markup-compatibility/2006" xmlns:p14="http://schemas.microsoft.com/office/powerpoint/2010/main">
-    <mc:Choice Requires="p14">
-      <p:transition p14:dur="0"/>
-    </mc:Choice>
-    <mc:Fallback xmlns="">
-      <p:transition/>
-    </mc:Fallback>
-  </mc:AlternateContent>
   <p:timing>
     <p:tnLst>
       <p:par>
@@ -5276,859 +6061,177 @@
         </p:nvSpPr>
         <p:spPr/>
         <p:txBody>
-          <a:bodyPr/>
+          <a:bodyPr>
+            <a:normAutofit/>
+          </a:bodyPr>
           <a:lstStyle/>
           <a:p>
             <a:r>
               <a:rPr lang="zh-CN" altLang="en-US" dirty="0" smtClean="0"/>
-              <a:t>内容</a:t>
+              <a:t>特点分项讲解</a:t>
+            </a:r>
+            <a:r>
+              <a:rPr lang="en-US" altLang="zh-CN" sz="2000" dirty="0" smtClean="0"/>
+              <a:t>-</a:t>
+            </a:r>
+            <a:r>
+              <a:rPr lang="zh-CN" altLang="en-US" sz="2000" dirty="0"/>
+              <a:t>以患者为中心，联通患者初诊、复诊、住院等多个业务</a:t>
+            </a:r>
+            <a:r>
+              <a:rPr lang="zh-CN" altLang="en-US" sz="2000" dirty="0" smtClean="0"/>
+              <a:t>环节</a:t>
             </a:r>
             <a:endParaRPr lang="zh-CN" altLang="en-US" dirty="0"/>
           </a:p>
         </p:txBody>
       </p:sp>
-      <p:sp>
-        <p:nvSpPr>
-          <p:cNvPr id="4" name="矩形 3"/>
-          <p:cNvSpPr/>
+      <p:pic>
+        <p:nvPicPr>
+          <p:cNvPr id="4" name="图片 3"/>
+          <p:cNvPicPr>
+            <a:picLocks noChangeAspect="1"/>
+          </p:cNvPicPr>
           <p:nvPr/>
-        </p:nvSpPr>
-        <p:spPr>
-          <a:xfrm>
-            <a:off x="4338406" y="6126479"/>
-            <a:ext cx="2323651" cy="560143"/>
+        </p:nvPicPr>
+        <p:blipFill>
+          <a:blip r:embed="rId2"/>
+          <a:stretch>
+            <a:fillRect/>
+          </a:stretch>
+        </p:blipFill>
+        <p:spPr>
+          <a:xfrm>
+            <a:off x="430629" y="1208869"/>
+            <a:ext cx="4079589" cy="5531566"/>
           </a:xfrm>
           <a:prstGeom prst="rect">
             <a:avLst/>
           </a:prstGeom>
-          <a:noFill/>
-        </p:spPr>
-        <p:style>
-          <a:lnRef idx="2">
-            <a:schemeClr val="accent1">
-              <a:shade val="50000"/>
-            </a:schemeClr>
-          </a:lnRef>
-          <a:fillRef idx="1">
-            <a:schemeClr val="accent1"/>
-          </a:fillRef>
-          <a:effectRef idx="0">
-            <a:schemeClr val="accent1"/>
-          </a:effectRef>
-          <a:fontRef idx="minor">
-            <a:schemeClr val="lt1"/>
-          </a:fontRef>
-        </p:style>
-        <p:txBody>
-          <a:bodyPr rtlCol="0" anchor="ctr"/>
-          <a:lstStyle/>
-          <a:p>
-            <a:pPr algn="ctr"/>
-            <a:r>
-              <a:rPr lang="zh-CN" altLang="en-US" dirty="0" smtClean="0">
-                <a:solidFill>
-                  <a:schemeClr val="tx1"/>
-                </a:solidFill>
-              </a:rPr>
-              <a:t>患者生命周期</a:t>
-            </a:r>
-            <a:endParaRPr lang="zh-CN" altLang="en-US" dirty="0">
-              <a:solidFill>
-                <a:schemeClr val="tx1"/>
-              </a:solidFill>
-            </a:endParaRPr>
-          </a:p>
-        </p:txBody>
-      </p:sp>
-      <p:sp>
-        <p:nvSpPr>
-          <p:cNvPr id="5" name="矩形 4"/>
-          <p:cNvSpPr/>
+        </p:spPr>
+      </p:pic>
+      <p:pic>
+        <p:nvPicPr>
+          <p:cNvPr id="6" name="图片 5"/>
+          <p:cNvPicPr>
+            <a:picLocks noChangeAspect="1"/>
+          </p:cNvPicPr>
           <p:nvPr/>
-        </p:nvSpPr>
-        <p:spPr>
-          <a:xfrm>
-            <a:off x="7865811" y="4655629"/>
-            <a:ext cx="2323651" cy="478705"/>
+        </p:nvPicPr>
+        <p:blipFill>
+          <a:blip r:embed="rId3"/>
+          <a:stretch>
+            <a:fillRect/>
+          </a:stretch>
+        </p:blipFill>
+        <p:spPr>
+          <a:xfrm>
+            <a:off x="8163178" y="1615288"/>
+            <a:ext cx="3733333" cy="1371429"/>
           </a:xfrm>
           <a:prstGeom prst="rect">
             <a:avLst/>
           </a:prstGeom>
-          <a:noFill/>
-        </p:spPr>
-        <p:style>
-          <a:lnRef idx="2">
-            <a:schemeClr val="accent1">
-              <a:shade val="50000"/>
-            </a:schemeClr>
-          </a:lnRef>
-          <a:fillRef idx="1">
-            <a:schemeClr val="accent1"/>
-          </a:fillRef>
-          <a:effectRef idx="0">
-            <a:schemeClr val="accent1"/>
-          </a:effectRef>
-          <a:fontRef idx="minor">
-            <a:schemeClr val="lt1"/>
-          </a:fontRef>
-        </p:style>
-        <p:txBody>
-          <a:bodyPr rtlCol="0" anchor="ctr"/>
-          <a:lstStyle/>
-          <a:p>
-            <a:pPr algn="ctr"/>
-            <a:r>
-              <a:rPr lang="zh-CN" altLang="en-US" dirty="0" smtClean="0">
-                <a:solidFill>
-                  <a:schemeClr val="tx1"/>
-                </a:solidFill>
-              </a:rPr>
-              <a:t>病历编写</a:t>
-            </a:r>
-            <a:endParaRPr lang="zh-CN" altLang="en-US" dirty="0">
-              <a:solidFill>
-                <a:schemeClr val="tx1"/>
-              </a:solidFill>
-            </a:endParaRPr>
-          </a:p>
-        </p:txBody>
-      </p:sp>
-      <p:sp>
-        <p:nvSpPr>
-          <p:cNvPr id="6" name="矩形 5"/>
-          <p:cNvSpPr/>
+        </p:spPr>
+      </p:pic>
+      <p:pic>
+        <p:nvPicPr>
+          <p:cNvPr id="7" name="图片 6"/>
+          <p:cNvPicPr>
+            <a:picLocks noChangeAspect="1"/>
+          </p:cNvPicPr>
           <p:nvPr/>
-        </p:nvSpPr>
-        <p:spPr>
-          <a:xfrm>
-            <a:off x="4101160" y="4864241"/>
-            <a:ext cx="2963730" cy="984386"/>
+        </p:nvPicPr>
+        <p:blipFill>
+          <a:blip r:embed="rId4"/>
+          <a:stretch>
+            <a:fillRect/>
+          </a:stretch>
+        </p:blipFill>
+        <p:spPr>
+          <a:xfrm>
+            <a:off x="4698964" y="1615289"/>
+            <a:ext cx="3409524" cy="1371429"/>
           </a:xfrm>
           <a:prstGeom prst="rect">
             <a:avLst/>
           </a:prstGeom>
-          <a:noFill/>
-        </p:spPr>
-        <p:style>
-          <a:lnRef idx="2">
-            <a:schemeClr val="accent1">
-              <a:shade val="50000"/>
-            </a:schemeClr>
-          </a:lnRef>
-          <a:fillRef idx="1">
-            <a:schemeClr val="accent1"/>
-          </a:fillRef>
-          <a:effectRef idx="0">
-            <a:schemeClr val="accent1"/>
-          </a:effectRef>
-          <a:fontRef idx="minor">
-            <a:schemeClr val="lt1"/>
-          </a:fontRef>
-        </p:style>
-        <p:txBody>
-          <a:bodyPr rtlCol="0" anchor="ctr"/>
-          <a:lstStyle/>
-          <a:p>
-            <a:pPr algn="ctr"/>
+        </p:spPr>
+      </p:pic>
+      <p:sp>
+        <p:nvSpPr>
+          <p:cNvPr id="8" name="内容占位符 2"/>
+          <p:cNvSpPr>
+            <a:spLocks noGrp="1"/>
+          </p:cNvSpPr>
+          <p:nvPr>
+            <p:ph idx="1"/>
+          </p:nvPr>
+        </p:nvSpPr>
+        <p:spPr>
+          <a:xfrm>
+            <a:off x="4863176" y="3393139"/>
+            <a:ext cx="6490625" cy="2850907"/>
+          </a:xfrm>
+        </p:spPr>
+        <p:txBody>
+          <a:bodyPr>
+            <a:normAutofit/>
+          </a:bodyPr>
+          <a:lstStyle/>
+          <a:p>
             <a:r>
               <a:rPr lang="zh-CN" altLang="en-US" dirty="0" smtClean="0">
-                <a:solidFill>
-                  <a:schemeClr val="tx1"/>
-                </a:solidFill>
+                <a:latin typeface="Microsoft YaHei UI" panose="020B0503020204020204" pitchFamily="34" charset="-122"/>
+                <a:ea typeface="Microsoft YaHei UI" panose="020B0503020204020204" pitchFamily="34" charset="-122"/>
               </a:rPr>
-              <a:t>医嘱执行</a:t>
-            </a:r>
-            <a:endParaRPr lang="zh-CN" altLang="en-US" dirty="0">
-              <a:solidFill>
-                <a:schemeClr val="tx1"/>
-              </a:solidFill>
+              <a:t>将连续的门诊看病和住院治病视作一次就诊，依此设计了患者一次就诊实体（</a:t>
+            </a:r>
+            <a:r>
+              <a:rPr lang="en-US" altLang="zh-CN" dirty="0" smtClean="0">
+                <a:latin typeface="Microsoft YaHei UI" panose="020B0503020204020204" pitchFamily="34" charset="-122"/>
+                <a:ea typeface="Microsoft YaHei UI" panose="020B0503020204020204" pitchFamily="34" charset="-122"/>
+              </a:rPr>
+              <a:t>Visit</a:t>
+            </a:r>
+            <a:r>
+              <a:rPr lang="zh-CN" altLang="en-US" dirty="0" smtClean="0">
+                <a:latin typeface="Microsoft YaHei UI" panose="020B0503020204020204" pitchFamily="34" charset="-122"/>
+                <a:ea typeface="Microsoft YaHei UI" panose="020B0503020204020204" pitchFamily="34" charset="-122"/>
+              </a:rPr>
+              <a:t>）</a:t>
+            </a:r>
+            <a:endParaRPr lang="en-US" altLang="zh-CN" dirty="0" smtClean="0">
+              <a:latin typeface="Microsoft YaHei UI" panose="020B0503020204020204" pitchFamily="34" charset="-122"/>
+              <a:ea typeface="Microsoft YaHei UI" panose="020B0503020204020204" pitchFamily="34" charset="-122"/>
             </a:endParaRPr>
           </a:p>
-        </p:txBody>
-      </p:sp>
-      <p:sp>
-        <p:nvSpPr>
-          <p:cNvPr id="8" name="矩形 7"/>
-          <p:cNvSpPr/>
-          <p:nvPr/>
-        </p:nvSpPr>
-        <p:spPr>
-          <a:xfrm>
-            <a:off x="7865811" y="5444517"/>
-            <a:ext cx="2323651" cy="525209"/>
-          </a:xfrm>
-          <a:prstGeom prst="rect">
-            <a:avLst/>
-          </a:prstGeom>
-          <a:noFill/>
-        </p:spPr>
-        <p:style>
-          <a:lnRef idx="2">
-            <a:schemeClr val="accent1">
-              <a:shade val="50000"/>
-            </a:schemeClr>
-          </a:lnRef>
-          <a:fillRef idx="1">
-            <a:schemeClr val="accent1"/>
-          </a:fillRef>
-          <a:effectRef idx="0">
-            <a:schemeClr val="accent1"/>
-          </a:effectRef>
-          <a:fontRef idx="minor">
-            <a:schemeClr val="lt1"/>
-          </a:fontRef>
-        </p:style>
-        <p:txBody>
-          <a:bodyPr rtlCol="0" anchor="ctr"/>
-          <a:lstStyle/>
-          <a:p>
-            <a:pPr algn="ctr"/>
+          <a:p>
+            <a:r>
+              <a:rPr lang="zh-CN" altLang="en-US" dirty="0"/>
+              <a:t>患者一次就诊实体（</a:t>
+            </a:r>
+            <a:r>
+              <a:rPr lang="en-US" altLang="zh-CN" dirty="0"/>
+              <a:t>Visit</a:t>
+            </a:r>
+            <a:r>
+              <a:rPr lang="zh-CN" altLang="en-US" dirty="0" smtClean="0"/>
+              <a:t>）通过业务动作改变其状态</a:t>
+            </a:r>
+            <a:endParaRPr lang="en-US" altLang="zh-CN" dirty="0" smtClean="0"/>
+          </a:p>
+          <a:p>
             <a:r>
               <a:rPr lang="zh-CN" altLang="en-US" dirty="0" smtClean="0">
-                <a:solidFill>
-                  <a:schemeClr val="tx1"/>
-                </a:solidFill>
+                <a:latin typeface="Microsoft YaHei UI" panose="020B0503020204020204" pitchFamily="34" charset="-122"/>
+                <a:ea typeface="Microsoft YaHei UI" panose="020B0503020204020204" pitchFamily="34" charset="-122"/>
               </a:rPr>
-              <a:t>诊疗信息</a:t>
-            </a:r>
-            <a:endParaRPr lang="zh-CN" altLang="en-US" dirty="0">
-              <a:solidFill>
-                <a:schemeClr val="tx1"/>
-              </a:solidFill>
-            </a:endParaRPr>
-          </a:p>
-        </p:txBody>
-      </p:sp>
-      <p:sp>
-        <p:nvSpPr>
-          <p:cNvPr id="9" name="矩形 8"/>
-          <p:cNvSpPr/>
-          <p:nvPr/>
-        </p:nvSpPr>
-        <p:spPr>
-          <a:xfrm>
-            <a:off x="1441347" y="4894982"/>
-            <a:ext cx="2205162" cy="549535"/>
-          </a:xfrm>
-          <a:prstGeom prst="rect">
-            <a:avLst/>
-          </a:prstGeom>
-          <a:noFill/>
-        </p:spPr>
-        <p:style>
-          <a:lnRef idx="2">
-            <a:schemeClr val="accent1">
-              <a:shade val="50000"/>
-            </a:schemeClr>
-          </a:lnRef>
-          <a:fillRef idx="1">
-            <a:schemeClr val="accent1"/>
-          </a:fillRef>
-          <a:effectRef idx="0">
-            <a:schemeClr val="accent1"/>
-          </a:effectRef>
-          <a:fontRef idx="minor">
-            <a:schemeClr val="lt1"/>
-          </a:fontRef>
-        </p:style>
-        <p:txBody>
-          <a:bodyPr rtlCol="0" anchor="ctr"/>
-          <a:lstStyle/>
-          <a:p>
-            <a:pPr algn="ctr"/>
-            <a:r>
-              <a:rPr lang="zh-CN" altLang="en-US" dirty="0">
-                <a:solidFill>
-                  <a:schemeClr val="tx1"/>
-                </a:solidFill>
-              </a:rPr>
-              <a:t>计费</a:t>
-            </a:r>
-          </a:p>
-        </p:txBody>
-      </p:sp>
-      <p:sp>
-        <p:nvSpPr>
-          <p:cNvPr id="10" name="椭圆 9"/>
-          <p:cNvSpPr/>
-          <p:nvPr/>
-        </p:nvSpPr>
-        <p:spPr>
-          <a:xfrm>
-            <a:off x="1251113" y="1682651"/>
-            <a:ext cx="2567354" cy="914400"/>
-          </a:xfrm>
-          <a:prstGeom prst="ellipse">
-            <a:avLst/>
-          </a:prstGeom>
-          <a:noFill/>
-        </p:spPr>
-        <p:style>
-          <a:lnRef idx="2">
-            <a:schemeClr val="accent1">
-              <a:shade val="50000"/>
-            </a:schemeClr>
-          </a:lnRef>
-          <a:fillRef idx="1">
-            <a:schemeClr val="accent1"/>
-          </a:fillRef>
-          <a:effectRef idx="0">
-            <a:schemeClr val="accent1"/>
-          </a:effectRef>
-          <a:fontRef idx="minor">
-            <a:schemeClr val="lt1"/>
-          </a:fontRef>
-        </p:style>
-        <p:txBody>
-          <a:bodyPr rtlCol="0" anchor="ctr"/>
-          <a:lstStyle/>
-          <a:p>
-            <a:pPr algn="ctr"/>
-            <a:r>
-              <a:rPr lang="zh-CN" altLang="en-US" dirty="0" smtClean="0">
-                <a:solidFill>
-                  <a:schemeClr val="tx1"/>
-                </a:solidFill>
-              </a:rPr>
-              <a:t>门诊看病</a:t>
-            </a:r>
-            <a:endParaRPr lang="zh-CN" altLang="en-US" dirty="0">
-              <a:solidFill>
-                <a:schemeClr val="tx1"/>
-              </a:solidFill>
-            </a:endParaRPr>
-          </a:p>
-        </p:txBody>
-      </p:sp>
-      <p:sp>
-        <p:nvSpPr>
-          <p:cNvPr id="11" name="椭圆 10"/>
-          <p:cNvSpPr/>
-          <p:nvPr/>
-        </p:nvSpPr>
-        <p:spPr>
-          <a:xfrm>
-            <a:off x="4497536" y="1662091"/>
-            <a:ext cx="2567354" cy="914400"/>
-          </a:xfrm>
-          <a:prstGeom prst="ellipse">
-            <a:avLst/>
-          </a:prstGeom>
-          <a:noFill/>
-        </p:spPr>
-        <p:style>
-          <a:lnRef idx="2">
-            <a:schemeClr val="accent1">
-              <a:shade val="50000"/>
-            </a:schemeClr>
-          </a:lnRef>
-          <a:fillRef idx="1">
-            <a:schemeClr val="accent1"/>
-          </a:fillRef>
-          <a:effectRef idx="0">
-            <a:schemeClr val="accent1"/>
-          </a:effectRef>
-          <a:fontRef idx="minor">
-            <a:schemeClr val="lt1"/>
-          </a:fontRef>
-        </p:style>
-        <p:txBody>
-          <a:bodyPr rtlCol="0" anchor="ctr"/>
-          <a:lstStyle/>
-          <a:p>
-            <a:pPr algn="ctr"/>
-            <a:r>
-              <a:rPr lang="zh-CN" altLang="en-US" dirty="0" smtClean="0">
-                <a:solidFill>
-                  <a:schemeClr val="tx1"/>
-                </a:solidFill>
-              </a:rPr>
-              <a:t>住院治病</a:t>
-            </a:r>
-            <a:endParaRPr lang="zh-CN" altLang="en-US" dirty="0">
-              <a:solidFill>
-                <a:schemeClr val="tx1"/>
-              </a:solidFill>
-            </a:endParaRPr>
-          </a:p>
-        </p:txBody>
-      </p:sp>
-      <p:sp>
-        <p:nvSpPr>
-          <p:cNvPr id="12" name="椭圆 11"/>
-          <p:cNvSpPr/>
-          <p:nvPr/>
-        </p:nvSpPr>
-        <p:spPr>
-          <a:xfrm>
-            <a:off x="7743960" y="1662091"/>
-            <a:ext cx="2567354" cy="914400"/>
-          </a:xfrm>
-          <a:prstGeom prst="ellipse">
-            <a:avLst/>
-          </a:prstGeom>
-          <a:noFill/>
-        </p:spPr>
-        <p:style>
-          <a:lnRef idx="2">
-            <a:schemeClr val="accent1">
-              <a:shade val="50000"/>
-            </a:schemeClr>
-          </a:lnRef>
-          <a:fillRef idx="1">
-            <a:schemeClr val="accent1"/>
-          </a:fillRef>
-          <a:effectRef idx="0">
-            <a:schemeClr val="accent1"/>
-          </a:effectRef>
-          <a:fontRef idx="minor">
-            <a:schemeClr val="lt1"/>
-          </a:fontRef>
-        </p:style>
-        <p:txBody>
-          <a:bodyPr rtlCol="0" anchor="ctr"/>
-          <a:lstStyle/>
-          <a:p>
-            <a:pPr algn="ctr"/>
-            <a:r>
-              <a:rPr lang="zh-CN" altLang="en-US" dirty="0" smtClean="0">
-                <a:solidFill>
-                  <a:schemeClr val="tx1"/>
-                </a:solidFill>
-              </a:rPr>
-              <a:t>信息维护和统计</a:t>
-            </a:r>
-            <a:endParaRPr lang="zh-CN" altLang="en-US" dirty="0">
-              <a:solidFill>
-                <a:schemeClr val="tx1"/>
-              </a:solidFill>
-            </a:endParaRPr>
-          </a:p>
-        </p:txBody>
-      </p:sp>
-      <p:sp>
-        <p:nvSpPr>
-          <p:cNvPr id="13" name="矩形 12"/>
-          <p:cNvSpPr/>
-          <p:nvPr/>
-        </p:nvSpPr>
-        <p:spPr>
-          <a:xfrm>
-            <a:off x="867937" y="4349931"/>
-            <a:ext cx="10013424" cy="2508068"/>
-          </a:xfrm>
-          <a:prstGeom prst="rect">
-            <a:avLst/>
-          </a:prstGeom>
-          <a:noFill/>
-        </p:spPr>
-        <p:style>
-          <a:lnRef idx="2">
-            <a:schemeClr val="accent1">
-              <a:shade val="50000"/>
-            </a:schemeClr>
-          </a:lnRef>
-          <a:fillRef idx="1">
-            <a:schemeClr val="accent1"/>
-          </a:fillRef>
-          <a:effectRef idx="0">
-            <a:schemeClr val="accent1"/>
-          </a:effectRef>
-          <a:fontRef idx="minor">
-            <a:schemeClr val="lt1"/>
-          </a:fontRef>
-        </p:style>
-        <p:txBody>
-          <a:bodyPr rtlCol="0" anchor="t" anchorCtr="0"/>
-          <a:lstStyle/>
-          <a:p>
-            <a:pPr algn="ctr"/>
-            <a:r>
-              <a:rPr lang="zh-CN" altLang="en-US" dirty="0" smtClean="0">
-                <a:solidFill>
-                  <a:schemeClr val="tx1"/>
-                </a:solidFill>
-              </a:rPr>
-              <a:t>核心引擎</a:t>
-            </a:r>
-            <a:endParaRPr lang="zh-CN" altLang="en-US" dirty="0">
-              <a:solidFill>
-                <a:schemeClr val="tx1"/>
-              </a:solidFill>
-            </a:endParaRPr>
-          </a:p>
-        </p:txBody>
-      </p:sp>
-      <p:sp>
-        <p:nvSpPr>
-          <p:cNvPr id="14" name="矩形 13"/>
-          <p:cNvSpPr/>
-          <p:nvPr/>
-        </p:nvSpPr>
-        <p:spPr>
-          <a:xfrm>
-            <a:off x="867937" y="3084980"/>
-            <a:ext cx="1352749" cy="1003694"/>
-          </a:xfrm>
-          <a:prstGeom prst="rect">
-            <a:avLst/>
-          </a:prstGeom>
-          <a:noFill/>
-        </p:spPr>
-        <p:style>
-          <a:lnRef idx="2">
-            <a:schemeClr val="accent1">
-              <a:shade val="50000"/>
-            </a:schemeClr>
-          </a:lnRef>
-          <a:fillRef idx="1">
-            <a:schemeClr val="accent1"/>
-          </a:fillRef>
-          <a:effectRef idx="0">
-            <a:schemeClr val="accent1"/>
-          </a:effectRef>
-          <a:fontRef idx="minor">
-            <a:schemeClr val="lt1"/>
-          </a:fontRef>
-        </p:style>
-        <p:txBody>
-          <a:bodyPr rtlCol="0" anchor="ctr"/>
-          <a:lstStyle/>
-          <a:p>
-            <a:pPr algn="ctr"/>
-            <a:r>
-              <a:rPr lang="zh-CN" altLang="en-US" dirty="0" smtClean="0">
-                <a:solidFill>
-                  <a:schemeClr val="tx1"/>
-                </a:solidFill>
-              </a:rPr>
-              <a:t>门诊科室</a:t>
-            </a:r>
-            <a:endParaRPr lang="zh-CN" altLang="en-US" dirty="0">
-              <a:solidFill>
-                <a:schemeClr val="tx1"/>
-              </a:solidFill>
-            </a:endParaRPr>
-          </a:p>
-        </p:txBody>
-      </p:sp>
-      <p:sp>
-        <p:nvSpPr>
-          <p:cNvPr id="15" name="矩形 14"/>
-          <p:cNvSpPr/>
-          <p:nvPr/>
-        </p:nvSpPr>
-        <p:spPr>
-          <a:xfrm>
-            <a:off x="2501668" y="3068457"/>
-            <a:ext cx="1316799" cy="1017840"/>
-          </a:xfrm>
-          <a:prstGeom prst="rect">
-            <a:avLst/>
-          </a:prstGeom>
-          <a:noFill/>
-        </p:spPr>
-        <p:style>
-          <a:lnRef idx="2">
-            <a:schemeClr val="accent1">
-              <a:shade val="50000"/>
-            </a:schemeClr>
-          </a:lnRef>
-          <a:fillRef idx="1">
-            <a:schemeClr val="accent1"/>
-          </a:fillRef>
-          <a:effectRef idx="0">
-            <a:schemeClr val="accent1"/>
-          </a:effectRef>
-          <a:fontRef idx="minor">
-            <a:schemeClr val="lt1"/>
-          </a:fontRef>
-        </p:style>
-        <p:txBody>
-          <a:bodyPr rtlCol="0" anchor="ctr"/>
-          <a:lstStyle/>
-          <a:p>
-            <a:pPr algn="ctr"/>
-            <a:r>
-              <a:rPr lang="zh-CN" altLang="en-US" dirty="0">
-                <a:solidFill>
-                  <a:schemeClr val="tx1"/>
-                </a:solidFill>
-              </a:rPr>
-              <a:t>住院</a:t>
-            </a:r>
-            <a:r>
-              <a:rPr lang="zh-CN" altLang="en-US" dirty="0" smtClean="0">
-                <a:solidFill>
-                  <a:schemeClr val="tx1"/>
-                </a:solidFill>
-              </a:rPr>
-              <a:t>科室</a:t>
-            </a:r>
-            <a:endParaRPr lang="zh-CN" altLang="en-US" dirty="0">
-              <a:solidFill>
-                <a:schemeClr val="tx1"/>
-              </a:solidFill>
-            </a:endParaRPr>
-          </a:p>
-        </p:txBody>
-      </p:sp>
-      <p:sp>
-        <p:nvSpPr>
-          <p:cNvPr id="16" name="矩形 15"/>
-          <p:cNvSpPr/>
-          <p:nvPr/>
-        </p:nvSpPr>
-        <p:spPr>
-          <a:xfrm>
-            <a:off x="4141440" y="3068457"/>
-            <a:ext cx="1162080" cy="1017840"/>
-          </a:xfrm>
-          <a:prstGeom prst="rect">
-            <a:avLst/>
-          </a:prstGeom>
-          <a:noFill/>
-        </p:spPr>
-        <p:style>
-          <a:lnRef idx="2">
-            <a:schemeClr val="accent1">
-              <a:shade val="50000"/>
-            </a:schemeClr>
-          </a:lnRef>
-          <a:fillRef idx="1">
-            <a:schemeClr val="accent1"/>
-          </a:fillRef>
-          <a:effectRef idx="0">
-            <a:schemeClr val="accent1"/>
-          </a:effectRef>
-          <a:fontRef idx="minor">
-            <a:schemeClr val="lt1"/>
-          </a:fontRef>
-        </p:style>
-        <p:txBody>
-          <a:bodyPr rtlCol="0" anchor="ctr"/>
-          <a:lstStyle/>
-          <a:p>
-            <a:pPr algn="ctr"/>
-            <a:r>
-              <a:rPr lang="zh-CN" altLang="en-US" dirty="0">
-                <a:solidFill>
-                  <a:schemeClr val="tx1"/>
-                </a:solidFill>
-              </a:rPr>
-              <a:t>药房</a:t>
-            </a:r>
-          </a:p>
-        </p:txBody>
-      </p:sp>
-      <p:sp>
-        <p:nvSpPr>
-          <p:cNvPr id="17" name="矩形 16"/>
-          <p:cNvSpPr/>
-          <p:nvPr/>
-        </p:nvSpPr>
-        <p:spPr>
-          <a:xfrm>
-            <a:off x="5542180" y="3084980"/>
-            <a:ext cx="1207998" cy="1017840"/>
-          </a:xfrm>
-          <a:prstGeom prst="rect">
-            <a:avLst/>
-          </a:prstGeom>
-          <a:noFill/>
-        </p:spPr>
-        <p:style>
-          <a:lnRef idx="2">
-            <a:schemeClr val="accent1">
-              <a:shade val="50000"/>
-            </a:schemeClr>
-          </a:lnRef>
-          <a:fillRef idx="1">
-            <a:schemeClr val="accent1"/>
-          </a:fillRef>
-          <a:effectRef idx="0">
-            <a:schemeClr val="accent1"/>
-          </a:effectRef>
-          <a:fontRef idx="minor">
-            <a:schemeClr val="lt1"/>
-          </a:fontRef>
-        </p:style>
-        <p:txBody>
-          <a:bodyPr rtlCol="0" anchor="ctr"/>
-          <a:lstStyle/>
-          <a:p>
-            <a:pPr algn="ctr"/>
-            <a:r>
-              <a:rPr lang="zh-CN" altLang="en-US" dirty="0" smtClean="0">
-                <a:solidFill>
-                  <a:schemeClr val="tx1"/>
-                </a:solidFill>
-              </a:rPr>
-              <a:t>收费处</a:t>
-            </a:r>
-            <a:endParaRPr lang="zh-CN" altLang="en-US" dirty="0">
-              <a:solidFill>
-                <a:schemeClr val="tx1"/>
-              </a:solidFill>
-            </a:endParaRPr>
-          </a:p>
-        </p:txBody>
-      </p:sp>
-      <p:sp>
-        <p:nvSpPr>
-          <p:cNvPr id="18" name="矩形 17"/>
-          <p:cNvSpPr/>
-          <p:nvPr/>
-        </p:nvSpPr>
-        <p:spPr>
-          <a:xfrm>
-            <a:off x="6988838" y="3077907"/>
-            <a:ext cx="1151846" cy="1017840"/>
-          </a:xfrm>
-          <a:prstGeom prst="rect">
-            <a:avLst/>
-          </a:prstGeom>
-          <a:noFill/>
-        </p:spPr>
-        <p:style>
-          <a:lnRef idx="2">
-            <a:schemeClr val="accent1">
-              <a:shade val="50000"/>
-            </a:schemeClr>
-          </a:lnRef>
-          <a:fillRef idx="1">
-            <a:schemeClr val="accent1"/>
-          </a:fillRef>
-          <a:effectRef idx="0">
-            <a:schemeClr val="accent1"/>
-          </a:effectRef>
-          <a:fontRef idx="minor">
-            <a:schemeClr val="lt1"/>
-          </a:fontRef>
-        </p:style>
-        <p:txBody>
-          <a:bodyPr rtlCol="0" anchor="ctr"/>
-          <a:lstStyle/>
-          <a:p>
-            <a:pPr algn="ctr"/>
-            <a:r>
-              <a:rPr lang="zh-CN" altLang="en-US" dirty="0" smtClean="0">
-                <a:solidFill>
-                  <a:schemeClr val="tx1"/>
-                </a:solidFill>
-              </a:rPr>
-              <a:t>挂号室</a:t>
-            </a:r>
-            <a:endParaRPr lang="zh-CN" altLang="en-US" dirty="0">
-              <a:solidFill>
-                <a:schemeClr val="tx1"/>
-              </a:solidFill>
-            </a:endParaRPr>
-          </a:p>
-        </p:txBody>
-      </p:sp>
-      <p:sp>
-        <p:nvSpPr>
-          <p:cNvPr id="19" name="矩形 18"/>
-          <p:cNvSpPr/>
-          <p:nvPr/>
-        </p:nvSpPr>
-        <p:spPr>
-          <a:xfrm>
-            <a:off x="9725010" y="3068457"/>
-            <a:ext cx="1172607" cy="1017840"/>
-          </a:xfrm>
-          <a:prstGeom prst="rect">
-            <a:avLst/>
-          </a:prstGeom>
-          <a:noFill/>
-        </p:spPr>
-        <p:style>
-          <a:lnRef idx="2">
-            <a:schemeClr val="accent1">
-              <a:shade val="50000"/>
-            </a:schemeClr>
-          </a:lnRef>
-          <a:fillRef idx="1">
-            <a:schemeClr val="accent1"/>
-          </a:fillRef>
-          <a:effectRef idx="0">
-            <a:schemeClr val="accent1"/>
-          </a:effectRef>
-          <a:fontRef idx="minor">
-            <a:schemeClr val="lt1"/>
-          </a:fontRef>
-        </p:style>
-        <p:txBody>
-          <a:bodyPr rtlCol="0" anchor="ctr"/>
-          <a:lstStyle/>
-          <a:p>
-            <a:pPr algn="ctr"/>
-            <a:r>
-              <a:rPr lang="zh-CN" altLang="en-US" dirty="0" smtClean="0">
-                <a:solidFill>
-                  <a:schemeClr val="tx1"/>
-                </a:solidFill>
-              </a:rPr>
-              <a:t>病案室</a:t>
-            </a:r>
-            <a:endParaRPr lang="zh-CN" altLang="en-US" dirty="0">
-              <a:solidFill>
-                <a:schemeClr val="tx1"/>
-              </a:solidFill>
-            </a:endParaRPr>
-          </a:p>
-        </p:txBody>
-      </p:sp>
-      <p:sp>
-        <p:nvSpPr>
-          <p:cNvPr id="20" name="矩形 19"/>
-          <p:cNvSpPr/>
-          <p:nvPr/>
-        </p:nvSpPr>
-        <p:spPr>
-          <a:xfrm>
-            <a:off x="8379344" y="3068457"/>
-            <a:ext cx="1151846" cy="1017840"/>
-          </a:xfrm>
-          <a:prstGeom prst="rect">
-            <a:avLst/>
-          </a:prstGeom>
-          <a:noFill/>
-        </p:spPr>
-        <p:style>
-          <a:lnRef idx="2">
-            <a:schemeClr val="accent1">
-              <a:shade val="50000"/>
-            </a:schemeClr>
-          </a:lnRef>
-          <a:fillRef idx="1">
-            <a:schemeClr val="accent1"/>
-          </a:fillRef>
-          <a:effectRef idx="0">
-            <a:schemeClr val="accent1"/>
-          </a:effectRef>
-          <a:fontRef idx="minor">
-            <a:schemeClr val="lt1"/>
-          </a:fontRef>
-        </p:style>
-        <p:txBody>
-          <a:bodyPr rtlCol="0" anchor="ctr"/>
-          <a:lstStyle/>
-          <a:p>
-            <a:pPr algn="ctr"/>
-            <a:r>
-              <a:rPr lang="zh-CN" altLang="en-US" dirty="0" smtClean="0">
-                <a:solidFill>
-                  <a:schemeClr val="tx1"/>
-                </a:solidFill>
-              </a:rPr>
-              <a:t>检查检验</a:t>
-            </a:r>
-            <a:endParaRPr lang="zh-CN" altLang="en-US" dirty="0">
-              <a:solidFill>
-                <a:schemeClr val="tx1"/>
-              </a:solidFill>
+              <a:t>如果业务差异性过大，未来考虑采用独立可配置的状态图来计算患者一次就诊的状态变化</a:t>
+            </a:r>
+            <a:endParaRPr lang="zh-CN" dirty="0">
+              <a:latin typeface="Microsoft YaHei UI" panose="020B0503020204020204" pitchFamily="34" charset="-122"/>
+              <a:ea typeface="Microsoft YaHei UI" panose="020B0503020204020204" pitchFamily="34" charset="-122"/>
             </a:endParaRPr>
           </a:p>
         </p:txBody>
@@ -6136,7 +6239,7 @@
     </p:spTree>
     <p:extLst>
       <p:ext uri="{BB962C8B-B14F-4D97-AF65-F5344CB8AC3E}">
-        <p14:creationId xmlns:p14="http://schemas.microsoft.com/office/powerpoint/2010/main" val="2626867116"/>
+        <p14:creationId xmlns:p14="http://schemas.microsoft.com/office/powerpoint/2010/main" val="3003115549"/>
       </p:ext>
     </p:extLst>
   </p:cSld>
@@ -6182,34 +6285,28 @@
         </p:nvSpPr>
         <p:spPr/>
         <p:txBody>
-          <a:bodyPr>
-            <a:normAutofit/>
-          </a:bodyPr>
-          <a:lstStyle/>
-          <a:p>
-            <a:r>
-              <a:rPr lang="zh-CN" altLang="en-US" dirty="0" smtClean="0"/>
+          <a:bodyPr/>
+          <a:lstStyle/>
+          <a:p>
+            <a:r>
+              <a:rPr lang="zh-CN" altLang="en-US" dirty="0"/>
               <a:t>特点分项讲解</a:t>
             </a:r>
             <a:r>
-              <a:rPr lang="en-US" altLang="zh-CN" sz="2000" dirty="0" smtClean="0"/>
+              <a:rPr lang="en-US" altLang="zh-CN" dirty="0" smtClean="0"/>
               <a:t>-</a:t>
             </a:r>
             <a:r>
               <a:rPr lang="zh-CN" altLang="en-US" sz="2000" dirty="0"/>
-              <a:t>以患者为中心，联通患者初诊、复诊、住院等多个业务</a:t>
-            </a:r>
-            <a:r>
-              <a:rPr lang="zh-CN" altLang="en-US" sz="2000" dirty="0" smtClean="0"/>
-              <a:t>环节</a:t>
-            </a:r>
-            <a:endParaRPr lang="zh-CN" altLang="en-US" dirty="0"/>
+              <a:t>患者诊疗信息、医嘱、病历高度互动</a:t>
+            </a:r>
+            <a:endParaRPr lang="en-US" altLang="zh-CN" sz="2000" dirty="0"/>
           </a:p>
         </p:txBody>
       </p:sp>
       <p:pic>
         <p:nvPicPr>
-          <p:cNvPr id="4" name="图片 3"/>
+          <p:cNvPr id="5" name="图片 4"/>
           <p:cNvPicPr>
             <a:picLocks noChangeAspect="1"/>
           </p:cNvPicPr>
@@ -6223,17 +6320,75 @@
         </p:blipFill>
         <p:spPr>
           <a:xfrm>
-            <a:off x="430629" y="1208869"/>
-            <a:ext cx="4079589" cy="5531566"/>
+            <a:off x="348067" y="1625647"/>
+            <a:ext cx="6382984" cy="4848895"/>
           </a:xfrm>
           <a:prstGeom prst="rect">
             <a:avLst/>
           </a:prstGeom>
         </p:spPr>
       </p:pic>
+      <p:sp>
+        <p:nvSpPr>
+          <p:cNvPr id="6" name="内容占位符 2"/>
+          <p:cNvSpPr>
+            <a:spLocks noGrp="1"/>
+          </p:cNvSpPr>
+          <p:nvPr>
+            <p:ph idx="1"/>
+          </p:nvPr>
+        </p:nvSpPr>
+        <p:spPr>
+          <a:xfrm>
+            <a:off x="6988172" y="1672859"/>
+            <a:ext cx="4810128" cy="3670253"/>
+          </a:xfrm>
+        </p:spPr>
+        <p:txBody>
+          <a:bodyPr>
+            <a:normAutofit/>
+          </a:bodyPr>
+          <a:lstStyle/>
+          <a:p>
+            <a:r>
+              <a:rPr lang="zh-CN" altLang="en-US" dirty="0" smtClean="0">
+                <a:latin typeface="Microsoft YaHei UI" panose="020B0503020204020204" pitchFamily="34" charset="-122"/>
+                <a:ea typeface="Microsoft YaHei UI" panose="020B0503020204020204" pitchFamily="34" charset="-122"/>
+              </a:rPr>
+              <a:t>通过病历类型与患者诊疗信息项类型关联实现了在生成病历时数据来源于患者诊疗信息</a:t>
+            </a:r>
+            <a:endParaRPr lang="en-US" altLang="zh-CN" dirty="0" smtClean="0">
+              <a:latin typeface="Microsoft YaHei UI" panose="020B0503020204020204" pitchFamily="34" charset="-122"/>
+              <a:ea typeface="Microsoft YaHei UI" panose="020B0503020204020204" pitchFamily="34" charset="-122"/>
+            </a:endParaRPr>
+          </a:p>
+          <a:p>
+            <a:r>
+              <a:rPr lang="zh-CN" altLang="en-US" dirty="0" smtClean="0"/>
+              <a:t>患者诊疗信息独立于病历，可独立生成和维护，可以通过病历来展示和修改</a:t>
+            </a:r>
+            <a:endParaRPr lang="en-US" altLang="zh-CN" dirty="0" smtClean="0"/>
+          </a:p>
+          <a:p>
+            <a:r>
+              <a:rPr lang="zh-CN" altLang="en-US" dirty="0" smtClean="0"/>
+              <a:t>医嘱生成的患者临时医嘱列表被认为是一项诊疗信息类型，患者临时医嘱单由患者姓名、</a:t>
+            </a:r>
+            <a:r>
+              <a:rPr lang="zh-CN" altLang="en-US" dirty="0"/>
+              <a:t>患者临时医嘱</a:t>
+            </a:r>
+            <a:r>
+              <a:rPr lang="zh-CN" altLang="en-US" dirty="0" smtClean="0"/>
+              <a:t>列表等信息组成</a:t>
+            </a:r>
+            <a:endParaRPr lang="en-US" altLang="zh-CN" dirty="0" smtClean="0"/>
+          </a:p>
+        </p:txBody>
+      </p:sp>
       <p:pic>
         <p:nvPicPr>
-          <p:cNvPr id="6" name="图片 5"/>
+          <p:cNvPr id="7" name="图片 6"/>
           <p:cNvPicPr>
             <a:picLocks noChangeAspect="1"/>
           </p:cNvPicPr>
@@ -6247,120 +6402,18 @@
         </p:blipFill>
         <p:spPr>
           <a:xfrm>
-            <a:off x="8163178" y="1615288"/>
-            <a:ext cx="3733333" cy="1371429"/>
+            <a:off x="7089772" y="5062103"/>
+            <a:ext cx="4606928" cy="1412439"/>
           </a:xfrm>
           <a:prstGeom prst="rect">
             <a:avLst/>
           </a:prstGeom>
         </p:spPr>
       </p:pic>
-      <p:pic>
-        <p:nvPicPr>
-          <p:cNvPr id="7" name="图片 6"/>
-          <p:cNvPicPr>
-            <a:picLocks noChangeAspect="1"/>
-          </p:cNvPicPr>
-          <p:nvPr/>
-        </p:nvPicPr>
-        <p:blipFill>
-          <a:blip r:embed="rId4"/>
-          <a:stretch>
-            <a:fillRect/>
-          </a:stretch>
-        </p:blipFill>
-        <p:spPr>
-          <a:xfrm>
-            <a:off x="4698964" y="1615289"/>
-            <a:ext cx="3409524" cy="1371429"/>
-          </a:xfrm>
-          <a:prstGeom prst="rect">
-            <a:avLst/>
-          </a:prstGeom>
-        </p:spPr>
-      </p:pic>
-      <p:sp>
-        <p:nvSpPr>
-          <p:cNvPr id="8" name="内容占位符 2"/>
-          <p:cNvSpPr>
-            <a:spLocks noGrp="1"/>
-          </p:cNvSpPr>
-          <p:nvPr>
-            <p:ph idx="1"/>
-          </p:nvPr>
-        </p:nvSpPr>
-        <p:spPr>
-          <a:xfrm>
-            <a:off x="4863176" y="3393139"/>
-            <a:ext cx="6490625" cy="2850907"/>
-          </a:xfrm>
-        </p:spPr>
-        <p:txBody>
-          <a:bodyPr>
-            <a:normAutofit/>
-          </a:bodyPr>
-          <a:lstStyle/>
-          <a:p>
-            <a:r>
-              <a:rPr lang="zh-CN" altLang="en-US" dirty="0" smtClean="0">
-                <a:latin typeface="Microsoft YaHei UI" panose="020B0503020204020204" pitchFamily="34" charset="-122"/>
-                <a:ea typeface="Microsoft YaHei UI" panose="020B0503020204020204" pitchFamily="34" charset="-122"/>
-              </a:rPr>
-              <a:t>将连续的门诊看病和住院治病视作一次就诊，依此设计了患者一次就诊实体（</a:t>
-            </a:r>
-            <a:r>
-              <a:rPr lang="en-US" altLang="zh-CN" dirty="0" smtClean="0">
-                <a:latin typeface="Microsoft YaHei UI" panose="020B0503020204020204" pitchFamily="34" charset="-122"/>
-                <a:ea typeface="Microsoft YaHei UI" panose="020B0503020204020204" pitchFamily="34" charset="-122"/>
-              </a:rPr>
-              <a:t>Visit</a:t>
-            </a:r>
-            <a:r>
-              <a:rPr lang="zh-CN" altLang="en-US" dirty="0" smtClean="0">
-                <a:latin typeface="Microsoft YaHei UI" panose="020B0503020204020204" pitchFamily="34" charset="-122"/>
-                <a:ea typeface="Microsoft YaHei UI" panose="020B0503020204020204" pitchFamily="34" charset="-122"/>
-              </a:rPr>
-              <a:t>）</a:t>
-            </a:r>
-            <a:endParaRPr lang="en-US" altLang="zh-CN" dirty="0" smtClean="0">
-              <a:latin typeface="Microsoft YaHei UI" panose="020B0503020204020204" pitchFamily="34" charset="-122"/>
-              <a:ea typeface="Microsoft YaHei UI" panose="020B0503020204020204" pitchFamily="34" charset="-122"/>
-            </a:endParaRPr>
-          </a:p>
-          <a:p>
-            <a:r>
-              <a:rPr lang="zh-CN" altLang="en-US" dirty="0"/>
-              <a:t>患者一次就诊实体（</a:t>
-            </a:r>
-            <a:r>
-              <a:rPr lang="en-US" altLang="zh-CN" dirty="0"/>
-              <a:t>Visit</a:t>
-            </a:r>
-            <a:r>
-              <a:rPr lang="zh-CN" altLang="en-US" dirty="0" smtClean="0"/>
-              <a:t>）通过业务动作改变其状态</a:t>
-            </a:r>
-            <a:endParaRPr lang="en-US" altLang="zh-CN" dirty="0" smtClean="0"/>
-          </a:p>
-          <a:p>
-            <a:r>
-              <a:rPr lang="zh-CN" altLang="en-US" dirty="0" smtClean="0">
-                <a:latin typeface="Microsoft YaHei UI" panose="020B0503020204020204" pitchFamily="34" charset="-122"/>
-                <a:ea typeface="Microsoft YaHei UI" panose="020B0503020204020204" pitchFamily="34" charset="-122"/>
-              </a:rPr>
-              <a:t>如果业务差异性过大，未来考虑采用独立可配置的状态图来计算患者一次就诊的状态变化</a:t>
-            </a:r>
-            <a:endParaRPr lang="zh-CN" dirty="0">
-              <a:latin typeface="Microsoft YaHei UI" panose="020B0503020204020204" pitchFamily="34" charset="-122"/>
-              <a:ea typeface="Microsoft YaHei UI" panose="020B0503020204020204" pitchFamily="34" charset="-122"/>
-            </a:endParaRPr>
-          </a:p>
-        </p:txBody>
-      </p:sp>
     </p:spTree>
     <p:extLst>
       <p:ext uri="{BB962C8B-B14F-4D97-AF65-F5344CB8AC3E}">
-        <p14:creationId xmlns:p14="http://schemas.microsoft.com/office/powerpoint/2010/main" val="3003115549"/>
+        <p14:creationId xmlns:p14="http://schemas.microsoft.com/office/powerpoint/2010/main" val="2956261430"/>
       </p:ext>
     </p:extLst>
   </p:cSld>
@@ -6404,7 +6457,12 @@
             <p:ph type="title"/>
           </p:nvPr>
         </p:nvSpPr>
-        <p:spPr/>
+        <p:spPr>
+          <a:xfrm>
+            <a:off x="604434" y="0"/>
+            <a:ext cx="11587566" cy="1208868"/>
+          </a:xfrm>
+        </p:spPr>
         <p:txBody>
           <a:bodyPr/>
           <a:lstStyle/>
@@ -6419,15 +6477,14 @@
             </a:r>
             <a:r>
               <a:rPr lang="zh-CN" altLang="en-US" sz="2000" dirty="0"/>
-              <a:t>患者诊疗信息、医嘱、病历高度互动</a:t>
-            </a:r>
-            <a:endParaRPr lang="en-US" altLang="zh-CN" sz="2000" dirty="0"/>
+              <a:t>以医嘱为核心驱动院内绝大部分诊疗行为，自动向医生、护士推送待做事项</a:t>
+            </a:r>
           </a:p>
         </p:txBody>
       </p:sp>
       <p:pic>
         <p:nvPicPr>
-          <p:cNvPr id="5" name="图片 4"/>
+          <p:cNvPr id="6" name="图片 5"/>
           <p:cNvPicPr>
             <a:picLocks noChangeAspect="1"/>
           </p:cNvPicPr>
@@ -6441,72 +6498,14 @@
         </p:blipFill>
         <p:spPr>
           <a:xfrm>
-            <a:off x="348067" y="1625647"/>
-            <a:ext cx="6382984" cy="4848895"/>
+            <a:off x="-342900" y="1208868"/>
+            <a:ext cx="8191500" cy="5847188"/>
           </a:xfrm>
           <a:prstGeom prst="rect">
             <a:avLst/>
           </a:prstGeom>
         </p:spPr>
       </p:pic>
-      <p:sp>
-        <p:nvSpPr>
-          <p:cNvPr id="6" name="内容占位符 2"/>
-          <p:cNvSpPr>
-            <a:spLocks noGrp="1"/>
-          </p:cNvSpPr>
-          <p:nvPr>
-            <p:ph idx="1"/>
-          </p:nvPr>
-        </p:nvSpPr>
-        <p:spPr>
-          <a:xfrm>
-            <a:off x="7013572" y="3187794"/>
-            <a:ext cx="4810128" cy="3670253"/>
-          </a:xfrm>
-        </p:spPr>
-        <p:txBody>
-          <a:bodyPr>
-            <a:normAutofit/>
-          </a:bodyPr>
-          <a:lstStyle/>
-          <a:p>
-            <a:r>
-              <a:rPr lang="zh-CN" altLang="en-US" dirty="0" smtClean="0">
-                <a:latin typeface="Microsoft YaHei UI" panose="020B0503020204020204" pitchFamily="34" charset="-122"/>
-                <a:ea typeface="Microsoft YaHei UI" panose="020B0503020204020204" pitchFamily="34" charset="-122"/>
-              </a:rPr>
-              <a:t>通过病历类型与患者诊疗信息项类型关联实现了在生成病历时数据来源于患者诊疗信息</a:t>
-            </a:r>
-            <a:endParaRPr lang="en-US" altLang="zh-CN" dirty="0" smtClean="0">
-              <a:latin typeface="Microsoft YaHei UI" panose="020B0503020204020204" pitchFamily="34" charset="-122"/>
-              <a:ea typeface="Microsoft YaHei UI" panose="020B0503020204020204" pitchFamily="34" charset="-122"/>
-            </a:endParaRPr>
-          </a:p>
-          <a:p>
-            <a:r>
-              <a:rPr lang="zh-CN" altLang="en-US" dirty="0" smtClean="0"/>
-              <a:t>患者诊疗信息独立于病历，可独立生成和维护，可以通过病历来展示和修改</a:t>
-            </a:r>
-            <a:endParaRPr lang="en-US" altLang="zh-CN" dirty="0" smtClean="0"/>
-          </a:p>
-          <a:p>
-            <a:r>
-              <a:rPr lang="zh-CN" altLang="en-US" dirty="0" smtClean="0"/>
-              <a:t>医嘱生成的患者临时医嘱列表被认为是一项诊疗信息类型，患者临时医嘱单由患者姓名、</a:t>
-            </a:r>
-            <a:r>
-              <a:rPr lang="zh-CN" altLang="en-US" dirty="0"/>
-              <a:t>患者临时医嘱</a:t>
-            </a:r>
-            <a:r>
-              <a:rPr lang="zh-CN" altLang="en-US" dirty="0" smtClean="0"/>
-              <a:t>列表等信息组成</a:t>
-            </a:r>
-            <a:endParaRPr lang="en-US" altLang="zh-CN" dirty="0" smtClean="0"/>
-          </a:p>
-        </p:txBody>
-      </p:sp>
       <p:pic>
         <p:nvPicPr>
           <p:cNvPr id="7" name="图片 6"/>
@@ -6523,18 +6522,98 @@
         </p:blipFill>
         <p:spPr>
           <a:xfrm>
-            <a:off x="7102472" y="1498647"/>
-            <a:ext cx="4606928" cy="1412439"/>
+            <a:off x="7229956" y="1417672"/>
+            <a:ext cx="4187343" cy="1207116"/>
           </a:xfrm>
           <a:prstGeom prst="rect">
             <a:avLst/>
           </a:prstGeom>
         </p:spPr>
       </p:pic>
+      <p:pic>
+        <p:nvPicPr>
+          <p:cNvPr id="8" name="图片 7"/>
+          <p:cNvPicPr>
+            <a:picLocks noChangeAspect="1"/>
+          </p:cNvPicPr>
+          <p:nvPr/>
+        </p:nvPicPr>
+        <p:blipFill>
+          <a:blip r:embed="rId4"/>
+          <a:stretch>
+            <a:fillRect/>
+          </a:stretch>
+        </p:blipFill>
+        <p:spPr>
+          <a:xfrm>
+            <a:off x="7229956" y="2699345"/>
+            <a:ext cx="3984143" cy="1524796"/>
+          </a:xfrm>
+          <a:prstGeom prst="rect">
+            <a:avLst/>
+          </a:prstGeom>
+        </p:spPr>
+      </p:pic>
+      <p:sp>
+        <p:nvSpPr>
+          <p:cNvPr id="10" name="内容占位符 2"/>
+          <p:cNvSpPr>
+            <a:spLocks noGrp="1"/>
+          </p:cNvSpPr>
+          <p:nvPr>
+            <p:ph idx="1"/>
+          </p:nvPr>
+        </p:nvSpPr>
+        <p:spPr>
+          <a:xfrm>
+            <a:off x="7229956" y="4373255"/>
+            <a:ext cx="4828693" cy="2570077"/>
+          </a:xfrm>
+        </p:spPr>
+        <p:txBody>
+          <a:bodyPr>
+            <a:normAutofit/>
+          </a:bodyPr>
+          <a:lstStyle/>
+          <a:p>
+            <a:r>
+              <a:rPr lang="zh-CN" altLang="en-US" dirty="0" smtClean="0"/>
+              <a:t>通过在不同的医嘱类型中编写不同的分解逻辑实现医嘱的分解</a:t>
+            </a:r>
+            <a:endParaRPr lang="en-US" altLang="zh-CN" dirty="0" smtClean="0"/>
+          </a:p>
+          <a:p>
+            <a:r>
+              <a:rPr lang="zh-CN" altLang="en-US" dirty="0" smtClean="0"/>
+              <a:t>通过统一的</a:t>
+            </a:r>
+            <a:r>
+              <a:rPr lang="en-US" altLang="zh-CN" dirty="0" smtClean="0"/>
+              <a:t>API</a:t>
+            </a:r>
+            <a:r>
+              <a:rPr lang="zh-CN" altLang="en-US" dirty="0" smtClean="0"/>
+              <a:t>完成医嘱执行条目的获取和办理</a:t>
+            </a:r>
+            <a:endParaRPr lang="en-US" altLang="zh-CN" dirty="0" smtClean="0"/>
+          </a:p>
+          <a:p>
+            <a:r>
+              <a:rPr lang="zh-CN" altLang="en-US" dirty="0" smtClean="0"/>
+              <a:t>通过在不同的执行条目的回调函数中编写逻辑实现伴随在一种执行过程中的</a:t>
+            </a:r>
+            <a:r>
+              <a:rPr lang="zh-CN" altLang="en-US" dirty="0"/>
+              <a:t>业务</a:t>
+            </a:r>
+            <a:endParaRPr lang="en-US" altLang="zh-CN" dirty="0" smtClean="0"/>
+          </a:p>
+        </p:txBody>
+      </p:sp>
     </p:spTree>
     <p:extLst>
       <p:ext uri="{BB962C8B-B14F-4D97-AF65-F5344CB8AC3E}">
-        <p14:creationId xmlns:p14="http://schemas.microsoft.com/office/powerpoint/2010/main" val="2956261430"/>
+        <p14:creationId xmlns:p14="http://schemas.microsoft.com/office/powerpoint/2010/main" val="4200738755"/>
       </p:ext>
     </p:extLst>
   </p:cSld>
@@ -6552,6 +6631,98 @@
 </file>
 
 <file path=ppt/slides/slide7.xml><?xml version="1.0" encoding="utf-8"?>
+<p:sld xmlns:a="http://schemas.openxmlformats.org/drawingml/2006/main" xmlns:r="http://schemas.openxmlformats.org/officeDocument/2006/relationships" xmlns:p="http://schemas.openxmlformats.org/presentationml/2006/main">
+  <p:cSld>
+    <p:spTree>
+      <p:nvGrpSpPr>
+        <p:cNvPr id="1" name=""/>
+        <p:cNvGrpSpPr/>
+        <p:nvPr/>
+      </p:nvGrpSpPr>
+      <p:grpSpPr>
+        <a:xfrm>
+          <a:off x="0" y="0"/>
+          <a:ext cx="0" cy="0"/>
+          <a:chOff x="0" y="0"/>
+          <a:chExt cx="0" cy="0"/>
+        </a:xfrm>
+      </p:grpSpPr>
+      <p:sp>
+        <p:nvSpPr>
+          <p:cNvPr id="2" name="标题 1"/>
+          <p:cNvSpPr>
+            <a:spLocks noGrp="1"/>
+          </p:cNvSpPr>
+          <p:nvPr>
+            <p:ph type="title"/>
+          </p:nvPr>
+        </p:nvSpPr>
+        <p:spPr/>
+        <p:txBody>
+          <a:bodyPr/>
+          <a:lstStyle/>
+          <a:p>
+            <a:r>
+              <a:rPr lang="zh-CN" altLang="en-US" dirty="0"/>
+              <a:t>特点分项讲解</a:t>
+            </a:r>
+            <a:r>
+              <a:rPr lang="en-US" altLang="zh-CN" dirty="0" smtClean="0"/>
+              <a:t>-</a:t>
+            </a:r>
+            <a:r>
+              <a:rPr lang="zh-CN" altLang="en-US" sz="2000" dirty="0"/>
+              <a:t>诊疗业务与计费业务实现了真正分离</a:t>
+            </a:r>
+            <a:endParaRPr lang="en-US" altLang="zh-CN" sz="2000" dirty="0"/>
+          </a:p>
+        </p:txBody>
+      </p:sp>
+      <p:pic>
+        <p:nvPicPr>
+          <p:cNvPr id="6" name="图片 5"/>
+          <p:cNvPicPr>
+            <a:picLocks noChangeAspect="1"/>
+          </p:cNvPicPr>
+          <p:nvPr/>
+        </p:nvPicPr>
+        <p:blipFill>
+          <a:blip r:embed="rId2"/>
+          <a:stretch>
+            <a:fillRect/>
+          </a:stretch>
+        </p:blipFill>
+        <p:spPr>
+          <a:xfrm>
+            <a:off x="604434" y="1208869"/>
+            <a:ext cx="3613605" cy="5896968"/>
+          </a:xfrm>
+          <a:prstGeom prst="rect">
+            <a:avLst/>
+          </a:prstGeom>
+        </p:spPr>
+      </p:pic>
+    </p:spTree>
+    <p:extLst>
+      <p:ext uri="{BB962C8B-B14F-4D97-AF65-F5344CB8AC3E}">
+        <p14:creationId xmlns:p14="http://schemas.microsoft.com/office/powerpoint/2010/main" val="496520382"/>
+      </p:ext>
+    </p:extLst>
+  </p:cSld>
+  <p:clrMapOvr>
+    <a:masterClrMapping/>
+  </p:clrMapOvr>
+  <p:timing>
+    <p:tnLst>
+      <p:par>
+        <p:cTn id="1" dur="indefinite" restart="never" nodeType="tmRoot"/>
+      </p:par>
+    </p:tnLst>
+  </p:timing>
+</p:sld>
+</file>
+
+<file path=ppt/slides/slide8.xml><?xml version="1.0" encoding="utf-8"?>
 <p:sld xmlns:a="http://schemas.openxmlformats.org/drawingml/2006/main" xmlns:r="http://schemas.openxmlformats.org/officeDocument/2006/relationships" xmlns:p="http://schemas.openxmlformats.org/presentationml/2006/main">
   <p:cSld>
     <p:spTree>

--- a/doc/EVE新一代HIS核心系统.pptx
+++ b/doc/EVE新一代HIS核心系统.pptx
@@ -5,7 +5,7 @@
     <p:sldMasterId id="2147483660" r:id="rId2"/>
   </p:sldMasterIdLst>
   <p:notesMasterIdLst>
-    <p:notesMasterId r:id="rId11"/>
+    <p:notesMasterId r:id="rId13"/>
   </p:notesMasterIdLst>
   <p:sldIdLst>
     <p:sldId id="256" r:id="rId3"/>
@@ -15,7 +15,9 @@
     <p:sldId id="266" r:id="rId7"/>
     <p:sldId id="267" r:id="rId8"/>
     <p:sldId id="268" r:id="rId9"/>
-    <p:sldId id="263" r:id="rId10"/>
+    <p:sldId id="269" r:id="rId10"/>
+    <p:sldId id="270" r:id="rId11"/>
+    <p:sldId id="263" r:id="rId12"/>
   </p:sldIdLst>
   <p:sldSz cx="12192000" cy="6858000"/>
   <p:notesSz cx="6858000" cy="9144000"/>
@@ -130,6 +132,8 @@
             <p14:sldId id="266"/>
             <p14:sldId id="267"/>
             <p14:sldId id="268"/>
+            <p14:sldId id="269"/>
+            <p14:sldId id="270"/>
           </p14:sldIdLst>
         </p14:section>
         <p14:section name="了解更多" id="{2CC34DB2-6590-42C0-AD4B-A04C6060184E}">
@@ -677,7 +681,7 @@
           <a:p>
             <a:fld id="{DF61EA0F-A667-4B49-8422-0062BC55E249}" type="slidenum">
               <a:rPr lang="en-US" altLang="zh-CN" smtClean="0"/>
-              <a:t>8</a:t>
+              <a:t>10</a:t>
             </a:fld>
             <a:endParaRPr lang="zh-CN"/>
           </a:p>
@@ -4932,1797 +4936,7 @@
 </p:sld>
 </file>
 
-<file path=ppt/slides/slide2.xml><?xml version="1.0" encoding="utf-8"?>
-<p:sld xmlns:a="http://schemas.openxmlformats.org/drawingml/2006/main" xmlns:r="http://schemas.openxmlformats.org/officeDocument/2006/relationships" xmlns:p="http://schemas.openxmlformats.org/presentationml/2006/main">
-  <p:cSld>
-    <p:spTree>
-      <p:nvGrpSpPr>
-        <p:cNvPr id="1" name=""/>
-        <p:cNvGrpSpPr/>
-        <p:nvPr/>
-      </p:nvGrpSpPr>
-      <p:grpSpPr>
-        <a:xfrm>
-          <a:off x="0" y="0"/>
-          <a:ext cx="0" cy="0"/>
-          <a:chOff x="0" y="0"/>
-          <a:chExt cx="0" cy="0"/>
-        </a:xfrm>
-      </p:grpSpPr>
-      <p:sp>
-        <p:nvSpPr>
-          <p:cNvPr id="2" name="标题 1"/>
-          <p:cNvSpPr>
-            <a:spLocks noGrp="1"/>
-          </p:cNvSpPr>
-          <p:nvPr>
-            <p:ph type="title"/>
-          </p:nvPr>
-        </p:nvSpPr>
-        <p:spPr/>
-        <p:txBody>
-          <a:bodyPr/>
-          <a:lstStyle/>
-          <a:p>
-            <a:r>
-              <a:rPr lang="zh-CN" altLang="en-US" dirty="0" smtClean="0">
-                <a:latin typeface="Microsoft YaHei UI" panose="020B0503020204020204" pitchFamily="34" charset="-122"/>
-                <a:ea typeface="Microsoft YaHei UI" panose="020B0503020204020204" pitchFamily="34" charset="-122"/>
-              </a:rPr>
-              <a:t>特点</a:t>
-            </a:r>
-            <a:endParaRPr lang="zh-CN" dirty="0">
-              <a:latin typeface="Microsoft YaHei UI" panose="020B0503020204020204" pitchFamily="34" charset="-122"/>
-              <a:ea typeface="Microsoft YaHei UI" panose="020B0503020204020204" pitchFamily="34" charset="-122"/>
-            </a:endParaRPr>
-          </a:p>
-        </p:txBody>
-      </p:sp>
-      <p:sp>
-        <p:nvSpPr>
-          <p:cNvPr id="10" name="内容占位符 2"/>
-          <p:cNvSpPr>
-            <a:spLocks noGrp="1"/>
-          </p:cNvSpPr>
-          <p:nvPr>
-            <p:ph idx="1"/>
-          </p:nvPr>
-        </p:nvSpPr>
-        <p:spPr>
-          <a:xfrm>
-            <a:off x="838201" y="1825625"/>
-            <a:ext cx="11037710" cy="4351338"/>
-          </a:xfrm>
-        </p:spPr>
-        <p:txBody>
-          <a:bodyPr>
-            <a:normAutofit lnSpcReduction="10000"/>
-          </a:bodyPr>
-          <a:lstStyle/>
-          <a:p>
-            <a:r>
-              <a:rPr lang="zh-CN" altLang="en-US" dirty="0" smtClean="0"/>
-              <a:t>以患者为中心，联通患者初诊、复诊、住院等多个业务环节</a:t>
-            </a:r>
-            <a:endParaRPr lang="en-US" altLang="zh-CN" dirty="0" smtClean="0"/>
-          </a:p>
-          <a:p>
-            <a:r>
-              <a:rPr lang="zh-CN" altLang="en-US" dirty="0" smtClean="0"/>
-              <a:t>患者诊疗信息、医嘱、病历高度互动</a:t>
-            </a:r>
-            <a:endParaRPr lang="en-US" altLang="zh-CN" dirty="0" smtClean="0"/>
-          </a:p>
-          <a:p>
-            <a:r>
-              <a:rPr lang="zh-CN" altLang="en-US" dirty="0" smtClean="0"/>
-              <a:t>以医嘱为核心驱动院内绝大部分诊疗行为，自动向医生、护士推送待做事项，并提供基于人员、部门、单笔业务等多角度的绩效数据</a:t>
-            </a:r>
-            <a:endParaRPr lang="en-US" altLang="zh-CN" dirty="0" smtClean="0"/>
-          </a:p>
-          <a:p>
-            <a:r>
-              <a:rPr lang="zh-CN" altLang="en-US" dirty="0" smtClean="0"/>
-              <a:t>诊疗业务与计费业务</a:t>
-            </a:r>
-            <a:r>
-              <a:rPr lang="zh-CN" altLang="en-US" dirty="0" smtClean="0"/>
-              <a:t>实现</a:t>
-            </a:r>
-            <a:r>
-              <a:rPr lang="zh-CN" altLang="en-US" dirty="0" smtClean="0"/>
-              <a:t>了真正</a:t>
-            </a:r>
-            <a:r>
-              <a:rPr lang="zh-CN" altLang="en-US" dirty="0" smtClean="0"/>
-              <a:t>分离</a:t>
-            </a:r>
-            <a:endParaRPr lang="en-US" altLang="zh-CN" dirty="0" smtClean="0"/>
-          </a:p>
-          <a:p>
-            <a:r>
-              <a:rPr lang="zh-CN" altLang="en-US" dirty="0" smtClean="0">
-                <a:latin typeface="Microsoft YaHei UI" panose="020B0503020204020204" pitchFamily="34" charset="-122"/>
-                <a:ea typeface="Microsoft YaHei UI" panose="020B0503020204020204" pitchFamily="34" charset="-122"/>
-              </a:rPr>
-              <a:t>支持核心资产研发与本地化研发的分离，系统提供多种手段满足个性化业务扩展</a:t>
-            </a:r>
-            <a:endParaRPr lang="en-US" altLang="zh-CN" dirty="0" smtClean="0">
-              <a:latin typeface="Microsoft YaHei UI" panose="020B0503020204020204" pitchFamily="34" charset="-122"/>
-              <a:ea typeface="Microsoft YaHei UI" panose="020B0503020204020204" pitchFamily="34" charset="-122"/>
-            </a:endParaRPr>
-          </a:p>
-          <a:p>
-            <a:r>
-              <a:rPr lang="zh-CN" altLang="en-US" dirty="0" smtClean="0"/>
-              <a:t>系统通过</a:t>
-            </a:r>
-            <a:r>
-              <a:rPr lang="en-US" altLang="zh-CN" dirty="0" err="1" smtClean="0"/>
-              <a:t>OpenAPI</a:t>
-            </a:r>
-            <a:r>
-              <a:rPr lang="zh-CN" altLang="en-US" dirty="0" smtClean="0"/>
-              <a:t>和</a:t>
-            </a:r>
-            <a:r>
-              <a:rPr lang="en-US" altLang="zh-CN" dirty="0" smtClean="0"/>
-              <a:t>EDA</a:t>
-            </a:r>
-            <a:r>
-              <a:rPr lang="zh-CN" altLang="en-US" dirty="0" smtClean="0"/>
-              <a:t>的方式灵活的实现与医院其他</a:t>
-            </a:r>
-            <a:r>
-              <a:rPr lang="zh-CN" altLang="en-US" dirty="0" smtClean="0"/>
-              <a:t>专有软件系统</a:t>
-            </a:r>
-            <a:r>
-              <a:rPr lang="zh-CN" altLang="en-US" dirty="0" smtClean="0"/>
-              <a:t>的交互</a:t>
-            </a:r>
-            <a:endParaRPr lang="en-US" altLang="zh-CN" dirty="0" smtClean="0"/>
-          </a:p>
-          <a:p>
-            <a:r>
-              <a:rPr lang="zh-CN" altLang="en-US" dirty="0" smtClean="0">
-                <a:latin typeface="Microsoft YaHei UI" panose="020B0503020204020204" pitchFamily="34" charset="-122"/>
-                <a:ea typeface="Microsoft YaHei UI" panose="020B0503020204020204" pitchFamily="34" charset="-122"/>
-              </a:rPr>
-              <a:t>系统通过严格的错误处理设计和测试设计保证核心代码的质量，以及应用核心代码出现问题时定位问题的效率</a:t>
-            </a:r>
-            <a:endParaRPr lang="zh-CN" dirty="0">
-              <a:latin typeface="Microsoft YaHei UI" panose="020B0503020204020204" pitchFamily="34" charset="-122"/>
-              <a:ea typeface="Microsoft YaHei UI" panose="020B0503020204020204" pitchFamily="34" charset="-122"/>
-            </a:endParaRPr>
-          </a:p>
-        </p:txBody>
-      </p:sp>
-    </p:spTree>
-    <p:extLst>
-      <p:ext uri="{BB962C8B-B14F-4D97-AF65-F5344CB8AC3E}">
-        <p14:creationId xmlns:p14="http://schemas.microsoft.com/office/powerpoint/2010/main" val="1328676004"/>
-      </p:ext>
-    </p:extLst>
-  </p:cSld>
-  <p:clrMapOvr>
-    <a:masterClrMapping/>
-  </p:clrMapOvr>
-  <mc:AlternateContent xmlns:mc="http://schemas.openxmlformats.org/markup-compatibility/2006" xmlns:p14="http://schemas.microsoft.com/office/powerpoint/2010/main">
-    <mc:Choice Requires="p14">
-      <p:transition p14:dur="0"/>
-    </mc:Choice>
-    <mc:Fallback xmlns="">
-      <p:transition/>
-    </mc:Fallback>
-  </mc:AlternateContent>
-  <p:timing>
-    <p:tnLst>
-      <p:par>
-        <p:cTn id="1" dur="indefinite" restart="never" nodeType="tmRoot"/>
-      </p:par>
-    </p:tnLst>
-  </p:timing>
-</p:sld>
-</file>
-
-<file path=ppt/slides/slide3.xml><?xml version="1.0" encoding="utf-8"?>
-<p:sld xmlns:a="http://schemas.openxmlformats.org/drawingml/2006/main" xmlns:r="http://schemas.openxmlformats.org/officeDocument/2006/relationships" xmlns:p="http://schemas.openxmlformats.org/presentationml/2006/main">
-  <p:cSld>
-    <p:spTree>
-      <p:nvGrpSpPr>
-        <p:cNvPr id="1" name=""/>
-        <p:cNvGrpSpPr/>
-        <p:nvPr/>
-      </p:nvGrpSpPr>
-      <p:grpSpPr>
-        <a:xfrm>
-          <a:off x="0" y="0"/>
-          <a:ext cx="0" cy="0"/>
-          <a:chOff x="0" y="0"/>
-          <a:chExt cx="0" cy="0"/>
-        </a:xfrm>
-      </p:grpSpPr>
-      <p:sp>
-        <p:nvSpPr>
-          <p:cNvPr id="2" name="标题 1"/>
-          <p:cNvSpPr>
-            <a:spLocks noGrp="1"/>
-          </p:cNvSpPr>
-          <p:nvPr>
-            <p:ph type="title"/>
-          </p:nvPr>
-        </p:nvSpPr>
-        <p:spPr/>
-        <p:txBody>
-          <a:bodyPr/>
-          <a:lstStyle/>
-          <a:p>
-            <a:r>
-              <a:rPr lang="zh-CN" altLang="en-US" dirty="0" smtClean="0"/>
-              <a:t>内容</a:t>
-            </a:r>
-            <a:endParaRPr lang="zh-CN" altLang="en-US" dirty="0"/>
-          </a:p>
-        </p:txBody>
-      </p:sp>
-      <p:sp>
-        <p:nvSpPr>
-          <p:cNvPr id="4" name="矩形 3"/>
-          <p:cNvSpPr/>
-          <p:nvPr/>
-        </p:nvSpPr>
-        <p:spPr>
-          <a:xfrm>
-            <a:off x="4338406" y="6126479"/>
-            <a:ext cx="2323651" cy="560143"/>
-          </a:xfrm>
-          <a:prstGeom prst="rect">
-            <a:avLst/>
-          </a:prstGeom>
-          <a:noFill/>
-        </p:spPr>
-        <p:style>
-          <a:lnRef idx="2">
-            <a:schemeClr val="accent1">
-              <a:shade val="50000"/>
-            </a:schemeClr>
-          </a:lnRef>
-          <a:fillRef idx="1">
-            <a:schemeClr val="accent1"/>
-          </a:fillRef>
-          <a:effectRef idx="0">
-            <a:schemeClr val="accent1"/>
-          </a:effectRef>
-          <a:fontRef idx="minor">
-            <a:schemeClr val="lt1"/>
-          </a:fontRef>
-        </p:style>
-        <p:txBody>
-          <a:bodyPr rtlCol="0" anchor="ctr"/>
-          <a:lstStyle/>
-          <a:p>
-            <a:pPr algn="ctr"/>
-            <a:r>
-              <a:rPr lang="zh-CN" altLang="en-US" dirty="0" smtClean="0">
-                <a:solidFill>
-                  <a:schemeClr val="tx1"/>
-                </a:solidFill>
-              </a:rPr>
-              <a:t>患者生命周期</a:t>
-            </a:r>
-            <a:endParaRPr lang="zh-CN" altLang="en-US" dirty="0">
-              <a:solidFill>
-                <a:schemeClr val="tx1"/>
-              </a:solidFill>
-            </a:endParaRPr>
-          </a:p>
-        </p:txBody>
-      </p:sp>
-      <p:sp>
-        <p:nvSpPr>
-          <p:cNvPr id="5" name="矩形 4"/>
-          <p:cNvSpPr/>
-          <p:nvPr/>
-        </p:nvSpPr>
-        <p:spPr>
-          <a:xfrm>
-            <a:off x="7865811" y="4655629"/>
-            <a:ext cx="2323651" cy="478705"/>
-          </a:xfrm>
-          <a:prstGeom prst="rect">
-            <a:avLst/>
-          </a:prstGeom>
-          <a:noFill/>
-        </p:spPr>
-        <p:style>
-          <a:lnRef idx="2">
-            <a:schemeClr val="accent1">
-              <a:shade val="50000"/>
-            </a:schemeClr>
-          </a:lnRef>
-          <a:fillRef idx="1">
-            <a:schemeClr val="accent1"/>
-          </a:fillRef>
-          <a:effectRef idx="0">
-            <a:schemeClr val="accent1"/>
-          </a:effectRef>
-          <a:fontRef idx="minor">
-            <a:schemeClr val="lt1"/>
-          </a:fontRef>
-        </p:style>
-        <p:txBody>
-          <a:bodyPr rtlCol="0" anchor="ctr"/>
-          <a:lstStyle/>
-          <a:p>
-            <a:pPr algn="ctr"/>
-            <a:r>
-              <a:rPr lang="zh-CN" altLang="en-US" dirty="0" smtClean="0">
-                <a:solidFill>
-                  <a:schemeClr val="tx1"/>
-                </a:solidFill>
-              </a:rPr>
-              <a:t>病历编写</a:t>
-            </a:r>
-            <a:endParaRPr lang="zh-CN" altLang="en-US" dirty="0">
-              <a:solidFill>
-                <a:schemeClr val="tx1"/>
-              </a:solidFill>
-            </a:endParaRPr>
-          </a:p>
-        </p:txBody>
-      </p:sp>
-      <p:sp>
-        <p:nvSpPr>
-          <p:cNvPr id="6" name="矩形 5"/>
-          <p:cNvSpPr/>
-          <p:nvPr/>
-        </p:nvSpPr>
-        <p:spPr>
-          <a:xfrm>
-            <a:off x="4101160" y="4864241"/>
-            <a:ext cx="2963730" cy="984386"/>
-          </a:xfrm>
-          <a:prstGeom prst="rect">
-            <a:avLst/>
-          </a:prstGeom>
-          <a:noFill/>
-        </p:spPr>
-        <p:style>
-          <a:lnRef idx="2">
-            <a:schemeClr val="accent1">
-              <a:shade val="50000"/>
-            </a:schemeClr>
-          </a:lnRef>
-          <a:fillRef idx="1">
-            <a:schemeClr val="accent1"/>
-          </a:fillRef>
-          <a:effectRef idx="0">
-            <a:schemeClr val="accent1"/>
-          </a:effectRef>
-          <a:fontRef idx="minor">
-            <a:schemeClr val="lt1"/>
-          </a:fontRef>
-        </p:style>
-        <p:txBody>
-          <a:bodyPr rtlCol="0" anchor="ctr"/>
-          <a:lstStyle/>
-          <a:p>
-            <a:pPr algn="ctr"/>
-            <a:r>
-              <a:rPr lang="zh-CN" altLang="en-US" dirty="0" smtClean="0">
-                <a:solidFill>
-                  <a:schemeClr val="tx1"/>
-                </a:solidFill>
-              </a:rPr>
-              <a:t>医嘱执行</a:t>
-            </a:r>
-            <a:endParaRPr lang="zh-CN" altLang="en-US" dirty="0">
-              <a:solidFill>
-                <a:schemeClr val="tx1"/>
-              </a:solidFill>
-            </a:endParaRPr>
-          </a:p>
-        </p:txBody>
-      </p:sp>
-      <p:sp>
-        <p:nvSpPr>
-          <p:cNvPr id="8" name="矩形 7"/>
-          <p:cNvSpPr/>
-          <p:nvPr/>
-        </p:nvSpPr>
-        <p:spPr>
-          <a:xfrm>
-            <a:off x="7865811" y="5444517"/>
-            <a:ext cx="2323651" cy="525209"/>
-          </a:xfrm>
-          <a:prstGeom prst="rect">
-            <a:avLst/>
-          </a:prstGeom>
-          <a:noFill/>
-        </p:spPr>
-        <p:style>
-          <a:lnRef idx="2">
-            <a:schemeClr val="accent1">
-              <a:shade val="50000"/>
-            </a:schemeClr>
-          </a:lnRef>
-          <a:fillRef idx="1">
-            <a:schemeClr val="accent1"/>
-          </a:fillRef>
-          <a:effectRef idx="0">
-            <a:schemeClr val="accent1"/>
-          </a:effectRef>
-          <a:fontRef idx="minor">
-            <a:schemeClr val="lt1"/>
-          </a:fontRef>
-        </p:style>
-        <p:txBody>
-          <a:bodyPr rtlCol="0" anchor="ctr"/>
-          <a:lstStyle/>
-          <a:p>
-            <a:pPr algn="ctr"/>
-            <a:r>
-              <a:rPr lang="zh-CN" altLang="en-US" dirty="0" smtClean="0">
-                <a:solidFill>
-                  <a:schemeClr val="tx1"/>
-                </a:solidFill>
-              </a:rPr>
-              <a:t>诊疗信息</a:t>
-            </a:r>
-            <a:endParaRPr lang="zh-CN" altLang="en-US" dirty="0">
-              <a:solidFill>
-                <a:schemeClr val="tx1"/>
-              </a:solidFill>
-            </a:endParaRPr>
-          </a:p>
-        </p:txBody>
-      </p:sp>
-      <p:sp>
-        <p:nvSpPr>
-          <p:cNvPr id="9" name="矩形 8"/>
-          <p:cNvSpPr/>
-          <p:nvPr/>
-        </p:nvSpPr>
-        <p:spPr>
-          <a:xfrm>
-            <a:off x="1441347" y="4894982"/>
-            <a:ext cx="2205162" cy="549535"/>
-          </a:xfrm>
-          <a:prstGeom prst="rect">
-            <a:avLst/>
-          </a:prstGeom>
-          <a:noFill/>
-        </p:spPr>
-        <p:style>
-          <a:lnRef idx="2">
-            <a:schemeClr val="accent1">
-              <a:shade val="50000"/>
-            </a:schemeClr>
-          </a:lnRef>
-          <a:fillRef idx="1">
-            <a:schemeClr val="accent1"/>
-          </a:fillRef>
-          <a:effectRef idx="0">
-            <a:schemeClr val="accent1"/>
-          </a:effectRef>
-          <a:fontRef idx="minor">
-            <a:schemeClr val="lt1"/>
-          </a:fontRef>
-        </p:style>
-        <p:txBody>
-          <a:bodyPr rtlCol="0" anchor="ctr"/>
-          <a:lstStyle/>
-          <a:p>
-            <a:pPr algn="ctr"/>
-            <a:r>
-              <a:rPr lang="zh-CN" altLang="en-US" dirty="0">
-                <a:solidFill>
-                  <a:schemeClr val="tx1"/>
-                </a:solidFill>
-              </a:rPr>
-              <a:t>计费</a:t>
-            </a:r>
-          </a:p>
-        </p:txBody>
-      </p:sp>
-      <p:sp>
-        <p:nvSpPr>
-          <p:cNvPr id="10" name="椭圆 9"/>
-          <p:cNvSpPr/>
-          <p:nvPr/>
-        </p:nvSpPr>
-        <p:spPr>
-          <a:xfrm>
-            <a:off x="1251113" y="1682651"/>
-            <a:ext cx="2567354" cy="914400"/>
-          </a:xfrm>
-          <a:prstGeom prst="ellipse">
-            <a:avLst/>
-          </a:prstGeom>
-          <a:noFill/>
-        </p:spPr>
-        <p:style>
-          <a:lnRef idx="2">
-            <a:schemeClr val="accent1">
-              <a:shade val="50000"/>
-            </a:schemeClr>
-          </a:lnRef>
-          <a:fillRef idx="1">
-            <a:schemeClr val="accent1"/>
-          </a:fillRef>
-          <a:effectRef idx="0">
-            <a:schemeClr val="accent1"/>
-          </a:effectRef>
-          <a:fontRef idx="minor">
-            <a:schemeClr val="lt1"/>
-          </a:fontRef>
-        </p:style>
-        <p:txBody>
-          <a:bodyPr rtlCol="0" anchor="ctr"/>
-          <a:lstStyle/>
-          <a:p>
-            <a:pPr algn="ctr"/>
-            <a:r>
-              <a:rPr lang="zh-CN" altLang="en-US" dirty="0" smtClean="0">
-                <a:solidFill>
-                  <a:schemeClr val="tx1"/>
-                </a:solidFill>
-              </a:rPr>
-              <a:t>门诊看病</a:t>
-            </a:r>
-            <a:endParaRPr lang="zh-CN" altLang="en-US" dirty="0">
-              <a:solidFill>
-                <a:schemeClr val="tx1"/>
-              </a:solidFill>
-            </a:endParaRPr>
-          </a:p>
-        </p:txBody>
-      </p:sp>
-      <p:sp>
-        <p:nvSpPr>
-          <p:cNvPr id="11" name="椭圆 10"/>
-          <p:cNvSpPr/>
-          <p:nvPr/>
-        </p:nvSpPr>
-        <p:spPr>
-          <a:xfrm>
-            <a:off x="4497536" y="1662091"/>
-            <a:ext cx="2567354" cy="914400"/>
-          </a:xfrm>
-          <a:prstGeom prst="ellipse">
-            <a:avLst/>
-          </a:prstGeom>
-          <a:noFill/>
-        </p:spPr>
-        <p:style>
-          <a:lnRef idx="2">
-            <a:schemeClr val="accent1">
-              <a:shade val="50000"/>
-            </a:schemeClr>
-          </a:lnRef>
-          <a:fillRef idx="1">
-            <a:schemeClr val="accent1"/>
-          </a:fillRef>
-          <a:effectRef idx="0">
-            <a:schemeClr val="accent1"/>
-          </a:effectRef>
-          <a:fontRef idx="minor">
-            <a:schemeClr val="lt1"/>
-          </a:fontRef>
-        </p:style>
-        <p:txBody>
-          <a:bodyPr rtlCol="0" anchor="ctr"/>
-          <a:lstStyle/>
-          <a:p>
-            <a:pPr algn="ctr"/>
-            <a:r>
-              <a:rPr lang="zh-CN" altLang="en-US" dirty="0" smtClean="0">
-                <a:solidFill>
-                  <a:schemeClr val="tx1"/>
-                </a:solidFill>
-              </a:rPr>
-              <a:t>住院治病</a:t>
-            </a:r>
-            <a:endParaRPr lang="zh-CN" altLang="en-US" dirty="0">
-              <a:solidFill>
-                <a:schemeClr val="tx1"/>
-              </a:solidFill>
-            </a:endParaRPr>
-          </a:p>
-        </p:txBody>
-      </p:sp>
-      <p:sp>
-        <p:nvSpPr>
-          <p:cNvPr id="12" name="椭圆 11"/>
-          <p:cNvSpPr/>
-          <p:nvPr/>
-        </p:nvSpPr>
-        <p:spPr>
-          <a:xfrm>
-            <a:off x="7743960" y="1662091"/>
-            <a:ext cx="2567354" cy="914400"/>
-          </a:xfrm>
-          <a:prstGeom prst="ellipse">
-            <a:avLst/>
-          </a:prstGeom>
-          <a:noFill/>
-        </p:spPr>
-        <p:style>
-          <a:lnRef idx="2">
-            <a:schemeClr val="accent1">
-              <a:shade val="50000"/>
-            </a:schemeClr>
-          </a:lnRef>
-          <a:fillRef idx="1">
-            <a:schemeClr val="accent1"/>
-          </a:fillRef>
-          <a:effectRef idx="0">
-            <a:schemeClr val="accent1"/>
-          </a:effectRef>
-          <a:fontRef idx="minor">
-            <a:schemeClr val="lt1"/>
-          </a:fontRef>
-        </p:style>
-        <p:txBody>
-          <a:bodyPr rtlCol="0" anchor="ctr"/>
-          <a:lstStyle/>
-          <a:p>
-            <a:pPr algn="ctr"/>
-            <a:r>
-              <a:rPr lang="zh-CN" altLang="en-US" dirty="0" smtClean="0">
-                <a:solidFill>
-                  <a:schemeClr val="tx1"/>
-                </a:solidFill>
-              </a:rPr>
-              <a:t>信息维护和统计</a:t>
-            </a:r>
-            <a:endParaRPr lang="zh-CN" altLang="en-US" dirty="0">
-              <a:solidFill>
-                <a:schemeClr val="tx1"/>
-              </a:solidFill>
-            </a:endParaRPr>
-          </a:p>
-        </p:txBody>
-      </p:sp>
-      <p:sp>
-        <p:nvSpPr>
-          <p:cNvPr id="13" name="矩形 12"/>
-          <p:cNvSpPr/>
-          <p:nvPr/>
-        </p:nvSpPr>
-        <p:spPr>
-          <a:xfrm>
-            <a:off x="867937" y="4349931"/>
-            <a:ext cx="10013424" cy="2508068"/>
-          </a:xfrm>
-          <a:prstGeom prst="rect">
-            <a:avLst/>
-          </a:prstGeom>
-          <a:noFill/>
-        </p:spPr>
-        <p:style>
-          <a:lnRef idx="2">
-            <a:schemeClr val="accent1">
-              <a:shade val="50000"/>
-            </a:schemeClr>
-          </a:lnRef>
-          <a:fillRef idx="1">
-            <a:schemeClr val="accent1"/>
-          </a:fillRef>
-          <a:effectRef idx="0">
-            <a:schemeClr val="accent1"/>
-          </a:effectRef>
-          <a:fontRef idx="minor">
-            <a:schemeClr val="lt1"/>
-          </a:fontRef>
-        </p:style>
-        <p:txBody>
-          <a:bodyPr rtlCol="0" anchor="t" anchorCtr="0"/>
-          <a:lstStyle/>
-          <a:p>
-            <a:pPr algn="ctr"/>
-            <a:r>
-              <a:rPr lang="zh-CN" altLang="en-US" dirty="0" smtClean="0">
-                <a:solidFill>
-                  <a:schemeClr val="tx1"/>
-                </a:solidFill>
-              </a:rPr>
-              <a:t>核心引擎</a:t>
-            </a:r>
-            <a:endParaRPr lang="zh-CN" altLang="en-US" dirty="0">
-              <a:solidFill>
-                <a:schemeClr val="tx1"/>
-              </a:solidFill>
-            </a:endParaRPr>
-          </a:p>
-        </p:txBody>
-      </p:sp>
-      <p:sp>
-        <p:nvSpPr>
-          <p:cNvPr id="14" name="矩形 13"/>
-          <p:cNvSpPr/>
-          <p:nvPr/>
-        </p:nvSpPr>
-        <p:spPr>
-          <a:xfrm>
-            <a:off x="867937" y="3084980"/>
-            <a:ext cx="1352749" cy="1003694"/>
-          </a:xfrm>
-          <a:prstGeom prst="rect">
-            <a:avLst/>
-          </a:prstGeom>
-          <a:noFill/>
-        </p:spPr>
-        <p:style>
-          <a:lnRef idx="2">
-            <a:schemeClr val="accent1">
-              <a:shade val="50000"/>
-            </a:schemeClr>
-          </a:lnRef>
-          <a:fillRef idx="1">
-            <a:schemeClr val="accent1"/>
-          </a:fillRef>
-          <a:effectRef idx="0">
-            <a:schemeClr val="accent1"/>
-          </a:effectRef>
-          <a:fontRef idx="minor">
-            <a:schemeClr val="lt1"/>
-          </a:fontRef>
-        </p:style>
-        <p:txBody>
-          <a:bodyPr rtlCol="0" anchor="ctr"/>
-          <a:lstStyle/>
-          <a:p>
-            <a:pPr algn="ctr"/>
-            <a:r>
-              <a:rPr lang="zh-CN" altLang="en-US" dirty="0" smtClean="0">
-                <a:solidFill>
-                  <a:schemeClr val="tx1"/>
-                </a:solidFill>
-              </a:rPr>
-              <a:t>门诊科室</a:t>
-            </a:r>
-            <a:endParaRPr lang="zh-CN" altLang="en-US" dirty="0">
-              <a:solidFill>
-                <a:schemeClr val="tx1"/>
-              </a:solidFill>
-            </a:endParaRPr>
-          </a:p>
-        </p:txBody>
-      </p:sp>
-      <p:sp>
-        <p:nvSpPr>
-          <p:cNvPr id="15" name="矩形 14"/>
-          <p:cNvSpPr/>
-          <p:nvPr/>
-        </p:nvSpPr>
-        <p:spPr>
-          <a:xfrm>
-            <a:off x="2501668" y="3068457"/>
-            <a:ext cx="1316799" cy="1017840"/>
-          </a:xfrm>
-          <a:prstGeom prst="rect">
-            <a:avLst/>
-          </a:prstGeom>
-          <a:noFill/>
-        </p:spPr>
-        <p:style>
-          <a:lnRef idx="2">
-            <a:schemeClr val="accent1">
-              <a:shade val="50000"/>
-            </a:schemeClr>
-          </a:lnRef>
-          <a:fillRef idx="1">
-            <a:schemeClr val="accent1"/>
-          </a:fillRef>
-          <a:effectRef idx="0">
-            <a:schemeClr val="accent1"/>
-          </a:effectRef>
-          <a:fontRef idx="minor">
-            <a:schemeClr val="lt1"/>
-          </a:fontRef>
-        </p:style>
-        <p:txBody>
-          <a:bodyPr rtlCol="0" anchor="ctr"/>
-          <a:lstStyle/>
-          <a:p>
-            <a:pPr algn="ctr"/>
-            <a:r>
-              <a:rPr lang="zh-CN" altLang="en-US" dirty="0">
-                <a:solidFill>
-                  <a:schemeClr val="tx1"/>
-                </a:solidFill>
-              </a:rPr>
-              <a:t>住院</a:t>
-            </a:r>
-            <a:r>
-              <a:rPr lang="zh-CN" altLang="en-US" dirty="0" smtClean="0">
-                <a:solidFill>
-                  <a:schemeClr val="tx1"/>
-                </a:solidFill>
-              </a:rPr>
-              <a:t>科室</a:t>
-            </a:r>
-            <a:endParaRPr lang="zh-CN" altLang="en-US" dirty="0">
-              <a:solidFill>
-                <a:schemeClr val="tx1"/>
-              </a:solidFill>
-            </a:endParaRPr>
-          </a:p>
-        </p:txBody>
-      </p:sp>
-      <p:sp>
-        <p:nvSpPr>
-          <p:cNvPr id="16" name="矩形 15"/>
-          <p:cNvSpPr/>
-          <p:nvPr/>
-        </p:nvSpPr>
-        <p:spPr>
-          <a:xfrm>
-            <a:off x="4141440" y="3068457"/>
-            <a:ext cx="1162080" cy="1017840"/>
-          </a:xfrm>
-          <a:prstGeom prst="rect">
-            <a:avLst/>
-          </a:prstGeom>
-          <a:noFill/>
-        </p:spPr>
-        <p:style>
-          <a:lnRef idx="2">
-            <a:schemeClr val="accent1">
-              <a:shade val="50000"/>
-            </a:schemeClr>
-          </a:lnRef>
-          <a:fillRef idx="1">
-            <a:schemeClr val="accent1"/>
-          </a:fillRef>
-          <a:effectRef idx="0">
-            <a:schemeClr val="accent1"/>
-          </a:effectRef>
-          <a:fontRef idx="minor">
-            <a:schemeClr val="lt1"/>
-          </a:fontRef>
-        </p:style>
-        <p:txBody>
-          <a:bodyPr rtlCol="0" anchor="ctr"/>
-          <a:lstStyle/>
-          <a:p>
-            <a:pPr algn="ctr"/>
-            <a:r>
-              <a:rPr lang="zh-CN" altLang="en-US" dirty="0">
-                <a:solidFill>
-                  <a:schemeClr val="tx1"/>
-                </a:solidFill>
-              </a:rPr>
-              <a:t>药房</a:t>
-            </a:r>
-          </a:p>
-        </p:txBody>
-      </p:sp>
-      <p:sp>
-        <p:nvSpPr>
-          <p:cNvPr id="17" name="矩形 16"/>
-          <p:cNvSpPr/>
-          <p:nvPr/>
-        </p:nvSpPr>
-        <p:spPr>
-          <a:xfrm>
-            <a:off x="5542180" y="3084980"/>
-            <a:ext cx="1207998" cy="1017840"/>
-          </a:xfrm>
-          <a:prstGeom prst="rect">
-            <a:avLst/>
-          </a:prstGeom>
-          <a:noFill/>
-        </p:spPr>
-        <p:style>
-          <a:lnRef idx="2">
-            <a:schemeClr val="accent1">
-              <a:shade val="50000"/>
-            </a:schemeClr>
-          </a:lnRef>
-          <a:fillRef idx="1">
-            <a:schemeClr val="accent1"/>
-          </a:fillRef>
-          <a:effectRef idx="0">
-            <a:schemeClr val="accent1"/>
-          </a:effectRef>
-          <a:fontRef idx="minor">
-            <a:schemeClr val="lt1"/>
-          </a:fontRef>
-        </p:style>
-        <p:txBody>
-          <a:bodyPr rtlCol="0" anchor="ctr"/>
-          <a:lstStyle/>
-          <a:p>
-            <a:pPr algn="ctr"/>
-            <a:r>
-              <a:rPr lang="zh-CN" altLang="en-US" dirty="0" smtClean="0">
-                <a:solidFill>
-                  <a:schemeClr val="tx1"/>
-                </a:solidFill>
-              </a:rPr>
-              <a:t>收费处</a:t>
-            </a:r>
-            <a:endParaRPr lang="zh-CN" altLang="en-US" dirty="0">
-              <a:solidFill>
-                <a:schemeClr val="tx1"/>
-              </a:solidFill>
-            </a:endParaRPr>
-          </a:p>
-        </p:txBody>
-      </p:sp>
-      <p:sp>
-        <p:nvSpPr>
-          <p:cNvPr id="18" name="矩形 17"/>
-          <p:cNvSpPr/>
-          <p:nvPr/>
-        </p:nvSpPr>
-        <p:spPr>
-          <a:xfrm>
-            <a:off x="6988838" y="3077907"/>
-            <a:ext cx="1151846" cy="1017840"/>
-          </a:xfrm>
-          <a:prstGeom prst="rect">
-            <a:avLst/>
-          </a:prstGeom>
-          <a:noFill/>
-        </p:spPr>
-        <p:style>
-          <a:lnRef idx="2">
-            <a:schemeClr val="accent1">
-              <a:shade val="50000"/>
-            </a:schemeClr>
-          </a:lnRef>
-          <a:fillRef idx="1">
-            <a:schemeClr val="accent1"/>
-          </a:fillRef>
-          <a:effectRef idx="0">
-            <a:schemeClr val="accent1"/>
-          </a:effectRef>
-          <a:fontRef idx="minor">
-            <a:schemeClr val="lt1"/>
-          </a:fontRef>
-        </p:style>
-        <p:txBody>
-          <a:bodyPr rtlCol="0" anchor="ctr"/>
-          <a:lstStyle/>
-          <a:p>
-            <a:pPr algn="ctr"/>
-            <a:r>
-              <a:rPr lang="zh-CN" altLang="en-US" dirty="0" smtClean="0">
-                <a:solidFill>
-                  <a:schemeClr val="tx1"/>
-                </a:solidFill>
-              </a:rPr>
-              <a:t>挂号室</a:t>
-            </a:r>
-            <a:endParaRPr lang="zh-CN" altLang="en-US" dirty="0">
-              <a:solidFill>
-                <a:schemeClr val="tx1"/>
-              </a:solidFill>
-            </a:endParaRPr>
-          </a:p>
-        </p:txBody>
-      </p:sp>
-      <p:sp>
-        <p:nvSpPr>
-          <p:cNvPr id="19" name="矩形 18"/>
-          <p:cNvSpPr/>
-          <p:nvPr/>
-        </p:nvSpPr>
-        <p:spPr>
-          <a:xfrm>
-            <a:off x="9725010" y="3068457"/>
-            <a:ext cx="1172607" cy="1017840"/>
-          </a:xfrm>
-          <a:prstGeom prst="rect">
-            <a:avLst/>
-          </a:prstGeom>
-          <a:noFill/>
-        </p:spPr>
-        <p:style>
-          <a:lnRef idx="2">
-            <a:schemeClr val="accent1">
-              <a:shade val="50000"/>
-            </a:schemeClr>
-          </a:lnRef>
-          <a:fillRef idx="1">
-            <a:schemeClr val="accent1"/>
-          </a:fillRef>
-          <a:effectRef idx="0">
-            <a:schemeClr val="accent1"/>
-          </a:effectRef>
-          <a:fontRef idx="minor">
-            <a:schemeClr val="lt1"/>
-          </a:fontRef>
-        </p:style>
-        <p:txBody>
-          <a:bodyPr rtlCol="0" anchor="ctr"/>
-          <a:lstStyle/>
-          <a:p>
-            <a:pPr algn="ctr"/>
-            <a:r>
-              <a:rPr lang="zh-CN" altLang="en-US" dirty="0" smtClean="0">
-                <a:solidFill>
-                  <a:schemeClr val="tx1"/>
-                </a:solidFill>
-              </a:rPr>
-              <a:t>病案室</a:t>
-            </a:r>
-            <a:endParaRPr lang="zh-CN" altLang="en-US" dirty="0">
-              <a:solidFill>
-                <a:schemeClr val="tx1"/>
-              </a:solidFill>
-            </a:endParaRPr>
-          </a:p>
-        </p:txBody>
-      </p:sp>
-      <p:sp>
-        <p:nvSpPr>
-          <p:cNvPr id="20" name="矩形 19"/>
-          <p:cNvSpPr/>
-          <p:nvPr/>
-        </p:nvSpPr>
-        <p:spPr>
-          <a:xfrm>
-            <a:off x="8379344" y="3068457"/>
-            <a:ext cx="1151846" cy="1017840"/>
-          </a:xfrm>
-          <a:prstGeom prst="rect">
-            <a:avLst/>
-          </a:prstGeom>
-          <a:noFill/>
-        </p:spPr>
-        <p:style>
-          <a:lnRef idx="2">
-            <a:schemeClr val="accent1">
-              <a:shade val="50000"/>
-            </a:schemeClr>
-          </a:lnRef>
-          <a:fillRef idx="1">
-            <a:schemeClr val="accent1"/>
-          </a:fillRef>
-          <a:effectRef idx="0">
-            <a:schemeClr val="accent1"/>
-          </a:effectRef>
-          <a:fontRef idx="minor">
-            <a:schemeClr val="lt1"/>
-          </a:fontRef>
-        </p:style>
-        <p:txBody>
-          <a:bodyPr rtlCol="0" anchor="ctr"/>
-          <a:lstStyle/>
-          <a:p>
-            <a:pPr algn="ctr"/>
-            <a:r>
-              <a:rPr lang="zh-CN" altLang="en-US" dirty="0" smtClean="0">
-                <a:solidFill>
-                  <a:schemeClr val="tx1"/>
-                </a:solidFill>
-              </a:rPr>
-              <a:t>检查检验</a:t>
-            </a:r>
-            <a:endParaRPr lang="zh-CN" altLang="en-US" dirty="0">
-              <a:solidFill>
-                <a:schemeClr val="tx1"/>
-              </a:solidFill>
-            </a:endParaRPr>
-          </a:p>
-        </p:txBody>
-      </p:sp>
-    </p:spTree>
-    <p:extLst>
-      <p:ext uri="{BB962C8B-B14F-4D97-AF65-F5344CB8AC3E}">
-        <p14:creationId xmlns:p14="http://schemas.microsoft.com/office/powerpoint/2010/main" val="2626867116"/>
-      </p:ext>
-    </p:extLst>
-  </p:cSld>
-  <p:clrMapOvr>
-    <a:masterClrMapping/>
-  </p:clrMapOvr>
-  <p:timing>
-    <p:tnLst>
-      <p:par>
-        <p:cTn id="1" dur="indefinite" restart="never" nodeType="tmRoot"/>
-      </p:par>
-    </p:tnLst>
-  </p:timing>
-</p:sld>
-</file>
-
-<file path=ppt/slides/slide4.xml><?xml version="1.0" encoding="utf-8"?>
-<p:sld xmlns:a="http://schemas.openxmlformats.org/drawingml/2006/main" xmlns:r="http://schemas.openxmlformats.org/officeDocument/2006/relationships" xmlns:p="http://schemas.openxmlformats.org/presentationml/2006/main">
-  <p:cSld>
-    <p:spTree>
-      <p:nvGrpSpPr>
-        <p:cNvPr id="1" name=""/>
-        <p:cNvGrpSpPr/>
-        <p:nvPr/>
-      </p:nvGrpSpPr>
-      <p:grpSpPr>
-        <a:xfrm>
-          <a:off x="0" y="0"/>
-          <a:ext cx="0" cy="0"/>
-          <a:chOff x="0" y="0"/>
-          <a:chExt cx="0" cy="0"/>
-        </a:xfrm>
-      </p:grpSpPr>
-      <p:sp>
-        <p:nvSpPr>
-          <p:cNvPr id="2" name="标题 1"/>
-          <p:cNvSpPr>
-            <a:spLocks noGrp="1"/>
-          </p:cNvSpPr>
-          <p:nvPr>
-            <p:ph type="title"/>
-          </p:nvPr>
-        </p:nvSpPr>
-        <p:spPr/>
-        <p:txBody>
-          <a:bodyPr>
-            <a:normAutofit/>
-          </a:bodyPr>
-          <a:lstStyle/>
-          <a:p>
-            <a:r>
-              <a:rPr lang="zh-CN" altLang="en-US" dirty="0" smtClean="0"/>
-              <a:t>特点分项讲解</a:t>
-            </a:r>
-            <a:r>
-              <a:rPr lang="en-US" altLang="zh-CN" sz="2000" dirty="0" smtClean="0"/>
-              <a:t>-</a:t>
-            </a:r>
-            <a:r>
-              <a:rPr lang="zh-CN" altLang="en-US" sz="2000" dirty="0"/>
-              <a:t>以患者为中心，联通患者初诊、复诊、住院等多个业务</a:t>
-            </a:r>
-            <a:r>
-              <a:rPr lang="zh-CN" altLang="en-US" sz="2000" dirty="0" smtClean="0"/>
-              <a:t>环节</a:t>
-            </a:r>
-            <a:endParaRPr lang="zh-CN" altLang="en-US" dirty="0"/>
-          </a:p>
-        </p:txBody>
-      </p:sp>
-      <p:pic>
-        <p:nvPicPr>
-          <p:cNvPr id="4" name="图片 3"/>
-          <p:cNvPicPr>
-            <a:picLocks noChangeAspect="1"/>
-          </p:cNvPicPr>
-          <p:nvPr/>
-        </p:nvPicPr>
-        <p:blipFill>
-          <a:blip r:embed="rId2"/>
-          <a:stretch>
-            <a:fillRect/>
-          </a:stretch>
-        </p:blipFill>
-        <p:spPr>
-          <a:xfrm>
-            <a:off x="430629" y="1208869"/>
-            <a:ext cx="4079589" cy="5531566"/>
-          </a:xfrm>
-          <a:prstGeom prst="rect">
-            <a:avLst/>
-          </a:prstGeom>
-        </p:spPr>
-      </p:pic>
-      <p:pic>
-        <p:nvPicPr>
-          <p:cNvPr id="6" name="图片 5"/>
-          <p:cNvPicPr>
-            <a:picLocks noChangeAspect="1"/>
-          </p:cNvPicPr>
-          <p:nvPr/>
-        </p:nvPicPr>
-        <p:blipFill>
-          <a:blip r:embed="rId3"/>
-          <a:stretch>
-            <a:fillRect/>
-          </a:stretch>
-        </p:blipFill>
-        <p:spPr>
-          <a:xfrm>
-            <a:off x="8163178" y="1615288"/>
-            <a:ext cx="3733333" cy="1371429"/>
-          </a:xfrm>
-          <a:prstGeom prst="rect">
-            <a:avLst/>
-          </a:prstGeom>
-        </p:spPr>
-      </p:pic>
-      <p:pic>
-        <p:nvPicPr>
-          <p:cNvPr id="7" name="图片 6"/>
-          <p:cNvPicPr>
-            <a:picLocks noChangeAspect="1"/>
-          </p:cNvPicPr>
-          <p:nvPr/>
-        </p:nvPicPr>
-        <p:blipFill>
-          <a:blip r:embed="rId4"/>
-          <a:stretch>
-            <a:fillRect/>
-          </a:stretch>
-        </p:blipFill>
-        <p:spPr>
-          <a:xfrm>
-            <a:off x="4698964" y="1615289"/>
-            <a:ext cx="3409524" cy="1371429"/>
-          </a:xfrm>
-          <a:prstGeom prst="rect">
-            <a:avLst/>
-          </a:prstGeom>
-        </p:spPr>
-      </p:pic>
-      <p:sp>
-        <p:nvSpPr>
-          <p:cNvPr id="8" name="内容占位符 2"/>
-          <p:cNvSpPr>
-            <a:spLocks noGrp="1"/>
-          </p:cNvSpPr>
-          <p:nvPr>
-            <p:ph idx="1"/>
-          </p:nvPr>
-        </p:nvSpPr>
-        <p:spPr>
-          <a:xfrm>
-            <a:off x="4863176" y="3393139"/>
-            <a:ext cx="6490625" cy="2850907"/>
-          </a:xfrm>
-        </p:spPr>
-        <p:txBody>
-          <a:bodyPr>
-            <a:normAutofit/>
-          </a:bodyPr>
-          <a:lstStyle/>
-          <a:p>
-            <a:r>
-              <a:rPr lang="zh-CN" altLang="en-US" dirty="0" smtClean="0">
-                <a:latin typeface="Microsoft YaHei UI" panose="020B0503020204020204" pitchFamily="34" charset="-122"/>
-                <a:ea typeface="Microsoft YaHei UI" panose="020B0503020204020204" pitchFamily="34" charset="-122"/>
-              </a:rPr>
-              <a:t>将连续的门诊看病和住院治病视作一次就诊，依此设计了患者一次就诊实体（</a:t>
-            </a:r>
-            <a:r>
-              <a:rPr lang="en-US" altLang="zh-CN" dirty="0" smtClean="0">
-                <a:latin typeface="Microsoft YaHei UI" panose="020B0503020204020204" pitchFamily="34" charset="-122"/>
-                <a:ea typeface="Microsoft YaHei UI" panose="020B0503020204020204" pitchFamily="34" charset="-122"/>
-              </a:rPr>
-              <a:t>Visit</a:t>
-            </a:r>
-            <a:r>
-              <a:rPr lang="zh-CN" altLang="en-US" dirty="0" smtClean="0">
-                <a:latin typeface="Microsoft YaHei UI" panose="020B0503020204020204" pitchFamily="34" charset="-122"/>
-                <a:ea typeface="Microsoft YaHei UI" panose="020B0503020204020204" pitchFamily="34" charset="-122"/>
-              </a:rPr>
-              <a:t>）</a:t>
-            </a:r>
-            <a:endParaRPr lang="en-US" altLang="zh-CN" dirty="0" smtClean="0">
-              <a:latin typeface="Microsoft YaHei UI" panose="020B0503020204020204" pitchFamily="34" charset="-122"/>
-              <a:ea typeface="Microsoft YaHei UI" panose="020B0503020204020204" pitchFamily="34" charset="-122"/>
-            </a:endParaRPr>
-          </a:p>
-          <a:p>
-            <a:r>
-              <a:rPr lang="zh-CN" altLang="en-US" dirty="0"/>
-              <a:t>患者一次就诊实体（</a:t>
-            </a:r>
-            <a:r>
-              <a:rPr lang="en-US" altLang="zh-CN" dirty="0"/>
-              <a:t>Visit</a:t>
-            </a:r>
-            <a:r>
-              <a:rPr lang="zh-CN" altLang="en-US" dirty="0" smtClean="0"/>
-              <a:t>）通过业务动作改变其状态</a:t>
-            </a:r>
-            <a:endParaRPr lang="en-US" altLang="zh-CN" dirty="0" smtClean="0"/>
-          </a:p>
-          <a:p>
-            <a:r>
-              <a:rPr lang="zh-CN" altLang="en-US" dirty="0" smtClean="0">
-                <a:latin typeface="Microsoft YaHei UI" panose="020B0503020204020204" pitchFamily="34" charset="-122"/>
-                <a:ea typeface="Microsoft YaHei UI" panose="020B0503020204020204" pitchFamily="34" charset="-122"/>
-              </a:rPr>
-              <a:t>如果业务差异性过大，未来考虑采用独立可配置的状态图来计算患者一次就诊的状态变化</a:t>
-            </a:r>
-            <a:endParaRPr lang="zh-CN" dirty="0">
-              <a:latin typeface="Microsoft YaHei UI" panose="020B0503020204020204" pitchFamily="34" charset="-122"/>
-              <a:ea typeface="Microsoft YaHei UI" panose="020B0503020204020204" pitchFamily="34" charset="-122"/>
-            </a:endParaRPr>
-          </a:p>
-        </p:txBody>
-      </p:sp>
-    </p:spTree>
-    <p:extLst>
-      <p:ext uri="{BB962C8B-B14F-4D97-AF65-F5344CB8AC3E}">
-        <p14:creationId xmlns:p14="http://schemas.microsoft.com/office/powerpoint/2010/main" val="3003115549"/>
-      </p:ext>
-    </p:extLst>
-  </p:cSld>
-  <p:clrMapOvr>
-    <a:masterClrMapping/>
-  </p:clrMapOvr>
-  <p:timing>
-    <p:tnLst>
-      <p:par>
-        <p:cTn id="1" dur="indefinite" restart="never" nodeType="tmRoot"/>
-      </p:par>
-    </p:tnLst>
-  </p:timing>
-</p:sld>
-</file>
-
-<file path=ppt/slides/slide5.xml><?xml version="1.0" encoding="utf-8"?>
-<p:sld xmlns:a="http://schemas.openxmlformats.org/drawingml/2006/main" xmlns:r="http://schemas.openxmlformats.org/officeDocument/2006/relationships" xmlns:p="http://schemas.openxmlformats.org/presentationml/2006/main">
-  <p:cSld>
-    <p:spTree>
-      <p:nvGrpSpPr>
-        <p:cNvPr id="1" name=""/>
-        <p:cNvGrpSpPr/>
-        <p:nvPr/>
-      </p:nvGrpSpPr>
-      <p:grpSpPr>
-        <a:xfrm>
-          <a:off x="0" y="0"/>
-          <a:ext cx="0" cy="0"/>
-          <a:chOff x="0" y="0"/>
-          <a:chExt cx="0" cy="0"/>
-        </a:xfrm>
-      </p:grpSpPr>
-      <p:sp>
-        <p:nvSpPr>
-          <p:cNvPr id="2" name="标题 1"/>
-          <p:cNvSpPr>
-            <a:spLocks noGrp="1"/>
-          </p:cNvSpPr>
-          <p:nvPr>
-            <p:ph type="title"/>
-          </p:nvPr>
-        </p:nvSpPr>
-        <p:spPr/>
-        <p:txBody>
-          <a:bodyPr/>
-          <a:lstStyle/>
-          <a:p>
-            <a:r>
-              <a:rPr lang="zh-CN" altLang="en-US" dirty="0"/>
-              <a:t>特点分项讲解</a:t>
-            </a:r>
-            <a:r>
-              <a:rPr lang="en-US" altLang="zh-CN" dirty="0" smtClean="0"/>
-              <a:t>-</a:t>
-            </a:r>
-            <a:r>
-              <a:rPr lang="zh-CN" altLang="en-US" sz="2000" dirty="0"/>
-              <a:t>患者诊疗信息、医嘱、病历高度互动</a:t>
-            </a:r>
-            <a:endParaRPr lang="en-US" altLang="zh-CN" sz="2000" dirty="0"/>
-          </a:p>
-        </p:txBody>
-      </p:sp>
-      <p:pic>
-        <p:nvPicPr>
-          <p:cNvPr id="5" name="图片 4"/>
-          <p:cNvPicPr>
-            <a:picLocks noChangeAspect="1"/>
-          </p:cNvPicPr>
-          <p:nvPr/>
-        </p:nvPicPr>
-        <p:blipFill>
-          <a:blip r:embed="rId2"/>
-          <a:stretch>
-            <a:fillRect/>
-          </a:stretch>
-        </p:blipFill>
-        <p:spPr>
-          <a:xfrm>
-            <a:off x="348067" y="1625647"/>
-            <a:ext cx="6382984" cy="4848895"/>
-          </a:xfrm>
-          <a:prstGeom prst="rect">
-            <a:avLst/>
-          </a:prstGeom>
-        </p:spPr>
-      </p:pic>
-      <p:sp>
-        <p:nvSpPr>
-          <p:cNvPr id="6" name="内容占位符 2"/>
-          <p:cNvSpPr>
-            <a:spLocks noGrp="1"/>
-          </p:cNvSpPr>
-          <p:nvPr>
-            <p:ph idx="1"/>
-          </p:nvPr>
-        </p:nvSpPr>
-        <p:spPr>
-          <a:xfrm>
-            <a:off x="6988172" y="1672859"/>
-            <a:ext cx="4810128" cy="3670253"/>
-          </a:xfrm>
-        </p:spPr>
-        <p:txBody>
-          <a:bodyPr>
-            <a:normAutofit/>
-          </a:bodyPr>
-          <a:lstStyle/>
-          <a:p>
-            <a:r>
-              <a:rPr lang="zh-CN" altLang="en-US" dirty="0" smtClean="0">
-                <a:latin typeface="Microsoft YaHei UI" panose="020B0503020204020204" pitchFamily="34" charset="-122"/>
-                <a:ea typeface="Microsoft YaHei UI" panose="020B0503020204020204" pitchFamily="34" charset="-122"/>
-              </a:rPr>
-              <a:t>通过病历类型与患者诊疗信息项类型关联实现了在生成病历时数据来源于患者诊疗信息</a:t>
-            </a:r>
-            <a:endParaRPr lang="en-US" altLang="zh-CN" dirty="0" smtClean="0">
-              <a:latin typeface="Microsoft YaHei UI" panose="020B0503020204020204" pitchFamily="34" charset="-122"/>
-              <a:ea typeface="Microsoft YaHei UI" panose="020B0503020204020204" pitchFamily="34" charset="-122"/>
-            </a:endParaRPr>
-          </a:p>
-          <a:p>
-            <a:r>
-              <a:rPr lang="zh-CN" altLang="en-US" dirty="0" smtClean="0"/>
-              <a:t>患者诊疗信息独立于病历，可独立生成和维护，可以通过病历来展示和修改</a:t>
-            </a:r>
-            <a:endParaRPr lang="en-US" altLang="zh-CN" dirty="0" smtClean="0"/>
-          </a:p>
-          <a:p>
-            <a:r>
-              <a:rPr lang="zh-CN" altLang="en-US" dirty="0" smtClean="0"/>
-              <a:t>医嘱生成的患者临时医嘱列表被认为是一项诊疗信息类型，患者临时医嘱单由患者姓名、</a:t>
-            </a:r>
-            <a:r>
-              <a:rPr lang="zh-CN" altLang="en-US" dirty="0"/>
-              <a:t>患者临时医嘱</a:t>
-            </a:r>
-            <a:r>
-              <a:rPr lang="zh-CN" altLang="en-US" dirty="0" smtClean="0"/>
-              <a:t>列表等信息组成</a:t>
-            </a:r>
-            <a:endParaRPr lang="en-US" altLang="zh-CN" dirty="0" smtClean="0"/>
-          </a:p>
-        </p:txBody>
-      </p:sp>
-      <p:pic>
-        <p:nvPicPr>
-          <p:cNvPr id="7" name="图片 6"/>
-          <p:cNvPicPr>
-            <a:picLocks noChangeAspect="1"/>
-          </p:cNvPicPr>
-          <p:nvPr/>
-        </p:nvPicPr>
-        <p:blipFill>
-          <a:blip r:embed="rId3"/>
-          <a:stretch>
-            <a:fillRect/>
-          </a:stretch>
-        </p:blipFill>
-        <p:spPr>
-          <a:xfrm>
-            <a:off x="7089772" y="5062103"/>
-            <a:ext cx="4606928" cy="1412439"/>
-          </a:xfrm>
-          <a:prstGeom prst="rect">
-            <a:avLst/>
-          </a:prstGeom>
-        </p:spPr>
-      </p:pic>
-    </p:spTree>
-    <p:extLst>
-      <p:ext uri="{BB962C8B-B14F-4D97-AF65-F5344CB8AC3E}">
-        <p14:creationId xmlns:p14="http://schemas.microsoft.com/office/powerpoint/2010/main" val="2956261430"/>
-      </p:ext>
-    </p:extLst>
-  </p:cSld>
-  <p:clrMapOvr>
-    <a:masterClrMapping/>
-  </p:clrMapOvr>
-  <p:timing>
-    <p:tnLst>
-      <p:par>
-        <p:cTn id="1" dur="indefinite" restart="never" nodeType="tmRoot"/>
-      </p:par>
-    </p:tnLst>
-  </p:timing>
-</p:sld>
-</file>
-
-<file path=ppt/slides/slide6.xml><?xml version="1.0" encoding="utf-8"?>
-<p:sld xmlns:a="http://schemas.openxmlformats.org/drawingml/2006/main" xmlns:r="http://schemas.openxmlformats.org/officeDocument/2006/relationships" xmlns:p="http://schemas.openxmlformats.org/presentationml/2006/main">
-  <p:cSld>
-    <p:spTree>
-      <p:nvGrpSpPr>
-        <p:cNvPr id="1" name=""/>
-        <p:cNvGrpSpPr/>
-        <p:nvPr/>
-      </p:nvGrpSpPr>
-      <p:grpSpPr>
-        <a:xfrm>
-          <a:off x="0" y="0"/>
-          <a:ext cx="0" cy="0"/>
-          <a:chOff x="0" y="0"/>
-          <a:chExt cx="0" cy="0"/>
-        </a:xfrm>
-      </p:grpSpPr>
-      <p:sp>
-        <p:nvSpPr>
-          <p:cNvPr id="2" name="标题 1"/>
-          <p:cNvSpPr>
-            <a:spLocks noGrp="1"/>
-          </p:cNvSpPr>
-          <p:nvPr>
-            <p:ph type="title"/>
-          </p:nvPr>
-        </p:nvSpPr>
-        <p:spPr>
-          <a:xfrm>
-            <a:off x="604434" y="0"/>
-            <a:ext cx="11587566" cy="1208868"/>
-          </a:xfrm>
-        </p:spPr>
-        <p:txBody>
-          <a:bodyPr/>
-          <a:lstStyle/>
-          <a:p>
-            <a:r>
-              <a:rPr lang="zh-CN" altLang="en-US" dirty="0"/>
-              <a:t>特点分项讲解</a:t>
-            </a:r>
-            <a:r>
-              <a:rPr lang="en-US" altLang="zh-CN" dirty="0" smtClean="0"/>
-              <a:t>-</a:t>
-            </a:r>
-            <a:r>
-              <a:rPr lang="zh-CN" altLang="en-US" sz="2000" dirty="0"/>
-              <a:t>以医嘱为核心驱动院内绝大部分诊疗行为，自动向医生、护士推送待做事项</a:t>
-            </a:r>
-          </a:p>
-        </p:txBody>
-      </p:sp>
-      <p:pic>
-        <p:nvPicPr>
-          <p:cNvPr id="6" name="图片 5"/>
-          <p:cNvPicPr>
-            <a:picLocks noChangeAspect="1"/>
-          </p:cNvPicPr>
-          <p:nvPr/>
-        </p:nvPicPr>
-        <p:blipFill>
-          <a:blip r:embed="rId2"/>
-          <a:stretch>
-            <a:fillRect/>
-          </a:stretch>
-        </p:blipFill>
-        <p:spPr>
-          <a:xfrm>
-            <a:off x="-342900" y="1208868"/>
-            <a:ext cx="8191500" cy="5847188"/>
-          </a:xfrm>
-          <a:prstGeom prst="rect">
-            <a:avLst/>
-          </a:prstGeom>
-        </p:spPr>
-      </p:pic>
-      <p:pic>
-        <p:nvPicPr>
-          <p:cNvPr id="7" name="图片 6"/>
-          <p:cNvPicPr>
-            <a:picLocks noChangeAspect="1"/>
-          </p:cNvPicPr>
-          <p:nvPr/>
-        </p:nvPicPr>
-        <p:blipFill>
-          <a:blip r:embed="rId3"/>
-          <a:stretch>
-            <a:fillRect/>
-          </a:stretch>
-        </p:blipFill>
-        <p:spPr>
-          <a:xfrm>
-            <a:off x="7229956" y="1417672"/>
-            <a:ext cx="4187343" cy="1207116"/>
-          </a:xfrm>
-          <a:prstGeom prst="rect">
-            <a:avLst/>
-          </a:prstGeom>
-        </p:spPr>
-      </p:pic>
-      <p:pic>
-        <p:nvPicPr>
-          <p:cNvPr id="8" name="图片 7"/>
-          <p:cNvPicPr>
-            <a:picLocks noChangeAspect="1"/>
-          </p:cNvPicPr>
-          <p:nvPr/>
-        </p:nvPicPr>
-        <p:blipFill>
-          <a:blip r:embed="rId4"/>
-          <a:stretch>
-            <a:fillRect/>
-          </a:stretch>
-        </p:blipFill>
-        <p:spPr>
-          <a:xfrm>
-            <a:off x="7229956" y="2699345"/>
-            <a:ext cx="3984143" cy="1524796"/>
-          </a:xfrm>
-          <a:prstGeom prst="rect">
-            <a:avLst/>
-          </a:prstGeom>
-        </p:spPr>
-      </p:pic>
-      <p:sp>
-        <p:nvSpPr>
-          <p:cNvPr id="10" name="内容占位符 2"/>
-          <p:cNvSpPr>
-            <a:spLocks noGrp="1"/>
-          </p:cNvSpPr>
-          <p:nvPr>
-            <p:ph idx="1"/>
-          </p:nvPr>
-        </p:nvSpPr>
-        <p:spPr>
-          <a:xfrm>
-            <a:off x="7229956" y="4373255"/>
-            <a:ext cx="4828693" cy="2570077"/>
-          </a:xfrm>
-        </p:spPr>
-        <p:txBody>
-          <a:bodyPr>
-            <a:normAutofit/>
-          </a:bodyPr>
-          <a:lstStyle/>
-          <a:p>
-            <a:r>
-              <a:rPr lang="zh-CN" altLang="en-US" dirty="0" smtClean="0"/>
-              <a:t>通过在不同的医嘱类型中编写不同的分解逻辑实现医嘱的分解</a:t>
-            </a:r>
-            <a:endParaRPr lang="en-US" altLang="zh-CN" dirty="0" smtClean="0"/>
-          </a:p>
-          <a:p>
-            <a:r>
-              <a:rPr lang="zh-CN" altLang="en-US" dirty="0" smtClean="0"/>
-              <a:t>通过统一的</a:t>
-            </a:r>
-            <a:r>
-              <a:rPr lang="en-US" altLang="zh-CN" dirty="0" smtClean="0"/>
-              <a:t>API</a:t>
-            </a:r>
-            <a:r>
-              <a:rPr lang="zh-CN" altLang="en-US" dirty="0" smtClean="0"/>
-              <a:t>完成医嘱执行条目的获取和办理</a:t>
-            </a:r>
-            <a:endParaRPr lang="en-US" altLang="zh-CN" dirty="0" smtClean="0"/>
-          </a:p>
-          <a:p>
-            <a:r>
-              <a:rPr lang="zh-CN" altLang="en-US" dirty="0" smtClean="0"/>
-              <a:t>通过在不同的执行条目的回调函数中编写逻辑实现伴随在一种执行过程中的</a:t>
-            </a:r>
-            <a:r>
-              <a:rPr lang="zh-CN" altLang="en-US" dirty="0"/>
-              <a:t>业务</a:t>
-            </a:r>
-            <a:endParaRPr lang="en-US" altLang="zh-CN" dirty="0" smtClean="0"/>
-          </a:p>
-        </p:txBody>
-      </p:sp>
-    </p:spTree>
-    <p:extLst>
-      <p:ext uri="{BB962C8B-B14F-4D97-AF65-F5344CB8AC3E}">
-        <p14:creationId xmlns:p14="http://schemas.microsoft.com/office/powerpoint/2010/main" val="4200738755"/>
-      </p:ext>
-    </p:extLst>
-  </p:cSld>
-  <p:clrMapOvr>
-    <a:masterClrMapping/>
-  </p:clrMapOvr>
-  <p:timing>
-    <p:tnLst>
-      <p:par>
-        <p:cTn id="1" dur="indefinite" restart="never" nodeType="tmRoot"/>
-      </p:par>
-    </p:tnLst>
-  </p:timing>
-</p:sld>
-</file>
-
-<file path=ppt/slides/slide7.xml><?xml version="1.0" encoding="utf-8"?>
-<p:sld xmlns:a="http://schemas.openxmlformats.org/drawingml/2006/main" xmlns:r="http://schemas.openxmlformats.org/officeDocument/2006/relationships" xmlns:p="http://schemas.openxmlformats.org/presentationml/2006/main">
-  <p:cSld>
-    <p:spTree>
-      <p:nvGrpSpPr>
-        <p:cNvPr id="1" name=""/>
-        <p:cNvGrpSpPr/>
-        <p:nvPr/>
-      </p:nvGrpSpPr>
-      <p:grpSpPr>
-        <a:xfrm>
-          <a:off x="0" y="0"/>
-          <a:ext cx="0" cy="0"/>
-          <a:chOff x="0" y="0"/>
-          <a:chExt cx="0" cy="0"/>
-        </a:xfrm>
-      </p:grpSpPr>
-      <p:sp>
-        <p:nvSpPr>
-          <p:cNvPr id="2" name="标题 1"/>
-          <p:cNvSpPr>
-            <a:spLocks noGrp="1"/>
-          </p:cNvSpPr>
-          <p:nvPr>
-            <p:ph type="title"/>
-          </p:nvPr>
-        </p:nvSpPr>
-        <p:spPr/>
-        <p:txBody>
-          <a:bodyPr/>
-          <a:lstStyle/>
-          <a:p>
-            <a:r>
-              <a:rPr lang="zh-CN" altLang="en-US" dirty="0"/>
-              <a:t>特点分项讲解</a:t>
-            </a:r>
-            <a:r>
-              <a:rPr lang="en-US" altLang="zh-CN" dirty="0" smtClean="0"/>
-              <a:t>-</a:t>
-            </a:r>
-            <a:r>
-              <a:rPr lang="zh-CN" altLang="en-US" sz="2000" dirty="0"/>
-              <a:t>诊疗业务与计费业务实现了真正分离</a:t>
-            </a:r>
-            <a:endParaRPr lang="en-US" altLang="zh-CN" sz="2000" dirty="0"/>
-          </a:p>
-        </p:txBody>
-      </p:sp>
-      <p:pic>
-        <p:nvPicPr>
-          <p:cNvPr id="6" name="图片 5"/>
-          <p:cNvPicPr>
-            <a:picLocks noChangeAspect="1"/>
-          </p:cNvPicPr>
-          <p:nvPr/>
-        </p:nvPicPr>
-        <p:blipFill>
-          <a:blip r:embed="rId2"/>
-          <a:stretch>
-            <a:fillRect/>
-          </a:stretch>
-        </p:blipFill>
-        <p:spPr>
-          <a:xfrm>
-            <a:off x="604434" y="1208869"/>
-            <a:ext cx="3613605" cy="5896968"/>
-          </a:xfrm>
-          <a:prstGeom prst="rect">
-            <a:avLst/>
-          </a:prstGeom>
-        </p:spPr>
-      </p:pic>
-    </p:spTree>
-    <p:extLst>
-      <p:ext uri="{BB962C8B-B14F-4D97-AF65-F5344CB8AC3E}">
-        <p14:creationId xmlns:p14="http://schemas.microsoft.com/office/powerpoint/2010/main" val="496520382"/>
-      </p:ext>
-    </p:extLst>
-  </p:cSld>
-  <p:clrMapOvr>
-    <a:masterClrMapping/>
-  </p:clrMapOvr>
-  <p:timing>
-    <p:tnLst>
-      <p:par>
-        <p:cTn id="1" dur="indefinite" restart="never" nodeType="tmRoot"/>
-      </p:par>
-    </p:tnLst>
-  </p:timing>
-</p:sld>
-</file>
-
-<file path=ppt/slides/slide8.xml><?xml version="1.0" encoding="utf-8"?>
+<file path=ppt/slides/slide10.xml><?xml version="1.0" encoding="utf-8"?>
 <p:sld xmlns:a="http://schemas.openxmlformats.org/drawingml/2006/main" xmlns:r="http://schemas.openxmlformats.org/officeDocument/2006/relationships" xmlns:p="http://schemas.openxmlformats.org/presentationml/2006/main">
   <p:cSld>
     <p:spTree>
@@ -7301,6 +5515,3047 @@
       </p:transition>
     </mc:Fallback>
   </mc:AlternateContent>
+  <p:timing>
+    <p:tnLst>
+      <p:par>
+        <p:cTn id="1" dur="indefinite" restart="never" nodeType="tmRoot"/>
+      </p:par>
+    </p:tnLst>
+  </p:timing>
+</p:sld>
+</file>
+
+<file path=ppt/slides/slide2.xml><?xml version="1.0" encoding="utf-8"?>
+<p:sld xmlns:a="http://schemas.openxmlformats.org/drawingml/2006/main" xmlns:r="http://schemas.openxmlformats.org/officeDocument/2006/relationships" xmlns:p="http://schemas.openxmlformats.org/presentationml/2006/main">
+  <p:cSld>
+    <p:spTree>
+      <p:nvGrpSpPr>
+        <p:cNvPr id="1" name=""/>
+        <p:cNvGrpSpPr/>
+        <p:nvPr/>
+      </p:nvGrpSpPr>
+      <p:grpSpPr>
+        <a:xfrm>
+          <a:off x="0" y="0"/>
+          <a:ext cx="0" cy="0"/>
+          <a:chOff x="0" y="0"/>
+          <a:chExt cx="0" cy="0"/>
+        </a:xfrm>
+      </p:grpSpPr>
+      <p:sp>
+        <p:nvSpPr>
+          <p:cNvPr id="2" name="标题 1"/>
+          <p:cNvSpPr>
+            <a:spLocks noGrp="1"/>
+          </p:cNvSpPr>
+          <p:nvPr>
+            <p:ph type="title"/>
+          </p:nvPr>
+        </p:nvSpPr>
+        <p:spPr/>
+        <p:txBody>
+          <a:bodyPr/>
+          <a:lstStyle/>
+          <a:p>
+            <a:r>
+              <a:rPr lang="zh-CN" altLang="en-US" dirty="0" smtClean="0">
+                <a:latin typeface="Microsoft YaHei UI" panose="020B0503020204020204" pitchFamily="34" charset="-122"/>
+                <a:ea typeface="Microsoft YaHei UI" panose="020B0503020204020204" pitchFamily="34" charset="-122"/>
+              </a:rPr>
+              <a:t>特点</a:t>
+            </a:r>
+            <a:endParaRPr lang="zh-CN" dirty="0">
+              <a:latin typeface="Microsoft YaHei UI" panose="020B0503020204020204" pitchFamily="34" charset="-122"/>
+              <a:ea typeface="Microsoft YaHei UI" panose="020B0503020204020204" pitchFamily="34" charset="-122"/>
+            </a:endParaRPr>
+          </a:p>
+        </p:txBody>
+      </p:sp>
+      <p:sp>
+        <p:nvSpPr>
+          <p:cNvPr id="10" name="内容占位符 2"/>
+          <p:cNvSpPr>
+            <a:spLocks noGrp="1"/>
+          </p:cNvSpPr>
+          <p:nvPr>
+            <p:ph idx="1"/>
+          </p:nvPr>
+        </p:nvSpPr>
+        <p:spPr>
+          <a:xfrm>
+            <a:off x="838201" y="1825625"/>
+            <a:ext cx="11037710" cy="4351338"/>
+          </a:xfrm>
+        </p:spPr>
+        <p:txBody>
+          <a:bodyPr>
+            <a:normAutofit lnSpcReduction="10000"/>
+          </a:bodyPr>
+          <a:lstStyle/>
+          <a:p>
+            <a:r>
+              <a:rPr lang="zh-CN" altLang="en-US" dirty="0" smtClean="0"/>
+              <a:t>以患者为中心，联通患者初诊、复诊、住院等多个业务环节</a:t>
+            </a:r>
+            <a:endParaRPr lang="en-US" altLang="zh-CN" dirty="0" smtClean="0"/>
+          </a:p>
+          <a:p>
+            <a:r>
+              <a:rPr lang="zh-CN" altLang="en-US" dirty="0" smtClean="0"/>
+              <a:t>患者诊疗信息、医嘱、病历高度互动</a:t>
+            </a:r>
+            <a:endParaRPr lang="en-US" altLang="zh-CN" dirty="0" smtClean="0"/>
+          </a:p>
+          <a:p>
+            <a:r>
+              <a:rPr lang="zh-CN" altLang="en-US" dirty="0" smtClean="0"/>
+              <a:t>以医嘱为核心驱动院内绝大部分诊疗行为，自动向医生、护士推送待做事项，并提供基于人员、部门、单笔业务等多角度的绩效数据</a:t>
+            </a:r>
+            <a:endParaRPr lang="en-US" altLang="zh-CN" dirty="0" smtClean="0"/>
+          </a:p>
+          <a:p>
+            <a:r>
+              <a:rPr lang="zh-CN" altLang="en-US" dirty="0" smtClean="0"/>
+              <a:t>诊疗业务与计费业务</a:t>
+            </a:r>
+            <a:r>
+              <a:rPr lang="zh-CN" altLang="en-US" dirty="0" smtClean="0"/>
+              <a:t>实现</a:t>
+            </a:r>
+            <a:r>
+              <a:rPr lang="zh-CN" altLang="en-US" dirty="0" smtClean="0"/>
+              <a:t>了真正</a:t>
+            </a:r>
+            <a:r>
+              <a:rPr lang="zh-CN" altLang="en-US" dirty="0" smtClean="0"/>
+              <a:t>分离</a:t>
+            </a:r>
+            <a:endParaRPr lang="en-US" altLang="zh-CN" dirty="0" smtClean="0"/>
+          </a:p>
+          <a:p>
+            <a:r>
+              <a:rPr lang="zh-CN" altLang="en-US" dirty="0" smtClean="0">
+                <a:latin typeface="Microsoft YaHei UI" panose="020B0503020204020204" pitchFamily="34" charset="-122"/>
+                <a:ea typeface="Microsoft YaHei UI" panose="020B0503020204020204" pitchFamily="34" charset="-122"/>
+              </a:rPr>
+              <a:t>支持核心资产研发与本地化研发的分离，系统提供多种手段满足个性化业务扩展</a:t>
+            </a:r>
+            <a:endParaRPr lang="en-US" altLang="zh-CN" dirty="0" smtClean="0">
+              <a:latin typeface="Microsoft YaHei UI" panose="020B0503020204020204" pitchFamily="34" charset="-122"/>
+              <a:ea typeface="Microsoft YaHei UI" panose="020B0503020204020204" pitchFamily="34" charset="-122"/>
+            </a:endParaRPr>
+          </a:p>
+          <a:p>
+            <a:r>
+              <a:rPr lang="zh-CN" altLang="en-US" dirty="0" smtClean="0"/>
+              <a:t>系统通过</a:t>
+            </a:r>
+            <a:r>
+              <a:rPr lang="en-US" altLang="zh-CN" dirty="0" err="1" smtClean="0"/>
+              <a:t>OpenAPI</a:t>
+            </a:r>
+            <a:r>
+              <a:rPr lang="zh-CN" altLang="en-US" dirty="0" smtClean="0"/>
+              <a:t>和</a:t>
+            </a:r>
+            <a:r>
+              <a:rPr lang="en-US" altLang="zh-CN" dirty="0" smtClean="0"/>
+              <a:t>EDA</a:t>
+            </a:r>
+            <a:r>
+              <a:rPr lang="zh-CN" altLang="en-US" dirty="0" smtClean="0"/>
+              <a:t>的方式灵活的实现与医院其他</a:t>
+            </a:r>
+            <a:r>
+              <a:rPr lang="zh-CN" altLang="en-US" dirty="0" smtClean="0"/>
+              <a:t>专有软件系统</a:t>
+            </a:r>
+            <a:r>
+              <a:rPr lang="zh-CN" altLang="en-US" dirty="0" smtClean="0"/>
+              <a:t>的交互</a:t>
+            </a:r>
+            <a:endParaRPr lang="en-US" altLang="zh-CN" dirty="0" smtClean="0"/>
+          </a:p>
+          <a:p>
+            <a:r>
+              <a:rPr lang="zh-CN" altLang="en-US" dirty="0" smtClean="0">
+                <a:latin typeface="Microsoft YaHei UI" panose="020B0503020204020204" pitchFamily="34" charset="-122"/>
+                <a:ea typeface="Microsoft YaHei UI" panose="020B0503020204020204" pitchFamily="34" charset="-122"/>
+              </a:rPr>
+              <a:t>系统通过严格的错误处理设计和测试设计保证核心代码的质量，以及应用核心代码出现问题时定位问题的效率</a:t>
+            </a:r>
+            <a:endParaRPr lang="zh-CN" dirty="0">
+              <a:latin typeface="Microsoft YaHei UI" panose="020B0503020204020204" pitchFamily="34" charset="-122"/>
+              <a:ea typeface="Microsoft YaHei UI" panose="020B0503020204020204" pitchFamily="34" charset="-122"/>
+            </a:endParaRPr>
+          </a:p>
+        </p:txBody>
+      </p:sp>
+    </p:spTree>
+    <p:extLst>
+      <p:ext uri="{BB962C8B-B14F-4D97-AF65-F5344CB8AC3E}">
+        <p14:creationId xmlns:p14="http://schemas.microsoft.com/office/powerpoint/2010/main" val="1328676004"/>
+      </p:ext>
+    </p:extLst>
+  </p:cSld>
+  <p:clrMapOvr>
+    <a:masterClrMapping/>
+  </p:clrMapOvr>
+  <mc:AlternateContent xmlns:mc="http://schemas.openxmlformats.org/markup-compatibility/2006" xmlns:p14="http://schemas.microsoft.com/office/powerpoint/2010/main">
+    <mc:Choice Requires="p14">
+      <p:transition p14:dur="0"/>
+    </mc:Choice>
+    <mc:Fallback xmlns="">
+      <p:transition/>
+    </mc:Fallback>
+  </mc:AlternateContent>
+  <p:timing>
+    <p:tnLst>
+      <p:par>
+        <p:cTn id="1" dur="indefinite" restart="never" nodeType="tmRoot"/>
+      </p:par>
+    </p:tnLst>
+  </p:timing>
+</p:sld>
+</file>
+
+<file path=ppt/slides/slide3.xml><?xml version="1.0" encoding="utf-8"?>
+<p:sld xmlns:a="http://schemas.openxmlformats.org/drawingml/2006/main" xmlns:r="http://schemas.openxmlformats.org/officeDocument/2006/relationships" xmlns:p="http://schemas.openxmlformats.org/presentationml/2006/main">
+  <p:cSld>
+    <p:spTree>
+      <p:nvGrpSpPr>
+        <p:cNvPr id="1" name=""/>
+        <p:cNvGrpSpPr/>
+        <p:nvPr/>
+      </p:nvGrpSpPr>
+      <p:grpSpPr>
+        <a:xfrm>
+          <a:off x="0" y="0"/>
+          <a:ext cx="0" cy="0"/>
+          <a:chOff x="0" y="0"/>
+          <a:chExt cx="0" cy="0"/>
+        </a:xfrm>
+      </p:grpSpPr>
+      <p:sp>
+        <p:nvSpPr>
+          <p:cNvPr id="2" name="标题 1"/>
+          <p:cNvSpPr>
+            <a:spLocks noGrp="1"/>
+          </p:cNvSpPr>
+          <p:nvPr>
+            <p:ph type="title"/>
+          </p:nvPr>
+        </p:nvSpPr>
+        <p:spPr/>
+        <p:txBody>
+          <a:bodyPr/>
+          <a:lstStyle/>
+          <a:p>
+            <a:r>
+              <a:rPr lang="zh-CN" altLang="en-US" dirty="0" smtClean="0"/>
+              <a:t>内容</a:t>
+            </a:r>
+            <a:endParaRPr lang="zh-CN" altLang="en-US" dirty="0"/>
+          </a:p>
+        </p:txBody>
+      </p:sp>
+      <p:sp>
+        <p:nvSpPr>
+          <p:cNvPr id="4" name="矩形 3"/>
+          <p:cNvSpPr/>
+          <p:nvPr/>
+        </p:nvSpPr>
+        <p:spPr>
+          <a:xfrm>
+            <a:off x="4338406" y="6126479"/>
+            <a:ext cx="2323651" cy="560143"/>
+          </a:xfrm>
+          <a:prstGeom prst="rect">
+            <a:avLst/>
+          </a:prstGeom>
+          <a:noFill/>
+        </p:spPr>
+        <p:style>
+          <a:lnRef idx="2">
+            <a:schemeClr val="accent1">
+              <a:shade val="50000"/>
+            </a:schemeClr>
+          </a:lnRef>
+          <a:fillRef idx="1">
+            <a:schemeClr val="accent1"/>
+          </a:fillRef>
+          <a:effectRef idx="0">
+            <a:schemeClr val="accent1"/>
+          </a:effectRef>
+          <a:fontRef idx="minor">
+            <a:schemeClr val="lt1"/>
+          </a:fontRef>
+        </p:style>
+        <p:txBody>
+          <a:bodyPr rtlCol="0" anchor="ctr"/>
+          <a:lstStyle/>
+          <a:p>
+            <a:pPr algn="ctr"/>
+            <a:r>
+              <a:rPr lang="zh-CN" altLang="en-US" dirty="0" smtClean="0">
+                <a:solidFill>
+                  <a:schemeClr val="tx1"/>
+                </a:solidFill>
+              </a:rPr>
+              <a:t>患者生命周期</a:t>
+            </a:r>
+            <a:endParaRPr lang="zh-CN" altLang="en-US" dirty="0">
+              <a:solidFill>
+                <a:schemeClr val="tx1"/>
+              </a:solidFill>
+            </a:endParaRPr>
+          </a:p>
+        </p:txBody>
+      </p:sp>
+      <p:sp>
+        <p:nvSpPr>
+          <p:cNvPr id="5" name="矩形 4"/>
+          <p:cNvSpPr/>
+          <p:nvPr/>
+        </p:nvSpPr>
+        <p:spPr>
+          <a:xfrm>
+            <a:off x="7865811" y="4655629"/>
+            <a:ext cx="2323651" cy="478705"/>
+          </a:xfrm>
+          <a:prstGeom prst="rect">
+            <a:avLst/>
+          </a:prstGeom>
+          <a:noFill/>
+        </p:spPr>
+        <p:style>
+          <a:lnRef idx="2">
+            <a:schemeClr val="accent1">
+              <a:shade val="50000"/>
+            </a:schemeClr>
+          </a:lnRef>
+          <a:fillRef idx="1">
+            <a:schemeClr val="accent1"/>
+          </a:fillRef>
+          <a:effectRef idx="0">
+            <a:schemeClr val="accent1"/>
+          </a:effectRef>
+          <a:fontRef idx="minor">
+            <a:schemeClr val="lt1"/>
+          </a:fontRef>
+        </p:style>
+        <p:txBody>
+          <a:bodyPr rtlCol="0" anchor="ctr"/>
+          <a:lstStyle/>
+          <a:p>
+            <a:pPr algn="ctr"/>
+            <a:r>
+              <a:rPr lang="zh-CN" altLang="en-US" dirty="0" smtClean="0">
+                <a:solidFill>
+                  <a:schemeClr val="tx1"/>
+                </a:solidFill>
+              </a:rPr>
+              <a:t>病历编写</a:t>
+            </a:r>
+            <a:endParaRPr lang="zh-CN" altLang="en-US" dirty="0">
+              <a:solidFill>
+                <a:schemeClr val="tx1"/>
+              </a:solidFill>
+            </a:endParaRPr>
+          </a:p>
+        </p:txBody>
+      </p:sp>
+      <p:sp>
+        <p:nvSpPr>
+          <p:cNvPr id="6" name="矩形 5"/>
+          <p:cNvSpPr/>
+          <p:nvPr/>
+        </p:nvSpPr>
+        <p:spPr>
+          <a:xfrm>
+            <a:off x="4101160" y="4864241"/>
+            <a:ext cx="2963730" cy="984386"/>
+          </a:xfrm>
+          <a:prstGeom prst="rect">
+            <a:avLst/>
+          </a:prstGeom>
+          <a:noFill/>
+        </p:spPr>
+        <p:style>
+          <a:lnRef idx="2">
+            <a:schemeClr val="accent1">
+              <a:shade val="50000"/>
+            </a:schemeClr>
+          </a:lnRef>
+          <a:fillRef idx="1">
+            <a:schemeClr val="accent1"/>
+          </a:fillRef>
+          <a:effectRef idx="0">
+            <a:schemeClr val="accent1"/>
+          </a:effectRef>
+          <a:fontRef idx="minor">
+            <a:schemeClr val="lt1"/>
+          </a:fontRef>
+        </p:style>
+        <p:txBody>
+          <a:bodyPr rtlCol="0" anchor="ctr"/>
+          <a:lstStyle/>
+          <a:p>
+            <a:pPr algn="ctr"/>
+            <a:r>
+              <a:rPr lang="zh-CN" altLang="en-US" dirty="0" smtClean="0">
+                <a:solidFill>
+                  <a:schemeClr val="tx1"/>
+                </a:solidFill>
+              </a:rPr>
+              <a:t>医嘱执行</a:t>
+            </a:r>
+            <a:endParaRPr lang="zh-CN" altLang="en-US" dirty="0">
+              <a:solidFill>
+                <a:schemeClr val="tx1"/>
+              </a:solidFill>
+            </a:endParaRPr>
+          </a:p>
+        </p:txBody>
+      </p:sp>
+      <p:sp>
+        <p:nvSpPr>
+          <p:cNvPr id="8" name="矩形 7"/>
+          <p:cNvSpPr/>
+          <p:nvPr/>
+        </p:nvSpPr>
+        <p:spPr>
+          <a:xfrm>
+            <a:off x="7865811" y="5444517"/>
+            <a:ext cx="2323651" cy="525209"/>
+          </a:xfrm>
+          <a:prstGeom prst="rect">
+            <a:avLst/>
+          </a:prstGeom>
+          <a:noFill/>
+        </p:spPr>
+        <p:style>
+          <a:lnRef idx="2">
+            <a:schemeClr val="accent1">
+              <a:shade val="50000"/>
+            </a:schemeClr>
+          </a:lnRef>
+          <a:fillRef idx="1">
+            <a:schemeClr val="accent1"/>
+          </a:fillRef>
+          <a:effectRef idx="0">
+            <a:schemeClr val="accent1"/>
+          </a:effectRef>
+          <a:fontRef idx="minor">
+            <a:schemeClr val="lt1"/>
+          </a:fontRef>
+        </p:style>
+        <p:txBody>
+          <a:bodyPr rtlCol="0" anchor="ctr"/>
+          <a:lstStyle/>
+          <a:p>
+            <a:pPr algn="ctr"/>
+            <a:r>
+              <a:rPr lang="zh-CN" altLang="en-US" dirty="0" smtClean="0">
+                <a:solidFill>
+                  <a:schemeClr val="tx1"/>
+                </a:solidFill>
+              </a:rPr>
+              <a:t>诊疗信息</a:t>
+            </a:r>
+            <a:endParaRPr lang="zh-CN" altLang="en-US" dirty="0">
+              <a:solidFill>
+                <a:schemeClr val="tx1"/>
+              </a:solidFill>
+            </a:endParaRPr>
+          </a:p>
+        </p:txBody>
+      </p:sp>
+      <p:sp>
+        <p:nvSpPr>
+          <p:cNvPr id="9" name="矩形 8"/>
+          <p:cNvSpPr/>
+          <p:nvPr/>
+        </p:nvSpPr>
+        <p:spPr>
+          <a:xfrm>
+            <a:off x="1441347" y="4894982"/>
+            <a:ext cx="2205162" cy="549535"/>
+          </a:xfrm>
+          <a:prstGeom prst="rect">
+            <a:avLst/>
+          </a:prstGeom>
+          <a:noFill/>
+        </p:spPr>
+        <p:style>
+          <a:lnRef idx="2">
+            <a:schemeClr val="accent1">
+              <a:shade val="50000"/>
+            </a:schemeClr>
+          </a:lnRef>
+          <a:fillRef idx="1">
+            <a:schemeClr val="accent1"/>
+          </a:fillRef>
+          <a:effectRef idx="0">
+            <a:schemeClr val="accent1"/>
+          </a:effectRef>
+          <a:fontRef idx="minor">
+            <a:schemeClr val="lt1"/>
+          </a:fontRef>
+        </p:style>
+        <p:txBody>
+          <a:bodyPr rtlCol="0" anchor="ctr"/>
+          <a:lstStyle/>
+          <a:p>
+            <a:pPr algn="ctr"/>
+            <a:r>
+              <a:rPr lang="zh-CN" altLang="en-US" dirty="0">
+                <a:solidFill>
+                  <a:schemeClr val="tx1"/>
+                </a:solidFill>
+              </a:rPr>
+              <a:t>计费</a:t>
+            </a:r>
+          </a:p>
+        </p:txBody>
+      </p:sp>
+      <p:sp>
+        <p:nvSpPr>
+          <p:cNvPr id="10" name="椭圆 9"/>
+          <p:cNvSpPr/>
+          <p:nvPr/>
+        </p:nvSpPr>
+        <p:spPr>
+          <a:xfrm>
+            <a:off x="1251113" y="1682651"/>
+            <a:ext cx="2567354" cy="914400"/>
+          </a:xfrm>
+          <a:prstGeom prst="ellipse">
+            <a:avLst/>
+          </a:prstGeom>
+          <a:noFill/>
+        </p:spPr>
+        <p:style>
+          <a:lnRef idx="2">
+            <a:schemeClr val="accent1">
+              <a:shade val="50000"/>
+            </a:schemeClr>
+          </a:lnRef>
+          <a:fillRef idx="1">
+            <a:schemeClr val="accent1"/>
+          </a:fillRef>
+          <a:effectRef idx="0">
+            <a:schemeClr val="accent1"/>
+          </a:effectRef>
+          <a:fontRef idx="minor">
+            <a:schemeClr val="lt1"/>
+          </a:fontRef>
+        </p:style>
+        <p:txBody>
+          <a:bodyPr rtlCol="0" anchor="ctr"/>
+          <a:lstStyle/>
+          <a:p>
+            <a:pPr algn="ctr"/>
+            <a:r>
+              <a:rPr lang="zh-CN" altLang="en-US" dirty="0" smtClean="0">
+                <a:solidFill>
+                  <a:schemeClr val="tx1"/>
+                </a:solidFill>
+              </a:rPr>
+              <a:t>门诊看病</a:t>
+            </a:r>
+            <a:endParaRPr lang="zh-CN" altLang="en-US" dirty="0">
+              <a:solidFill>
+                <a:schemeClr val="tx1"/>
+              </a:solidFill>
+            </a:endParaRPr>
+          </a:p>
+        </p:txBody>
+      </p:sp>
+      <p:sp>
+        <p:nvSpPr>
+          <p:cNvPr id="11" name="椭圆 10"/>
+          <p:cNvSpPr/>
+          <p:nvPr/>
+        </p:nvSpPr>
+        <p:spPr>
+          <a:xfrm>
+            <a:off x="4497536" y="1662091"/>
+            <a:ext cx="2567354" cy="914400"/>
+          </a:xfrm>
+          <a:prstGeom prst="ellipse">
+            <a:avLst/>
+          </a:prstGeom>
+          <a:noFill/>
+        </p:spPr>
+        <p:style>
+          <a:lnRef idx="2">
+            <a:schemeClr val="accent1">
+              <a:shade val="50000"/>
+            </a:schemeClr>
+          </a:lnRef>
+          <a:fillRef idx="1">
+            <a:schemeClr val="accent1"/>
+          </a:fillRef>
+          <a:effectRef idx="0">
+            <a:schemeClr val="accent1"/>
+          </a:effectRef>
+          <a:fontRef idx="minor">
+            <a:schemeClr val="lt1"/>
+          </a:fontRef>
+        </p:style>
+        <p:txBody>
+          <a:bodyPr rtlCol="0" anchor="ctr"/>
+          <a:lstStyle/>
+          <a:p>
+            <a:pPr algn="ctr"/>
+            <a:r>
+              <a:rPr lang="zh-CN" altLang="en-US" dirty="0" smtClean="0">
+                <a:solidFill>
+                  <a:schemeClr val="tx1"/>
+                </a:solidFill>
+              </a:rPr>
+              <a:t>住院治病</a:t>
+            </a:r>
+            <a:endParaRPr lang="zh-CN" altLang="en-US" dirty="0">
+              <a:solidFill>
+                <a:schemeClr val="tx1"/>
+              </a:solidFill>
+            </a:endParaRPr>
+          </a:p>
+        </p:txBody>
+      </p:sp>
+      <p:sp>
+        <p:nvSpPr>
+          <p:cNvPr id="12" name="椭圆 11"/>
+          <p:cNvSpPr/>
+          <p:nvPr/>
+        </p:nvSpPr>
+        <p:spPr>
+          <a:xfrm>
+            <a:off x="7743960" y="1662091"/>
+            <a:ext cx="2567354" cy="914400"/>
+          </a:xfrm>
+          <a:prstGeom prst="ellipse">
+            <a:avLst/>
+          </a:prstGeom>
+          <a:noFill/>
+        </p:spPr>
+        <p:style>
+          <a:lnRef idx="2">
+            <a:schemeClr val="accent1">
+              <a:shade val="50000"/>
+            </a:schemeClr>
+          </a:lnRef>
+          <a:fillRef idx="1">
+            <a:schemeClr val="accent1"/>
+          </a:fillRef>
+          <a:effectRef idx="0">
+            <a:schemeClr val="accent1"/>
+          </a:effectRef>
+          <a:fontRef idx="minor">
+            <a:schemeClr val="lt1"/>
+          </a:fontRef>
+        </p:style>
+        <p:txBody>
+          <a:bodyPr rtlCol="0" anchor="ctr"/>
+          <a:lstStyle/>
+          <a:p>
+            <a:pPr algn="ctr"/>
+            <a:r>
+              <a:rPr lang="zh-CN" altLang="en-US" dirty="0" smtClean="0">
+                <a:solidFill>
+                  <a:schemeClr val="tx1"/>
+                </a:solidFill>
+              </a:rPr>
+              <a:t>信息维护和统计</a:t>
+            </a:r>
+            <a:endParaRPr lang="zh-CN" altLang="en-US" dirty="0">
+              <a:solidFill>
+                <a:schemeClr val="tx1"/>
+              </a:solidFill>
+            </a:endParaRPr>
+          </a:p>
+        </p:txBody>
+      </p:sp>
+      <p:sp>
+        <p:nvSpPr>
+          <p:cNvPr id="13" name="矩形 12"/>
+          <p:cNvSpPr/>
+          <p:nvPr/>
+        </p:nvSpPr>
+        <p:spPr>
+          <a:xfrm>
+            <a:off x="867937" y="4349931"/>
+            <a:ext cx="10013424" cy="2508068"/>
+          </a:xfrm>
+          <a:prstGeom prst="rect">
+            <a:avLst/>
+          </a:prstGeom>
+          <a:noFill/>
+        </p:spPr>
+        <p:style>
+          <a:lnRef idx="2">
+            <a:schemeClr val="accent1">
+              <a:shade val="50000"/>
+            </a:schemeClr>
+          </a:lnRef>
+          <a:fillRef idx="1">
+            <a:schemeClr val="accent1"/>
+          </a:fillRef>
+          <a:effectRef idx="0">
+            <a:schemeClr val="accent1"/>
+          </a:effectRef>
+          <a:fontRef idx="minor">
+            <a:schemeClr val="lt1"/>
+          </a:fontRef>
+        </p:style>
+        <p:txBody>
+          <a:bodyPr rtlCol="0" anchor="t" anchorCtr="0"/>
+          <a:lstStyle/>
+          <a:p>
+            <a:pPr algn="ctr"/>
+            <a:r>
+              <a:rPr lang="zh-CN" altLang="en-US" dirty="0" smtClean="0">
+                <a:solidFill>
+                  <a:schemeClr val="tx1"/>
+                </a:solidFill>
+              </a:rPr>
+              <a:t>核心引擎</a:t>
+            </a:r>
+            <a:endParaRPr lang="zh-CN" altLang="en-US" dirty="0">
+              <a:solidFill>
+                <a:schemeClr val="tx1"/>
+              </a:solidFill>
+            </a:endParaRPr>
+          </a:p>
+        </p:txBody>
+      </p:sp>
+      <p:sp>
+        <p:nvSpPr>
+          <p:cNvPr id="14" name="矩形 13"/>
+          <p:cNvSpPr/>
+          <p:nvPr/>
+        </p:nvSpPr>
+        <p:spPr>
+          <a:xfrm>
+            <a:off x="867937" y="3084980"/>
+            <a:ext cx="1352749" cy="1003694"/>
+          </a:xfrm>
+          <a:prstGeom prst="rect">
+            <a:avLst/>
+          </a:prstGeom>
+          <a:noFill/>
+        </p:spPr>
+        <p:style>
+          <a:lnRef idx="2">
+            <a:schemeClr val="accent1">
+              <a:shade val="50000"/>
+            </a:schemeClr>
+          </a:lnRef>
+          <a:fillRef idx="1">
+            <a:schemeClr val="accent1"/>
+          </a:fillRef>
+          <a:effectRef idx="0">
+            <a:schemeClr val="accent1"/>
+          </a:effectRef>
+          <a:fontRef idx="minor">
+            <a:schemeClr val="lt1"/>
+          </a:fontRef>
+        </p:style>
+        <p:txBody>
+          <a:bodyPr rtlCol="0" anchor="ctr"/>
+          <a:lstStyle/>
+          <a:p>
+            <a:pPr algn="ctr"/>
+            <a:r>
+              <a:rPr lang="zh-CN" altLang="en-US" dirty="0" smtClean="0">
+                <a:solidFill>
+                  <a:schemeClr val="tx1"/>
+                </a:solidFill>
+              </a:rPr>
+              <a:t>门诊科室</a:t>
+            </a:r>
+            <a:endParaRPr lang="zh-CN" altLang="en-US" dirty="0">
+              <a:solidFill>
+                <a:schemeClr val="tx1"/>
+              </a:solidFill>
+            </a:endParaRPr>
+          </a:p>
+        </p:txBody>
+      </p:sp>
+      <p:sp>
+        <p:nvSpPr>
+          <p:cNvPr id="15" name="矩形 14"/>
+          <p:cNvSpPr/>
+          <p:nvPr/>
+        </p:nvSpPr>
+        <p:spPr>
+          <a:xfrm>
+            <a:off x="2501668" y="3068457"/>
+            <a:ext cx="1316799" cy="1017840"/>
+          </a:xfrm>
+          <a:prstGeom prst="rect">
+            <a:avLst/>
+          </a:prstGeom>
+          <a:noFill/>
+        </p:spPr>
+        <p:style>
+          <a:lnRef idx="2">
+            <a:schemeClr val="accent1">
+              <a:shade val="50000"/>
+            </a:schemeClr>
+          </a:lnRef>
+          <a:fillRef idx="1">
+            <a:schemeClr val="accent1"/>
+          </a:fillRef>
+          <a:effectRef idx="0">
+            <a:schemeClr val="accent1"/>
+          </a:effectRef>
+          <a:fontRef idx="minor">
+            <a:schemeClr val="lt1"/>
+          </a:fontRef>
+        </p:style>
+        <p:txBody>
+          <a:bodyPr rtlCol="0" anchor="ctr"/>
+          <a:lstStyle/>
+          <a:p>
+            <a:pPr algn="ctr"/>
+            <a:r>
+              <a:rPr lang="zh-CN" altLang="en-US" dirty="0">
+                <a:solidFill>
+                  <a:schemeClr val="tx1"/>
+                </a:solidFill>
+              </a:rPr>
+              <a:t>住院</a:t>
+            </a:r>
+            <a:r>
+              <a:rPr lang="zh-CN" altLang="en-US" dirty="0" smtClean="0">
+                <a:solidFill>
+                  <a:schemeClr val="tx1"/>
+                </a:solidFill>
+              </a:rPr>
+              <a:t>科室</a:t>
+            </a:r>
+            <a:endParaRPr lang="zh-CN" altLang="en-US" dirty="0">
+              <a:solidFill>
+                <a:schemeClr val="tx1"/>
+              </a:solidFill>
+            </a:endParaRPr>
+          </a:p>
+        </p:txBody>
+      </p:sp>
+      <p:sp>
+        <p:nvSpPr>
+          <p:cNvPr id="16" name="矩形 15"/>
+          <p:cNvSpPr/>
+          <p:nvPr/>
+        </p:nvSpPr>
+        <p:spPr>
+          <a:xfrm>
+            <a:off x="4141440" y="3068457"/>
+            <a:ext cx="1162080" cy="1017840"/>
+          </a:xfrm>
+          <a:prstGeom prst="rect">
+            <a:avLst/>
+          </a:prstGeom>
+          <a:noFill/>
+        </p:spPr>
+        <p:style>
+          <a:lnRef idx="2">
+            <a:schemeClr val="accent1">
+              <a:shade val="50000"/>
+            </a:schemeClr>
+          </a:lnRef>
+          <a:fillRef idx="1">
+            <a:schemeClr val="accent1"/>
+          </a:fillRef>
+          <a:effectRef idx="0">
+            <a:schemeClr val="accent1"/>
+          </a:effectRef>
+          <a:fontRef idx="minor">
+            <a:schemeClr val="lt1"/>
+          </a:fontRef>
+        </p:style>
+        <p:txBody>
+          <a:bodyPr rtlCol="0" anchor="ctr"/>
+          <a:lstStyle/>
+          <a:p>
+            <a:pPr algn="ctr"/>
+            <a:r>
+              <a:rPr lang="zh-CN" altLang="en-US" dirty="0">
+                <a:solidFill>
+                  <a:schemeClr val="tx1"/>
+                </a:solidFill>
+              </a:rPr>
+              <a:t>药房</a:t>
+            </a:r>
+          </a:p>
+        </p:txBody>
+      </p:sp>
+      <p:sp>
+        <p:nvSpPr>
+          <p:cNvPr id="17" name="矩形 16"/>
+          <p:cNvSpPr/>
+          <p:nvPr/>
+        </p:nvSpPr>
+        <p:spPr>
+          <a:xfrm>
+            <a:off x="5542180" y="3084980"/>
+            <a:ext cx="1207998" cy="1017840"/>
+          </a:xfrm>
+          <a:prstGeom prst="rect">
+            <a:avLst/>
+          </a:prstGeom>
+          <a:noFill/>
+        </p:spPr>
+        <p:style>
+          <a:lnRef idx="2">
+            <a:schemeClr val="accent1">
+              <a:shade val="50000"/>
+            </a:schemeClr>
+          </a:lnRef>
+          <a:fillRef idx="1">
+            <a:schemeClr val="accent1"/>
+          </a:fillRef>
+          <a:effectRef idx="0">
+            <a:schemeClr val="accent1"/>
+          </a:effectRef>
+          <a:fontRef idx="minor">
+            <a:schemeClr val="lt1"/>
+          </a:fontRef>
+        </p:style>
+        <p:txBody>
+          <a:bodyPr rtlCol="0" anchor="ctr"/>
+          <a:lstStyle/>
+          <a:p>
+            <a:pPr algn="ctr"/>
+            <a:r>
+              <a:rPr lang="zh-CN" altLang="en-US" dirty="0" smtClean="0">
+                <a:solidFill>
+                  <a:schemeClr val="tx1"/>
+                </a:solidFill>
+              </a:rPr>
+              <a:t>收费处</a:t>
+            </a:r>
+            <a:endParaRPr lang="zh-CN" altLang="en-US" dirty="0">
+              <a:solidFill>
+                <a:schemeClr val="tx1"/>
+              </a:solidFill>
+            </a:endParaRPr>
+          </a:p>
+        </p:txBody>
+      </p:sp>
+      <p:sp>
+        <p:nvSpPr>
+          <p:cNvPr id="18" name="矩形 17"/>
+          <p:cNvSpPr/>
+          <p:nvPr/>
+        </p:nvSpPr>
+        <p:spPr>
+          <a:xfrm>
+            <a:off x="6988838" y="3077907"/>
+            <a:ext cx="1151846" cy="1017840"/>
+          </a:xfrm>
+          <a:prstGeom prst="rect">
+            <a:avLst/>
+          </a:prstGeom>
+          <a:noFill/>
+        </p:spPr>
+        <p:style>
+          <a:lnRef idx="2">
+            <a:schemeClr val="accent1">
+              <a:shade val="50000"/>
+            </a:schemeClr>
+          </a:lnRef>
+          <a:fillRef idx="1">
+            <a:schemeClr val="accent1"/>
+          </a:fillRef>
+          <a:effectRef idx="0">
+            <a:schemeClr val="accent1"/>
+          </a:effectRef>
+          <a:fontRef idx="minor">
+            <a:schemeClr val="lt1"/>
+          </a:fontRef>
+        </p:style>
+        <p:txBody>
+          <a:bodyPr rtlCol="0" anchor="ctr"/>
+          <a:lstStyle/>
+          <a:p>
+            <a:pPr algn="ctr"/>
+            <a:r>
+              <a:rPr lang="zh-CN" altLang="en-US" dirty="0" smtClean="0">
+                <a:solidFill>
+                  <a:schemeClr val="tx1"/>
+                </a:solidFill>
+              </a:rPr>
+              <a:t>挂号室</a:t>
+            </a:r>
+            <a:endParaRPr lang="zh-CN" altLang="en-US" dirty="0">
+              <a:solidFill>
+                <a:schemeClr val="tx1"/>
+              </a:solidFill>
+            </a:endParaRPr>
+          </a:p>
+        </p:txBody>
+      </p:sp>
+      <p:sp>
+        <p:nvSpPr>
+          <p:cNvPr id="19" name="矩形 18"/>
+          <p:cNvSpPr/>
+          <p:nvPr/>
+        </p:nvSpPr>
+        <p:spPr>
+          <a:xfrm>
+            <a:off x="9725010" y="3068457"/>
+            <a:ext cx="1172607" cy="1017840"/>
+          </a:xfrm>
+          <a:prstGeom prst="rect">
+            <a:avLst/>
+          </a:prstGeom>
+          <a:noFill/>
+        </p:spPr>
+        <p:style>
+          <a:lnRef idx="2">
+            <a:schemeClr val="accent1">
+              <a:shade val="50000"/>
+            </a:schemeClr>
+          </a:lnRef>
+          <a:fillRef idx="1">
+            <a:schemeClr val="accent1"/>
+          </a:fillRef>
+          <a:effectRef idx="0">
+            <a:schemeClr val="accent1"/>
+          </a:effectRef>
+          <a:fontRef idx="minor">
+            <a:schemeClr val="lt1"/>
+          </a:fontRef>
+        </p:style>
+        <p:txBody>
+          <a:bodyPr rtlCol="0" anchor="ctr"/>
+          <a:lstStyle/>
+          <a:p>
+            <a:pPr algn="ctr"/>
+            <a:r>
+              <a:rPr lang="zh-CN" altLang="en-US" dirty="0" smtClean="0">
+                <a:solidFill>
+                  <a:schemeClr val="tx1"/>
+                </a:solidFill>
+              </a:rPr>
+              <a:t>病案室</a:t>
+            </a:r>
+            <a:endParaRPr lang="zh-CN" altLang="en-US" dirty="0">
+              <a:solidFill>
+                <a:schemeClr val="tx1"/>
+              </a:solidFill>
+            </a:endParaRPr>
+          </a:p>
+        </p:txBody>
+      </p:sp>
+      <p:sp>
+        <p:nvSpPr>
+          <p:cNvPr id="20" name="矩形 19"/>
+          <p:cNvSpPr/>
+          <p:nvPr/>
+        </p:nvSpPr>
+        <p:spPr>
+          <a:xfrm>
+            <a:off x="8379344" y="3068457"/>
+            <a:ext cx="1151846" cy="1017840"/>
+          </a:xfrm>
+          <a:prstGeom prst="rect">
+            <a:avLst/>
+          </a:prstGeom>
+          <a:noFill/>
+        </p:spPr>
+        <p:style>
+          <a:lnRef idx="2">
+            <a:schemeClr val="accent1">
+              <a:shade val="50000"/>
+            </a:schemeClr>
+          </a:lnRef>
+          <a:fillRef idx="1">
+            <a:schemeClr val="accent1"/>
+          </a:fillRef>
+          <a:effectRef idx="0">
+            <a:schemeClr val="accent1"/>
+          </a:effectRef>
+          <a:fontRef idx="minor">
+            <a:schemeClr val="lt1"/>
+          </a:fontRef>
+        </p:style>
+        <p:txBody>
+          <a:bodyPr rtlCol="0" anchor="ctr"/>
+          <a:lstStyle/>
+          <a:p>
+            <a:pPr algn="ctr"/>
+            <a:r>
+              <a:rPr lang="zh-CN" altLang="en-US" dirty="0" smtClean="0">
+                <a:solidFill>
+                  <a:schemeClr val="tx1"/>
+                </a:solidFill>
+              </a:rPr>
+              <a:t>检查检验</a:t>
+            </a:r>
+            <a:endParaRPr lang="zh-CN" altLang="en-US" dirty="0">
+              <a:solidFill>
+                <a:schemeClr val="tx1"/>
+              </a:solidFill>
+            </a:endParaRPr>
+          </a:p>
+        </p:txBody>
+      </p:sp>
+    </p:spTree>
+    <p:extLst>
+      <p:ext uri="{BB962C8B-B14F-4D97-AF65-F5344CB8AC3E}">
+        <p14:creationId xmlns:p14="http://schemas.microsoft.com/office/powerpoint/2010/main" val="2626867116"/>
+      </p:ext>
+    </p:extLst>
+  </p:cSld>
+  <p:clrMapOvr>
+    <a:masterClrMapping/>
+  </p:clrMapOvr>
+  <p:timing>
+    <p:tnLst>
+      <p:par>
+        <p:cTn id="1" dur="indefinite" restart="never" nodeType="tmRoot"/>
+      </p:par>
+    </p:tnLst>
+  </p:timing>
+</p:sld>
+</file>
+
+<file path=ppt/slides/slide4.xml><?xml version="1.0" encoding="utf-8"?>
+<p:sld xmlns:a="http://schemas.openxmlformats.org/drawingml/2006/main" xmlns:r="http://schemas.openxmlformats.org/officeDocument/2006/relationships" xmlns:p="http://schemas.openxmlformats.org/presentationml/2006/main">
+  <p:cSld>
+    <p:spTree>
+      <p:nvGrpSpPr>
+        <p:cNvPr id="1" name=""/>
+        <p:cNvGrpSpPr/>
+        <p:nvPr/>
+      </p:nvGrpSpPr>
+      <p:grpSpPr>
+        <a:xfrm>
+          <a:off x="0" y="0"/>
+          <a:ext cx="0" cy="0"/>
+          <a:chOff x="0" y="0"/>
+          <a:chExt cx="0" cy="0"/>
+        </a:xfrm>
+      </p:grpSpPr>
+      <p:sp>
+        <p:nvSpPr>
+          <p:cNvPr id="2" name="标题 1"/>
+          <p:cNvSpPr>
+            <a:spLocks noGrp="1"/>
+          </p:cNvSpPr>
+          <p:nvPr>
+            <p:ph type="title"/>
+          </p:nvPr>
+        </p:nvSpPr>
+        <p:spPr/>
+        <p:txBody>
+          <a:bodyPr>
+            <a:normAutofit/>
+          </a:bodyPr>
+          <a:lstStyle/>
+          <a:p>
+            <a:r>
+              <a:rPr lang="zh-CN" altLang="en-US" dirty="0" smtClean="0"/>
+              <a:t>特点分项讲解</a:t>
+            </a:r>
+            <a:r>
+              <a:rPr lang="en-US" altLang="zh-CN" sz="2000" dirty="0" smtClean="0"/>
+              <a:t>-</a:t>
+            </a:r>
+            <a:r>
+              <a:rPr lang="zh-CN" altLang="en-US" sz="2000" dirty="0"/>
+              <a:t>以患者为中心，联通患者初诊、复诊、住院等多个业务</a:t>
+            </a:r>
+            <a:r>
+              <a:rPr lang="zh-CN" altLang="en-US" sz="2000" dirty="0" smtClean="0"/>
+              <a:t>环节</a:t>
+            </a:r>
+            <a:endParaRPr lang="zh-CN" altLang="en-US" dirty="0"/>
+          </a:p>
+        </p:txBody>
+      </p:sp>
+      <p:pic>
+        <p:nvPicPr>
+          <p:cNvPr id="4" name="图片 3"/>
+          <p:cNvPicPr>
+            <a:picLocks noChangeAspect="1"/>
+          </p:cNvPicPr>
+          <p:nvPr/>
+        </p:nvPicPr>
+        <p:blipFill>
+          <a:blip r:embed="rId2"/>
+          <a:stretch>
+            <a:fillRect/>
+          </a:stretch>
+        </p:blipFill>
+        <p:spPr>
+          <a:xfrm>
+            <a:off x="430629" y="1208869"/>
+            <a:ext cx="4079589" cy="5531566"/>
+          </a:xfrm>
+          <a:prstGeom prst="rect">
+            <a:avLst/>
+          </a:prstGeom>
+        </p:spPr>
+      </p:pic>
+      <p:pic>
+        <p:nvPicPr>
+          <p:cNvPr id="6" name="图片 5"/>
+          <p:cNvPicPr>
+            <a:picLocks noChangeAspect="1"/>
+          </p:cNvPicPr>
+          <p:nvPr/>
+        </p:nvPicPr>
+        <p:blipFill>
+          <a:blip r:embed="rId3"/>
+          <a:stretch>
+            <a:fillRect/>
+          </a:stretch>
+        </p:blipFill>
+        <p:spPr>
+          <a:xfrm>
+            <a:off x="8163178" y="1615288"/>
+            <a:ext cx="3733333" cy="1371429"/>
+          </a:xfrm>
+          <a:prstGeom prst="rect">
+            <a:avLst/>
+          </a:prstGeom>
+        </p:spPr>
+      </p:pic>
+      <p:pic>
+        <p:nvPicPr>
+          <p:cNvPr id="7" name="图片 6"/>
+          <p:cNvPicPr>
+            <a:picLocks noChangeAspect="1"/>
+          </p:cNvPicPr>
+          <p:nvPr/>
+        </p:nvPicPr>
+        <p:blipFill>
+          <a:blip r:embed="rId4"/>
+          <a:stretch>
+            <a:fillRect/>
+          </a:stretch>
+        </p:blipFill>
+        <p:spPr>
+          <a:xfrm>
+            <a:off x="4698964" y="1615289"/>
+            <a:ext cx="3409524" cy="1371429"/>
+          </a:xfrm>
+          <a:prstGeom prst="rect">
+            <a:avLst/>
+          </a:prstGeom>
+        </p:spPr>
+      </p:pic>
+      <p:sp>
+        <p:nvSpPr>
+          <p:cNvPr id="8" name="内容占位符 2"/>
+          <p:cNvSpPr>
+            <a:spLocks noGrp="1"/>
+          </p:cNvSpPr>
+          <p:nvPr>
+            <p:ph idx="1"/>
+          </p:nvPr>
+        </p:nvSpPr>
+        <p:spPr>
+          <a:xfrm>
+            <a:off x="4863176" y="3393139"/>
+            <a:ext cx="6490625" cy="2850907"/>
+          </a:xfrm>
+        </p:spPr>
+        <p:txBody>
+          <a:bodyPr>
+            <a:normAutofit/>
+          </a:bodyPr>
+          <a:lstStyle/>
+          <a:p>
+            <a:r>
+              <a:rPr lang="zh-CN" altLang="en-US" dirty="0" smtClean="0">
+                <a:latin typeface="Microsoft YaHei UI" panose="020B0503020204020204" pitchFamily="34" charset="-122"/>
+                <a:ea typeface="Microsoft YaHei UI" panose="020B0503020204020204" pitchFamily="34" charset="-122"/>
+              </a:rPr>
+              <a:t>将连续的门诊看病和住院治病视作一次就诊，依此设计了患者一次就诊实体（</a:t>
+            </a:r>
+            <a:r>
+              <a:rPr lang="en-US" altLang="zh-CN" dirty="0" smtClean="0">
+                <a:latin typeface="Microsoft YaHei UI" panose="020B0503020204020204" pitchFamily="34" charset="-122"/>
+                <a:ea typeface="Microsoft YaHei UI" panose="020B0503020204020204" pitchFamily="34" charset="-122"/>
+              </a:rPr>
+              <a:t>Visit</a:t>
+            </a:r>
+            <a:r>
+              <a:rPr lang="zh-CN" altLang="en-US" dirty="0" smtClean="0">
+                <a:latin typeface="Microsoft YaHei UI" panose="020B0503020204020204" pitchFamily="34" charset="-122"/>
+                <a:ea typeface="Microsoft YaHei UI" panose="020B0503020204020204" pitchFamily="34" charset="-122"/>
+              </a:rPr>
+              <a:t>）</a:t>
+            </a:r>
+            <a:endParaRPr lang="en-US" altLang="zh-CN" dirty="0" smtClean="0">
+              <a:latin typeface="Microsoft YaHei UI" panose="020B0503020204020204" pitchFamily="34" charset="-122"/>
+              <a:ea typeface="Microsoft YaHei UI" panose="020B0503020204020204" pitchFamily="34" charset="-122"/>
+            </a:endParaRPr>
+          </a:p>
+          <a:p>
+            <a:r>
+              <a:rPr lang="zh-CN" altLang="en-US" dirty="0"/>
+              <a:t>患者一次就诊实体（</a:t>
+            </a:r>
+            <a:r>
+              <a:rPr lang="en-US" altLang="zh-CN" dirty="0"/>
+              <a:t>Visit</a:t>
+            </a:r>
+            <a:r>
+              <a:rPr lang="zh-CN" altLang="en-US" dirty="0" smtClean="0"/>
+              <a:t>）通过业务动作改变其状态</a:t>
+            </a:r>
+            <a:endParaRPr lang="en-US" altLang="zh-CN" dirty="0" smtClean="0"/>
+          </a:p>
+          <a:p>
+            <a:r>
+              <a:rPr lang="zh-CN" altLang="en-US" dirty="0" smtClean="0">
+                <a:latin typeface="Microsoft YaHei UI" panose="020B0503020204020204" pitchFamily="34" charset="-122"/>
+                <a:ea typeface="Microsoft YaHei UI" panose="020B0503020204020204" pitchFamily="34" charset="-122"/>
+              </a:rPr>
+              <a:t>如果业务差异性过大，未来考虑采用独立可配置的状态图来计算患者一次就诊的状态变化</a:t>
+            </a:r>
+            <a:endParaRPr lang="zh-CN" dirty="0">
+              <a:latin typeface="Microsoft YaHei UI" panose="020B0503020204020204" pitchFamily="34" charset="-122"/>
+              <a:ea typeface="Microsoft YaHei UI" panose="020B0503020204020204" pitchFamily="34" charset="-122"/>
+            </a:endParaRPr>
+          </a:p>
+        </p:txBody>
+      </p:sp>
+    </p:spTree>
+    <p:extLst>
+      <p:ext uri="{BB962C8B-B14F-4D97-AF65-F5344CB8AC3E}">
+        <p14:creationId xmlns:p14="http://schemas.microsoft.com/office/powerpoint/2010/main" val="3003115549"/>
+      </p:ext>
+    </p:extLst>
+  </p:cSld>
+  <p:clrMapOvr>
+    <a:masterClrMapping/>
+  </p:clrMapOvr>
+  <p:timing>
+    <p:tnLst>
+      <p:par>
+        <p:cTn id="1" dur="indefinite" restart="never" nodeType="tmRoot"/>
+      </p:par>
+    </p:tnLst>
+  </p:timing>
+</p:sld>
+</file>
+
+<file path=ppt/slides/slide5.xml><?xml version="1.0" encoding="utf-8"?>
+<p:sld xmlns:a="http://schemas.openxmlformats.org/drawingml/2006/main" xmlns:r="http://schemas.openxmlformats.org/officeDocument/2006/relationships" xmlns:p="http://schemas.openxmlformats.org/presentationml/2006/main">
+  <p:cSld>
+    <p:spTree>
+      <p:nvGrpSpPr>
+        <p:cNvPr id="1" name=""/>
+        <p:cNvGrpSpPr/>
+        <p:nvPr/>
+      </p:nvGrpSpPr>
+      <p:grpSpPr>
+        <a:xfrm>
+          <a:off x="0" y="0"/>
+          <a:ext cx="0" cy="0"/>
+          <a:chOff x="0" y="0"/>
+          <a:chExt cx="0" cy="0"/>
+        </a:xfrm>
+      </p:grpSpPr>
+      <p:sp>
+        <p:nvSpPr>
+          <p:cNvPr id="2" name="标题 1"/>
+          <p:cNvSpPr>
+            <a:spLocks noGrp="1"/>
+          </p:cNvSpPr>
+          <p:nvPr>
+            <p:ph type="title"/>
+          </p:nvPr>
+        </p:nvSpPr>
+        <p:spPr/>
+        <p:txBody>
+          <a:bodyPr/>
+          <a:lstStyle/>
+          <a:p>
+            <a:r>
+              <a:rPr lang="zh-CN" altLang="en-US" dirty="0"/>
+              <a:t>特点分项讲解</a:t>
+            </a:r>
+            <a:r>
+              <a:rPr lang="en-US" altLang="zh-CN" dirty="0" smtClean="0"/>
+              <a:t>-</a:t>
+            </a:r>
+            <a:r>
+              <a:rPr lang="zh-CN" altLang="en-US" sz="2000" dirty="0"/>
+              <a:t>患者诊疗信息、医嘱、病历高度互动</a:t>
+            </a:r>
+            <a:endParaRPr lang="en-US" altLang="zh-CN" sz="2000" dirty="0"/>
+          </a:p>
+        </p:txBody>
+      </p:sp>
+      <p:pic>
+        <p:nvPicPr>
+          <p:cNvPr id="5" name="图片 4"/>
+          <p:cNvPicPr>
+            <a:picLocks noChangeAspect="1"/>
+          </p:cNvPicPr>
+          <p:nvPr/>
+        </p:nvPicPr>
+        <p:blipFill>
+          <a:blip r:embed="rId2"/>
+          <a:stretch>
+            <a:fillRect/>
+          </a:stretch>
+        </p:blipFill>
+        <p:spPr>
+          <a:xfrm>
+            <a:off x="348067" y="1625647"/>
+            <a:ext cx="6382984" cy="4848895"/>
+          </a:xfrm>
+          <a:prstGeom prst="rect">
+            <a:avLst/>
+          </a:prstGeom>
+        </p:spPr>
+      </p:pic>
+      <p:sp>
+        <p:nvSpPr>
+          <p:cNvPr id="6" name="内容占位符 2"/>
+          <p:cNvSpPr>
+            <a:spLocks noGrp="1"/>
+          </p:cNvSpPr>
+          <p:nvPr>
+            <p:ph idx="1"/>
+          </p:nvPr>
+        </p:nvSpPr>
+        <p:spPr>
+          <a:xfrm>
+            <a:off x="6988172" y="1672859"/>
+            <a:ext cx="4810128" cy="3670253"/>
+          </a:xfrm>
+        </p:spPr>
+        <p:txBody>
+          <a:bodyPr>
+            <a:normAutofit/>
+          </a:bodyPr>
+          <a:lstStyle/>
+          <a:p>
+            <a:r>
+              <a:rPr lang="zh-CN" altLang="en-US" dirty="0" smtClean="0">
+                <a:latin typeface="Microsoft YaHei UI" panose="020B0503020204020204" pitchFamily="34" charset="-122"/>
+                <a:ea typeface="Microsoft YaHei UI" panose="020B0503020204020204" pitchFamily="34" charset="-122"/>
+              </a:rPr>
+              <a:t>通过病历类型与患者诊疗信息项类型关联实现了在生成病历时数据来源于患者诊疗信息</a:t>
+            </a:r>
+            <a:endParaRPr lang="en-US" altLang="zh-CN" dirty="0" smtClean="0">
+              <a:latin typeface="Microsoft YaHei UI" panose="020B0503020204020204" pitchFamily="34" charset="-122"/>
+              <a:ea typeface="Microsoft YaHei UI" panose="020B0503020204020204" pitchFamily="34" charset="-122"/>
+            </a:endParaRPr>
+          </a:p>
+          <a:p>
+            <a:r>
+              <a:rPr lang="zh-CN" altLang="en-US" dirty="0" smtClean="0"/>
+              <a:t>患者诊疗信息独立于病历，可独立生成和维护，可以通过病历来展示和修改</a:t>
+            </a:r>
+            <a:endParaRPr lang="en-US" altLang="zh-CN" dirty="0" smtClean="0"/>
+          </a:p>
+          <a:p>
+            <a:r>
+              <a:rPr lang="zh-CN" altLang="en-US" dirty="0" smtClean="0"/>
+              <a:t>医嘱生成的患者临时医嘱列表被认为是一项诊疗信息类型，患者临时医嘱单由患者姓名、</a:t>
+            </a:r>
+            <a:r>
+              <a:rPr lang="zh-CN" altLang="en-US" dirty="0"/>
+              <a:t>患者临时医嘱</a:t>
+            </a:r>
+            <a:r>
+              <a:rPr lang="zh-CN" altLang="en-US" dirty="0" smtClean="0"/>
+              <a:t>列表等信息组成</a:t>
+            </a:r>
+            <a:endParaRPr lang="en-US" altLang="zh-CN" dirty="0" smtClean="0"/>
+          </a:p>
+        </p:txBody>
+      </p:sp>
+      <p:pic>
+        <p:nvPicPr>
+          <p:cNvPr id="7" name="图片 6"/>
+          <p:cNvPicPr>
+            <a:picLocks noChangeAspect="1"/>
+          </p:cNvPicPr>
+          <p:nvPr/>
+        </p:nvPicPr>
+        <p:blipFill>
+          <a:blip r:embed="rId3"/>
+          <a:stretch>
+            <a:fillRect/>
+          </a:stretch>
+        </p:blipFill>
+        <p:spPr>
+          <a:xfrm>
+            <a:off x="7089772" y="5062103"/>
+            <a:ext cx="4606928" cy="1412439"/>
+          </a:xfrm>
+          <a:prstGeom prst="rect">
+            <a:avLst/>
+          </a:prstGeom>
+        </p:spPr>
+      </p:pic>
+    </p:spTree>
+    <p:extLst>
+      <p:ext uri="{BB962C8B-B14F-4D97-AF65-F5344CB8AC3E}">
+        <p14:creationId xmlns:p14="http://schemas.microsoft.com/office/powerpoint/2010/main" val="2956261430"/>
+      </p:ext>
+    </p:extLst>
+  </p:cSld>
+  <p:clrMapOvr>
+    <a:masterClrMapping/>
+  </p:clrMapOvr>
+  <p:timing>
+    <p:tnLst>
+      <p:par>
+        <p:cTn id="1" dur="indefinite" restart="never" nodeType="tmRoot"/>
+      </p:par>
+    </p:tnLst>
+  </p:timing>
+</p:sld>
+</file>
+
+<file path=ppt/slides/slide6.xml><?xml version="1.0" encoding="utf-8"?>
+<p:sld xmlns:a="http://schemas.openxmlformats.org/drawingml/2006/main" xmlns:r="http://schemas.openxmlformats.org/officeDocument/2006/relationships" xmlns:p="http://schemas.openxmlformats.org/presentationml/2006/main">
+  <p:cSld>
+    <p:spTree>
+      <p:nvGrpSpPr>
+        <p:cNvPr id="1" name=""/>
+        <p:cNvGrpSpPr/>
+        <p:nvPr/>
+      </p:nvGrpSpPr>
+      <p:grpSpPr>
+        <a:xfrm>
+          <a:off x="0" y="0"/>
+          <a:ext cx="0" cy="0"/>
+          <a:chOff x="0" y="0"/>
+          <a:chExt cx="0" cy="0"/>
+        </a:xfrm>
+      </p:grpSpPr>
+      <p:sp>
+        <p:nvSpPr>
+          <p:cNvPr id="2" name="标题 1"/>
+          <p:cNvSpPr>
+            <a:spLocks noGrp="1"/>
+          </p:cNvSpPr>
+          <p:nvPr>
+            <p:ph type="title"/>
+          </p:nvPr>
+        </p:nvSpPr>
+        <p:spPr>
+          <a:xfrm>
+            <a:off x="604434" y="0"/>
+            <a:ext cx="11587566" cy="1208868"/>
+          </a:xfrm>
+        </p:spPr>
+        <p:txBody>
+          <a:bodyPr/>
+          <a:lstStyle/>
+          <a:p>
+            <a:r>
+              <a:rPr lang="zh-CN" altLang="en-US" dirty="0"/>
+              <a:t>特点分项讲解</a:t>
+            </a:r>
+            <a:r>
+              <a:rPr lang="en-US" altLang="zh-CN" dirty="0" smtClean="0"/>
+              <a:t>-</a:t>
+            </a:r>
+            <a:r>
+              <a:rPr lang="zh-CN" altLang="en-US" sz="2000" dirty="0"/>
+              <a:t>以医嘱为核心驱动院内绝大部分诊疗行为，自动向医生、护士推送待做事项</a:t>
+            </a:r>
+          </a:p>
+        </p:txBody>
+      </p:sp>
+      <p:pic>
+        <p:nvPicPr>
+          <p:cNvPr id="6" name="图片 5"/>
+          <p:cNvPicPr>
+            <a:picLocks noChangeAspect="1"/>
+          </p:cNvPicPr>
+          <p:nvPr/>
+        </p:nvPicPr>
+        <p:blipFill>
+          <a:blip r:embed="rId2"/>
+          <a:stretch>
+            <a:fillRect/>
+          </a:stretch>
+        </p:blipFill>
+        <p:spPr>
+          <a:xfrm>
+            <a:off x="-342900" y="1208868"/>
+            <a:ext cx="8191500" cy="5847188"/>
+          </a:xfrm>
+          <a:prstGeom prst="rect">
+            <a:avLst/>
+          </a:prstGeom>
+        </p:spPr>
+      </p:pic>
+      <p:pic>
+        <p:nvPicPr>
+          <p:cNvPr id="7" name="图片 6"/>
+          <p:cNvPicPr>
+            <a:picLocks noChangeAspect="1"/>
+          </p:cNvPicPr>
+          <p:nvPr/>
+        </p:nvPicPr>
+        <p:blipFill>
+          <a:blip r:embed="rId3"/>
+          <a:stretch>
+            <a:fillRect/>
+          </a:stretch>
+        </p:blipFill>
+        <p:spPr>
+          <a:xfrm>
+            <a:off x="7229956" y="1417672"/>
+            <a:ext cx="4187343" cy="1207116"/>
+          </a:xfrm>
+          <a:prstGeom prst="rect">
+            <a:avLst/>
+          </a:prstGeom>
+        </p:spPr>
+      </p:pic>
+      <p:pic>
+        <p:nvPicPr>
+          <p:cNvPr id="8" name="图片 7"/>
+          <p:cNvPicPr>
+            <a:picLocks noChangeAspect="1"/>
+          </p:cNvPicPr>
+          <p:nvPr/>
+        </p:nvPicPr>
+        <p:blipFill>
+          <a:blip r:embed="rId4"/>
+          <a:stretch>
+            <a:fillRect/>
+          </a:stretch>
+        </p:blipFill>
+        <p:spPr>
+          <a:xfrm>
+            <a:off x="7229956" y="2699345"/>
+            <a:ext cx="3984143" cy="1524796"/>
+          </a:xfrm>
+          <a:prstGeom prst="rect">
+            <a:avLst/>
+          </a:prstGeom>
+        </p:spPr>
+      </p:pic>
+      <p:sp>
+        <p:nvSpPr>
+          <p:cNvPr id="10" name="内容占位符 2"/>
+          <p:cNvSpPr>
+            <a:spLocks noGrp="1"/>
+          </p:cNvSpPr>
+          <p:nvPr>
+            <p:ph idx="1"/>
+          </p:nvPr>
+        </p:nvSpPr>
+        <p:spPr>
+          <a:xfrm>
+            <a:off x="7229956" y="4373255"/>
+            <a:ext cx="4828693" cy="2570077"/>
+          </a:xfrm>
+        </p:spPr>
+        <p:txBody>
+          <a:bodyPr>
+            <a:normAutofit/>
+          </a:bodyPr>
+          <a:lstStyle/>
+          <a:p>
+            <a:r>
+              <a:rPr lang="zh-CN" altLang="en-US" dirty="0" smtClean="0"/>
+              <a:t>通过在不同的医嘱类型中编写不同的分解逻辑实现医嘱的分解</a:t>
+            </a:r>
+            <a:endParaRPr lang="en-US" altLang="zh-CN" dirty="0" smtClean="0"/>
+          </a:p>
+          <a:p>
+            <a:r>
+              <a:rPr lang="zh-CN" altLang="en-US" dirty="0" smtClean="0"/>
+              <a:t>通过统一的</a:t>
+            </a:r>
+            <a:r>
+              <a:rPr lang="en-US" altLang="zh-CN" dirty="0" smtClean="0"/>
+              <a:t>API</a:t>
+            </a:r>
+            <a:r>
+              <a:rPr lang="zh-CN" altLang="en-US" dirty="0" smtClean="0"/>
+              <a:t>完成医嘱执行条目的获取和办理</a:t>
+            </a:r>
+            <a:endParaRPr lang="en-US" altLang="zh-CN" dirty="0" smtClean="0"/>
+          </a:p>
+          <a:p>
+            <a:r>
+              <a:rPr lang="zh-CN" altLang="en-US" dirty="0" smtClean="0"/>
+              <a:t>通过在不同的执行条目的回调函数中编写逻辑实现伴随在一种执行过程中的</a:t>
+            </a:r>
+            <a:r>
+              <a:rPr lang="zh-CN" altLang="en-US" dirty="0"/>
+              <a:t>业务</a:t>
+            </a:r>
+            <a:endParaRPr lang="en-US" altLang="zh-CN" dirty="0" smtClean="0"/>
+          </a:p>
+        </p:txBody>
+      </p:sp>
+    </p:spTree>
+    <p:extLst>
+      <p:ext uri="{BB962C8B-B14F-4D97-AF65-F5344CB8AC3E}">
+        <p14:creationId xmlns:p14="http://schemas.microsoft.com/office/powerpoint/2010/main" val="4200738755"/>
+      </p:ext>
+    </p:extLst>
+  </p:cSld>
+  <p:clrMapOvr>
+    <a:masterClrMapping/>
+  </p:clrMapOvr>
+  <p:timing>
+    <p:tnLst>
+      <p:par>
+        <p:cTn id="1" dur="indefinite" restart="never" nodeType="tmRoot"/>
+      </p:par>
+    </p:tnLst>
+  </p:timing>
+</p:sld>
+</file>
+
+<file path=ppt/slides/slide7.xml><?xml version="1.0" encoding="utf-8"?>
+<p:sld xmlns:a="http://schemas.openxmlformats.org/drawingml/2006/main" xmlns:r="http://schemas.openxmlformats.org/officeDocument/2006/relationships" xmlns:p="http://schemas.openxmlformats.org/presentationml/2006/main">
+  <p:cSld>
+    <p:spTree>
+      <p:nvGrpSpPr>
+        <p:cNvPr id="1" name=""/>
+        <p:cNvGrpSpPr/>
+        <p:nvPr/>
+      </p:nvGrpSpPr>
+      <p:grpSpPr>
+        <a:xfrm>
+          <a:off x="0" y="0"/>
+          <a:ext cx="0" cy="0"/>
+          <a:chOff x="0" y="0"/>
+          <a:chExt cx="0" cy="0"/>
+        </a:xfrm>
+      </p:grpSpPr>
+      <p:sp>
+        <p:nvSpPr>
+          <p:cNvPr id="2" name="标题 1"/>
+          <p:cNvSpPr>
+            <a:spLocks noGrp="1"/>
+          </p:cNvSpPr>
+          <p:nvPr>
+            <p:ph type="title"/>
+          </p:nvPr>
+        </p:nvSpPr>
+        <p:spPr/>
+        <p:txBody>
+          <a:bodyPr/>
+          <a:lstStyle/>
+          <a:p>
+            <a:r>
+              <a:rPr lang="zh-CN" altLang="en-US" dirty="0"/>
+              <a:t>特点分项讲解</a:t>
+            </a:r>
+            <a:r>
+              <a:rPr lang="en-US" altLang="zh-CN" dirty="0" smtClean="0"/>
+              <a:t>-</a:t>
+            </a:r>
+            <a:r>
+              <a:rPr lang="zh-CN" altLang="en-US" sz="2000" dirty="0"/>
+              <a:t>诊疗业务与计费业务实现了真正分离</a:t>
+            </a:r>
+            <a:endParaRPr lang="en-US" altLang="zh-CN" sz="2000" dirty="0"/>
+          </a:p>
+        </p:txBody>
+      </p:sp>
+      <p:pic>
+        <p:nvPicPr>
+          <p:cNvPr id="6" name="图片 5"/>
+          <p:cNvPicPr>
+            <a:picLocks noChangeAspect="1"/>
+          </p:cNvPicPr>
+          <p:nvPr/>
+        </p:nvPicPr>
+        <p:blipFill>
+          <a:blip r:embed="rId2"/>
+          <a:stretch>
+            <a:fillRect/>
+          </a:stretch>
+        </p:blipFill>
+        <p:spPr>
+          <a:xfrm>
+            <a:off x="604434" y="1208869"/>
+            <a:ext cx="3613605" cy="5896968"/>
+          </a:xfrm>
+          <a:prstGeom prst="rect">
+            <a:avLst/>
+          </a:prstGeom>
+        </p:spPr>
+      </p:pic>
+      <p:pic>
+        <p:nvPicPr>
+          <p:cNvPr id="8" name="图片 7"/>
+          <p:cNvPicPr>
+            <a:picLocks noChangeAspect="1"/>
+          </p:cNvPicPr>
+          <p:nvPr/>
+        </p:nvPicPr>
+        <p:blipFill>
+          <a:blip r:embed="rId3"/>
+          <a:stretch>
+            <a:fillRect/>
+          </a:stretch>
+        </p:blipFill>
+        <p:spPr>
+          <a:xfrm>
+            <a:off x="5410660" y="1509896"/>
+            <a:ext cx="5090654" cy="2027018"/>
+          </a:xfrm>
+          <a:prstGeom prst="rect">
+            <a:avLst/>
+          </a:prstGeom>
+        </p:spPr>
+      </p:pic>
+      <p:sp>
+        <p:nvSpPr>
+          <p:cNvPr id="9" name="内容占位符 2"/>
+          <p:cNvSpPr>
+            <a:spLocks noGrp="1"/>
+          </p:cNvSpPr>
+          <p:nvPr>
+            <p:ph idx="1"/>
+          </p:nvPr>
+        </p:nvSpPr>
+        <p:spPr>
+          <a:xfrm>
+            <a:off x="5410660" y="3837942"/>
+            <a:ext cx="6133640" cy="2834321"/>
+          </a:xfrm>
+        </p:spPr>
+        <p:txBody>
+          <a:bodyPr>
+            <a:normAutofit/>
+          </a:bodyPr>
+          <a:lstStyle/>
+          <a:p>
+            <a:r>
+              <a:rPr lang="zh-CN" altLang="en-US" dirty="0" smtClean="0"/>
+              <a:t>采用</a:t>
+            </a:r>
+            <a:r>
+              <a:rPr lang="en-US" altLang="zh-CN" dirty="0" smtClean="0"/>
+              <a:t>EDA</a:t>
+            </a:r>
+            <a:r>
+              <a:rPr lang="zh-CN" altLang="en-US" dirty="0" smtClean="0"/>
+              <a:t>方式触发诊疗业务对收费业务的计费</a:t>
+            </a:r>
+            <a:endParaRPr lang="en-US" altLang="zh-CN" dirty="0" smtClean="0"/>
+          </a:p>
+          <a:p>
+            <a:r>
+              <a:rPr lang="zh-CN" altLang="en-US" dirty="0" smtClean="0"/>
+              <a:t>在医嘱分解时在执行条目上记录收费项目和数量，在医嘱条目的执行过程中触发计费</a:t>
+            </a:r>
+            <a:endParaRPr lang="en-US" altLang="zh-CN" dirty="0" smtClean="0"/>
+          </a:p>
+          <a:p>
+            <a:r>
+              <a:rPr lang="zh-CN" altLang="en-US" dirty="0" smtClean="0"/>
+              <a:t>对于其他需要弱耦合的触发也可以采用</a:t>
+            </a:r>
+            <a:r>
+              <a:rPr lang="en-US" altLang="zh-CN" dirty="0" smtClean="0"/>
+              <a:t>EDA</a:t>
+            </a:r>
+            <a:r>
+              <a:rPr lang="zh-CN" altLang="en-US" dirty="0" smtClean="0"/>
+              <a:t>模式建立关联</a:t>
+            </a:r>
+            <a:endParaRPr lang="en-US" altLang="zh-CN" dirty="0" smtClean="0"/>
+          </a:p>
+        </p:txBody>
+      </p:sp>
+    </p:spTree>
+    <p:extLst>
+      <p:ext uri="{BB962C8B-B14F-4D97-AF65-F5344CB8AC3E}">
+        <p14:creationId xmlns:p14="http://schemas.microsoft.com/office/powerpoint/2010/main" val="496520382"/>
+      </p:ext>
+    </p:extLst>
+  </p:cSld>
+  <p:clrMapOvr>
+    <a:masterClrMapping/>
+  </p:clrMapOvr>
+  <p:timing>
+    <p:tnLst>
+      <p:par>
+        <p:cTn id="1" dur="indefinite" restart="never" nodeType="tmRoot"/>
+      </p:par>
+    </p:tnLst>
+  </p:timing>
+</p:sld>
+</file>
+
+<file path=ppt/slides/slide8.xml><?xml version="1.0" encoding="utf-8"?>
+<p:sld xmlns:a="http://schemas.openxmlformats.org/drawingml/2006/main" xmlns:r="http://schemas.openxmlformats.org/officeDocument/2006/relationships" xmlns:p="http://schemas.openxmlformats.org/presentationml/2006/main">
+  <p:cSld>
+    <p:spTree>
+      <p:nvGrpSpPr>
+        <p:cNvPr id="1" name=""/>
+        <p:cNvGrpSpPr/>
+        <p:nvPr/>
+      </p:nvGrpSpPr>
+      <p:grpSpPr>
+        <a:xfrm>
+          <a:off x="0" y="0"/>
+          <a:ext cx="0" cy="0"/>
+          <a:chOff x="0" y="0"/>
+          <a:chExt cx="0" cy="0"/>
+        </a:xfrm>
+      </p:grpSpPr>
+      <p:sp>
+        <p:nvSpPr>
+          <p:cNvPr id="2" name="标题 1"/>
+          <p:cNvSpPr>
+            <a:spLocks noGrp="1"/>
+          </p:cNvSpPr>
+          <p:nvPr>
+            <p:ph type="title"/>
+          </p:nvPr>
+        </p:nvSpPr>
+        <p:spPr>
+          <a:xfrm>
+            <a:off x="114300" y="0"/>
+            <a:ext cx="12077700" cy="1208868"/>
+          </a:xfrm>
+        </p:spPr>
+        <p:txBody>
+          <a:bodyPr>
+            <a:normAutofit/>
+          </a:bodyPr>
+          <a:lstStyle/>
+          <a:p>
+            <a:r>
+              <a:rPr lang="zh-CN" altLang="en-US" dirty="0"/>
+              <a:t>特点分项讲解</a:t>
+            </a:r>
+            <a:r>
+              <a:rPr lang="en-US" altLang="zh-CN" dirty="0" smtClean="0"/>
+              <a:t>-</a:t>
+            </a:r>
+            <a:r>
+              <a:rPr lang="zh-CN" altLang="en-US" sz="2000" dirty="0"/>
+              <a:t>支持核心资产研发与本地化研发的分离，系统提供多种手段满足个性化业务</a:t>
+            </a:r>
+            <a:r>
+              <a:rPr lang="zh-CN" altLang="en-US" sz="2000" dirty="0" smtClean="0"/>
+              <a:t>扩展</a:t>
+            </a:r>
+            <a:endParaRPr lang="zh-CN" altLang="en-US" sz="2000" dirty="0"/>
+          </a:p>
+        </p:txBody>
+      </p:sp>
+      <p:pic>
+        <p:nvPicPr>
+          <p:cNvPr id="29" name="图片 28"/>
+          <p:cNvPicPr>
+            <a:picLocks noChangeAspect="1"/>
+          </p:cNvPicPr>
+          <p:nvPr/>
+        </p:nvPicPr>
+        <p:blipFill>
+          <a:blip r:embed="rId2"/>
+          <a:stretch>
+            <a:fillRect/>
+          </a:stretch>
+        </p:blipFill>
+        <p:spPr>
+          <a:xfrm>
+            <a:off x="4154854" y="2429399"/>
+            <a:ext cx="3161325" cy="4492337"/>
+          </a:xfrm>
+          <a:prstGeom prst="rect">
+            <a:avLst/>
+          </a:prstGeom>
+        </p:spPr>
+      </p:pic>
+      <p:sp>
+        <p:nvSpPr>
+          <p:cNvPr id="30" name="内容占位符 2"/>
+          <p:cNvSpPr>
+            <a:spLocks noGrp="1"/>
+          </p:cNvSpPr>
+          <p:nvPr>
+            <p:ph idx="1"/>
+          </p:nvPr>
+        </p:nvSpPr>
+        <p:spPr>
+          <a:xfrm>
+            <a:off x="838201" y="1825625"/>
+            <a:ext cx="10211872" cy="4351338"/>
+          </a:xfrm>
+        </p:spPr>
+        <p:txBody>
+          <a:bodyPr/>
+          <a:lstStyle/>
+          <a:p>
+            <a:r>
+              <a:rPr lang="zh-CN" altLang="zh-CN" dirty="0" smtClean="0"/>
+              <a:t>将系统</a:t>
+            </a:r>
+            <a:r>
+              <a:rPr lang="zh-CN" altLang="en-US" dirty="0" smtClean="0"/>
+              <a:t>在逻辑和物理上</a:t>
+            </a:r>
+            <a:r>
+              <a:rPr lang="zh-CN" altLang="zh-CN" dirty="0" smtClean="0"/>
+              <a:t>的</a:t>
+            </a:r>
+            <a:r>
+              <a:rPr lang="zh-CN" altLang="zh-CN" dirty="0"/>
+              <a:t>按着可变性的不同分为黑盒、灰盒和白盒复用的三个</a:t>
+            </a:r>
+            <a:r>
+              <a:rPr lang="zh-CN" altLang="zh-CN" dirty="0" smtClean="0"/>
+              <a:t>层次</a:t>
+            </a:r>
+            <a:endParaRPr lang="zh-CN" altLang="en-US" dirty="0"/>
+          </a:p>
+        </p:txBody>
+      </p:sp>
+      <p:sp>
+        <p:nvSpPr>
+          <p:cNvPr id="31" name="文本框 30"/>
+          <p:cNvSpPr txBox="1"/>
+          <p:nvPr/>
+        </p:nvSpPr>
+        <p:spPr>
+          <a:xfrm>
+            <a:off x="2406157" y="6062306"/>
+            <a:ext cx="896399" cy="369332"/>
+          </a:xfrm>
+          <a:prstGeom prst="rect">
+            <a:avLst/>
+          </a:prstGeom>
+          <a:noFill/>
+        </p:spPr>
+        <p:txBody>
+          <a:bodyPr wrap="none" rtlCol="0">
+            <a:spAutoFit/>
+          </a:bodyPr>
+          <a:lstStyle/>
+          <a:p>
+            <a:r>
+              <a:rPr lang="zh-CN" altLang="en-US" dirty="0" smtClean="0"/>
+              <a:t>灰度</a:t>
+            </a:r>
+            <a:r>
+              <a:rPr lang="en-US" altLang="zh-CN" dirty="0" smtClean="0"/>
+              <a:t>10</a:t>
+            </a:r>
+            <a:endParaRPr lang="zh-CN" altLang="en-US" dirty="0"/>
+          </a:p>
+        </p:txBody>
+      </p:sp>
+      <p:cxnSp>
+        <p:nvCxnSpPr>
+          <p:cNvPr id="32" name="直接箭头连接符 31"/>
+          <p:cNvCxnSpPr/>
+          <p:nvPr/>
+        </p:nvCxnSpPr>
+        <p:spPr>
+          <a:xfrm>
+            <a:off x="3389971" y="6316980"/>
+            <a:ext cx="846749" cy="114658"/>
+          </a:xfrm>
+          <a:prstGeom prst="straightConnector1">
+            <a:avLst/>
+          </a:prstGeom>
+          <a:ln>
+            <a:tailEnd type="triangle"/>
+          </a:ln>
+        </p:spPr>
+        <p:style>
+          <a:lnRef idx="1">
+            <a:schemeClr val="accent1"/>
+          </a:lnRef>
+          <a:fillRef idx="0">
+            <a:schemeClr val="accent1"/>
+          </a:fillRef>
+          <a:effectRef idx="0">
+            <a:schemeClr val="accent1"/>
+          </a:effectRef>
+          <a:fontRef idx="minor">
+            <a:schemeClr val="tx1"/>
+          </a:fontRef>
+        </p:style>
+      </p:cxnSp>
+      <p:cxnSp>
+        <p:nvCxnSpPr>
+          <p:cNvPr id="33" name="直接箭头连接符 32"/>
+          <p:cNvCxnSpPr/>
+          <p:nvPr/>
+        </p:nvCxnSpPr>
+        <p:spPr>
+          <a:xfrm flipV="1">
+            <a:off x="3346520" y="6080639"/>
+            <a:ext cx="1009446" cy="166333"/>
+          </a:xfrm>
+          <a:prstGeom prst="straightConnector1">
+            <a:avLst/>
+          </a:prstGeom>
+          <a:ln>
+            <a:tailEnd type="triangle"/>
+          </a:ln>
+        </p:spPr>
+        <p:style>
+          <a:lnRef idx="1">
+            <a:schemeClr val="accent1"/>
+          </a:lnRef>
+          <a:fillRef idx="0">
+            <a:schemeClr val="accent1"/>
+          </a:fillRef>
+          <a:effectRef idx="0">
+            <a:schemeClr val="accent1"/>
+          </a:effectRef>
+          <a:fontRef idx="minor">
+            <a:schemeClr val="tx1"/>
+          </a:fontRef>
+        </p:style>
+      </p:cxnSp>
+      <p:sp>
+        <p:nvSpPr>
+          <p:cNvPr id="34" name="文本框 33"/>
+          <p:cNvSpPr txBox="1"/>
+          <p:nvPr/>
+        </p:nvSpPr>
+        <p:spPr>
+          <a:xfrm>
+            <a:off x="2442506" y="5474066"/>
+            <a:ext cx="771365" cy="369332"/>
+          </a:xfrm>
+          <a:prstGeom prst="rect">
+            <a:avLst/>
+          </a:prstGeom>
+          <a:noFill/>
+        </p:spPr>
+        <p:txBody>
+          <a:bodyPr wrap="none" rtlCol="0">
+            <a:spAutoFit/>
+          </a:bodyPr>
+          <a:lstStyle/>
+          <a:p>
+            <a:r>
+              <a:rPr lang="zh-CN" altLang="en-US" dirty="0" smtClean="0"/>
+              <a:t>灰度</a:t>
+            </a:r>
+            <a:r>
+              <a:rPr lang="en-US" altLang="zh-CN" dirty="0"/>
+              <a:t>8</a:t>
+            </a:r>
+            <a:endParaRPr lang="zh-CN" altLang="en-US" dirty="0"/>
+          </a:p>
+        </p:txBody>
+      </p:sp>
+      <p:cxnSp>
+        <p:nvCxnSpPr>
+          <p:cNvPr id="35" name="直接箭头连接符 34"/>
+          <p:cNvCxnSpPr/>
+          <p:nvPr/>
+        </p:nvCxnSpPr>
+        <p:spPr>
+          <a:xfrm>
+            <a:off x="3346520" y="5658732"/>
+            <a:ext cx="1160013" cy="9546"/>
+          </a:xfrm>
+          <a:prstGeom prst="straightConnector1">
+            <a:avLst/>
+          </a:prstGeom>
+          <a:ln>
+            <a:tailEnd type="triangle"/>
+          </a:ln>
+        </p:spPr>
+        <p:style>
+          <a:lnRef idx="1">
+            <a:schemeClr val="accent1"/>
+          </a:lnRef>
+          <a:fillRef idx="0">
+            <a:schemeClr val="accent1"/>
+          </a:fillRef>
+          <a:effectRef idx="0">
+            <a:schemeClr val="accent1"/>
+          </a:effectRef>
+          <a:fontRef idx="minor">
+            <a:schemeClr val="tx1"/>
+          </a:fontRef>
+        </p:style>
+      </p:cxnSp>
+      <p:sp>
+        <p:nvSpPr>
+          <p:cNvPr id="36" name="文本框 35"/>
+          <p:cNvSpPr txBox="1"/>
+          <p:nvPr/>
+        </p:nvSpPr>
+        <p:spPr>
+          <a:xfrm>
+            <a:off x="2442506" y="4644374"/>
+            <a:ext cx="771365" cy="369332"/>
+          </a:xfrm>
+          <a:prstGeom prst="rect">
+            <a:avLst/>
+          </a:prstGeom>
+          <a:noFill/>
+        </p:spPr>
+        <p:txBody>
+          <a:bodyPr wrap="none" rtlCol="0">
+            <a:spAutoFit/>
+          </a:bodyPr>
+          <a:lstStyle/>
+          <a:p>
+            <a:r>
+              <a:rPr lang="zh-CN" altLang="en-US" dirty="0" smtClean="0"/>
+              <a:t>灰度</a:t>
+            </a:r>
+            <a:r>
+              <a:rPr lang="en-US" altLang="zh-CN" dirty="0" smtClean="0"/>
+              <a:t>9</a:t>
+            </a:r>
+            <a:endParaRPr lang="zh-CN" altLang="en-US" dirty="0"/>
+          </a:p>
+        </p:txBody>
+      </p:sp>
+      <p:cxnSp>
+        <p:nvCxnSpPr>
+          <p:cNvPr id="37" name="直接箭头连接符 36"/>
+          <p:cNvCxnSpPr/>
+          <p:nvPr/>
+        </p:nvCxnSpPr>
+        <p:spPr>
+          <a:xfrm flipV="1">
+            <a:off x="3320094" y="4818302"/>
+            <a:ext cx="1097755" cy="10740"/>
+          </a:xfrm>
+          <a:prstGeom prst="straightConnector1">
+            <a:avLst/>
+          </a:prstGeom>
+          <a:ln>
+            <a:tailEnd type="triangle"/>
+          </a:ln>
+        </p:spPr>
+        <p:style>
+          <a:lnRef idx="1">
+            <a:schemeClr val="accent1"/>
+          </a:lnRef>
+          <a:fillRef idx="0">
+            <a:schemeClr val="accent1"/>
+          </a:fillRef>
+          <a:effectRef idx="0">
+            <a:schemeClr val="accent1"/>
+          </a:effectRef>
+          <a:fontRef idx="minor">
+            <a:schemeClr val="tx1"/>
+          </a:fontRef>
+        </p:style>
+      </p:cxnSp>
+      <p:sp>
+        <p:nvSpPr>
+          <p:cNvPr id="38" name="文本框 37"/>
+          <p:cNvSpPr txBox="1"/>
+          <p:nvPr/>
+        </p:nvSpPr>
+        <p:spPr>
+          <a:xfrm>
+            <a:off x="8209222" y="5015264"/>
+            <a:ext cx="771365" cy="369332"/>
+          </a:xfrm>
+          <a:prstGeom prst="rect">
+            <a:avLst/>
+          </a:prstGeom>
+          <a:noFill/>
+        </p:spPr>
+        <p:txBody>
+          <a:bodyPr wrap="none" rtlCol="0">
+            <a:spAutoFit/>
+          </a:bodyPr>
+          <a:lstStyle/>
+          <a:p>
+            <a:r>
+              <a:rPr lang="zh-CN" altLang="en-US" dirty="0" smtClean="0"/>
+              <a:t>灰度</a:t>
+            </a:r>
+            <a:r>
+              <a:rPr lang="en-US" altLang="zh-CN" dirty="0"/>
+              <a:t>6</a:t>
+            </a:r>
+            <a:endParaRPr lang="zh-CN" altLang="en-US" dirty="0"/>
+          </a:p>
+        </p:txBody>
+      </p:sp>
+      <p:cxnSp>
+        <p:nvCxnSpPr>
+          <p:cNvPr id="39" name="直接箭头连接符 38"/>
+          <p:cNvCxnSpPr/>
+          <p:nvPr/>
+        </p:nvCxnSpPr>
+        <p:spPr>
+          <a:xfrm flipH="1" flipV="1">
+            <a:off x="7048500" y="5199930"/>
+            <a:ext cx="1083293" cy="1"/>
+          </a:xfrm>
+          <a:prstGeom prst="straightConnector1">
+            <a:avLst/>
+          </a:prstGeom>
+          <a:ln>
+            <a:tailEnd type="triangle"/>
+          </a:ln>
+        </p:spPr>
+        <p:style>
+          <a:lnRef idx="1">
+            <a:schemeClr val="accent1"/>
+          </a:lnRef>
+          <a:fillRef idx="0">
+            <a:schemeClr val="accent1"/>
+          </a:fillRef>
+          <a:effectRef idx="0">
+            <a:schemeClr val="accent1"/>
+          </a:effectRef>
+          <a:fontRef idx="minor">
+            <a:schemeClr val="tx1"/>
+          </a:fontRef>
+        </p:style>
+      </p:cxnSp>
+      <p:sp>
+        <p:nvSpPr>
+          <p:cNvPr id="40" name="文本框 39"/>
+          <p:cNvSpPr txBox="1"/>
+          <p:nvPr/>
+        </p:nvSpPr>
+        <p:spPr>
+          <a:xfrm>
+            <a:off x="2420190" y="3897865"/>
+            <a:ext cx="771365" cy="369332"/>
+          </a:xfrm>
+          <a:prstGeom prst="rect">
+            <a:avLst/>
+          </a:prstGeom>
+          <a:noFill/>
+        </p:spPr>
+        <p:txBody>
+          <a:bodyPr wrap="none" rtlCol="0">
+            <a:spAutoFit/>
+          </a:bodyPr>
+          <a:lstStyle/>
+          <a:p>
+            <a:r>
+              <a:rPr lang="zh-CN" altLang="en-US" dirty="0" smtClean="0"/>
+              <a:t>灰度</a:t>
+            </a:r>
+            <a:r>
+              <a:rPr lang="en-US" altLang="zh-CN" dirty="0" smtClean="0"/>
+              <a:t>8</a:t>
+            </a:r>
+            <a:endParaRPr lang="zh-CN" altLang="en-US" dirty="0"/>
+          </a:p>
+        </p:txBody>
+      </p:sp>
+      <p:cxnSp>
+        <p:nvCxnSpPr>
+          <p:cNvPr id="41" name="直接箭头连接符 40"/>
+          <p:cNvCxnSpPr/>
+          <p:nvPr/>
+        </p:nvCxnSpPr>
+        <p:spPr>
+          <a:xfrm flipV="1">
+            <a:off x="3362956" y="4077164"/>
+            <a:ext cx="1165074" cy="5370"/>
+          </a:xfrm>
+          <a:prstGeom prst="straightConnector1">
+            <a:avLst/>
+          </a:prstGeom>
+          <a:ln>
+            <a:tailEnd type="triangle"/>
+          </a:ln>
+        </p:spPr>
+        <p:style>
+          <a:lnRef idx="1">
+            <a:schemeClr val="accent1"/>
+          </a:lnRef>
+          <a:fillRef idx="0">
+            <a:schemeClr val="accent1"/>
+          </a:fillRef>
+          <a:effectRef idx="0">
+            <a:schemeClr val="accent1"/>
+          </a:effectRef>
+          <a:fontRef idx="minor">
+            <a:schemeClr val="tx1"/>
+          </a:fontRef>
+        </p:style>
+      </p:cxnSp>
+      <p:sp>
+        <p:nvSpPr>
+          <p:cNvPr id="42" name="文本框 41"/>
+          <p:cNvSpPr txBox="1"/>
+          <p:nvPr/>
+        </p:nvSpPr>
+        <p:spPr>
+          <a:xfrm>
+            <a:off x="2425788" y="3514163"/>
+            <a:ext cx="771365" cy="369332"/>
+          </a:xfrm>
+          <a:prstGeom prst="rect">
+            <a:avLst/>
+          </a:prstGeom>
+          <a:noFill/>
+        </p:spPr>
+        <p:txBody>
+          <a:bodyPr wrap="none" rtlCol="0">
+            <a:spAutoFit/>
+          </a:bodyPr>
+          <a:lstStyle/>
+          <a:p>
+            <a:r>
+              <a:rPr lang="zh-CN" altLang="en-US" dirty="0" smtClean="0"/>
+              <a:t>灰度</a:t>
+            </a:r>
+            <a:r>
+              <a:rPr lang="en-US" altLang="zh-CN" dirty="0"/>
+              <a:t>4</a:t>
+            </a:r>
+            <a:endParaRPr lang="zh-CN" altLang="en-US" dirty="0"/>
+          </a:p>
+        </p:txBody>
+      </p:sp>
+      <p:cxnSp>
+        <p:nvCxnSpPr>
+          <p:cNvPr id="43" name="直接箭头连接符 42"/>
+          <p:cNvCxnSpPr/>
+          <p:nvPr/>
+        </p:nvCxnSpPr>
+        <p:spPr>
+          <a:xfrm flipV="1">
+            <a:off x="3346520" y="3767214"/>
+            <a:ext cx="1187108" cy="2"/>
+          </a:xfrm>
+          <a:prstGeom prst="straightConnector1">
+            <a:avLst/>
+          </a:prstGeom>
+          <a:ln>
+            <a:tailEnd type="triangle"/>
+          </a:ln>
+        </p:spPr>
+        <p:style>
+          <a:lnRef idx="1">
+            <a:schemeClr val="accent1"/>
+          </a:lnRef>
+          <a:fillRef idx="0">
+            <a:schemeClr val="accent1"/>
+          </a:fillRef>
+          <a:effectRef idx="0">
+            <a:schemeClr val="accent1"/>
+          </a:effectRef>
+          <a:fontRef idx="minor">
+            <a:schemeClr val="tx1"/>
+          </a:fontRef>
+        </p:style>
+      </p:cxnSp>
+      <p:sp>
+        <p:nvSpPr>
+          <p:cNvPr id="44" name="文本框 43"/>
+          <p:cNvSpPr txBox="1"/>
+          <p:nvPr/>
+        </p:nvSpPr>
+        <p:spPr>
+          <a:xfrm>
+            <a:off x="8159877" y="3708025"/>
+            <a:ext cx="771365" cy="369332"/>
+          </a:xfrm>
+          <a:prstGeom prst="rect">
+            <a:avLst/>
+          </a:prstGeom>
+          <a:noFill/>
+        </p:spPr>
+        <p:txBody>
+          <a:bodyPr wrap="none" rtlCol="0">
+            <a:spAutoFit/>
+          </a:bodyPr>
+          <a:lstStyle/>
+          <a:p>
+            <a:r>
+              <a:rPr lang="zh-CN" altLang="en-US" dirty="0" smtClean="0"/>
+              <a:t>灰度</a:t>
+            </a:r>
+            <a:r>
+              <a:rPr lang="en-US" altLang="zh-CN" dirty="0" smtClean="0"/>
+              <a:t>6</a:t>
+            </a:r>
+            <a:endParaRPr lang="zh-CN" altLang="en-US" dirty="0"/>
+          </a:p>
+        </p:txBody>
+      </p:sp>
+      <p:cxnSp>
+        <p:nvCxnSpPr>
+          <p:cNvPr id="45" name="直接箭头连接符 44"/>
+          <p:cNvCxnSpPr/>
+          <p:nvPr/>
+        </p:nvCxnSpPr>
+        <p:spPr>
+          <a:xfrm flipH="1" flipV="1">
+            <a:off x="5486400" y="3859122"/>
+            <a:ext cx="2567865" cy="24372"/>
+          </a:xfrm>
+          <a:prstGeom prst="straightConnector1">
+            <a:avLst/>
+          </a:prstGeom>
+          <a:ln>
+            <a:tailEnd type="triangle"/>
+          </a:ln>
+        </p:spPr>
+        <p:style>
+          <a:lnRef idx="1">
+            <a:schemeClr val="accent1"/>
+          </a:lnRef>
+          <a:fillRef idx="0">
+            <a:schemeClr val="accent1"/>
+          </a:fillRef>
+          <a:effectRef idx="0">
+            <a:schemeClr val="accent1"/>
+          </a:effectRef>
+          <a:fontRef idx="minor">
+            <a:schemeClr val="tx1"/>
+          </a:fontRef>
+        </p:style>
+      </p:cxnSp>
+      <p:sp>
+        <p:nvSpPr>
+          <p:cNvPr id="46" name="文本框 45"/>
+          <p:cNvSpPr txBox="1"/>
+          <p:nvPr/>
+        </p:nvSpPr>
+        <p:spPr>
+          <a:xfrm>
+            <a:off x="2420190" y="2783604"/>
+            <a:ext cx="771365" cy="369332"/>
+          </a:xfrm>
+          <a:prstGeom prst="rect">
+            <a:avLst/>
+          </a:prstGeom>
+          <a:noFill/>
+        </p:spPr>
+        <p:txBody>
+          <a:bodyPr wrap="none" rtlCol="0">
+            <a:spAutoFit/>
+          </a:bodyPr>
+          <a:lstStyle/>
+          <a:p>
+            <a:r>
+              <a:rPr lang="zh-CN" altLang="en-US" dirty="0" smtClean="0"/>
+              <a:t>灰度</a:t>
+            </a:r>
+            <a:r>
+              <a:rPr lang="en-US" altLang="zh-CN" dirty="0" smtClean="0"/>
+              <a:t>0</a:t>
+            </a:r>
+            <a:endParaRPr lang="zh-CN" altLang="en-US" dirty="0"/>
+          </a:p>
+        </p:txBody>
+      </p:sp>
+      <p:cxnSp>
+        <p:nvCxnSpPr>
+          <p:cNvPr id="47" name="直接箭头连接符 46"/>
+          <p:cNvCxnSpPr/>
+          <p:nvPr/>
+        </p:nvCxnSpPr>
+        <p:spPr>
+          <a:xfrm flipV="1">
+            <a:off x="3170568" y="2959488"/>
+            <a:ext cx="1352176" cy="2"/>
+          </a:xfrm>
+          <a:prstGeom prst="straightConnector1">
+            <a:avLst/>
+          </a:prstGeom>
+          <a:ln>
+            <a:tailEnd type="triangle"/>
+          </a:ln>
+        </p:spPr>
+        <p:style>
+          <a:lnRef idx="1">
+            <a:schemeClr val="accent1"/>
+          </a:lnRef>
+          <a:fillRef idx="0">
+            <a:schemeClr val="accent1"/>
+          </a:fillRef>
+          <a:effectRef idx="0">
+            <a:schemeClr val="accent1"/>
+          </a:effectRef>
+          <a:fontRef idx="minor">
+            <a:schemeClr val="tx1"/>
+          </a:fontRef>
+        </p:style>
+      </p:cxnSp>
+      <p:sp>
+        <p:nvSpPr>
+          <p:cNvPr id="48" name="文本框 47"/>
+          <p:cNvSpPr txBox="1"/>
+          <p:nvPr/>
+        </p:nvSpPr>
+        <p:spPr>
+          <a:xfrm>
+            <a:off x="9728200" y="3242365"/>
+            <a:ext cx="1576072" cy="923330"/>
+          </a:xfrm>
+          <a:prstGeom prst="rect">
+            <a:avLst/>
+          </a:prstGeom>
+          <a:noFill/>
+        </p:spPr>
+        <p:txBody>
+          <a:bodyPr wrap="none" rtlCol="0">
+            <a:spAutoFit/>
+          </a:bodyPr>
+          <a:lstStyle/>
+          <a:p>
+            <a:r>
+              <a:rPr lang="en-US" altLang="zh-CN" dirty="0" smtClean="0"/>
+              <a:t>0-5</a:t>
+            </a:r>
+            <a:r>
+              <a:rPr lang="zh-CN" altLang="en-US" dirty="0" smtClean="0"/>
+              <a:t>为白盒；</a:t>
+            </a:r>
+            <a:endParaRPr lang="en-US" altLang="zh-CN" dirty="0" smtClean="0"/>
+          </a:p>
+          <a:p>
+            <a:r>
+              <a:rPr lang="en-US" altLang="zh-CN" dirty="0" smtClean="0"/>
+              <a:t>6-7</a:t>
+            </a:r>
+            <a:r>
+              <a:rPr lang="zh-CN" altLang="en-US" dirty="0" smtClean="0"/>
+              <a:t>为灰盒；</a:t>
+            </a:r>
+            <a:endParaRPr lang="en-US" altLang="zh-CN" dirty="0" smtClean="0"/>
+          </a:p>
+          <a:p>
+            <a:r>
+              <a:rPr lang="en-US" altLang="zh-CN" dirty="0" smtClean="0"/>
+              <a:t>8-10</a:t>
+            </a:r>
+            <a:r>
+              <a:rPr lang="zh-CN" altLang="en-US" dirty="0" smtClean="0"/>
+              <a:t>为黑盒；</a:t>
+            </a:r>
+            <a:endParaRPr lang="zh-CN" altLang="en-US" dirty="0"/>
+          </a:p>
+        </p:txBody>
+      </p:sp>
+      <p:sp>
+        <p:nvSpPr>
+          <p:cNvPr id="49" name="文本框 48"/>
+          <p:cNvSpPr txBox="1"/>
+          <p:nvPr/>
+        </p:nvSpPr>
+        <p:spPr>
+          <a:xfrm>
+            <a:off x="660262" y="5324295"/>
+            <a:ext cx="1107996" cy="369332"/>
+          </a:xfrm>
+          <a:prstGeom prst="rect">
+            <a:avLst/>
+          </a:prstGeom>
+          <a:noFill/>
+        </p:spPr>
+        <p:txBody>
+          <a:bodyPr wrap="none" rtlCol="0">
+            <a:spAutoFit/>
+          </a:bodyPr>
+          <a:lstStyle/>
+          <a:p>
+            <a:r>
+              <a:rPr lang="zh-CN" altLang="en-US" dirty="0" smtClean="0">
+                <a:solidFill>
+                  <a:srgbClr val="FF0000"/>
+                </a:solidFill>
+              </a:rPr>
+              <a:t>黑中有灰</a:t>
+            </a:r>
+            <a:endParaRPr lang="zh-CN" altLang="en-US" dirty="0">
+              <a:solidFill>
+                <a:srgbClr val="FF0000"/>
+              </a:solidFill>
+            </a:endParaRPr>
+          </a:p>
+        </p:txBody>
+      </p:sp>
+      <p:sp>
+        <p:nvSpPr>
+          <p:cNvPr id="50" name="文本框 49"/>
+          <p:cNvSpPr txBox="1"/>
+          <p:nvPr/>
+        </p:nvSpPr>
+        <p:spPr>
+          <a:xfrm>
+            <a:off x="627617" y="3859122"/>
+            <a:ext cx="1107996" cy="369332"/>
+          </a:xfrm>
+          <a:prstGeom prst="rect">
+            <a:avLst/>
+          </a:prstGeom>
+          <a:noFill/>
+        </p:spPr>
+        <p:txBody>
+          <a:bodyPr wrap="none" rtlCol="0">
+            <a:spAutoFit/>
+          </a:bodyPr>
+          <a:lstStyle/>
+          <a:p>
+            <a:r>
+              <a:rPr lang="zh-CN" altLang="en-US" dirty="0" smtClean="0">
+                <a:solidFill>
+                  <a:srgbClr val="FF0000"/>
+                </a:solidFill>
+              </a:rPr>
+              <a:t>灰中有</a:t>
+            </a:r>
+            <a:r>
+              <a:rPr lang="zh-CN" altLang="en-US" dirty="0">
+                <a:solidFill>
+                  <a:srgbClr val="FF0000"/>
+                </a:solidFill>
+              </a:rPr>
+              <a:t>黑</a:t>
+            </a:r>
+          </a:p>
+        </p:txBody>
+      </p:sp>
+      <p:sp>
+        <p:nvSpPr>
+          <p:cNvPr id="51" name="矩形 50"/>
+          <p:cNvSpPr/>
+          <p:nvPr/>
+        </p:nvSpPr>
+        <p:spPr>
+          <a:xfrm>
+            <a:off x="6615141" y="4599626"/>
+            <a:ext cx="498802" cy="1380189"/>
+          </a:xfrm>
+          <a:prstGeom prst="rect">
+            <a:avLst/>
+          </a:prstGeom>
+          <a:noFill/>
+          <a:ln w="25400">
+            <a:solidFill>
+              <a:srgbClr val="FF0000"/>
+            </a:solidFill>
+          </a:ln>
+        </p:spPr>
+        <p:style>
+          <a:lnRef idx="2">
+            <a:schemeClr val="accent1">
+              <a:shade val="50000"/>
+            </a:schemeClr>
+          </a:lnRef>
+          <a:fillRef idx="1">
+            <a:schemeClr val="accent1"/>
+          </a:fillRef>
+          <a:effectRef idx="0">
+            <a:schemeClr val="accent1"/>
+          </a:effectRef>
+          <a:fontRef idx="minor">
+            <a:schemeClr val="lt1"/>
+          </a:fontRef>
+        </p:style>
+        <p:txBody>
+          <a:bodyPr rtlCol="0" anchor="ctr"/>
+          <a:lstStyle/>
+          <a:p>
+            <a:pPr algn="ctr"/>
+            <a:endParaRPr lang="zh-CN" altLang="en-US"/>
+          </a:p>
+        </p:txBody>
+      </p:sp>
+      <p:sp>
+        <p:nvSpPr>
+          <p:cNvPr id="52" name="矩形 51"/>
+          <p:cNvSpPr/>
+          <p:nvPr/>
+        </p:nvSpPr>
+        <p:spPr>
+          <a:xfrm>
+            <a:off x="4506533" y="3924919"/>
+            <a:ext cx="545733" cy="372386"/>
+          </a:xfrm>
+          <a:prstGeom prst="rect">
+            <a:avLst/>
+          </a:prstGeom>
+          <a:noFill/>
+          <a:ln w="25400">
+            <a:solidFill>
+              <a:srgbClr val="FF0000"/>
+            </a:solidFill>
+          </a:ln>
+        </p:spPr>
+        <p:style>
+          <a:lnRef idx="2">
+            <a:schemeClr val="accent1">
+              <a:shade val="50000"/>
+            </a:schemeClr>
+          </a:lnRef>
+          <a:fillRef idx="1">
+            <a:schemeClr val="accent1"/>
+          </a:fillRef>
+          <a:effectRef idx="0">
+            <a:schemeClr val="accent1"/>
+          </a:effectRef>
+          <a:fontRef idx="minor">
+            <a:schemeClr val="lt1"/>
+          </a:fontRef>
+        </p:style>
+        <p:txBody>
+          <a:bodyPr rtlCol="0" anchor="ctr"/>
+          <a:lstStyle/>
+          <a:p>
+            <a:pPr algn="ctr"/>
+            <a:endParaRPr lang="zh-CN" altLang="en-US"/>
+          </a:p>
+        </p:txBody>
+      </p:sp>
+      <p:sp>
+        <p:nvSpPr>
+          <p:cNvPr id="53" name="文本框 52"/>
+          <p:cNvSpPr txBox="1"/>
+          <p:nvPr/>
+        </p:nvSpPr>
+        <p:spPr>
+          <a:xfrm>
+            <a:off x="2442506" y="5097746"/>
+            <a:ext cx="771365" cy="369332"/>
+          </a:xfrm>
+          <a:prstGeom prst="rect">
+            <a:avLst/>
+          </a:prstGeom>
+          <a:noFill/>
+        </p:spPr>
+        <p:txBody>
+          <a:bodyPr wrap="none" rtlCol="0">
+            <a:spAutoFit/>
+          </a:bodyPr>
+          <a:lstStyle/>
+          <a:p>
+            <a:r>
+              <a:rPr lang="zh-CN" altLang="en-US" dirty="0" smtClean="0"/>
+              <a:t>灰度</a:t>
+            </a:r>
+            <a:r>
+              <a:rPr lang="en-US" altLang="zh-CN" dirty="0"/>
+              <a:t>7</a:t>
+            </a:r>
+            <a:endParaRPr lang="zh-CN" altLang="en-US" dirty="0"/>
+          </a:p>
+        </p:txBody>
+      </p:sp>
+      <p:cxnSp>
+        <p:nvCxnSpPr>
+          <p:cNvPr id="54" name="直接箭头连接符 53"/>
+          <p:cNvCxnSpPr/>
+          <p:nvPr/>
+        </p:nvCxnSpPr>
+        <p:spPr>
+          <a:xfrm flipV="1">
+            <a:off x="3339241" y="5324295"/>
+            <a:ext cx="1167292" cy="5370"/>
+          </a:xfrm>
+          <a:prstGeom prst="straightConnector1">
+            <a:avLst/>
+          </a:prstGeom>
+          <a:ln>
+            <a:tailEnd type="triangle"/>
+          </a:ln>
+        </p:spPr>
+        <p:style>
+          <a:lnRef idx="1">
+            <a:schemeClr val="accent1"/>
+          </a:lnRef>
+          <a:fillRef idx="0">
+            <a:schemeClr val="accent1"/>
+          </a:fillRef>
+          <a:effectRef idx="0">
+            <a:schemeClr val="accent1"/>
+          </a:effectRef>
+          <a:fontRef idx="minor">
+            <a:schemeClr val="tx1"/>
+          </a:fontRef>
+        </p:style>
+      </p:cxnSp>
+      <p:sp>
+        <p:nvSpPr>
+          <p:cNvPr id="57" name="文本框 56"/>
+          <p:cNvSpPr txBox="1"/>
+          <p:nvPr/>
+        </p:nvSpPr>
+        <p:spPr>
+          <a:xfrm>
+            <a:off x="8896676" y="5785307"/>
+            <a:ext cx="2918280" cy="646331"/>
+          </a:xfrm>
+          <a:prstGeom prst="rect">
+            <a:avLst/>
+          </a:prstGeom>
+          <a:noFill/>
+        </p:spPr>
+        <p:txBody>
+          <a:bodyPr wrap="square" rtlCol="0">
+            <a:spAutoFit/>
+          </a:bodyPr>
+          <a:lstStyle/>
+          <a:p>
+            <a:r>
+              <a:rPr lang="zh-CN" altLang="en-US" dirty="0" smtClean="0"/>
+              <a:t>白盒与灰盒为本地化研发，黑盒为核心资产研发</a:t>
+            </a:r>
+            <a:endParaRPr lang="zh-CN" altLang="en-US" dirty="0"/>
+          </a:p>
+        </p:txBody>
+      </p:sp>
+    </p:spTree>
+    <p:extLst>
+      <p:ext uri="{BB962C8B-B14F-4D97-AF65-F5344CB8AC3E}">
+        <p14:creationId xmlns:p14="http://schemas.microsoft.com/office/powerpoint/2010/main" val="279373658"/>
+      </p:ext>
+    </p:extLst>
+  </p:cSld>
+  <p:clrMapOvr>
+    <a:masterClrMapping/>
+  </p:clrMapOvr>
+  <p:timing>
+    <p:tnLst>
+      <p:par>
+        <p:cTn id="1" dur="indefinite" restart="never" nodeType="tmRoot"/>
+      </p:par>
+    </p:tnLst>
+  </p:timing>
+</p:sld>
+</file>
+
+<file path=ppt/slides/slide9.xml><?xml version="1.0" encoding="utf-8"?>
+<p:sld xmlns:a="http://schemas.openxmlformats.org/drawingml/2006/main" xmlns:r="http://schemas.openxmlformats.org/officeDocument/2006/relationships" xmlns:p="http://schemas.openxmlformats.org/presentationml/2006/main">
+  <p:cSld>
+    <p:spTree>
+      <p:nvGrpSpPr>
+        <p:cNvPr id="1" name=""/>
+        <p:cNvGrpSpPr/>
+        <p:nvPr/>
+      </p:nvGrpSpPr>
+      <p:grpSpPr>
+        <a:xfrm>
+          <a:off x="0" y="0"/>
+          <a:ext cx="0" cy="0"/>
+          <a:chOff x="0" y="0"/>
+          <a:chExt cx="0" cy="0"/>
+        </a:xfrm>
+      </p:grpSpPr>
+      <p:sp>
+        <p:nvSpPr>
+          <p:cNvPr id="2" name="标题 1"/>
+          <p:cNvSpPr>
+            <a:spLocks noGrp="1"/>
+          </p:cNvSpPr>
+          <p:nvPr>
+            <p:ph type="title"/>
+          </p:nvPr>
+        </p:nvSpPr>
+        <p:spPr>
+          <a:xfrm>
+            <a:off x="114300" y="0"/>
+            <a:ext cx="12077700" cy="1208868"/>
+          </a:xfrm>
+        </p:spPr>
+        <p:txBody>
+          <a:bodyPr>
+            <a:normAutofit/>
+          </a:bodyPr>
+          <a:lstStyle/>
+          <a:p>
+            <a:r>
+              <a:rPr lang="zh-CN" altLang="en-US" dirty="0"/>
+              <a:t>特点分项讲解</a:t>
+            </a:r>
+            <a:r>
+              <a:rPr lang="en-US" altLang="zh-CN" dirty="0" smtClean="0"/>
+              <a:t>-</a:t>
+            </a:r>
+            <a:r>
+              <a:rPr lang="zh-CN" altLang="en-US" sz="2000" dirty="0"/>
+              <a:t>支持核心资产研发与本地化研发的分离，系统提供多种手段满足个性化业务</a:t>
+            </a:r>
+            <a:r>
+              <a:rPr lang="zh-CN" altLang="en-US" sz="2000" dirty="0" smtClean="0"/>
+              <a:t>扩展</a:t>
+            </a:r>
+            <a:endParaRPr lang="zh-CN" altLang="en-US" sz="2000" dirty="0"/>
+          </a:p>
+        </p:txBody>
+      </p:sp>
+      <p:sp>
+        <p:nvSpPr>
+          <p:cNvPr id="3" name="内容占位符 2"/>
+          <p:cNvSpPr>
+            <a:spLocks noGrp="1"/>
+          </p:cNvSpPr>
+          <p:nvPr>
+            <p:ph idx="1"/>
+          </p:nvPr>
+        </p:nvSpPr>
+        <p:spPr>
+          <a:xfrm>
+            <a:off x="6810376" y="1784350"/>
+            <a:ext cx="4167753" cy="4351338"/>
+          </a:xfrm>
+        </p:spPr>
+        <p:txBody>
+          <a:bodyPr/>
+          <a:lstStyle/>
+          <a:p>
+            <a:endParaRPr lang="zh-CN" altLang="en-US" dirty="0"/>
+          </a:p>
+        </p:txBody>
+      </p:sp>
+      <p:pic>
+        <p:nvPicPr>
+          <p:cNvPr id="5" name="图片 4"/>
+          <p:cNvPicPr>
+            <a:picLocks noChangeAspect="1"/>
+          </p:cNvPicPr>
+          <p:nvPr/>
+        </p:nvPicPr>
+        <p:blipFill>
+          <a:blip r:embed="rId2"/>
+          <a:stretch>
+            <a:fillRect/>
+          </a:stretch>
+        </p:blipFill>
+        <p:spPr>
+          <a:xfrm>
+            <a:off x="255953" y="2229300"/>
+            <a:ext cx="6586754" cy="3168200"/>
+          </a:xfrm>
+          <a:prstGeom prst="rect">
+            <a:avLst/>
+          </a:prstGeom>
+        </p:spPr>
+      </p:pic>
+    </p:spTree>
+    <p:extLst>
+      <p:ext uri="{BB962C8B-B14F-4D97-AF65-F5344CB8AC3E}">
+        <p14:creationId xmlns:p14="http://schemas.microsoft.com/office/powerpoint/2010/main" val="3117020103"/>
+      </p:ext>
+    </p:extLst>
+  </p:cSld>
+  <p:clrMapOvr>
+    <a:masterClrMapping/>
+  </p:clrMapOvr>
   <p:timing>
     <p:tnLst>
       <p:par>

--- a/doc/EVE新一代HIS核心系统.pptx
+++ b/doc/EVE新一代HIS核心系统.pptx
@@ -5,7 +5,7 @@
     <p:sldMasterId id="2147483660" r:id="rId2"/>
   </p:sldMasterIdLst>
   <p:notesMasterIdLst>
-    <p:notesMasterId r:id="rId13"/>
+    <p:notesMasterId r:id="rId15"/>
   </p:notesMasterIdLst>
   <p:sldIdLst>
     <p:sldId id="256" r:id="rId3"/>
@@ -17,7 +17,9 @@
     <p:sldId id="268" r:id="rId9"/>
     <p:sldId id="269" r:id="rId10"/>
     <p:sldId id="270" r:id="rId11"/>
-    <p:sldId id="263" r:id="rId12"/>
+    <p:sldId id="271" r:id="rId12"/>
+    <p:sldId id="272" r:id="rId13"/>
+    <p:sldId id="263" r:id="rId14"/>
   </p:sldIdLst>
   <p:sldSz cx="12192000" cy="6858000"/>
   <p:notesSz cx="6858000" cy="9144000"/>
@@ -134,6 +136,8 @@
             <p14:sldId id="268"/>
             <p14:sldId id="269"/>
             <p14:sldId id="270"/>
+            <p14:sldId id="271"/>
+            <p14:sldId id="272"/>
           </p14:sldIdLst>
         </p14:section>
         <p14:section name="了解更多" id="{2CC34DB2-6590-42C0-AD4B-A04C6060184E}">
@@ -681,7 +685,7 @@
           <a:p>
             <a:fld id="{DF61EA0F-A667-4B49-8422-0062BC55E249}" type="slidenum">
               <a:rPr lang="en-US" altLang="zh-CN" smtClean="0"/>
-              <a:t>10</a:t>
+              <a:t>12</a:t>
             </a:fld>
             <a:endParaRPr lang="zh-CN"/>
           </a:p>
@@ -4963,6 +4967,349 @@
             <p:ph type="title"/>
           </p:nvPr>
         </p:nvSpPr>
+        <p:spPr>
+          <a:xfrm>
+            <a:off x="604434" y="0"/>
+            <a:ext cx="11587566" cy="1208868"/>
+          </a:xfrm>
+        </p:spPr>
+        <p:txBody>
+          <a:bodyPr/>
+          <a:lstStyle/>
+          <a:p>
+            <a:r>
+              <a:rPr lang="zh-CN" altLang="en-US" dirty="0"/>
+              <a:t>特点分项讲解</a:t>
+            </a:r>
+            <a:r>
+              <a:rPr lang="en-US" altLang="zh-CN" dirty="0" smtClean="0"/>
+              <a:t>-</a:t>
+            </a:r>
+            <a:r>
+              <a:rPr lang="zh-CN" altLang="en-US" sz="2000" dirty="0"/>
+              <a:t>系统通过</a:t>
+            </a:r>
+            <a:r>
+              <a:rPr lang="en-US" altLang="zh-CN" sz="2000" dirty="0" err="1"/>
+              <a:t>OpenAPI</a:t>
+            </a:r>
+            <a:r>
+              <a:rPr lang="zh-CN" altLang="en-US" sz="2000" dirty="0"/>
+              <a:t>和</a:t>
+            </a:r>
+            <a:r>
+              <a:rPr lang="en-US" altLang="zh-CN" sz="2000" dirty="0"/>
+              <a:t>EDA</a:t>
+            </a:r>
+            <a:r>
+              <a:rPr lang="zh-CN" altLang="en-US" sz="2000" dirty="0"/>
+              <a:t>的方式灵活的实现与医院其他专有软件系统的交互</a:t>
+            </a:r>
+            <a:endParaRPr lang="en-US" altLang="zh-CN" sz="2000" dirty="0"/>
+          </a:p>
+        </p:txBody>
+      </p:sp>
+      <p:pic>
+        <p:nvPicPr>
+          <p:cNvPr id="4" name="图片 3"/>
+          <p:cNvPicPr>
+            <a:picLocks noChangeAspect="1"/>
+          </p:cNvPicPr>
+          <p:nvPr/>
+        </p:nvPicPr>
+        <p:blipFill>
+          <a:blip r:embed="rId2"/>
+          <a:stretch>
+            <a:fillRect/>
+          </a:stretch>
+        </p:blipFill>
+        <p:spPr>
+          <a:xfrm>
+            <a:off x="831132" y="2156386"/>
+            <a:ext cx="5830736" cy="3916828"/>
+          </a:xfrm>
+          <a:prstGeom prst="rect">
+            <a:avLst/>
+          </a:prstGeom>
+        </p:spPr>
+      </p:pic>
+      <p:sp>
+        <p:nvSpPr>
+          <p:cNvPr id="5" name="内容占位符 2"/>
+          <p:cNvSpPr>
+            <a:spLocks noGrp="1"/>
+          </p:cNvSpPr>
+          <p:nvPr>
+            <p:ph idx="1"/>
+          </p:nvPr>
+        </p:nvSpPr>
+        <p:spPr>
+          <a:xfrm>
+            <a:off x="6661868" y="2156386"/>
+            <a:ext cx="5009432" cy="4434914"/>
+          </a:xfrm>
+        </p:spPr>
+        <p:txBody>
+          <a:bodyPr>
+            <a:normAutofit/>
+          </a:bodyPr>
+          <a:lstStyle/>
+          <a:p>
+            <a:r>
+              <a:rPr lang="zh-CN" altLang="en-US" dirty="0" smtClean="0"/>
+              <a:t>将</a:t>
+            </a:r>
+            <a:r>
+              <a:rPr lang="en-US" altLang="zh-CN" dirty="0" smtClean="0"/>
+              <a:t>HIS</a:t>
+            </a:r>
+            <a:r>
+              <a:rPr lang="zh-CN" altLang="en-US" dirty="0" smtClean="0"/>
+              <a:t>中的核心业务（患者生命周期、医嘱执行、诊疗信息维护、病历生成和维护）置于</a:t>
+            </a:r>
+            <a:r>
+              <a:rPr lang="en-US" altLang="zh-CN" dirty="0" smtClean="0"/>
+              <a:t>ENGINE</a:t>
+            </a:r>
+            <a:r>
+              <a:rPr lang="zh-CN" altLang="en-US" dirty="0" smtClean="0"/>
+              <a:t>中独立运行，</a:t>
+            </a:r>
+            <a:r>
+              <a:rPr lang="en-US" altLang="zh-CN" dirty="0"/>
+              <a:t> </a:t>
+            </a:r>
+            <a:r>
+              <a:rPr lang="en-US" altLang="zh-CN" dirty="0" smtClean="0"/>
+              <a:t>ENGINE</a:t>
+            </a:r>
+            <a:r>
+              <a:rPr lang="zh-CN" altLang="en-US" dirty="0" smtClean="0"/>
+              <a:t>通过接口以请求相应模式应对其他系统的调用来读写业务数据</a:t>
+            </a:r>
+            <a:endParaRPr lang="en-US" altLang="zh-CN" dirty="0" smtClean="0"/>
+          </a:p>
+          <a:p>
+            <a:r>
+              <a:rPr lang="en-US" altLang="zh-CN" dirty="0" smtClean="0"/>
+              <a:t>HIS</a:t>
+            </a:r>
+            <a:r>
+              <a:rPr lang="zh-CN" altLang="en-US" dirty="0" smtClean="0"/>
+              <a:t>、</a:t>
+            </a:r>
+            <a:r>
+              <a:rPr lang="en-US" altLang="zh-CN" dirty="0" smtClean="0"/>
+              <a:t>LIS</a:t>
+            </a:r>
+            <a:r>
+              <a:rPr lang="zh-CN" altLang="en-US" dirty="0" smtClean="0"/>
+              <a:t>、</a:t>
+            </a:r>
+            <a:r>
+              <a:rPr lang="en-US" altLang="zh-CN" dirty="0" smtClean="0"/>
+              <a:t>PACS</a:t>
+            </a:r>
+            <a:r>
+              <a:rPr lang="zh-CN" altLang="en-US" dirty="0" smtClean="0"/>
+              <a:t>可以通过向总线上发布</a:t>
+            </a:r>
+            <a:r>
+              <a:rPr lang="en-US" altLang="zh-CN" dirty="0" err="1" smtClean="0"/>
+              <a:t>DomainEvent</a:t>
+            </a:r>
+            <a:r>
+              <a:rPr lang="zh-CN" altLang="en-US" dirty="0"/>
+              <a:t>由</a:t>
+            </a:r>
+            <a:r>
+              <a:rPr lang="en-US" altLang="zh-CN" dirty="0" err="1" smtClean="0"/>
+              <a:t>EventBus</a:t>
+            </a:r>
+            <a:r>
+              <a:rPr lang="zh-CN" altLang="en-US" dirty="0" smtClean="0"/>
+              <a:t>同步或异步触发各个软件系统注册在</a:t>
+            </a:r>
+            <a:r>
+              <a:rPr lang="en-US" altLang="zh-CN" dirty="0" smtClean="0"/>
+              <a:t>Bus</a:t>
+            </a:r>
+            <a:r>
+              <a:rPr lang="zh-CN" altLang="en-US" dirty="0" smtClean="0"/>
+              <a:t>上的事件监听器完成业务调用</a:t>
+            </a:r>
+            <a:endParaRPr lang="en-US" altLang="zh-CN" dirty="0" smtClean="0"/>
+          </a:p>
+          <a:p>
+            <a:r>
+              <a:rPr lang="en-US" altLang="zh-CN" dirty="0" smtClean="0"/>
+              <a:t>HIS</a:t>
+            </a:r>
+            <a:r>
+              <a:rPr lang="zh-CN" altLang="en-US" dirty="0" smtClean="0"/>
+              <a:t>在完成本身业务时，可以通过运行在</a:t>
+            </a:r>
+            <a:r>
+              <a:rPr lang="en-US" altLang="zh-CN" dirty="0" smtClean="0"/>
+              <a:t>HIS</a:t>
+            </a:r>
+            <a:r>
+              <a:rPr lang="zh-CN" altLang="en-US" dirty="0" smtClean="0"/>
+              <a:t>中的逻辑</a:t>
+            </a:r>
+            <a:r>
+              <a:rPr lang="en-US" altLang="zh-CN" dirty="0" smtClean="0"/>
+              <a:t>ENGINE</a:t>
+            </a:r>
+            <a:r>
+              <a:rPr lang="zh-CN" altLang="en-US" dirty="0" smtClean="0"/>
+              <a:t>完成业务，以保证业务数据的一致性</a:t>
+            </a:r>
+            <a:endParaRPr lang="zh-CN" altLang="en-US" dirty="0"/>
+          </a:p>
+        </p:txBody>
+      </p:sp>
+    </p:spTree>
+    <p:extLst>
+      <p:ext uri="{BB962C8B-B14F-4D97-AF65-F5344CB8AC3E}">
+        <p14:creationId xmlns:p14="http://schemas.microsoft.com/office/powerpoint/2010/main" val="3421305496"/>
+      </p:ext>
+    </p:extLst>
+  </p:cSld>
+  <p:clrMapOvr>
+    <a:masterClrMapping/>
+  </p:clrMapOvr>
+</p:sld>
+</file>
+
+<file path=ppt/slides/slide11.xml><?xml version="1.0" encoding="utf-8"?>
+<p:sld xmlns:a="http://schemas.openxmlformats.org/drawingml/2006/main" xmlns:r="http://schemas.openxmlformats.org/officeDocument/2006/relationships" xmlns:p="http://schemas.openxmlformats.org/presentationml/2006/main">
+  <p:cSld>
+    <p:spTree>
+      <p:nvGrpSpPr>
+        <p:cNvPr id="1" name=""/>
+        <p:cNvGrpSpPr/>
+        <p:nvPr/>
+      </p:nvGrpSpPr>
+      <p:grpSpPr>
+        <a:xfrm>
+          <a:off x="0" y="0"/>
+          <a:ext cx="0" cy="0"/>
+          <a:chOff x="0" y="0"/>
+          <a:chExt cx="0" cy="0"/>
+        </a:xfrm>
+      </p:grpSpPr>
+      <p:sp>
+        <p:nvSpPr>
+          <p:cNvPr id="2" name="标题 1"/>
+          <p:cNvSpPr>
+            <a:spLocks noGrp="1"/>
+          </p:cNvSpPr>
+          <p:nvPr>
+            <p:ph type="title"/>
+          </p:nvPr>
+        </p:nvSpPr>
+        <p:spPr>
+          <a:xfrm>
+            <a:off x="604434" y="0"/>
+            <a:ext cx="11587566" cy="1208868"/>
+          </a:xfrm>
+        </p:spPr>
+        <p:txBody>
+          <a:bodyPr/>
+          <a:lstStyle/>
+          <a:p>
+            <a:r>
+              <a:rPr lang="zh-CN" altLang="en-US" dirty="0"/>
+              <a:t>特点分项讲解</a:t>
+            </a:r>
+            <a:r>
+              <a:rPr lang="en-US" altLang="zh-CN" dirty="0" smtClean="0"/>
+              <a:t>-</a:t>
+            </a:r>
+            <a:r>
+              <a:rPr lang="zh-CN" altLang="en-US" sz="2000" dirty="0"/>
+              <a:t>系统通过</a:t>
+            </a:r>
+            <a:r>
+              <a:rPr lang="en-US" altLang="zh-CN" sz="2000" dirty="0" err="1"/>
+              <a:t>OpenAPI</a:t>
+            </a:r>
+            <a:r>
+              <a:rPr lang="zh-CN" altLang="en-US" sz="2000" dirty="0"/>
+              <a:t>和</a:t>
+            </a:r>
+            <a:r>
+              <a:rPr lang="en-US" altLang="zh-CN" sz="2000" dirty="0"/>
+              <a:t>EDA</a:t>
+            </a:r>
+            <a:r>
+              <a:rPr lang="zh-CN" altLang="en-US" sz="2000" dirty="0"/>
+              <a:t>的方式灵活的实现与医院其他专有软件系统的交互</a:t>
+            </a:r>
+            <a:endParaRPr lang="en-US" altLang="zh-CN" sz="2000" dirty="0"/>
+          </a:p>
+        </p:txBody>
+      </p:sp>
+      <p:sp>
+        <p:nvSpPr>
+          <p:cNvPr id="3" name="内容占位符 2"/>
+          <p:cNvSpPr>
+            <a:spLocks noGrp="1"/>
+          </p:cNvSpPr>
+          <p:nvPr>
+            <p:ph idx="1"/>
+          </p:nvPr>
+        </p:nvSpPr>
+        <p:spPr/>
+        <p:txBody>
+          <a:bodyPr/>
+          <a:lstStyle/>
+          <a:p>
+            <a:endParaRPr lang="zh-CN" altLang="en-US"/>
+          </a:p>
+        </p:txBody>
+      </p:sp>
+    </p:spTree>
+    <p:extLst>
+      <p:ext uri="{BB962C8B-B14F-4D97-AF65-F5344CB8AC3E}">
+        <p14:creationId xmlns:p14="http://schemas.microsoft.com/office/powerpoint/2010/main" val="33311711"/>
+      </p:ext>
+    </p:extLst>
+  </p:cSld>
+  <p:clrMapOvr>
+    <a:masterClrMapping/>
+  </p:clrMapOvr>
+</p:sld>
+</file>
+
+<file path=ppt/slides/slide12.xml><?xml version="1.0" encoding="utf-8"?>
+<p:sld xmlns:a="http://schemas.openxmlformats.org/drawingml/2006/main" xmlns:r="http://schemas.openxmlformats.org/officeDocument/2006/relationships" xmlns:p="http://schemas.openxmlformats.org/presentationml/2006/main">
+  <p:cSld>
+    <p:spTree>
+      <p:nvGrpSpPr>
+        <p:cNvPr id="1" name=""/>
+        <p:cNvGrpSpPr/>
+        <p:nvPr/>
+      </p:nvGrpSpPr>
+      <p:grpSpPr>
+        <a:xfrm>
+          <a:off x="0" y="0"/>
+          <a:ext cx="0" cy="0"/>
+          <a:chOff x="0" y="0"/>
+          <a:chExt cx="0" cy="0"/>
+        </a:xfrm>
+      </p:grpSpPr>
+      <p:sp>
+        <p:nvSpPr>
+          <p:cNvPr id="2" name="标题 1"/>
+          <p:cNvSpPr>
+            <a:spLocks noGrp="1"/>
+          </p:cNvSpPr>
+          <p:nvPr>
+            <p:ph type="title"/>
+          </p:nvPr>
+        </p:nvSpPr>
         <p:spPr/>
         <p:txBody>
           <a:bodyPr/>
@@ -7503,6 +7850,10 @@
           <a:lstStyle/>
           <a:p>
             <a:r>
+              <a:rPr lang="zh-CN" altLang="en-US" dirty="0" smtClean="0"/>
+              <a:t>结构：</a:t>
+            </a:r>
+            <a:r>
               <a:rPr lang="zh-CN" altLang="zh-CN" dirty="0" smtClean="0"/>
               <a:t>将系统</a:t>
             </a:r>
@@ -8510,21 +8861,41 @@
         </p:nvSpPr>
         <p:spPr>
           <a:xfrm>
-            <a:off x="6810376" y="1784350"/>
-            <a:ext cx="4167753" cy="4351338"/>
+            <a:off x="766728" y="4851400"/>
+            <a:ext cx="5202272" cy="1627188"/>
           </a:xfrm>
         </p:spPr>
         <p:txBody>
           <a:bodyPr/>
           <a:lstStyle/>
           <a:p>
+            <a:r>
+              <a:rPr lang="zh-CN" altLang="en-US" dirty="0" smtClean="0"/>
+              <a:t>业务逻辑分布：将业务逻辑区分为应用逻辑和领域逻辑，采用事务脚本风格编写应用逻辑（</a:t>
+            </a:r>
+            <a:r>
+              <a:rPr lang="en-US" altLang="zh-CN" dirty="0" smtClean="0"/>
+              <a:t>application</a:t>
+            </a:r>
+            <a:r>
+              <a:rPr lang="zh-CN" altLang="en-US" dirty="0" smtClean="0"/>
+              <a:t>），采用领域驱动风格编写领域逻辑（</a:t>
+            </a:r>
+            <a:r>
+              <a:rPr lang="en-US" altLang="zh-CN" dirty="0" smtClean="0"/>
+              <a:t>domain</a:t>
+            </a:r>
+            <a:r>
+              <a:rPr lang="zh-CN" altLang="en-US" dirty="0" smtClean="0"/>
+              <a:t>）</a:t>
+            </a:r>
             <a:endParaRPr lang="zh-CN" altLang="en-US" dirty="0"/>
           </a:p>
         </p:txBody>
       </p:sp>
       <p:pic>
         <p:nvPicPr>
-          <p:cNvPr id="5" name="图片 4"/>
+          <p:cNvPr id="6" name="图片 5"/>
           <p:cNvPicPr>
             <a:picLocks noChangeAspect="1"/>
           </p:cNvPicPr>
@@ -8538,8 +8909,56 @@
         </p:blipFill>
         <p:spPr>
           <a:xfrm>
-            <a:off x="255953" y="2229300"/>
-            <a:ext cx="6586754" cy="3168200"/>
+            <a:off x="6303928" y="1983272"/>
+            <a:ext cx="5722972" cy="2354387"/>
+          </a:xfrm>
+          <a:prstGeom prst="rect">
+            <a:avLst/>
+          </a:prstGeom>
+        </p:spPr>
+      </p:pic>
+      <p:pic>
+        <p:nvPicPr>
+          <p:cNvPr id="9" name="图片 8"/>
+          <p:cNvPicPr>
+            <a:picLocks noChangeAspect="1"/>
+          </p:cNvPicPr>
+          <p:nvPr/>
+        </p:nvPicPr>
+        <p:blipFill>
+          <a:blip r:embed="rId3"/>
+          <a:stretch>
+            <a:fillRect/>
+          </a:stretch>
+        </p:blipFill>
+        <p:spPr>
+          <a:xfrm>
+            <a:off x="6303929" y="4484170"/>
+            <a:ext cx="5570572" cy="1724005"/>
+          </a:xfrm>
+          <a:prstGeom prst="rect">
+            <a:avLst/>
+          </a:prstGeom>
+        </p:spPr>
+      </p:pic>
+      <p:pic>
+        <p:nvPicPr>
+          <p:cNvPr id="10" name="图片 9"/>
+          <p:cNvPicPr>
+            <a:picLocks noChangeAspect="1"/>
+          </p:cNvPicPr>
+          <p:nvPr/>
+        </p:nvPicPr>
+        <p:blipFill>
+          <a:blip r:embed="rId4"/>
+          <a:stretch>
+            <a:fillRect/>
+          </a:stretch>
+        </p:blipFill>
+        <p:spPr>
+          <a:xfrm>
+            <a:off x="590550" y="1876034"/>
+            <a:ext cx="5293948" cy="2546366"/>
           </a:xfrm>
           <a:prstGeom prst="rect">
             <a:avLst/>

--- a/doc/EVE新一代HIS核心系统.pptx
+++ b/doc/EVE新一代HIS核心系统.pptx
@@ -5179,6 +5179,13 @@
   <p:clrMapOvr>
     <a:masterClrMapping/>
   </p:clrMapOvr>
+  <p:timing>
+    <p:tnLst>
+      <p:par>
+        <p:cTn id="1" dur="indefinite" restart="never" nodeType="tmRoot"/>
+      </p:par>
+    </p:tnLst>
+  </p:timing>
 </p:sld>
 </file>
 
@@ -5216,7 +5223,9 @@
           </a:xfrm>
         </p:spPr>
         <p:txBody>
-          <a:bodyPr/>
+          <a:bodyPr>
+            <a:normAutofit/>
+          </a:bodyPr>
           <a:lstStyle/>
           <a:p>
             <a:r>
@@ -5229,31 +5238,115 @@
             </a:r>
             <a:r>
               <a:rPr lang="zh-CN" altLang="en-US" sz="2000" dirty="0"/>
-              <a:t>系统通过</a:t>
-            </a:r>
-            <a:r>
-              <a:rPr lang="en-US" altLang="zh-CN" sz="2000" dirty="0" err="1"/>
-              <a:t>OpenAPI</a:t>
-            </a:r>
-            <a:r>
-              <a:rPr lang="zh-CN" altLang="en-US" sz="2000" dirty="0"/>
-              <a:t>和</a:t>
-            </a:r>
-            <a:r>
-              <a:rPr lang="en-US" altLang="zh-CN" sz="2000" dirty="0"/>
-              <a:t>EDA</a:t>
-            </a:r>
-            <a:r>
-              <a:rPr lang="zh-CN" altLang="en-US" sz="2000" dirty="0"/>
-              <a:t>的方式灵活的实现与医院其他专有软件系统的交互</a:t>
+              <a:t>系统通过严格的错误处理设计和测试设计保证核心代码的质量，以及应用核心代码出现问题时定位问题的</a:t>
+            </a:r>
+            <a:r>
+              <a:rPr lang="zh-CN" altLang="en-US" sz="2000" dirty="0" smtClean="0"/>
+              <a:t>效率</a:t>
             </a:r>
             <a:endParaRPr lang="en-US" altLang="zh-CN" sz="2000" dirty="0"/>
           </a:p>
         </p:txBody>
       </p:sp>
-      <p:sp>
-        <p:nvSpPr>
-          <p:cNvPr id="3" name="内容占位符 2"/>
+      <p:pic>
+        <p:nvPicPr>
+          <p:cNvPr id="6" name="图片 5"/>
+          <p:cNvPicPr>
+            <a:picLocks noChangeAspect="1"/>
+          </p:cNvPicPr>
+          <p:nvPr/>
+        </p:nvPicPr>
+        <p:blipFill>
+          <a:blip r:embed="rId2"/>
+          <a:stretch>
+            <a:fillRect/>
+          </a:stretch>
+        </p:blipFill>
+        <p:spPr>
+          <a:xfrm>
+            <a:off x="5074998" y="1616232"/>
+            <a:ext cx="2114384" cy="2008664"/>
+          </a:xfrm>
+          <a:prstGeom prst="rect">
+            <a:avLst/>
+          </a:prstGeom>
+        </p:spPr>
+      </p:pic>
+      <p:pic>
+        <p:nvPicPr>
+          <p:cNvPr id="8" name="图片 7"/>
+          <p:cNvPicPr>
+            <a:picLocks noChangeAspect="1"/>
+          </p:cNvPicPr>
+          <p:nvPr/>
+        </p:nvPicPr>
+        <p:blipFill>
+          <a:blip r:embed="rId3"/>
+          <a:stretch>
+            <a:fillRect/>
+          </a:stretch>
+        </p:blipFill>
+        <p:spPr>
+          <a:xfrm>
+            <a:off x="7521715" y="1536010"/>
+            <a:ext cx="4537102" cy="2088886"/>
+          </a:xfrm>
+          <a:prstGeom prst="rect">
+            <a:avLst/>
+          </a:prstGeom>
+        </p:spPr>
+      </p:pic>
+      <p:pic>
+        <p:nvPicPr>
+          <p:cNvPr id="9" name="图片 8"/>
+          <p:cNvPicPr>
+            <a:picLocks noChangeAspect="1"/>
+          </p:cNvPicPr>
+          <p:nvPr/>
+        </p:nvPicPr>
+        <p:blipFill>
+          <a:blip r:embed="rId4"/>
+          <a:stretch>
+            <a:fillRect/>
+          </a:stretch>
+        </p:blipFill>
+        <p:spPr>
+          <a:xfrm>
+            <a:off x="105215" y="1536010"/>
+            <a:ext cx="4637450" cy="5318806"/>
+          </a:xfrm>
+          <a:prstGeom prst="rect">
+            <a:avLst/>
+          </a:prstGeom>
+        </p:spPr>
+      </p:pic>
+      <p:pic>
+        <p:nvPicPr>
+          <p:cNvPr id="10" name="图片 9"/>
+          <p:cNvPicPr>
+            <a:picLocks noChangeAspect="1"/>
+          </p:cNvPicPr>
+          <p:nvPr/>
+        </p:nvPicPr>
+        <p:blipFill>
+          <a:blip r:embed="rId5"/>
+          <a:stretch>
+            <a:fillRect/>
+          </a:stretch>
+        </p:blipFill>
+        <p:spPr>
+          <a:xfrm>
+            <a:off x="5366960" y="3911012"/>
+            <a:ext cx="4423306" cy="2943804"/>
+          </a:xfrm>
+          <a:prstGeom prst="rect">
+            <a:avLst/>
+          </a:prstGeom>
+        </p:spPr>
+      </p:pic>
+      <p:sp>
+        <p:nvSpPr>
+          <p:cNvPr id="11" name="内容占位符 2"/>
           <p:cNvSpPr>
             <a:spLocks noGrp="1"/>
           </p:cNvSpPr>
@@ -5261,15 +5354,68 @@
             <p:ph idx="1"/>
           </p:nvPr>
         </p:nvSpPr>
-        <p:spPr/>
-        <p:txBody>
-          <a:bodyPr/>
-          <a:lstStyle/>
-          <a:p>
-            <a:endParaRPr lang="zh-CN" altLang="en-US"/>
-          </a:p>
-        </p:txBody>
-      </p:sp>
+        <p:spPr>
+          <a:xfrm>
+            <a:off x="10229316" y="3801619"/>
+            <a:ext cx="1696521" cy="3162589"/>
+          </a:xfrm>
+        </p:spPr>
+        <p:txBody>
+          <a:bodyPr>
+            <a:normAutofit/>
+          </a:bodyPr>
+          <a:lstStyle/>
+          <a:p>
+            <a:r>
+              <a:rPr lang="zh-CN" altLang="en-US" dirty="0" smtClean="0"/>
+              <a:t>采用可捕获异常来定义业务异常</a:t>
+            </a:r>
+            <a:endParaRPr lang="en-US" altLang="zh-CN" dirty="0" smtClean="0"/>
+          </a:p>
+          <a:p>
+            <a:r>
+              <a:rPr lang="zh-CN" altLang="en-US" dirty="0" smtClean="0"/>
+              <a:t>通过伪造系统时间进行全业务场景测试</a:t>
+            </a:r>
+            <a:endParaRPr lang="zh-CN" altLang="en-US" dirty="0"/>
+          </a:p>
+        </p:txBody>
+      </p:sp>
+      <p:cxnSp>
+        <p:nvCxnSpPr>
+          <p:cNvPr id="13" name="直接连接符 12"/>
+          <p:cNvCxnSpPr/>
+          <p:nvPr/>
+        </p:nvCxnSpPr>
+        <p:spPr>
+          <a:xfrm>
+            <a:off x="1944710" y="2511381"/>
+            <a:ext cx="2163651" cy="0"/>
+          </a:xfrm>
+          <a:prstGeom prst="line">
+            <a:avLst/>
+          </a:prstGeom>
+          <a:ln>
+            <a:solidFill>
+              <a:srgbClr val="FF0000"/>
+            </a:solidFill>
+          </a:ln>
+        </p:spPr>
+        <p:style>
+          <a:lnRef idx="1">
+            <a:schemeClr val="accent1"/>
+          </a:lnRef>
+          <a:fillRef idx="0">
+            <a:schemeClr val="accent1"/>
+          </a:fillRef>
+          <a:effectRef idx="0">
+            <a:schemeClr val="accent1"/>
+          </a:effectRef>
+          <a:fontRef idx="minor">
+            <a:schemeClr val="tx1"/>
+          </a:fontRef>
+        </p:style>
+      </p:cxnSp>
     </p:spTree>
     <p:extLst>
       <p:ext uri="{BB962C8B-B14F-4D97-AF65-F5344CB8AC3E}">
@@ -5280,6 +5426,13 @@
   <p:clrMapOvr>
     <a:masterClrMapping/>
   </p:clrMapOvr>
+  <p:timing>
+    <p:tnLst>
+      <p:par>
+        <p:cTn id="1" dur="indefinite" restart="never" nodeType="tmRoot"/>
+      </p:par>
+    </p:tnLst>
+  </p:timing>
 </p:sld>
 </file>
 

--- a/doc/EVE新一代HIS核心系统.pptx
+++ b/doc/EVE新一代HIS核心系统.pptx
@@ -5,7 +5,7 @@
     <p:sldMasterId id="2147483660" r:id="rId2"/>
   </p:sldMasterIdLst>
   <p:notesMasterIdLst>
-    <p:notesMasterId r:id="rId15"/>
+    <p:notesMasterId r:id="rId17"/>
   </p:notesMasterIdLst>
   <p:sldIdLst>
     <p:sldId id="256" r:id="rId3"/>
@@ -15,11 +15,13 @@
     <p:sldId id="266" r:id="rId7"/>
     <p:sldId id="267" r:id="rId8"/>
     <p:sldId id="268" r:id="rId9"/>
-    <p:sldId id="269" r:id="rId10"/>
-    <p:sldId id="270" r:id="rId11"/>
-    <p:sldId id="271" r:id="rId12"/>
-    <p:sldId id="272" r:id="rId13"/>
-    <p:sldId id="263" r:id="rId14"/>
+    <p:sldId id="274" r:id="rId10"/>
+    <p:sldId id="269" r:id="rId11"/>
+    <p:sldId id="270" r:id="rId12"/>
+    <p:sldId id="271" r:id="rId13"/>
+    <p:sldId id="272" r:id="rId14"/>
+    <p:sldId id="273" r:id="rId15"/>
+    <p:sldId id="263" r:id="rId16"/>
   </p:sldIdLst>
   <p:sldSz cx="12192000" cy="6858000"/>
   <p:notesSz cx="6858000" cy="9144000"/>
@@ -134,10 +136,12 @@
             <p14:sldId id="266"/>
             <p14:sldId id="267"/>
             <p14:sldId id="268"/>
+            <p14:sldId id="274"/>
             <p14:sldId id="269"/>
             <p14:sldId id="270"/>
             <p14:sldId id="271"/>
             <p14:sldId id="272"/>
+            <p14:sldId id="273"/>
           </p14:sldIdLst>
         </p14:section>
         <p14:section name="了解更多" id="{2CC34DB2-6590-42C0-AD4B-A04C6060184E}">
@@ -685,7 +689,7 @@
           <a:p>
             <a:fld id="{DF61EA0F-A667-4B49-8422-0062BC55E249}" type="slidenum">
               <a:rPr lang="en-US" altLang="zh-CN" smtClean="0"/>
-              <a:t>12</a:t>
+              <a:t>14</a:t>
             </a:fld>
             <a:endParaRPr lang="zh-CN"/>
           </a:p>
@@ -4969,12 +4973,14 @@
         </p:nvSpPr>
         <p:spPr>
           <a:xfrm>
-            <a:off x="604434" y="0"/>
-            <a:ext cx="11587566" cy="1208868"/>
-          </a:xfrm>
-        </p:spPr>
-        <p:txBody>
-          <a:bodyPr/>
+            <a:off x="114300" y="0"/>
+            <a:ext cx="12077700" cy="1208868"/>
+          </a:xfrm>
+        </p:spPr>
+        <p:txBody>
+          <a:bodyPr>
+            <a:normAutofit/>
+          </a:bodyPr>
           <a:lstStyle/>
           <a:p>
             <a:r>
@@ -4987,31 +4993,63 @@
             </a:r>
             <a:r>
               <a:rPr lang="zh-CN" altLang="en-US" sz="2000" dirty="0"/>
-              <a:t>系统通过</a:t>
-            </a:r>
-            <a:r>
-              <a:rPr lang="en-US" altLang="zh-CN" sz="2000" dirty="0" err="1"/>
-              <a:t>OpenAPI</a:t>
-            </a:r>
-            <a:r>
-              <a:rPr lang="zh-CN" altLang="en-US" sz="2000" dirty="0"/>
-              <a:t>和</a:t>
-            </a:r>
-            <a:r>
-              <a:rPr lang="en-US" altLang="zh-CN" sz="2000" dirty="0"/>
-              <a:t>EDA</a:t>
-            </a:r>
-            <a:r>
-              <a:rPr lang="zh-CN" altLang="en-US" sz="2000" dirty="0"/>
-              <a:t>的方式灵活的实现与医院其他专有软件系统的交互</a:t>
-            </a:r>
-            <a:endParaRPr lang="en-US" altLang="zh-CN" sz="2000" dirty="0"/>
+              <a:t>支持核心资产研发与本地化研发的分离，系统提供多种手段满足个性化业务</a:t>
+            </a:r>
+            <a:r>
+              <a:rPr lang="zh-CN" altLang="en-US" sz="2000" dirty="0" smtClean="0"/>
+              <a:t>扩展</a:t>
+            </a:r>
+            <a:endParaRPr lang="zh-CN" altLang="en-US" sz="2000" dirty="0"/>
+          </a:p>
+        </p:txBody>
+      </p:sp>
+      <p:sp>
+        <p:nvSpPr>
+          <p:cNvPr id="3" name="内容占位符 2"/>
+          <p:cNvSpPr>
+            <a:spLocks noGrp="1"/>
+          </p:cNvSpPr>
+          <p:nvPr>
+            <p:ph idx="1"/>
+          </p:nvPr>
+        </p:nvSpPr>
+        <p:spPr>
+          <a:xfrm>
+            <a:off x="766728" y="4851400"/>
+            <a:ext cx="5202272" cy="1627188"/>
+          </a:xfrm>
+        </p:spPr>
+        <p:txBody>
+          <a:bodyPr/>
+          <a:lstStyle/>
+          <a:p>
+            <a:r>
+              <a:rPr lang="zh-CN" altLang="en-US" dirty="0" smtClean="0"/>
+              <a:t>业务逻辑分布：将业务逻辑区分为应用逻辑和领域逻辑，采用事务脚本风格编写应用逻辑（</a:t>
+            </a:r>
+            <a:r>
+              <a:rPr lang="en-US" altLang="zh-CN" dirty="0" smtClean="0"/>
+              <a:t>application</a:t>
+            </a:r>
+            <a:r>
+              <a:rPr lang="zh-CN" altLang="en-US" dirty="0" smtClean="0"/>
+              <a:t>），采用领域驱动风格编写领域逻辑（</a:t>
+            </a:r>
+            <a:r>
+              <a:rPr lang="en-US" altLang="zh-CN" dirty="0" smtClean="0"/>
+              <a:t>domain</a:t>
+            </a:r>
+            <a:r>
+              <a:rPr lang="zh-CN" altLang="en-US" dirty="0" smtClean="0"/>
+              <a:t>）</a:t>
+            </a:r>
+            <a:endParaRPr lang="zh-CN" altLang="en-US" dirty="0"/>
           </a:p>
         </p:txBody>
       </p:sp>
       <p:pic>
         <p:nvPicPr>
-          <p:cNvPr id="4" name="图片 3"/>
+          <p:cNvPr id="6" name="图片 5"/>
           <p:cNvPicPr>
             <a:picLocks noChangeAspect="1"/>
           </p:cNvPicPr>
@@ -5025,154 +5063,66 @@
         </p:blipFill>
         <p:spPr>
           <a:xfrm>
-            <a:off x="831132" y="2156386"/>
-            <a:ext cx="5830736" cy="3916828"/>
+            <a:off x="6303928" y="1983272"/>
+            <a:ext cx="5722972" cy="2354387"/>
           </a:xfrm>
           <a:prstGeom prst="rect">
             <a:avLst/>
           </a:prstGeom>
         </p:spPr>
       </p:pic>
-      <p:sp>
-        <p:nvSpPr>
-          <p:cNvPr id="5" name="内容占位符 2"/>
-          <p:cNvSpPr>
-            <a:spLocks noGrp="1"/>
-          </p:cNvSpPr>
-          <p:nvPr>
-            <p:ph idx="1"/>
-          </p:nvPr>
-        </p:nvSpPr>
-        <p:spPr>
-          <a:xfrm>
-            <a:off x="6661868" y="2156386"/>
-            <a:ext cx="5009432" cy="4434914"/>
-          </a:xfrm>
-        </p:spPr>
-        <p:txBody>
-          <a:bodyPr>
-            <a:normAutofit/>
-          </a:bodyPr>
-          <a:lstStyle/>
-          <a:p>
-            <a:r>
-              <a:rPr lang="zh-CN" altLang="en-US" dirty="0" smtClean="0"/>
-              <a:t>将</a:t>
-            </a:r>
-            <a:r>
-              <a:rPr lang="en-US" altLang="zh-CN" dirty="0" smtClean="0"/>
-              <a:t>HIS</a:t>
-            </a:r>
-            <a:r>
-              <a:rPr lang="zh-CN" altLang="en-US" dirty="0" smtClean="0"/>
-              <a:t>中的核心业务（患者生命周期、医嘱执行、诊疗信息维护、病历生成和维护）置于</a:t>
-            </a:r>
-            <a:r>
-              <a:rPr lang="en-US" altLang="zh-CN" dirty="0" smtClean="0"/>
-              <a:t>ENGINE</a:t>
-            </a:r>
-            <a:r>
-              <a:rPr lang="zh-CN" altLang="en-US" dirty="0" smtClean="0"/>
-              <a:t>中独立运行，</a:t>
-            </a:r>
-            <a:r>
-              <a:rPr lang="en-US" altLang="zh-CN" dirty="0"/>
-              <a:t> </a:t>
-            </a:r>
-            <a:r>
-              <a:rPr lang="en-US" altLang="zh-CN" dirty="0" smtClean="0"/>
-              <a:t>ENGINE</a:t>
-            </a:r>
-            <a:r>
-              <a:rPr lang="zh-CN" altLang="en-US" dirty="0" smtClean="0"/>
-              <a:t>通过接口以请求相应模式应对其他系统的调用来读写业务数据</a:t>
-            </a:r>
-            <a:endParaRPr lang="en-US" altLang="zh-CN" dirty="0" smtClean="0"/>
-          </a:p>
-          <a:p>
-            <a:r>
-              <a:rPr lang="en-US" altLang="zh-CN" dirty="0" smtClean="0"/>
-              <a:t>HIS</a:t>
-            </a:r>
-            <a:r>
-              <a:rPr lang="zh-CN" altLang="en-US" dirty="0" smtClean="0"/>
-              <a:t>、</a:t>
-            </a:r>
-            <a:r>
-              <a:rPr lang="en-US" altLang="zh-CN" dirty="0" smtClean="0"/>
-              <a:t>LIS</a:t>
-            </a:r>
-            <a:r>
-              <a:rPr lang="zh-CN" altLang="en-US" dirty="0" smtClean="0"/>
-              <a:t>、</a:t>
-            </a:r>
-            <a:r>
-              <a:rPr lang="en-US" altLang="zh-CN" dirty="0" smtClean="0"/>
-              <a:t>PACS</a:t>
-            </a:r>
-            <a:r>
-              <a:rPr lang="zh-CN" altLang="en-US" dirty="0" smtClean="0"/>
-              <a:t>可以通过向总线上发布</a:t>
-            </a:r>
-            <a:r>
-              <a:rPr lang="en-US" altLang="zh-CN" dirty="0" err="1" smtClean="0"/>
-              <a:t>DomainEvent</a:t>
-            </a:r>
-            <a:r>
-              <a:rPr lang="zh-CN" altLang="en-US" dirty="0"/>
-              <a:t>由</a:t>
-            </a:r>
-            <a:r>
-              <a:rPr lang="en-US" altLang="zh-CN" dirty="0" err="1" smtClean="0"/>
-              <a:t>EventBus</a:t>
-            </a:r>
-            <a:r>
-              <a:rPr lang="zh-CN" altLang="en-US" dirty="0" smtClean="0"/>
-              <a:t>同步或异步触发各个软件系统注册在</a:t>
-            </a:r>
-            <a:r>
-              <a:rPr lang="en-US" altLang="zh-CN" dirty="0" smtClean="0"/>
-              <a:t>Bus</a:t>
-            </a:r>
-            <a:r>
-              <a:rPr lang="zh-CN" altLang="en-US" dirty="0" smtClean="0"/>
-              <a:t>上的事件监听器完成业务调用</a:t>
-            </a:r>
-            <a:endParaRPr lang="en-US" altLang="zh-CN" dirty="0" smtClean="0"/>
-          </a:p>
-          <a:p>
-            <a:r>
-              <a:rPr lang="en-US" altLang="zh-CN" dirty="0" smtClean="0"/>
-              <a:t>HIS</a:t>
-            </a:r>
-            <a:r>
-              <a:rPr lang="zh-CN" altLang="en-US" dirty="0" smtClean="0"/>
-              <a:t>在完成本身业务时，可以通过运行在</a:t>
-            </a:r>
-            <a:r>
-              <a:rPr lang="en-US" altLang="zh-CN" dirty="0" smtClean="0"/>
-              <a:t>HIS</a:t>
-            </a:r>
-            <a:r>
-              <a:rPr lang="zh-CN" altLang="en-US" dirty="0" smtClean="0"/>
-              <a:t>中的逻辑</a:t>
-            </a:r>
-            <a:r>
-              <a:rPr lang="en-US" altLang="zh-CN" dirty="0" smtClean="0"/>
-              <a:t>ENGINE</a:t>
-            </a:r>
-            <a:r>
-              <a:rPr lang="zh-CN" altLang="en-US" dirty="0" smtClean="0"/>
-              <a:t>完成业务，以保证业务数据的一致性</a:t>
-            </a:r>
-            <a:endParaRPr lang="zh-CN" altLang="en-US" dirty="0"/>
-          </a:p>
-        </p:txBody>
-      </p:sp>
+      <p:pic>
+        <p:nvPicPr>
+          <p:cNvPr id="9" name="图片 8"/>
+          <p:cNvPicPr>
+            <a:picLocks noChangeAspect="1"/>
+          </p:cNvPicPr>
+          <p:nvPr/>
+        </p:nvPicPr>
+        <p:blipFill>
+          <a:blip r:embed="rId3"/>
+          <a:stretch>
+            <a:fillRect/>
+          </a:stretch>
+        </p:blipFill>
+        <p:spPr>
+          <a:xfrm>
+            <a:off x="6303929" y="4484170"/>
+            <a:ext cx="5570572" cy="1724005"/>
+          </a:xfrm>
+          <a:prstGeom prst="rect">
+            <a:avLst/>
+          </a:prstGeom>
+        </p:spPr>
+      </p:pic>
+      <p:pic>
+        <p:nvPicPr>
+          <p:cNvPr id="10" name="图片 9"/>
+          <p:cNvPicPr>
+            <a:picLocks noChangeAspect="1"/>
+          </p:cNvPicPr>
+          <p:nvPr/>
+        </p:nvPicPr>
+        <p:blipFill>
+          <a:blip r:embed="rId4"/>
+          <a:stretch>
+            <a:fillRect/>
+          </a:stretch>
+        </p:blipFill>
+        <p:spPr>
+          <a:xfrm>
+            <a:off x="590550" y="1876034"/>
+            <a:ext cx="5293948" cy="2546366"/>
+          </a:xfrm>
+          <a:prstGeom prst="rect">
+            <a:avLst/>
+          </a:prstGeom>
+        </p:spPr>
+      </p:pic>
     </p:spTree>
     <p:extLst>
       <p:ext uri="{BB962C8B-B14F-4D97-AF65-F5344CB8AC3E}">
-        <p14:creationId xmlns:p14="http://schemas.microsoft.com/office/powerpoint/2010/main" val="3421305496"/>
+        <p14:creationId xmlns:p14="http://schemas.microsoft.com/office/powerpoint/2010/main" val="3117020103"/>
       </p:ext>
     </p:extLst>
   </p:cSld>
@@ -5223,6 +5173,255 @@
           </a:xfrm>
         </p:spPr>
         <p:txBody>
+          <a:bodyPr/>
+          <a:lstStyle/>
+          <a:p>
+            <a:r>
+              <a:rPr lang="zh-CN" altLang="en-US" dirty="0"/>
+              <a:t>特点分项讲解</a:t>
+            </a:r>
+            <a:r>
+              <a:rPr lang="en-US" altLang="zh-CN" dirty="0" smtClean="0"/>
+              <a:t>-</a:t>
+            </a:r>
+            <a:r>
+              <a:rPr lang="zh-CN" altLang="en-US" sz="2000" dirty="0"/>
+              <a:t>系统通过</a:t>
+            </a:r>
+            <a:r>
+              <a:rPr lang="en-US" altLang="zh-CN" sz="2000" dirty="0" err="1"/>
+              <a:t>OpenAPI</a:t>
+            </a:r>
+            <a:r>
+              <a:rPr lang="zh-CN" altLang="en-US" sz="2000" dirty="0"/>
+              <a:t>和</a:t>
+            </a:r>
+            <a:r>
+              <a:rPr lang="en-US" altLang="zh-CN" sz="2000" dirty="0"/>
+              <a:t>EDA</a:t>
+            </a:r>
+            <a:r>
+              <a:rPr lang="zh-CN" altLang="en-US" sz="2000" dirty="0"/>
+              <a:t>的方式灵活的实现与医院其他专有软件系统的交互</a:t>
+            </a:r>
+            <a:endParaRPr lang="en-US" altLang="zh-CN" sz="2000" dirty="0"/>
+          </a:p>
+        </p:txBody>
+      </p:sp>
+      <p:pic>
+        <p:nvPicPr>
+          <p:cNvPr id="4" name="图片 3"/>
+          <p:cNvPicPr>
+            <a:picLocks noChangeAspect="1"/>
+          </p:cNvPicPr>
+          <p:nvPr/>
+        </p:nvPicPr>
+        <p:blipFill>
+          <a:blip r:embed="rId2"/>
+          <a:stretch>
+            <a:fillRect/>
+          </a:stretch>
+        </p:blipFill>
+        <p:spPr>
+          <a:xfrm>
+            <a:off x="831132" y="2156386"/>
+            <a:ext cx="5830736" cy="3916828"/>
+          </a:xfrm>
+          <a:prstGeom prst="rect">
+            <a:avLst/>
+          </a:prstGeom>
+        </p:spPr>
+      </p:pic>
+      <p:sp>
+        <p:nvSpPr>
+          <p:cNvPr id="5" name="内容占位符 2"/>
+          <p:cNvSpPr>
+            <a:spLocks noGrp="1"/>
+          </p:cNvSpPr>
+          <p:nvPr>
+            <p:ph idx="1"/>
+          </p:nvPr>
+        </p:nvSpPr>
+        <p:spPr>
+          <a:xfrm>
+            <a:off x="6661868" y="2156386"/>
+            <a:ext cx="5009432" cy="4434914"/>
+          </a:xfrm>
+        </p:spPr>
+        <p:txBody>
+          <a:bodyPr>
+            <a:normAutofit/>
+          </a:bodyPr>
+          <a:lstStyle/>
+          <a:p>
+            <a:r>
+              <a:rPr lang="zh-CN" altLang="en-US" dirty="0" smtClean="0"/>
+              <a:t>将</a:t>
+            </a:r>
+            <a:r>
+              <a:rPr lang="en-US" altLang="zh-CN" dirty="0" smtClean="0"/>
+              <a:t>HIS</a:t>
+            </a:r>
+            <a:r>
+              <a:rPr lang="zh-CN" altLang="en-US" dirty="0" smtClean="0"/>
+              <a:t>中的核心业务（患者生命周期、医嘱执行、诊疗信息维护、病历生成和维护）置于</a:t>
+            </a:r>
+            <a:r>
+              <a:rPr lang="en-US" altLang="zh-CN" dirty="0" smtClean="0"/>
+              <a:t>ENGINE</a:t>
+            </a:r>
+            <a:r>
+              <a:rPr lang="zh-CN" altLang="en-US" dirty="0" smtClean="0"/>
+              <a:t>中独立运行，</a:t>
+            </a:r>
+            <a:r>
+              <a:rPr lang="en-US" altLang="zh-CN" dirty="0"/>
+              <a:t> </a:t>
+            </a:r>
+            <a:r>
+              <a:rPr lang="en-US" altLang="zh-CN" dirty="0" smtClean="0"/>
+              <a:t>ENGINE</a:t>
+            </a:r>
+            <a:r>
+              <a:rPr lang="zh-CN" altLang="en-US" dirty="0" smtClean="0"/>
+              <a:t>通过接口以请求相应模式应对其他系统的调用来读写业务数据</a:t>
+            </a:r>
+            <a:endParaRPr lang="en-US" altLang="zh-CN" dirty="0" smtClean="0"/>
+          </a:p>
+          <a:p>
+            <a:r>
+              <a:rPr lang="en-US" altLang="zh-CN" dirty="0" smtClean="0"/>
+              <a:t>HIS</a:t>
+            </a:r>
+            <a:r>
+              <a:rPr lang="zh-CN" altLang="en-US" dirty="0" smtClean="0"/>
+              <a:t>、</a:t>
+            </a:r>
+            <a:r>
+              <a:rPr lang="en-US" altLang="zh-CN" dirty="0" smtClean="0"/>
+              <a:t>LIS</a:t>
+            </a:r>
+            <a:r>
+              <a:rPr lang="zh-CN" altLang="en-US" dirty="0" smtClean="0"/>
+              <a:t>、</a:t>
+            </a:r>
+            <a:r>
+              <a:rPr lang="en-US" altLang="zh-CN" dirty="0" smtClean="0"/>
+              <a:t>PACS</a:t>
+            </a:r>
+            <a:r>
+              <a:rPr lang="zh-CN" altLang="en-US" dirty="0" smtClean="0"/>
+              <a:t>可以通过向总线上发布</a:t>
+            </a:r>
+            <a:r>
+              <a:rPr lang="en-US" altLang="zh-CN" dirty="0" err="1" smtClean="0"/>
+              <a:t>DomainEvent</a:t>
+            </a:r>
+            <a:r>
+              <a:rPr lang="zh-CN" altLang="en-US" dirty="0"/>
+              <a:t>由</a:t>
+            </a:r>
+            <a:r>
+              <a:rPr lang="en-US" altLang="zh-CN" dirty="0" err="1" smtClean="0"/>
+              <a:t>EventBus</a:t>
+            </a:r>
+            <a:r>
+              <a:rPr lang="zh-CN" altLang="en-US" dirty="0" smtClean="0"/>
+              <a:t>同步或异步触发各个软件系统注册在</a:t>
+            </a:r>
+            <a:r>
+              <a:rPr lang="en-US" altLang="zh-CN" dirty="0" smtClean="0"/>
+              <a:t>Bus</a:t>
+            </a:r>
+            <a:r>
+              <a:rPr lang="zh-CN" altLang="en-US" dirty="0" smtClean="0"/>
+              <a:t>上的事件监听器完成业务调用</a:t>
+            </a:r>
+            <a:endParaRPr lang="en-US" altLang="zh-CN" dirty="0" smtClean="0"/>
+          </a:p>
+          <a:p>
+            <a:r>
+              <a:rPr lang="en-US" altLang="zh-CN" dirty="0" smtClean="0"/>
+              <a:t>HIS</a:t>
+            </a:r>
+            <a:r>
+              <a:rPr lang="zh-CN" altLang="en-US" dirty="0" smtClean="0"/>
+              <a:t>在完成本身业务时，可以通过运行在</a:t>
+            </a:r>
+            <a:r>
+              <a:rPr lang="en-US" altLang="zh-CN" dirty="0" smtClean="0"/>
+              <a:t>HIS</a:t>
+            </a:r>
+            <a:r>
+              <a:rPr lang="zh-CN" altLang="en-US" dirty="0" smtClean="0"/>
+              <a:t>中的逻辑</a:t>
+            </a:r>
+            <a:r>
+              <a:rPr lang="en-US" altLang="zh-CN" dirty="0" smtClean="0"/>
+              <a:t>ENGINE</a:t>
+            </a:r>
+            <a:r>
+              <a:rPr lang="zh-CN" altLang="en-US" dirty="0" smtClean="0"/>
+              <a:t>完成业务，以保证业务数据的一致性</a:t>
+            </a:r>
+            <a:endParaRPr lang="zh-CN" altLang="en-US" dirty="0"/>
+          </a:p>
+        </p:txBody>
+      </p:sp>
+    </p:spTree>
+    <p:extLst>
+      <p:ext uri="{BB962C8B-B14F-4D97-AF65-F5344CB8AC3E}">
+        <p14:creationId xmlns:p14="http://schemas.microsoft.com/office/powerpoint/2010/main" val="3421305496"/>
+      </p:ext>
+    </p:extLst>
+  </p:cSld>
+  <p:clrMapOvr>
+    <a:masterClrMapping/>
+  </p:clrMapOvr>
+  <p:timing>
+    <p:tnLst>
+      <p:par>
+        <p:cTn id="1" dur="indefinite" restart="never" nodeType="tmRoot"/>
+      </p:par>
+    </p:tnLst>
+  </p:timing>
+</p:sld>
+</file>
+
+<file path=ppt/slides/slide12.xml><?xml version="1.0" encoding="utf-8"?>
+<p:sld xmlns:a="http://schemas.openxmlformats.org/drawingml/2006/main" xmlns:r="http://schemas.openxmlformats.org/officeDocument/2006/relationships" xmlns:p="http://schemas.openxmlformats.org/presentationml/2006/main">
+  <p:cSld>
+    <p:spTree>
+      <p:nvGrpSpPr>
+        <p:cNvPr id="1" name=""/>
+        <p:cNvGrpSpPr/>
+        <p:nvPr/>
+      </p:nvGrpSpPr>
+      <p:grpSpPr>
+        <a:xfrm>
+          <a:off x="0" y="0"/>
+          <a:ext cx="0" cy="0"/>
+          <a:chOff x="0" y="0"/>
+          <a:chExt cx="0" cy="0"/>
+        </a:xfrm>
+      </p:grpSpPr>
+      <p:sp>
+        <p:nvSpPr>
+          <p:cNvPr id="2" name="标题 1"/>
+          <p:cNvSpPr>
+            <a:spLocks noGrp="1"/>
+          </p:cNvSpPr>
+          <p:nvPr>
+            <p:ph type="title"/>
+          </p:nvPr>
+        </p:nvSpPr>
+        <p:spPr>
+          <a:xfrm>
+            <a:off x="604434" y="0"/>
+            <a:ext cx="11587566" cy="1208868"/>
+          </a:xfrm>
+        </p:spPr>
+        <p:txBody>
           <a:bodyPr>
             <a:normAutofit/>
           </a:bodyPr>
@@ -5436,7 +5635,151 @@
 </p:sld>
 </file>
 
-<file path=ppt/slides/slide12.xml><?xml version="1.0" encoding="utf-8"?>
+<file path=ppt/slides/slide13.xml><?xml version="1.0" encoding="utf-8"?>
+<p:sld xmlns:a="http://schemas.openxmlformats.org/drawingml/2006/main" xmlns:r="http://schemas.openxmlformats.org/officeDocument/2006/relationships" xmlns:p="http://schemas.openxmlformats.org/presentationml/2006/main">
+  <p:cSld>
+    <p:spTree>
+      <p:nvGrpSpPr>
+        <p:cNvPr id="1" name=""/>
+        <p:cNvGrpSpPr/>
+        <p:nvPr/>
+      </p:nvGrpSpPr>
+      <p:grpSpPr>
+        <a:xfrm>
+          <a:off x="0" y="0"/>
+          <a:ext cx="0" cy="0"/>
+          <a:chOff x="0" y="0"/>
+          <a:chExt cx="0" cy="0"/>
+        </a:xfrm>
+      </p:grpSpPr>
+      <p:sp>
+        <p:nvSpPr>
+          <p:cNvPr id="2" name="标题 1"/>
+          <p:cNvSpPr>
+            <a:spLocks noGrp="1"/>
+          </p:cNvSpPr>
+          <p:nvPr>
+            <p:ph type="title"/>
+          </p:nvPr>
+        </p:nvSpPr>
+        <p:spPr/>
+        <p:txBody>
+          <a:bodyPr/>
+          <a:lstStyle/>
+          <a:p>
+            <a:r>
+              <a:rPr lang="zh-CN" altLang="en-US" dirty="0" smtClean="0"/>
+              <a:t>其它</a:t>
+            </a:r>
+            <a:endParaRPr lang="zh-CN" altLang="en-US" dirty="0"/>
+          </a:p>
+        </p:txBody>
+      </p:sp>
+      <p:sp>
+        <p:nvSpPr>
+          <p:cNvPr id="3" name="内容占位符 2"/>
+          <p:cNvSpPr>
+            <a:spLocks noGrp="1"/>
+          </p:cNvSpPr>
+          <p:nvPr>
+            <p:ph idx="1"/>
+          </p:nvPr>
+        </p:nvSpPr>
+        <p:spPr>
+          <a:xfrm>
+            <a:off x="838200" y="1825625"/>
+            <a:ext cx="10289145" cy="4351338"/>
+          </a:xfrm>
+        </p:spPr>
+        <p:txBody>
+          <a:bodyPr/>
+          <a:lstStyle/>
+          <a:p>
+            <a:r>
+              <a:rPr lang="zh-CN" altLang="en-US" dirty="0" smtClean="0"/>
+              <a:t>采用</a:t>
+            </a:r>
+            <a:r>
+              <a:rPr lang="en-US" altLang="zh-CN" dirty="0" smtClean="0"/>
+              <a:t>java</a:t>
+            </a:r>
+            <a:r>
+              <a:rPr lang="zh-CN" altLang="en-US" dirty="0" smtClean="0"/>
+              <a:t>路线，以</a:t>
+            </a:r>
+            <a:r>
+              <a:rPr lang="en-US" altLang="zh-CN" dirty="0" err="1" smtClean="0"/>
+              <a:t>SpringBoot</a:t>
+            </a:r>
+            <a:r>
+              <a:rPr lang="zh-CN" altLang="en-US" dirty="0" smtClean="0"/>
+              <a:t>、</a:t>
+            </a:r>
+            <a:r>
+              <a:rPr lang="en-US" altLang="zh-CN" dirty="0" err="1" smtClean="0"/>
+              <a:t>SpringCloud</a:t>
+            </a:r>
+            <a:r>
+              <a:rPr lang="zh-CN" altLang="en-US" dirty="0" smtClean="0"/>
+              <a:t>作为基础框架</a:t>
+            </a:r>
+            <a:endParaRPr lang="en-US" altLang="zh-CN" dirty="0" smtClean="0"/>
+          </a:p>
+          <a:p>
+            <a:r>
+              <a:rPr lang="zh-CN" altLang="en-US" dirty="0" smtClean="0"/>
+              <a:t>支持</a:t>
+            </a:r>
+            <a:r>
+              <a:rPr lang="en-US" altLang="zh-CN" dirty="0" smtClean="0"/>
+              <a:t>CS</a:t>
+            </a:r>
+            <a:r>
+              <a:rPr lang="zh-CN" altLang="en-US" dirty="0" smtClean="0"/>
+              <a:t>、</a:t>
+            </a:r>
+            <a:r>
+              <a:rPr lang="en-US" altLang="zh-CN" dirty="0" smtClean="0"/>
+              <a:t>BS</a:t>
+            </a:r>
+            <a:r>
+              <a:rPr lang="zh-CN" altLang="en-US" dirty="0" smtClean="0"/>
+              <a:t>、</a:t>
+            </a:r>
+            <a:r>
+              <a:rPr lang="en-US" altLang="zh-CN" dirty="0" smtClean="0"/>
+              <a:t>CSS</a:t>
+            </a:r>
+            <a:r>
+              <a:rPr lang="zh-CN" altLang="en-US" dirty="0" smtClean="0"/>
+              <a:t>三种部署结构，推荐采用</a:t>
+            </a:r>
+            <a:r>
+              <a:rPr lang="en-US" altLang="zh-CN" dirty="0" smtClean="0"/>
+              <a:t>CS+SS+CSS</a:t>
+            </a:r>
+            <a:r>
+              <a:rPr lang="zh-CN" altLang="en-US" dirty="0" smtClean="0"/>
+              <a:t>模式</a:t>
+            </a:r>
+            <a:endParaRPr lang="zh-CN" altLang="en-US" dirty="0"/>
+          </a:p>
+        </p:txBody>
+      </p:sp>
+    </p:spTree>
+    <p:extLst>
+      <p:ext uri="{BB962C8B-B14F-4D97-AF65-F5344CB8AC3E}">
+        <p14:creationId xmlns:p14="http://schemas.microsoft.com/office/powerpoint/2010/main" val="3544725578"/>
+      </p:ext>
+    </p:extLst>
+  </p:cSld>
+  <p:clrMapOvr>
+    <a:masterClrMapping/>
+  </p:clrMapOvr>
+</p:sld>
+</file>
+
+<file path=ppt/slides/slide14.xml><?xml version="1.0" encoding="utf-8"?>
 <p:sld xmlns:a="http://schemas.openxmlformats.org/drawingml/2006/main" xmlns:r="http://schemas.openxmlformats.org/officeDocument/2006/relationships" xmlns:p="http://schemas.openxmlformats.org/presentationml/2006/main">
   <p:cSld>
     <p:spTree>
@@ -6089,13 +6432,21 @@
         </p:spPr>
         <p:txBody>
           <a:bodyPr>
-            <a:normAutofit lnSpcReduction="10000"/>
+            <a:normAutofit fontScale="92500" lnSpcReduction="20000"/>
           </a:bodyPr>
           <a:lstStyle/>
           <a:p>
             <a:r>
               <a:rPr lang="zh-CN" altLang="en-US" dirty="0" smtClean="0"/>
-              <a:t>以患者为中心，联通患者初诊、复诊、住院等多个业务环节</a:t>
+              <a:t>以患者为中心，联通患者初诊、复诊、</a:t>
+            </a:r>
+            <a:r>
+              <a:rPr lang="zh-CN" altLang="en-US" dirty="0" smtClean="0"/>
+              <a:t>住院多</a:t>
+            </a:r>
+            <a:r>
+              <a:rPr lang="zh-CN" altLang="en-US" dirty="0" smtClean="0"/>
+              <a:t>个业务环节</a:t>
             </a:r>
             <a:endParaRPr lang="en-US" altLang="zh-CN" dirty="0" smtClean="0"/>
           </a:p>
@@ -6129,6 +6480,13 @@
             <a:r>
               <a:rPr lang="zh-CN" altLang="en-US" dirty="0" smtClean="0"/>
               <a:t>分离</a:t>
+            </a:r>
+            <a:endParaRPr lang="en-US" altLang="zh-CN" dirty="0" smtClean="0"/>
+          </a:p>
+          <a:p>
+            <a:r>
+              <a:rPr lang="zh-CN" altLang="en-US" dirty="0" smtClean="0"/>
+              <a:t>支持药房、挂号、门诊医生站、住院医生站、护士站等应用的独立发布</a:t>
             </a:r>
             <a:endParaRPr lang="en-US" altLang="zh-CN" dirty="0" smtClean="0"/>
           </a:p>
@@ -7928,8 +8286,8 @@
         </p:nvSpPr>
         <p:spPr>
           <a:xfrm>
-            <a:off x="114300" y="0"/>
-            <a:ext cx="12077700" cy="1208868"/>
+            <a:off x="604434" y="0"/>
+            <a:ext cx="11063825" cy="1208868"/>
           </a:xfrm>
         </p:spPr>
         <p:txBody>
@@ -7948,11 +8306,11 @@
             </a:r>
             <a:r>
               <a:rPr lang="zh-CN" altLang="en-US" sz="2000" dirty="0"/>
-              <a:t>支持核心资产研发与本地化研发的分离，系统提供多种手段满足个性化业务</a:t>
+              <a:t>支持药房、挂号、门诊医生站、住院医生站、护士站等应用的独立</a:t>
             </a:r>
             <a:r>
               <a:rPr lang="zh-CN" altLang="en-US" sz="2000" dirty="0" smtClean="0"/>
-              <a:t>扩展</a:t>
+              <a:t>发布</a:t>
             </a:r>
             <a:endParaRPr lang="zh-CN" altLang="en-US" sz="2000" dirty="0"/>
           </a:p>
@@ -7960,7 +8318,7 @@
       </p:sp>
       <p:pic>
         <p:nvPicPr>
-          <p:cNvPr id="29" name="图片 28"/>
+          <p:cNvPr id="4" name="图片 3"/>
           <p:cNvPicPr>
             <a:picLocks noChangeAspect="1"/>
           </p:cNvPicPr>
@@ -7974,972 +8332,138 @@
         </p:blipFill>
         <p:spPr>
           <a:xfrm>
-            <a:off x="4154854" y="2429399"/>
-            <a:ext cx="3161325" cy="4492337"/>
+            <a:off x="754954" y="1608766"/>
+            <a:ext cx="2104762" cy="5057143"/>
           </a:xfrm>
           <a:prstGeom prst="rect">
             <a:avLst/>
           </a:prstGeom>
         </p:spPr>
       </p:pic>
-      <p:sp>
-        <p:nvSpPr>
-          <p:cNvPr id="30" name="内容占位符 2"/>
-          <p:cNvSpPr>
-            <a:spLocks noGrp="1"/>
-          </p:cNvSpPr>
-          <p:nvPr>
-            <p:ph idx="1"/>
-          </p:nvPr>
-        </p:nvSpPr>
-        <p:spPr>
-          <a:xfrm>
-            <a:off x="838201" y="1825625"/>
-            <a:ext cx="10211872" cy="4351338"/>
-          </a:xfrm>
-        </p:spPr>
-        <p:txBody>
-          <a:bodyPr/>
-          <a:lstStyle/>
-          <a:p>
-            <a:r>
-              <a:rPr lang="zh-CN" altLang="en-US" dirty="0" smtClean="0"/>
-              <a:t>结构：</a:t>
-            </a:r>
-            <a:r>
-              <a:rPr lang="zh-CN" altLang="zh-CN" dirty="0" smtClean="0"/>
-              <a:t>将系统</a:t>
-            </a:r>
-            <a:r>
-              <a:rPr lang="zh-CN" altLang="en-US" dirty="0" smtClean="0"/>
-              <a:t>在逻辑和物理上</a:t>
-            </a:r>
-            <a:r>
-              <a:rPr lang="zh-CN" altLang="zh-CN" dirty="0" smtClean="0"/>
-              <a:t>的</a:t>
-            </a:r>
-            <a:r>
-              <a:rPr lang="zh-CN" altLang="zh-CN" dirty="0"/>
-              <a:t>按着可变性的不同分为黑盒、灰盒和白盒复用的三个</a:t>
-            </a:r>
-            <a:r>
-              <a:rPr lang="zh-CN" altLang="zh-CN" dirty="0" smtClean="0"/>
-              <a:t>层次</a:t>
-            </a:r>
-            <a:endParaRPr lang="zh-CN" altLang="en-US" dirty="0"/>
-          </a:p>
-        </p:txBody>
-      </p:sp>
-      <p:sp>
-        <p:nvSpPr>
-          <p:cNvPr id="31" name="文本框 30"/>
-          <p:cNvSpPr txBox="1"/>
+      <p:pic>
+        <p:nvPicPr>
+          <p:cNvPr id="6" name="图片 5"/>
+          <p:cNvPicPr>
+            <a:picLocks noChangeAspect="1"/>
+          </p:cNvPicPr>
           <p:nvPr/>
-        </p:nvSpPr>
-        <p:spPr>
-          <a:xfrm>
-            <a:off x="2406157" y="6062306"/>
-            <a:ext cx="896399" cy="369332"/>
+        </p:nvPicPr>
+        <p:blipFill>
+          <a:blip r:embed="rId3"/>
+          <a:stretch>
+            <a:fillRect/>
+          </a:stretch>
+        </p:blipFill>
+        <p:spPr>
+          <a:xfrm>
+            <a:off x="3046208" y="1710821"/>
+            <a:ext cx="3523809" cy="4466667"/>
           </a:xfrm>
           <a:prstGeom prst="rect">
             <a:avLst/>
           </a:prstGeom>
-          <a:noFill/>
-        </p:spPr>
-        <p:txBody>
-          <a:bodyPr wrap="none" rtlCol="0">
-            <a:spAutoFit/>
+        </p:spPr>
+      </p:pic>
+      <p:sp>
+        <p:nvSpPr>
+          <p:cNvPr id="7" name="内容占位符 2"/>
+          <p:cNvSpPr>
+            <a:spLocks noGrp="1"/>
+          </p:cNvSpPr>
+          <p:nvPr>
+            <p:ph idx="1"/>
+          </p:nvPr>
+        </p:nvSpPr>
+        <p:spPr>
+          <a:xfrm>
+            <a:off x="7722286" y="1710821"/>
+            <a:ext cx="3945973" cy="4728616"/>
+          </a:xfrm>
+        </p:spPr>
+        <p:txBody>
+          <a:bodyPr>
+            <a:normAutofit/>
           </a:bodyPr>
           <a:lstStyle/>
           <a:p>
             <a:r>
               <a:rPr lang="zh-CN" altLang="en-US" dirty="0" smtClean="0"/>
-              <a:t>灰度</a:t>
+              <a:t>供各部门使用的应用以独立的</a:t>
             </a:r>
             <a:r>
               <a:rPr lang="en-US" altLang="zh-CN" dirty="0" smtClean="0"/>
-              <a:t>10</a:t>
-            </a:r>
-            <a:endParaRPr lang="zh-CN" altLang="en-US" dirty="0"/>
-          </a:p>
-        </p:txBody>
-      </p:sp>
-      <p:cxnSp>
-        <p:nvCxnSpPr>
-          <p:cNvPr id="32" name="直接箭头连接符 31"/>
-          <p:cNvCxnSpPr/>
-          <p:nvPr/>
-        </p:nvCxnSpPr>
-        <p:spPr>
-          <a:xfrm>
-            <a:off x="3389971" y="6316980"/>
-            <a:ext cx="846749" cy="114658"/>
-          </a:xfrm>
-          <a:prstGeom prst="straightConnector1">
-            <a:avLst/>
-          </a:prstGeom>
-          <a:ln>
-            <a:tailEnd type="triangle"/>
-          </a:ln>
-        </p:spPr>
-        <p:style>
-          <a:lnRef idx="1">
-            <a:schemeClr val="accent1"/>
-          </a:lnRef>
-          <a:fillRef idx="0">
-            <a:schemeClr val="accent1"/>
-          </a:fillRef>
-          <a:effectRef idx="0">
-            <a:schemeClr val="accent1"/>
-          </a:effectRef>
-          <a:fontRef idx="minor">
-            <a:schemeClr val="tx1"/>
-          </a:fontRef>
-        </p:style>
-      </p:cxnSp>
-      <p:cxnSp>
-        <p:nvCxnSpPr>
-          <p:cNvPr id="33" name="直接箭头连接符 32"/>
-          <p:cNvCxnSpPr/>
-          <p:nvPr/>
-        </p:nvCxnSpPr>
-        <p:spPr>
-          <a:xfrm flipV="1">
-            <a:off x="3346520" y="6080639"/>
-            <a:ext cx="1009446" cy="166333"/>
-          </a:xfrm>
-          <a:prstGeom prst="straightConnector1">
-            <a:avLst/>
-          </a:prstGeom>
-          <a:ln>
-            <a:tailEnd type="triangle"/>
-          </a:ln>
-        </p:spPr>
-        <p:style>
-          <a:lnRef idx="1">
-            <a:schemeClr val="accent1"/>
-          </a:lnRef>
-          <a:fillRef idx="0">
-            <a:schemeClr val="accent1"/>
-          </a:fillRef>
-          <a:effectRef idx="0">
-            <a:schemeClr val="accent1"/>
-          </a:effectRef>
-          <a:fontRef idx="minor">
-            <a:schemeClr val="tx1"/>
-          </a:fontRef>
-        </p:style>
-      </p:cxnSp>
-      <p:sp>
-        <p:nvSpPr>
-          <p:cNvPr id="34" name="文本框 33"/>
-          <p:cNvSpPr txBox="1"/>
-          <p:nvPr/>
-        </p:nvSpPr>
-        <p:spPr>
-          <a:xfrm>
-            <a:off x="2442506" y="5474066"/>
-            <a:ext cx="771365" cy="369332"/>
-          </a:xfrm>
-          <a:prstGeom prst="rect">
-            <a:avLst/>
-          </a:prstGeom>
-          <a:noFill/>
-        </p:spPr>
-        <p:txBody>
-          <a:bodyPr wrap="none" rtlCol="0">
-            <a:spAutoFit/>
-          </a:bodyPr>
-          <a:lstStyle/>
-          <a:p>
+              <a:t>Maven Module </a:t>
+            </a:r>
             <a:r>
               <a:rPr lang="zh-CN" altLang="en-US" dirty="0" smtClean="0"/>
-              <a:t>灰度</a:t>
+              <a:t>进行研发和发布，互相之间</a:t>
+            </a:r>
+            <a:r>
+              <a:rPr lang="zh-CN" altLang="en-US" smtClean="0"/>
+              <a:t>没有依赖</a:t>
+            </a:r>
+            <a:endParaRPr lang="en-US" altLang="zh-CN" dirty="0" smtClean="0"/>
+          </a:p>
+          <a:p>
+            <a:r>
+              <a:rPr lang="zh-CN" altLang="en-US" dirty="0" smtClean="0"/>
+              <a:t>它们共享的</a:t>
+            </a:r>
+            <a:r>
+              <a:rPr lang="en-US" altLang="zh-CN" dirty="0" smtClean="0"/>
+              <a:t>engine</a:t>
+            </a:r>
+            <a:r>
+              <a:rPr lang="zh-CN" altLang="en-US" dirty="0" smtClean="0"/>
+              <a:t>及其</a:t>
+            </a:r>
+            <a:r>
+              <a:rPr lang="en-US" altLang="zh-CN" dirty="0" smtClean="0"/>
+              <a:t>platform</a:t>
+            </a:r>
+            <a:r>
+              <a:rPr lang="zh-CN" altLang="en-US" dirty="0" smtClean="0"/>
+              <a:t>需要在各个应用发布时随之发布</a:t>
+            </a:r>
+            <a:endParaRPr lang="en-US" altLang="zh-CN" dirty="0" smtClean="0"/>
+          </a:p>
+          <a:p>
+            <a:r>
+              <a:rPr lang="zh-CN" altLang="en-US" dirty="0" smtClean="0">
+                <a:latin typeface="Microsoft YaHei UI" panose="020B0503020204020204" pitchFamily="34" charset="-122"/>
+                <a:ea typeface="Microsoft YaHei UI" panose="020B0503020204020204" pitchFamily="34" charset="-122"/>
+              </a:rPr>
+              <a:t>界面逻辑暂时在一个</a:t>
             </a:r>
             <a:r>
               <a:rPr lang="en-US" altLang="zh-CN" dirty="0"/>
-              <a:t>8</a:t>
-            </a:r>
-            <a:endParaRPr lang="zh-CN" altLang="en-US" dirty="0"/>
-          </a:p>
-        </p:txBody>
-      </p:sp>
-      <p:cxnSp>
-        <p:nvCxnSpPr>
-          <p:cNvPr id="35" name="直接箭头连接符 34"/>
-          <p:cNvCxnSpPr/>
-          <p:nvPr/>
-        </p:nvCxnSpPr>
-        <p:spPr>
-          <a:xfrm>
-            <a:off x="3346520" y="5658732"/>
-            <a:ext cx="1160013" cy="9546"/>
-          </a:xfrm>
-          <a:prstGeom prst="straightConnector1">
-            <a:avLst/>
-          </a:prstGeom>
-          <a:ln>
-            <a:tailEnd type="triangle"/>
-          </a:ln>
-        </p:spPr>
-        <p:style>
-          <a:lnRef idx="1">
-            <a:schemeClr val="accent1"/>
-          </a:lnRef>
-          <a:fillRef idx="0">
-            <a:schemeClr val="accent1"/>
-          </a:fillRef>
-          <a:effectRef idx="0">
-            <a:schemeClr val="accent1"/>
-          </a:effectRef>
-          <a:fontRef idx="minor">
-            <a:schemeClr val="tx1"/>
-          </a:fontRef>
-        </p:style>
-      </p:cxnSp>
-      <p:sp>
-        <p:nvSpPr>
-          <p:cNvPr id="36" name="文本框 35"/>
-          <p:cNvSpPr txBox="1"/>
-          <p:nvPr/>
-        </p:nvSpPr>
-        <p:spPr>
-          <a:xfrm>
-            <a:off x="2442506" y="4644374"/>
-            <a:ext cx="771365" cy="369332"/>
-          </a:xfrm>
-          <a:prstGeom prst="rect">
-            <a:avLst/>
-          </a:prstGeom>
-          <a:noFill/>
-        </p:spPr>
-        <p:txBody>
-          <a:bodyPr wrap="none" rtlCol="0">
-            <a:spAutoFit/>
-          </a:bodyPr>
-          <a:lstStyle/>
-          <a:p>
+              <a:t>Maven </a:t>
+            </a:r>
+            <a:r>
+              <a:rPr lang="en-US" altLang="zh-CN" dirty="0" smtClean="0"/>
+              <a:t>Module</a:t>
+            </a:r>
             <a:r>
               <a:rPr lang="zh-CN" altLang="en-US" dirty="0" smtClean="0"/>
-              <a:t>灰度</a:t>
-            </a:r>
-            <a:r>
-              <a:rPr lang="en-US" altLang="zh-CN" dirty="0" smtClean="0"/>
-              <a:t>9</a:t>
-            </a:r>
-            <a:endParaRPr lang="zh-CN" altLang="en-US" dirty="0"/>
-          </a:p>
-        </p:txBody>
-      </p:sp>
-      <p:cxnSp>
-        <p:nvCxnSpPr>
-          <p:cNvPr id="37" name="直接箭头连接符 36"/>
-          <p:cNvCxnSpPr/>
-          <p:nvPr/>
-        </p:nvCxnSpPr>
-        <p:spPr>
-          <a:xfrm flipV="1">
-            <a:off x="3320094" y="4818302"/>
-            <a:ext cx="1097755" cy="10740"/>
-          </a:xfrm>
-          <a:prstGeom prst="straightConnector1">
-            <a:avLst/>
-          </a:prstGeom>
-          <a:ln>
-            <a:tailEnd type="triangle"/>
-          </a:ln>
-        </p:spPr>
-        <p:style>
-          <a:lnRef idx="1">
-            <a:schemeClr val="accent1"/>
-          </a:lnRef>
-          <a:fillRef idx="0">
-            <a:schemeClr val="accent1"/>
-          </a:fillRef>
-          <a:effectRef idx="0">
-            <a:schemeClr val="accent1"/>
-          </a:effectRef>
-          <a:fontRef idx="minor">
-            <a:schemeClr val="tx1"/>
-          </a:fontRef>
-        </p:style>
-      </p:cxnSp>
-      <p:sp>
-        <p:nvSpPr>
-          <p:cNvPr id="38" name="文本框 37"/>
-          <p:cNvSpPr txBox="1"/>
-          <p:nvPr/>
-        </p:nvSpPr>
-        <p:spPr>
-          <a:xfrm>
-            <a:off x="8209222" y="5015264"/>
-            <a:ext cx="771365" cy="369332"/>
-          </a:xfrm>
-          <a:prstGeom prst="rect">
-            <a:avLst/>
-          </a:prstGeom>
-          <a:noFill/>
-        </p:spPr>
-        <p:txBody>
-          <a:bodyPr wrap="none" rtlCol="0">
-            <a:spAutoFit/>
-          </a:bodyPr>
-          <a:lstStyle/>
-          <a:p>
-            <a:r>
-              <a:rPr lang="zh-CN" altLang="en-US" dirty="0" smtClean="0"/>
-              <a:t>灰度</a:t>
-            </a:r>
-            <a:r>
-              <a:rPr lang="en-US" altLang="zh-CN" dirty="0"/>
-              <a:t>6</a:t>
-            </a:r>
-            <a:endParaRPr lang="zh-CN" altLang="en-US" dirty="0"/>
-          </a:p>
-        </p:txBody>
-      </p:sp>
-      <p:cxnSp>
-        <p:nvCxnSpPr>
-          <p:cNvPr id="39" name="直接箭头连接符 38"/>
-          <p:cNvCxnSpPr/>
-          <p:nvPr/>
-        </p:nvCxnSpPr>
-        <p:spPr>
-          <a:xfrm flipH="1" flipV="1">
-            <a:off x="7048500" y="5199930"/>
-            <a:ext cx="1083293" cy="1"/>
-          </a:xfrm>
-          <a:prstGeom prst="straightConnector1">
-            <a:avLst/>
-          </a:prstGeom>
-          <a:ln>
-            <a:tailEnd type="triangle"/>
-          </a:ln>
-        </p:spPr>
-        <p:style>
-          <a:lnRef idx="1">
-            <a:schemeClr val="accent1"/>
-          </a:lnRef>
-          <a:fillRef idx="0">
-            <a:schemeClr val="accent1"/>
-          </a:fillRef>
-          <a:effectRef idx="0">
-            <a:schemeClr val="accent1"/>
-          </a:effectRef>
-          <a:fontRef idx="minor">
-            <a:schemeClr val="tx1"/>
-          </a:fontRef>
-        </p:style>
-      </p:cxnSp>
-      <p:sp>
-        <p:nvSpPr>
-          <p:cNvPr id="40" name="文本框 39"/>
-          <p:cNvSpPr txBox="1"/>
-          <p:nvPr/>
-        </p:nvSpPr>
-        <p:spPr>
-          <a:xfrm>
-            <a:off x="2420190" y="3897865"/>
-            <a:ext cx="771365" cy="369332"/>
-          </a:xfrm>
-          <a:prstGeom prst="rect">
-            <a:avLst/>
-          </a:prstGeom>
-          <a:noFill/>
-        </p:spPr>
-        <p:txBody>
-          <a:bodyPr wrap="none" rtlCol="0">
-            <a:spAutoFit/>
-          </a:bodyPr>
-          <a:lstStyle/>
-          <a:p>
-            <a:r>
-              <a:rPr lang="zh-CN" altLang="en-US" dirty="0" smtClean="0"/>
-              <a:t>灰度</a:t>
-            </a:r>
-            <a:r>
-              <a:rPr lang="en-US" altLang="zh-CN" dirty="0" smtClean="0"/>
-              <a:t>8</a:t>
-            </a:r>
-            <a:endParaRPr lang="zh-CN" altLang="en-US" dirty="0"/>
-          </a:p>
-        </p:txBody>
-      </p:sp>
-      <p:cxnSp>
-        <p:nvCxnSpPr>
-          <p:cNvPr id="41" name="直接箭头连接符 40"/>
-          <p:cNvCxnSpPr/>
-          <p:nvPr/>
-        </p:nvCxnSpPr>
-        <p:spPr>
-          <a:xfrm flipV="1">
-            <a:off x="3362956" y="4077164"/>
-            <a:ext cx="1165074" cy="5370"/>
-          </a:xfrm>
-          <a:prstGeom prst="straightConnector1">
-            <a:avLst/>
-          </a:prstGeom>
-          <a:ln>
-            <a:tailEnd type="triangle"/>
-          </a:ln>
-        </p:spPr>
-        <p:style>
-          <a:lnRef idx="1">
-            <a:schemeClr val="accent1"/>
-          </a:lnRef>
-          <a:fillRef idx="0">
-            <a:schemeClr val="accent1"/>
-          </a:fillRef>
-          <a:effectRef idx="0">
-            <a:schemeClr val="accent1"/>
-          </a:effectRef>
-          <a:fontRef idx="minor">
-            <a:schemeClr val="tx1"/>
-          </a:fontRef>
-        </p:style>
-      </p:cxnSp>
-      <p:sp>
-        <p:nvSpPr>
-          <p:cNvPr id="42" name="文本框 41"/>
-          <p:cNvSpPr txBox="1"/>
-          <p:nvPr/>
-        </p:nvSpPr>
-        <p:spPr>
-          <a:xfrm>
-            <a:off x="2425788" y="3514163"/>
-            <a:ext cx="771365" cy="369332"/>
-          </a:xfrm>
-          <a:prstGeom prst="rect">
-            <a:avLst/>
-          </a:prstGeom>
-          <a:noFill/>
-        </p:spPr>
-        <p:txBody>
-          <a:bodyPr wrap="none" rtlCol="0">
-            <a:spAutoFit/>
-          </a:bodyPr>
-          <a:lstStyle/>
-          <a:p>
-            <a:r>
-              <a:rPr lang="zh-CN" altLang="en-US" dirty="0" smtClean="0"/>
-              <a:t>灰度</a:t>
-            </a:r>
-            <a:r>
-              <a:rPr lang="en-US" altLang="zh-CN" dirty="0"/>
-              <a:t>4</a:t>
-            </a:r>
-            <a:endParaRPr lang="zh-CN" altLang="en-US" dirty="0"/>
-          </a:p>
-        </p:txBody>
-      </p:sp>
-      <p:cxnSp>
-        <p:nvCxnSpPr>
-          <p:cNvPr id="43" name="直接箭头连接符 42"/>
-          <p:cNvCxnSpPr/>
-          <p:nvPr/>
-        </p:nvCxnSpPr>
-        <p:spPr>
-          <a:xfrm flipV="1">
-            <a:off x="3346520" y="3767214"/>
-            <a:ext cx="1187108" cy="2"/>
-          </a:xfrm>
-          <a:prstGeom prst="straightConnector1">
-            <a:avLst/>
-          </a:prstGeom>
-          <a:ln>
-            <a:tailEnd type="triangle"/>
-          </a:ln>
-        </p:spPr>
-        <p:style>
-          <a:lnRef idx="1">
-            <a:schemeClr val="accent1"/>
-          </a:lnRef>
-          <a:fillRef idx="0">
-            <a:schemeClr val="accent1"/>
-          </a:fillRef>
-          <a:effectRef idx="0">
-            <a:schemeClr val="accent1"/>
-          </a:effectRef>
-          <a:fontRef idx="minor">
-            <a:schemeClr val="tx1"/>
-          </a:fontRef>
-        </p:style>
-      </p:cxnSp>
-      <p:sp>
-        <p:nvSpPr>
-          <p:cNvPr id="44" name="文本框 43"/>
-          <p:cNvSpPr txBox="1"/>
-          <p:nvPr/>
-        </p:nvSpPr>
-        <p:spPr>
-          <a:xfrm>
-            <a:off x="8159877" y="3708025"/>
-            <a:ext cx="771365" cy="369332"/>
-          </a:xfrm>
-          <a:prstGeom prst="rect">
-            <a:avLst/>
-          </a:prstGeom>
-          <a:noFill/>
-        </p:spPr>
-        <p:txBody>
-          <a:bodyPr wrap="none" rtlCol="0">
-            <a:spAutoFit/>
-          </a:bodyPr>
-          <a:lstStyle/>
-          <a:p>
-            <a:r>
-              <a:rPr lang="zh-CN" altLang="en-US" dirty="0" smtClean="0"/>
-              <a:t>灰度</a:t>
-            </a:r>
-            <a:r>
-              <a:rPr lang="en-US" altLang="zh-CN" dirty="0" smtClean="0"/>
-              <a:t>6</a:t>
-            </a:r>
-            <a:endParaRPr lang="zh-CN" altLang="en-US" dirty="0"/>
-          </a:p>
-        </p:txBody>
-      </p:sp>
-      <p:cxnSp>
-        <p:nvCxnSpPr>
-          <p:cNvPr id="45" name="直接箭头连接符 44"/>
-          <p:cNvCxnSpPr/>
-          <p:nvPr/>
-        </p:nvCxnSpPr>
-        <p:spPr>
-          <a:xfrm flipH="1" flipV="1">
-            <a:off x="5486400" y="3859122"/>
-            <a:ext cx="2567865" cy="24372"/>
-          </a:xfrm>
-          <a:prstGeom prst="straightConnector1">
-            <a:avLst/>
-          </a:prstGeom>
-          <a:ln>
-            <a:tailEnd type="triangle"/>
-          </a:ln>
-        </p:spPr>
-        <p:style>
-          <a:lnRef idx="1">
-            <a:schemeClr val="accent1"/>
-          </a:lnRef>
-          <a:fillRef idx="0">
-            <a:schemeClr val="accent1"/>
-          </a:fillRef>
-          <a:effectRef idx="0">
-            <a:schemeClr val="accent1"/>
-          </a:effectRef>
-          <a:fontRef idx="minor">
-            <a:schemeClr val="tx1"/>
-          </a:fontRef>
-        </p:style>
-      </p:cxnSp>
-      <p:sp>
-        <p:nvSpPr>
-          <p:cNvPr id="46" name="文本框 45"/>
-          <p:cNvSpPr txBox="1"/>
-          <p:nvPr/>
-        </p:nvSpPr>
-        <p:spPr>
-          <a:xfrm>
-            <a:off x="2420190" y="2783604"/>
-            <a:ext cx="771365" cy="369332"/>
-          </a:xfrm>
-          <a:prstGeom prst="rect">
-            <a:avLst/>
-          </a:prstGeom>
-          <a:noFill/>
-        </p:spPr>
-        <p:txBody>
-          <a:bodyPr wrap="none" rtlCol="0">
-            <a:spAutoFit/>
-          </a:bodyPr>
-          <a:lstStyle/>
-          <a:p>
-            <a:r>
-              <a:rPr lang="zh-CN" altLang="en-US" dirty="0" smtClean="0"/>
-              <a:t>灰度</a:t>
-            </a:r>
-            <a:r>
-              <a:rPr lang="en-US" altLang="zh-CN" dirty="0" smtClean="0"/>
-              <a:t>0</a:t>
-            </a:r>
-            <a:endParaRPr lang="zh-CN" altLang="en-US" dirty="0"/>
-          </a:p>
-        </p:txBody>
-      </p:sp>
-      <p:cxnSp>
-        <p:nvCxnSpPr>
-          <p:cNvPr id="47" name="直接箭头连接符 46"/>
-          <p:cNvCxnSpPr/>
-          <p:nvPr/>
-        </p:nvCxnSpPr>
-        <p:spPr>
-          <a:xfrm flipV="1">
-            <a:off x="3170568" y="2959488"/>
-            <a:ext cx="1352176" cy="2"/>
-          </a:xfrm>
-          <a:prstGeom prst="straightConnector1">
-            <a:avLst/>
-          </a:prstGeom>
-          <a:ln>
-            <a:tailEnd type="triangle"/>
-          </a:ln>
-        </p:spPr>
-        <p:style>
-          <a:lnRef idx="1">
-            <a:schemeClr val="accent1"/>
-          </a:lnRef>
-          <a:fillRef idx="0">
-            <a:schemeClr val="accent1"/>
-          </a:fillRef>
-          <a:effectRef idx="0">
-            <a:schemeClr val="accent1"/>
-          </a:effectRef>
-          <a:fontRef idx="minor">
-            <a:schemeClr val="tx1"/>
-          </a:fontRef>
-        </p:style>
-      </p:cxnSp>
-      <p:sp>
-        <p:nvSpPr>
-          <p:cNvPr id="48" name="文本框 47"/>
-          <p:cNvSpPr txBox="1"/>
-          <p:nvPr/>
-        </p:nvSpPr>
-        <p:spPr>
-          <a:xfrm>
-            <a:off x="9728200" y="3242365"/>
-            <a:ext cx="1576072" cy="923330"/>
-          </a:xfrm>
-          <a:prstGeom prst="rect">
-            <a:avLst/>
-          </a:prstGeom>
-          <a:noFill/>
-        </p:spPr>
-        <p:txBody>
-          <a:bodyPr wrap="none" rtlCol="0">
-            <a:spAutoFit/>
-          </a:bodyPr>
-          <a:lstStyle/>
-          <a:p>
-            <a:r>
-              <a:rPr lang="en-US" altLang="zh-CN" dirty="0" smtClean="0"/>
-              <a:t>0-5</a:t>
-            </a:r>
-            <a:r>
-              <a:rPr lang="zh-CN" altLang="en-US" dirty="0" smtClean="0"/>
-              <a:t>为白盒；</a:t>
-            </a:r>
-            <a:endParaRPr lang="en-US" altLang="zh-CN" dirty="0" smtClean="0"/>
-          </a:p>
-          <a:p>
-            <a:r>
-              <a:rPr lang="en-US" altLang="zh-CN" dirty="0" smtClean="0"/>
-              <a:t>6-7</a:t>
-            </a:r>
-            <a:r>
-              <a:rPr lang="zh-CN" altLang="en-US" dirty="0" smtClean="0"/>
-              <a:t>为灰盒；</a:t>
-            </a:r>
-            <a:endParaRPr lang="en-US" altLang="zh-CN" dirty="0" smtClean="0"/>
-          </a:p>
-          <a:p>
-            <a:r>
-              <a:rPr lang="en-US" altLang="zh-CN" dirty="0" smtClean="0"/>
-              <a:t>8-10</a:t>
-            </a:r>
-            <a:r>
-              <a:rPr lang="zh-CN" altLang="en-US" dirty="0" smtClean="0"/>
-              <a:t>为黑盒；</a:t>
-            </a:r>
-            <a:endParaRPr lang="zh-CN" altLang="en-US" dirty="0"/>
-          </a:p>
-        </p:txBody>
-      </p:sp>
-      <p:sp>
-        <p:nvSpPr>
-          <p:cNvPr id="49" name="文本框 48"/>
-          <p:cNvSpPr txBox="1"/>
-          <p:nvPr/>
-        </p:nvSpPr>
-        <p:spPr>
-          <a:xfrm>
-            <a:off x="660262" y="5324295"/>
-            <a:ext cx="1107996" cy="369332"/>
-          </a:xfrm>
-          <a:prstGeom prst="rect">
-            <a:avLst/>
-          </a:prstGeom>
-          <a:noFill/>
-        </p:spPr>
-        <p:txBody>
-          <a:bodyPr wrap="none" rtlCol="0">
-            <a:spAutoFit/>
-          </a:bodyPr>
-          <a:lstStyle/>
-          <a:p>
-            <a:r>
-              <a:rPr lang="zh-CN" altLang="en-US" dirty="0" smtClean="0">
-                <a:solidFill>
-                  <a:srgbClr val="FF0000"/>
-                </a:solidFill>
-              </a:rPr>
-              <a:t>黑中有灰</a:t>
-            </a:r>
-            <a:endParaRPr lang="zh-CN" altLang="en-US" dirty="0">
-              <a:solidFill>
-                <a:srgbClr val="FF0000"/>
-              </a:solidFill>
+              <a:t>中，一起发布</a:t>
+            </a:r>
+            <a:endParaRPr lang="zh-CN" dirty="0">
+              <a:latin typeface="Microsoft YaHei UI" panose="020B0503020204020204" pitchFamily="34" charset="-122"/>
+              <a:ea typeface="Microsoft YaHei UI" panose="020B0503020204020204" pitchFamily="34" charset="-122"/>
             </a:endParaRPr>
-          </a:p>
-        </p:txBody>
-      </p:sp>
-      <p:sp>
-        <p:nvSpPr>
-          <p:cNvPr id="50" name="文本框 49"/>
-          <p:cNvSpPr txBox="1"/>
-          <p:nvPr/>
-        </p:nvSpPr>
-        <p:spPr>
-          <a:xfrm>
-            <a:off x="627617" y="3859122"/>
-            <a:ext cx="1107996" cy="369332"/>
-          </a:xfrm>
-          <a:prstGeom prst="rect">
-            <a:avLst/>
-          </a:prstGeom>
-          <a:noFill/>
-        </p:spPr>
-        <p:txBody>
-          <a:bodyPr wrap="none" rtlCol="0">
-            <a:spAutoFit/>
-          </a:bodyPr>
-          <a:lstStyle/>
-          <a:p>
-            <a:r>
-              <a:rPr lang="zh-CN" altLang="en-US" dirty="0" smtClean="0">
-                <a:solidFill>
-                  <a:srgbClr val="FF0000"/>
-                </a:solidFill>
-              </a:rPr>
-              <a:t>灰中有</a:t>
-            </a:r>
-            <a:r>
-              <a:rPr lang="zh-CN" altLang="en-US" dirty="0">
-                <a:solidFill>
-                  <a:srgbClr val="FF0000"/>
-                </a:solidFill>
-              </a:rPr>
-              <a:t>黑</a:t>
-            </a:r>
-          </a:p>
-        </p:txBody>
-      </p:sp>
-      <p:sp>
-        <p:nvSpPr>
-          <p:cNvPr id="51" name="矩形 50"/>
-          <p:cNvSpPr/>
-          <p:nvPr/>
-        </p:nvSpPr>
-        <p:spPr>
-          <a:xfrm>
-            <a:off x="6615141" y="4599626"/>
-            <a:ext cx="498802" cy="1380189"/>
-          </a:xfrm>
-          <a:prstGeom prst="rect">
-            <a:avLst/>
-          </a:prstGeom>
-          <a:noFill/>
-          <a:ln w="25400">
-            <a:solidFill>
-              <a:srgbClr val="FF0000"/>
-            </a:solidFill>
-          </a:ln>
-        </p:spPr>
-        <p:style>
-          <a:lnRef idx="2">
-            <a:schemeClr val="accent1">
-              <a:shade val="50000"/>
-            </a:schemeClr>
-          </a:lnRef>
-          <a:fillRef idx="1">
-            <a:schemeClr val="accent1"/>
-          </a:fillRef>
-          <a:effectRef idx="0">
-            <a:schemeClr val="accent1"/>
-          </a:effectRef>
-          <a:fontRef idx="minor">
-            <a:schemeClr val="lt1"/>
-          </a:fontRef>
-        </p:style>
-        <p:txBody>
-          <a:bodyPr rtlCol="0" anchor="ctr"/>
-          <a:lstStyle/>
-          <a:p>
-            <a:pPr algn="ctr"/>
-            <a:endParaRPr lang="zh-CN" altLang="en-US"/>
-          </a:p>
-        </p:txBody>
-      </p:sp>
-      <p:sp>
-        <p:nvSpPr>
-          <p:cNvPr id="52" name="矩形 51"/>
-          <p:cNvSpPr/>
-          <p:nvPr/>
-        </p:nvSpPr>
-        <p:spPr>
-          <a:xfrm>
-            <a:off x="4506533" y="3924919"/>
-            <a:ext cx="545733" cy="372386"/>
-          </a:xfrm>
-          <a:prstGeom prst="rect">
-            <a:avLst/>
-          </a:prstGeom>
-          <a:noFill/>
-          <a:ln w="25400">
-            <a:solidFill>
-              <a:srgbClr val="FF0000"/>
-            </a:solidFill>
-          </a:ln>
-        </p:spPr>
-        <p:style>
-          <a:lnRef idx="2">
-            <a:schemeClr val="accent1">
-              <a:shade val="50000"/>
-            </a:schemeClr>
-          </a:lnRef>
-          <a:fillRef idx="1">
-            <a:schemeClr val="accent1"/>
-          </a:fillRef>
-          <a:effectRef idx="0">
-            <a:schemeClr val="accent1"/>
-          </a:effectRef>
-          <a:fontRef idx="minor">
-            <a:schemeClr val="lt1"/>
-          </a:fontRef>
-        </p:style>
-        <p:txBody>
-          <a:bodyPr rtlCol="0" anchor="ctr"/>
-          <a:lstStyle/>
-          <a:p>
-            <a:pPr algn="ctr"/>
-            <a:endParaRPr lang="zh-CN" altLang="en-US"/>
-          </a:p>
-        </p:txBody>
-      </p:sp>
-      <p:sp>
-        <p:nvSpPr>
-          <p:cNvPr id="53" name="文本框 52"/>
-          <p:cNvSpPr txBox="1"/>
-          <p:nvPr/>
-        </p:nvSpPr>
-        <p:spPr>
-          <a:xfrm>
-            <a:off x="2442506" y="5097746"/>
-            <a:ext cx="771365" cy="369332"/>
-          </a:xfrm>
-          <a:prstGeom prst="rect">
-            <a:avLst/>
-          </a:prstGeom>
-          <a:noFill/>
-        </p:spPr>
-        <p:txBody>
-          <a:bodyPr wrap="none" rtlCol="0">
-            <a:spAutoFit/>
-          </a:bodyPr>
-          <a:lstStyle/>
-          <a:p>
-            <a:r>
-              <a:rPr lang="zh-CN" altLang="en-US" dirty="0" smtClean="0"/>
-              <a:t>灰度</a:t>
-            </a:r>
-            <a:r>
-              <a:rPr lang="en-US" altLang="zh-CN" dirty="0"/>
-              <a:t>7</a:t>
-            </a:r>
-            <a:endParaRPr lang="zh-CN" altLang="en-US" dirty="0"/>
-          </a:p>
-        </p:txBody>
-      </p:sp>
-      <p:cxnSp>
-        <p:nvCxnSpPr>
-          <p:cNvPr id="54" name="直接箭头连接符 53"/>
-          <p:cNvCxnSpPr/>
-          <p:nvPr/>
-        </p:nvCxnSpPr>
-        <p:spPr>
-          <a:xfrm flipV="1">
-            <a:off x="3339241" y="5324295"/>
-            <a:ext cx="1167292" cy="5370"/>
-          </a:xfrm>
-          <a:prstGeom prst="straightConnector1">
-            <a:avLst/>
-          </a:prstGeom>
-          <a:ln>
-            <a:tailEnd type="triangle"/>
-          </a:ln>
-        </p:spPr>
-        <p:style>
-          <a:lnRef idx="1">
-            <a:schemeClr val="accent1"/>
-          </a:lnRef>
-          <a:fillRef idx="0">
-            <a:schemeClr val="accent1"/>
-          </a:fillRef>
-          <a:effectRef idx="0">
-            <a:schemeClr val="accent1"/>
-          </a:effectRef>
-          <a:fontRef idx="minor">
-            <a:schemeClr val="tx1"/>
-          </a:fontRef>
-        </p:style>
-      </p:cxnSp>
-      <p:sp>
-        <p:nvSpPr>
-          <p:cNvPr id="57" name="文本框 56"/>
-          <p:cNvSpPr txBox="1"/>
-          <p:nvPr/>
-        </p:nvSpPr>
-        <p:spPr>
-          <a:xfrm>
-            <a:off x="8896676" y="5785307"/>
-            <a:ext cx="2918280" cy="646331"/>
-          </a:xfrm>
-          <a:prstGeom prst="rect">
-            <a:avLst/>
-          </a:prstGeom>
-          <a:noFill/>
-        </p:spPr>
-        <p:txBody>
-          <a:bodyPr wrap="square" rtlCol="0">
-            <a:spAutoFit/>
-          </a:bodyPr>
-          <a:lstStyle/>
-          <a:p>
-            <a:r>
-              <a:rPr lang="zh-CN" altLang="en-US" dirty="0" smtClean="0"/>
-              <a:t>白盒与灰盒为本地化研发，黑盒为核心资产研发</a:t>
-            </a:r>
-            <a:endParaRPr lang="zh-CN" altLang="en-US" dirty="0"/>
           </a:p>
         </p:txBody>
       </p:sp>
     </p:spTree>
     <p:extLst>
       <p:ext uri="{BB962C8B-B14F-4D97-AF65-F5344CB8AC3E}">
-        <p14:creationId xmlns:p14="http://schemas.microsoft.com/office/powerpoint/2010/main" val="279373658"/>
+        <p14:creationId xmlns:p14="http://schemas.microsoft.com/office/powerpoint/2010/main" val="423609778"/>
       </p:ext>
     </p:extLst>
   </p:cSld>
   <p:clrMapOvr>
     <a:masterClrMapping/>
   </p:clrMapOvr>
-  <p:timing>
-    <p:tnLst>
-      <p:par>
-        <p:cTn id="1" dur="indefinite" restart="never" nodeType="tmRoot"/>
-      </p:par>
-    </p:tnLst>
-  </p:timing>
 </p:sld>
 </file>
 
@@ -9002,53 +8526,9 @@
           </a:p>
         </p:txBody>
       </p:sp>
-      <p:sp>
-        <p:nvSpPr>
-          <p:cNvPr id="3" name="内容占位符 2"/>
-          <p:cNvSpPr>
-            <a:spLocks noGrp="1"/>
-          </p:cNvSpPr>
-          <p:nvPr>
-            <p:ph idx="1"/>
-          </p:nvPr>
-        </p:nvSpPr>
-        <p:spPr>
-          <a:xfrm>
-            <a:off x="766728" y="4851400"/>
-            <a:ext cx="5202272" cy="1627188"/>
-          </a:xfrm>
-        </p:spPr>
-        <p:txBody>
-          <a:bodyPr/>
-          <a:lstStyle/>
-          <a:p>
-            <a:r>
-              <a:rPr lang="zh-CN" altLang="en-US" dirty="0" smtClean="0"/>
-              <a:t>业务逻辑分布：将业务逻辑区分为应用逻辑和领域逻辑，采用事务脚本风格编写应用逻辑（</a:t>
-            </a:r>
-            <a:r>
-              <a:rPr lang="en-US" altLang="zh-CN" dirty="0" smtClean="0"/>
-              <a:t>application</a:t>
-            </a:r>
-            <a:r>
-              <a:rPr lang="zh-CN" altLang="en-US" dirty="0" smtClean="0"/>
-              <a:t>），采用领域驱动风格编写领域逻辑（</a:t>
-            </a:r>
-            <a:r>
-              <a:rPr lang="en-US" altLang="zh-CN" dirty="0" smtClean="0"/>
-              <a:t>domain</a:t>
-            </a:r>
-            <a:r>
-              <a:rPr lang="zh-CN" altLang="en-US" dirty="0" smtClean="0"/>
-              <a:t>）</a:t>
-            </a:r>
-            <a:endParaRPr lang="zh-CN" altLang="en-US" dirty="0"/>
-          </a:p>
-        </p:txBody>
-      </p:sp>
       <p:pic>
         <p:nvPicPr>
-          <p:cNvPr id="6" name="图片 5"/>
+          <p:cNvPr id="29" name="图片 28"/>
           <p:cNvPicPr>
             <a:picLocks noChangeAspect="1"/>
           </p:cNvPicPr>
@@ -9062,66 +8542,959 @@
         </p:blipFill>
         <p:spPr>
           <a:xfrm>
-            <a:off x="6303928" y="1983272"/>
-            <a:ext cx="5722972" cy="2354387"/>
+            <a:off x="4154854" y="2429399"/>
+            <a:ext cx="3161325" cy="4492337"/>
           </a:xfrm>
           <a:prstGeom prst="rect">
             <a:avLst/>
           </a:prstGeom>
         </p:spPr>
       </p:pic>
-      <p:pic>
-        <p:nvPicPr>
-          <p:cNvPr id="9" name="图片 8"/>
-          <p:cNvPicPr>
-            <a:picLocks noChangeAspect="1"/>
-          </p:cNvPicPr>
+      <p:sp>
+        <p:nvSpPr>
+          <p:cNvPr id="30" name="内容占位符 2"/>
+          <p:cNvSpPr>
+            <a:spLocks noGrp="1"/>
+          </p:cNvSpPr>
+          <p:nvPr>
+            <p:ph idx="1"/>
+          </p:nvPr>
+        </p:nvSpPr>
+        <p:spPr>
+          <a:xfrm>
+            <a:off x="838201" y="1825625"/>
+            <a:ext cx="10211872" cy="4351338"/>
+          </a:xfrm>
+        </p:spPr>
+        <p:txBody>
+          <a:bodyPr/>
+          <a:lstStyle/>
+          <a:p>
+            <a:r>
+              <a:rPr lang="zh-CN" altLang="en-US" dirty="0" smtClean="0"/>
+              <a:t>结构：</a:t>
+            </a:r>
+            <a:r>
+              <a:rPr lang="zh-CN" altLang="zh-CN" dirty="0" smtClean="0"/>
+              <a:t>将系统</a:t>
+            </a:r>
+            <a:r>
+              <a:rPr lang="zh-CN" altLang="en-US" dirty="0" smtClean="0"/>
+              <a:t>在逻辑和物理上</a:t>
+            </a:r>
+            <a:r>
+              <a:rPr lang="zh-CN" altLang="zh-CN" dirty="0" smtClean="0"/>
+              <a:t>的</a:t>
+            </a:r>
+            <a:r>
+              <a:rPr lang="zh-CN" altLang="zh-CN" dirty="0"/>
+              <a:t>按着可变性的不同分为黑盒、灰盒和白盒复用的三个</a:t>
+            </a:r>
+            <a:r>
+              <a:rPr lang="zh-CN" altLang="zh-CN" dirty="0" smtClean="0"/>
+              <a:t>层次</a:t>
+            </a:r>
+            <a:endParaRPr lang="zh-CN" altLang="en-US" dirty="0"/>
+          </a:p>
+        </p:txBody>
+      </p:sp>
+      <p:sp>
+        <p:nvSpPr>
+          <p:cNvPr id="31" name="文本框 30"/>
+          <p:cNvSpPr txBox="1"/>
           <p:nvPr/>
-        </p:nvPicPr>
-        <p:blipFill>
-          <a:blip r:embed="rId3"/>
-          <a:stretch>
-            <a:fillRect/>
-          </a:stretch>
-        </p:blipFill>
-        <p:spPr>
-          <a:xfrm>
-            <a:off x="6303929" y="4484170"/>
-            <a:ext cx="5570572" cy="1724005"/>
+        </p:nvSpPr>
+        <p:spPr>
+          <a:xfrm>
+            <a:off x="2406157" y="6062306"/>
+            <a:ext cx="896399" cy="369332"/>
           </a:xfrm>
           <a:prstGeom prst="rect">
             <a:avLst/>
           </a:prstGeom>
-        </p:spPr>
-      </p:pic>
-      <p:pic>
-        <p:nvPicPr>
-          <p:cNvPr id="10" name="图片 9"/>
-          <p:cNvPicPr>
-            <a:picLocks noChangeAspect="1"/>
-          </p:cNvPicPr>
+          <a:noFill/>
+        </p:spPr>
+        <p:txBody>
+          <a:bodyPr wrap="none" rtlCol="0">
+            <a:spAutoFit/>
+          </a:bodyPr>
+          <a:lstStyle/>
+          <a:p>
+            <a:r>
+              <a:rPr lang="zh-CN" altLang="en-US" dirty="0" smtClean="0"/>
+              <a:t>灰度</a:t>
+            </a:r>
+            <a:r>
+              <a:rPr lang="en-US" altLang="zh-CN" dirty="0" smtClean="0"/>
+              <a:t>10</a:t>
+            </a:r>
+            <a:endParaRPr lang="zh-CN" altLang="en-US" dirty="0"/>
+          </a:p>
+        </p:txBody>
+      </p:sp>
+      <p:cxnSp>
+        <p:nvCxnSpPr>
+          <p:cNvPr id="32" name="直接箭头连接符 31"/>
+          <p:cNvCxnSpPr/>
           <p:nvPr/>
-        </p:nvPicPr>
-        <p:blipFill>
-          <a:blip r:embed="rId4"/>
-          <a:stretch>
-            <a:fillRect/>
-          </a:stretch>
-        </p:blipFill>
-        <p:spPr>
-          <a:xfrm>
-            <a:off x="590550" y="1876034"/>
-            <a:ext cx="5293948" cy="2546366"/>
+        </p:nvCxnSpPr>
+        <p:spPr>
+          <a:xfrm>
+            <a:off x="3389971" y="6316980"/>
+            <a:ext cx="846749" cy="114658"/>
+          </a:xfrm>
+          <a:prstGeom prst="straightConnector1">
+            <a:avLst/>
+          </a:prstGeom>
+          <a:ln>
+            <a:tailEnd type="triangle"/>
+          </a:ln>
+        </p:spPr>
+        <p:style>
+          <a:lnRef idx="1">
+            <a:schemeClr val="accent1"/>
+          </a:lnRef>
+          <a:fillRef idx="0">
+            <a:schemeClr val="accent1"/>
+          </a:fillRef>
+          <a:effectRef idx="0">
+            <a:schemeClr val="accent1"/>
+          </a:effectRef>
+          <a:fontRef idx="minor">
+            <a:schemeClr val="tx1"/>
+          </a:fontRef>
+        </p:style>
+      </p:cxnSp>
+      <p:cxnSp>
+        <p:nvCxnSpPr>
+          <p:cNvPr id="33" name="直接箭头连接符 32"/>
+          <p:cNvCxnSpPr/>
+          <p:nvPr/>
+        </p:nvCxnSpPr>
+        <p:spPr>
+          <a:xfrm flipV="1">
+            <a:off x="3346520" y="6080639"/>
+            <a:ext cx="1009446" cy="166333"/>
+          </a:xfrm>
+          <a:prstGeom prst="straightConnector1">
+            <a:avLst/>
+          </a:prstGeom>
+          <a:ln>
+            <a:tailEnd type="triangle"/>
+          </a:ln>
+        </p:spPr>
+        <p:style>
+          <a:lnRef idx="1">
+            <a:schemeClr val="accent1"/>
+          </a:lnRef>
+          <a:fillRef idx="0">
+            <a:schemeClr val="accent1"/>
+          </a:fillRef>
+          <a:effectRef idx="0">
+            <a:schemeClr val="accent1"/>
+          </a:effectRef>
+          <a:fontRef idx="minor">
+            <a:schemeClr val="tx1"/>
+          </a:fontRef>
+        </p:style>
+      </p:cxnSp>
+      <p:sp>
+        <p:nvSpPr>
+          <p:cNvPr id="34" name="文本框 33"/>
+          <p:cNvSpPr txBox="1"/>
+          <p:nvPr/>
+        </p:nvSpPr>
+        <p:spPr>
+          <a:xfrm>
+            <a:off x="2442506" y="5474066"/>
+            <a:ext cx="771365" cy="369332"/>
           </a:xfrm>
           <a:prstGeom prst="rect">
             <a:avLst/>
           </a:prstGeom>
-        </p:spPr>
-      </p:pic>
+          <a:noFill/>
+        </p:spPr>
+        <p:txBody>
+          <a:bodyPr wrap="none" rtlCol="0">
+            <a:spAutoFit/>
+          </a:bodyPr>
+          <a:lstStyle/>
+          <a:p>
+            <a:r>
+              <a:rPr lang="zh-CN" altLang="en-US" dirty="0" smtClean="0"/>
+              <a:t>灰度</a:t>
+            </a:r>
+            <a:r>
+              <a:rPr lang="en-US" altLang="zh-CN" dirty="0"/>
+              <a:t>8</a:t>
+            </a:r>
+            <a:endParaRPr lang="zh-CN" altLang="en-US" dirty="0"/>
+          </a:p>
+        </p:txBody>
+      </p:sp>
+      <p:cxnSp>
+        <p:nvCxnSpPr>
+          <p:cNvPr id="35" name="直接箭头连接符 34"/>
+          <p:cNvCxnSpPr/>
+          <p:nvPr/>
+        </p:nvCxnSpPr>
+        <p:spPr>
+          <a:xfrm>
+            <a:off x="3346520" y="5658732"/>
+            <a:ext cx="1160013" cy="9546"/>
+          </a:xfrm>
+          <a:prstGeom prst="straightConnector1">
+            <a:avLst/>
+          </a:prstGeom>
+          <a:ln>
+            <a:tailEnd type="triangle"/>
+          </a:ln>
+        </p:spPr>
+        <p:style>
+          <a:lnRef idx="1">
+            <a:schemeClr val="accent1"/>
+          </a:lnRef>
+          <a:fillRef idx="0">
+            <a:schemeClr val="accent1"/>
+          </a:fillRef>
+          <a:effectRef idx="0">
+            <a:schemeClr val="accent1"/>
+          </a:effectRef>
+          <a:fontRef idx="minor">
+            <a:schemeClr val="tx1"/>
+          </a:fontRef>
+        </p:style>
+      </p:cxnSp>
+      <p:sp>
+        <p:nvSpPr>
+          <p:cNvPr id="36" name="文本框 35"/>
+          <p:cNvSpPr txBox="1"/>
+          <p:nvPr/>
+        </p:nvSpPr>
+        <p:spPr>
+          <a:xfrm>
+            <a:off x="2442506" y="4644374"/>
+            <a:ext cx="771365" cy="369332"/>
+          </a:xfrm>
+          <a:prstGeom prst="rect">
+            <a:avLst/>
+          </a:prstGeom>
+          <a:noFill/>
+        </p:spPr>
+        <p:txBody>
+          <a:bodyPr wrap="none" rtlCol="0">
+            <a:spAutoFit/>
+          </a:bodyPr>
+          <a:lstStyle/>
+          <a:p>
+            <a:r>
+              <a:rPr lang="zh-CN" altLang="en-US" dirty="0" smtClean="0"/>
+              <a:t>灰度</a:t>
+            </a:r>
+            <a:r>
+              <a:rPr lang="en-US" altLang="zh-CN" dirty="0" smtClean="0"/>
+              <a:t>9</a:t>
+            </a:r>
+            <a:endParaRPr lang="zh-CN" altLang="en-US" dirty="0"/>
+          </a:p>
+        </p:txBody>
+      </p:sp>
+      <p:cxnSp>
+        <p:nvCxnSpPr>
+          <p:cNvPr id="37" name="直接箭头连接符 36"/>
+          <p:cNvCxnSpPr/>
+          <p:nvPr/>
+        </p:nvCxnSpPr>
+        <p:spPr>
+          <a:xfrm flipV="1">
+            <a:off x="3320094" y="4818302"/>
+            <a:ext cx="1097755" cy="10740"/>
+          </a:xfrm>
+          <a:prstGeom prst="straightConnector1">
+            <a:avLst/>
+          </a:prstGeom>
+          <a:ln>
+            <a:tailEnd type="triangle"/>
+          </a:ln>
+        </p:spPr>
+        <p:style>
+          <a:lnRef idx="1">
+            <a:schemeClr val="accent1"/>
+          </a:lnRef>
+          <a:fillRef idx="0">
+            <a:schemeClr val="accent1"/>
+          </a:fillRef>
+          <a:effectRef idx="0">
+            <a:schemeClr val="accent1"/>
+          </a:effectRef>
+          <a:fontRef idx="minor">
+            <a:schemeClr val="tx1"/>
+          </a:fontRef>
+        </p:style>
+      </p:cxnSp>
+      <p:sp>
+        <p:nvSpPr>
+          <p:cNvPr id="38" name="文本框 37"/>
+          <p:cNvSpPr txBox="1"/>
+          <p:nvPr/>
+        </p:nvSpPr>
+        <p:spPr>
+          <a:xfrm>
+            <a:off x="8209222" y="5015264"/>
+            <a:ext cx="771365" cy="369332"/>
+          </a:xfrm>
+          <a:prstGeom prst="rect">
+            <a:avLst/>
+          </a:prstGeom>
+          <a:noFill/>
+        </p:spPr>
+        <p:txBody>
+          <a:bodyPr wrap="none" rtlCol="0">
+            <a:spAutoFit/>
+          </a:bodyPr>
+          <a:lstStyle/>
+          <a:p>
+            <a:r>
+              <a:rPr lang="zh-CN" altLang="en-US" dirty="0" smtClean="0"/>
+              <a:t>灰度</a:t>
+            </a:r>
+            <a:r>
+              <a:rPr lang="en-US" altLang="zh-CN" dirty="0"/>
+              <a:t>6</a:t>
+            </a:r>
+            <a:endParaRPr lang="zh-CN" altLang="en-US" dirty="0"/>
+          </a:p>
+        </p:txBody>
+      </p:sp>
+      <p:cxnSp>
+        <p:nvCxnSpPr>
+          <p:cNvPr id="39" name="直接箭头连接符 38"/>
+          <p:cNvCxnSpPr/>
+          <p:nvPr/>
+        </p:nvCxnSpPr>
+        <p:spPr>
+          <a:xfrm flipH="1" flipV="1">
+            <a:off x="7048500" y="5199930"/>
+            <a:ext cx="1083293" cy="1"/>
+          </a:xfrm>
+          <a:prstGeom prst="straightConnector1">
+            <a:avLst/>
+          </a:prstGeom>
+          <a:ln>
+            <a:tailEnd type="triangle"/>
+          </a:ln>
+        </p:spPr>
+        <p:style>
+          <a:lnRef idx="1">
+            <a:schemeClr val="accent1"/>
+          </a:lnRef>
+          <a:fillRef idx="0">
+            <a:schemeClr val="accent1"/>
+          </a:fillRef>
+          <a:effectRef idx="0">
+            <a:schemeClr val="accent1"/>
+          </a:effectRef>
+          <a:fontRef idx="minor">
+            <a:schemeClr val="tx1"/>
+          </a:fontRef>
+        </p:style>
+      </p:cxnSp>
+      <p:sp>
+        <p:nvSpPr>
+          <p:cNvPr id="40" name="文本框 39"/>
+          <p:cNvSpPr txBox="1"/>
+          <p:nvPr/>
+        </p:nvSpPr>
+        <p:spPr>
+          <a:xfrm>
+            <a:off x="2420190" y="3897865"/>
+            <a:ext cx="771365" cy="369332"/>
+          </a:xfrm>
+          <a:prstGeom prst="rect">
+            <a:avLst/>
+          </a:prstGeom>
+          <a:noFill/>
+        </p:spPr>
+        <p:txBody>
+          <a:bodyPr wrap="none" rtlCol="0">
+            <a:spAutoFit/>
+          </a:bodyPr>
+          <a:lstStyle/>
+          <a:p>
+            <a:r>
+              <a:rPr lang="zh-CN" altLang="en-US" dirty="0" smtClean="0"/>
+              <a:t>灰度</a:t>
+            </a:r>
+            <a:r>
+              <a:rPr lang="en-US" altLang="zh-CN" dirty="0" smtClean="0"/>
+              <a:t>8</a:t>
+            </a:r>
+            <a:endParaRPr lang="zh-CN" altLang="en-US" dirty="0"/>
+          </a:p>
+        </p:txBody>
+      </p:sp>
+      <p:cxnSp>
+        <p:nvCxnSpPr>
+          <p:cNvPr id="41" name="直接箭头连接符 40"/>
+          <p:cNvCxnSpPr/>
+          <p:nvPr/>
+        </p:nvCxnSpPr>
+        <p:spPr>
+          <a:xfrm flipV="1">
+            <a:off x="3362956" y="4077164"/>
+            <a:ext cx="1165074" cy="5370"/>
+          </a:xfrm>
+          <a:prstGeom prst="straightConnector1">
+            <a:avLst/>
+          </a:prstGeom>
+          <a:ln>
+            <a:tailEnd type="triangle"/>
+          </a:ln>
+        </p:spPr>
+        <p:style>
+          <a:lnRef idx="1">
+            <a:schemeClr val="accent1"/>
+          </a:lnRef>
+          <a:fillRef idx="0">
+            <a:schemeClr val="accent1"/>
+          </a:fillRef>
+          <a:effectRef idx="0">
+            <a:schemeClr val="accent1"/>
+          </a:effectRef>
+          <a:fontRef idx="minor">
+            <a:schemeClr val="tx1"/>
+          </a:fontRef>
+        </p:style>
+      </p:cxnSp>
+      <p:sp>
+        <p:nvSpPr>
+          <p:cNvPr id="42" name="文本框 41"/>
+          <p:cNvSpPr txBox="1"/>
+          <p:nvPr/>
+        </p:nvSpPr>
+        <p:spPr>
+          <a:xfrm>
+            <a:off x="2425788" y="3514163"/>
+            <a:ext cx="771365" cy="369332"/>
+          </a:xfrm>
+          <a:prstGeom prst="rect">
+            <a:avLst/>
+          </a:prstGeom>
+          <a:noFill/>
+        </p:spPr>
+        <p:txBody>
+          <a:bodyPr wrap="none" rtlCol="0">
+            <a:spAutoFit/>
+          </a:bodyPr>
+          <a:lstStyle/>
+          <a:p>
+            <a:r>
+              <a:rPr lang="zh-CN" altLang="en-US" dirty="0" smtClean="0"/>
+              <a:t>灰度</a:t>
+            </a:r>
+            <a:r>
+              <a:rPr lang="en-US" altLang="zh-CN" dirty="0"/>
+              <a:t>4</a:t>
+            </a:r>
+            <a:endParaRPr lang="zh-CN" altLang="en-US" dirty="0"/>
+          </a:p>
+        </p:txBody>
+      </p:sp>
+      <p:cxnSp>
+        <p:nvCxnSpPr>
+          <p:cNvPr id="43" name="直接箭头连接符 42"/>
+          <p:cNvCxnSpPr/>
+          <p:nvPr/>
+        </p:nvCxnSpPr>
+        <p:spPr>
+          <a:xfrm flipV="1">
+            <a:off x="3346520" y="3767214"/>
+            <a:ext cx="1187108" cy="2"/>
+          </a:xfrm>
+          <a:prstGeom prst="straightConnector1">
+            <a:avLst/>
+          </a:prstGeom>
+          <a:ln>
+            <a:tailEnd type="triangle"/>
+          </a:ln>
+        </p:spPr>
+        <p:style>
+          <a:lnRef idx="1">
+            <a:schemeClr val="accent1"/>
+          </a:lnRef>
+          <a:fillRef idx="0">
+            <a:schemeClr val="accent1"/>
+          </a:fillRef>
+          <a:effectRef idx="0">
+            <a:schemeClr val="accent1"/>
+          </a:effectRef>
+          <a:fontRef idx="minor">
+            <a:schemeClr val="tx1"/>
+          </a:fontRef>
+        </p:style>
+      </p:cxnSp>
+      <p:sp>
+        <p:nvSpPr>
+          <p:cNvPr id="44" name="文本框 43"/>
+          <p:cNvSpPr txBox="1"/>
+          <p:nvPr/>
+        </p:nvSpPr>
+        <p:spPr>
+          <a:xfrm>
+            <a:off x="8159877" y="3708025"/>
+            <a:ext cx="771365" cy="369332"/>
+          </a:xfrm>
+          <a:prstGeom prst="rect">
+            <a:avLst/>
+          </a:prstGeom>
+          <a:noFill/>
+        </p:spPr>
+        <p:txBody>
+          <a:bodyPr wrap="none" rtlCol="0">
+            <a:spAutoFit/>
+          </a:bodyPr>
+          <a:lstStyle/>
+          <a:p>
+            <a:r>
+              <a:rPr lang="zh-CN" altLang="en-US" dirty="0" smtClean="0"/>
+              <a:t>灰度</a:t>
+            </a:r>
+            <a:r>
+              <a:rPr lang="en-US" altLang="zh-CN" dirty="0" smtClean="0"/>
+              <a:t>6</a:t>
+            </a:r>
+            <a:endParaRPr lang="zh-CN" altLang="en-US" dirty="0"/>
+          </a:p>
+        </p:txBody>
+      </p:sp>
+      <p:cxnSp>
+        <p:nvCxnSpPr>
+          <p:cNvPr id="45" name="直接箭头连接符 44"/>
+          <p:cNvCxnSpPr/>
+          <p:nvPr/>
+        </p:nvCxnSpPr>
+        <p:spPr>
+          <a:xfrm flipH="1" flipV="1">
+            <a:off x="5486400" y="3859122"/>
+            <a:ext cx="2567865" cy="24372"/>
+          </a:xfrm>
+          <a:prstGeom prst="straightConnector1">
+            <a:avLst/>
+          </a:prstGeom>
+          <a:ln>
+            <a:tailEnd type="triangle"/>
+          </a:ln>
+        </p:spPr>
+        <p:style>
+          <a:lnRef idx="1">
+            <a:schemeClr val="accent1"/>
+          </a:lnRef>
+          <a:fillRef idx="0">
+            <a:schemeClr val="accent1"/>
+          </a:fillRef>
+          <a:effectRef idx="0">
+            <a:schemeClr val="accent1"/>
+          </a:effectRef>
+          <a:fontRef idx="minor">
+            <a:schemeClr val="tx1"/>
+          </a:fontRef>
+        </p:style>
+      </p:cxnSp>
+      <p:sp>
+        <p:nvSpPr>
+          <p:cNvPr id="46" name="文本框 45"/>
+          <p:cNvSpPr txBox="1"/>
+          <p:nvPr/>
+        </p:nvSpPr>
+        <p:spPr>
+          <a:xfrm>
+            <a:off x="2420190" y="2783604"/>
+            <a:ext cx="771365" cy="369332"/>
+          </a:xfrm>
+          <a:prstGeom prst="rect">
+            <a:avLst/>
+          </a:prstGeom>
+          <a:noFill/>
+        </p:spPr>
+        <p:txBody>
+          <a:bodyPr wrap="none" rtlCol="0">
+            <a:spAutoFit/>
+          </a:bodyPr>
+          <a:lstStyle/>
+          <a:p>
+            <a:r>
+              <a:rPr lang="zh-CN" altLang="en-US" dirty="0" smtClean="0"/>
+              <a:t>灰度</a:t>
+            </a:r>
+            <a:r>
+              <a:rPr lang="en-US" altLang="zh-CN" dirty="0" smtClean="0"/>
+              <a:t>0</a:t>
+            </a:r>
+            <a:endParaRPr lang="zh-CN" altLang="en-US" dirty="0"/>
+          </a:p>
+        </p:txBody>
+      </p:sp>
+      <p:cxnSp>
+        <p:nvCxnSpPr>
+          <p:cNvPr id="47" name="直接箭头连接符 46"/>
+          <p:cNvCxnSpPr/>
+          <p:nvPr/>
+        </p:nvCxnSpPr>
+        <p:spPr>
+          <a:xfrm flipV="1">
+            <a:off x="3170568" y="2959488"/>
+            <a:ext cx="1352176" cy="2"/>
+          </a:xfrm>
+          <a:prstGeom prst="straightConnector1">
+            <a:avLst/>
+          </a:prstGeom>
+          <a:ln>
+            <a:tailEnd type="triangle"/>
+          </a:ln>
+        </p:spPr>
+        <p:style>
+          <a:lnRef idx="1">
+            <a:schemeClr val="accent1"/>
+          </a:lnRef>
+          <a:fillRef idx="0">
+            <a:schemeClr val="accent1"/>
+          </a:fillRef>
+          <a:effectRef idx="0">
+            <a:schemeClr val="accent1"/>
+          </a:effectRef>
+          <a:fontRef idx="minor">
+            <a:schemeClr val="tx1"/>
+          </a:fontRef>
+        </p:style>
+      </p:cxnSp>
+      <p:sp>
+        <p:nvSpPr>
+          <p:cNvPr id="48" name="文本框 47"/>
+          <p:cNvSpPr txBox="1"/>
+          <p:nvPr/>
+        </p:nvSpPr>
+        <p:spPr>
+          <a:xfrm>
+            <a:off x="9728200" y="3242365"/>
+            <a:ext cx="1576072" cy="923330"/>
+          </a:xfrm>
+          <a:prstGeom prst="rect">
+            <a:avLst/>
+          </a:prstGeom>
+          <a:noFill/>
+        </p:spPr>
+        <p:txBody>
+          <a:bodyPr wrap="none" rtlCol="0">
+            <a:spAutoFit/>
+          </a:bodyPr>
+          <a:lstStyle/>
+          <a:p>
+            <a:r>
+              <a:rPr lang="en-US" altLang="zh-CN" dirty="0" smtClean="0"/>
+              <a:t>0-5</a:t>
+            </a:r>
+            <a:r>
+              <a:rPr lang="zh-CN" altLang="en-US" dirty="0" smtClean="0"/>
+              <a:t>为白盒；</a:t>
+            </a:r>
+            <a:endParaRPr lang="en-US" altLang="zh-CN" dirty="0" smtClean="0"/>
+          </a:p>
+          <a:p>
+            <a:r>
+              <a:rPr lang="en-US" altLang="zh-CN" dirty="0" smtClean="0"/>
+              <a:t>6-7</a:t>
+            </a:r>
+            <a:r>
+              <a:rPr lang="zh-CN" altLang="en-US" dirty="0" smtClean="0"/>
+              <a:t>为灰盒；</a:t>
+            </a:r>
+            <a:endParaRPr lang="en-US" altLang="zh-CN" dirty="0" smtClean="0"/>
+          </a:p>
+          <a:p>
+            <a:r>
+              <a:rPr lang="en-US" altLang="zh-CN" dirty="0" smtClean="0"/>
+              <a:t>8-10</a:t>
+            </a:r>
+            <a:r>
+              <a:rPr lang="zh-CN" altLang="en-US" dirty="0" smtClean="0"/>
+              <a:t>为黑盒；</a:t>
+            </a:r>
+            <a:endParaRPr lang="zh-CN" altLang="en-US" dirty="0"/>
+          </a:p>
+        </p:txBody>
+      </p:sp>
+      <p:sp>
+        <p:nvSpPr>
+          <p:cNvPr id="49" name="文本框 48"/>
+          <p:cNvSpPr txBox="1"/>
+          <p:nvPr/>
+        </p:nvSpPr>
+        <p:spPr>
+          <a:xfrm>
+            <a:off x="660262" y="5324295"/>
+            <a:ext cx="1107996" cy="369332"/>
+          </a:xfrm>
+          <a:prstGeom prst="rect">
+            <a:avLst/>
+          </a:prstGeom>
+          <a:noFill/>
+        </p:spPr>
+        <p:txBody>
+          <a:bodyPr wrap="none" rtlCol="0">
+            <a:spAutoFit/>
+          </a:bodyPr>
+          <a:lstStyle/>
+          <a:p>
+            <a:r>
+              <a:rPr lang="zh-CN" altLang="en-US" dirty="0" smtClean="0">
+                <a:solidFill>
+                  <a:srgbClr val="FF0000"/>
+                </a:solidFill>
+              </a:rPr>
+              <a:t>黑中有灰</a:t>
+            </a:r>
+            <a:endParaRPr lang="zh-CN" altLang="en-US" dirty="0">
+              <a:solidFill>
+                <a:srgbClr val="FF0000"/>
+              </a:solidFill>
+            </a:endParaRPr>
+          </a:p>
+        </p:txBody>
+      </p:sp>
+      <p:sp>
+        <p:nvSpPr>
+          <p:cNvPr id="50" name="文本框 49"/>
+          <p:cNvSpPr txBox="1"/>
+          <p:nvPr/>
+        </p:nvSpPr>
+        <p:spPr>
+          <a:xfrm>
+            <a:off x="627617" y="3859122"/>
+            <a:ext cx="1107996" cy="369332"/>
+          </a:xfrm>
+          <a:prstGeom prst="rect">
+            <a:avLst/>
+          </a:prstGeom>
+          <a:noFill/>
+        </p:spPr>
+        <p:txBody>
+          <a:bodyPr wrap="none" rtlCol="0">
+            <a:spAutoFit/>
+          </a:bodyPr>
+          <a:lstStyle/>
+          <a:p>
+            <a:r>
+              <a:rPr lang="zh-CN" altLang="en-US" dirty="0" smtClean="0">
+                <a:solidFill>
+                  <a:srgbClr val="FF0000"/>
+                </a:solidFill>
+              </a:rPr>
+              <a:t>灰中有</a:t>
+            </a:r>
+            <a:r>
+              <a:rPr lang="zh-CN" altLang="en-US" dirty="0">
+                <a:solidFill>
+                  <a:srgbClr val="FF0000"/>
+                </a:solidFill>
+              </a:rPr>
+              <a:t>黑</a:t>
+            </a:r>
+          </a:p>
+        </p:txBody>
+      </p:sp>
+      <p:sp>
+        <p:nvSpPr>
+          <p:cNvPr id="51" name="矩形 50"/>
+          <p:cNvSpPr/>
+          <p:nvPr/>
+        </p:nvSpPr>
+        <p:spPr>
+          <a:xfrm>
+            <a:off x="6615141" y="4599626"/>
+            <a:ext cx="498802" cy="1380189"/>
+          </a:xfrm>
+          <a:prstGeom prst="rect">
+            <a:avLst/>
+          </a:prstGeom>
+          <a:noFill/>
+          <a:ln w="25400">
+            <a:solidFill>
+              <a:srgbClr val="FF0000"/>
+            </a:solidFill>
+          </a:ln>
+        </p:spPr>
+        <p:style>
+          <a:lnRef idx="2">
+            <a:schemeClr val="accent1">
+              <a:shade val="50000"/>
+            </a:schemeClr>
+          </a:lnRef>
+          <a:fillRef idx="1">
+            <a:schemeClr val="accent1"/>
+          </a:fillRef>
+          <a:effectRef idx="0">
+            <a:schemeClr val="accent1"/>
+          </a:effectRef>
+          <a:fontRef idx="minor">
+            <a:schemeClr val="lt1"/>
+          </a:fontRef>
+        </p:style>
+        <p:txBody>
+          <a:bodyPr rtlCol="0" anchor="ctr"/>
+          <a:lstStyle/>
+          <a:p>
+            <a:pPr algn="ctr"/>
+            <a:endParaRPr lang="zh-CN" altLang="en-US"/>
+          </a:p>
+        </p:txBody>
+      </p:sp>
+      <p:sp>
+        <p:nvSpPr>
+          <p:cNvPr id="52" name="矩形 51"/>
+          <p:cNvSpPr/>
+          <p:nvPr/>
+        </p:nvSpPr>
+        <p:spPr>
+          <a:xfrm>
+            <a:off x="4506533" y="3924919"/>
+            <a:ext cx="545733" cy="372386"/>
+          </a:xfrm>
+          <a:prstGeom prst="rect">
+            <a:avLst/>
+          </a:prstGeom>
+          <a:noFill/>
+          <a:ln w="25400">
+            <a:solidFill>
+              <a:srgbClr val="FF0000"/>
+            </a:solidFill>
+          </a:ln>
+        </p:spPr>
+        <p:style>
+          <a:lnRef idx="2">
+            <a:schemeClr val="accent1">
+              <a:shade val="50000"/>
+            </a:schemeClr>
+          </a:lnRef>
+          <a:fillRef idx="1">
+            <a:schemeClr val="accent1"/>
+          </a:fillRef>
+          <a:effectRef idx="0">
+            <a:schemeClr val="accent1"/>
+          </a:effectRef>
+          <a:fontRef idx="minor">
+            <a:schemeClr val="lt1"/>
+          </a:fontRef>
+        </p:style>
+        <p:txBody>
+          <a:bodyPr rtlCol="0" anchor="ctr"/>
+          <a:lstStyle/>
+          <a:p>
+            <a:pPr algn="ctr"/>
+            <a:endParaRPr lang="zh-CN" altLang="en-US"/>
+          </a:p>
+        </p:txBody>
+      </p:sp>
+      <p:sp>
+        <p:nvSpPr>
+          <p:cNvPr id="53" name="文本框 52"/>
+          <p:cNvSpPr txBox="1"/>
+          <p:nvPr/>
+        </p:nvSpPr>
+        <p:spPr>
+          <a:xfrm>
+            <a:off x="2442506" y="5097746"/>
+            <a:ext cx="771365" cy="369332"/>
+          </a:xfrm>
+          <a:prstGeom prst="rect">
+            <a:avLst/>
+          </a:prstGeom>
+          <a:noFill/>
+        </p:spPr>
+        <p:txBody>
+          <a:bodyPr wrap="none" rtlCol="0">
+            <a:spAutoFit/>
+          </a:bodyPr>
+          <a:lstStyle/>
+          <a:p>
+            <a:r>
+              <a:rPr lang="zh-CN" altLang="en-US" dirty="0" smtClean="0"/>
+              <a:t>灰度</a:t>
+            </a:r>
+            <a:r>
+              <a:rPr lang="en-US" altLang="zh-CN" dirty="0"/>
+              <a:t>7</a:t>
+            </a:r>
+            <a:endParaRPr lang="zh-CN" altLang="en-US" dirty="0"/>
+          </a:p>
+        </p:txBody>
+      </p:sp>
+      <p:cxnSp>
+        <p:nvCxnSpPr>
+          <p:cNvPr id="54" name="直接箭头连接符 53"/>
+          <p:cNvCxnSpPr/>
+          <p:nvPr/>
+        </p:nvCxnSpPr>
+        <p:spPr>
+          <a:xfrm flipV="1">
+            <a:off x="3339241" y="5324295"/>
+            <a:ext cx="1167292" cy="5370"/>
+          </a:xfrm>
+          <a:prstGeom prst="straightConnector1">
+            <a:avLst/>
+          </a:prstGeom>
+          <a:ln>
+            <a:tailEnd type="triangle"/>
+          </a:ln>
+        </p:spPr>
+        <p:style>
+          <a:lnRef idx="1">
+            <a:schemeClr val="accent1"/>
+          </a:lnRef>
+          <a:fillRef idx="0">
+            <a:schemeClr val="accent1"/>
+          </a:fillRef>
+          <a:effectRef idx="0">
+            <a:schemeClr val="accent1"/>
+          </a:effectRef>
+          <a:fontRef idx="minor">
+            <a:schemeClr val="tx1"/>
+          </a:fontRef>
+        </p:style>
+      </p:cxnSp>
+      <p:sp>
+        <p:nvSpPr>
+          <p:cNvPr id="57" name="文本框 56"/>
+          <p:cNvSpPr txBox="1"/>
+          <p:nvPr/>
+        </p:nvSpPr>
+        <p:spPr>
+          <a:xfrm>
+            <a:off x="8896676" y="5785307"/>
+            <a:ext cx="2918280" cy="646331"/>
+          </a:xfrm>
+          <a:prstGeom prst="rect">
+            <a:avLst/>
+          </a:prstGeom>
+          <a:noFill/>
+        </p:spPr>
+        <p:txBody>
+          <a:bodyPr wrap="square" rtlCol="0">
+            <a:spAutoFit/>
+          </a:bodyPr>
+          <a:lstStyle/>
+          <a:p>
+            <a:r>
+              <a:rPr lang="zh-CN" altLang="en-US" dirty="0" smtClean="0"/>
+              <a:t>白盒与灰盒为本地化研发，黑盒为核心资产研发</a:t>
+            </a:r>
+            <a:endParaRPr lang="zh-CN" altLang="en-US" dirty="0"/>
+          </a:p>
+        </p:txBody>
+      </p:sp>
     </p:spTree>
     <p:extLst>
       <p:ext uri="{BB962C8B-B14F-4D97-AF65-F5344CB8AC3E}">
-        <p14:creationId xmlns:p14="http://schemas.microsoft.com/office/powerpoint/2010/main" val="3117020103"/>
+        <p14:creationId xmlns:p14="http://schemas.microsoft.com/office/powerpoint/2010/main" val="279373658"/>
       </p:ext>
     </p:extLst>
   </p:cSld>

--- a/doc/EVE新一代HIS核心系统.pptx
+++ b/doc/EVE新一代HIS核心系统.pptx
@@ -5186,11 +5186,15 @@
             </a:r>
             <a:r>
               <a:rPr lang="zh-CN" altLang="en-US" sz="2000" dirty="0"/>
-              <a:t>系统通过</a:t>
-            </a:r>
-            <a:r>
-              <a:rPr lang="en-US" altLang="zh-CN" sz="2000" dirty="0" err="1"/>
-              <a:t>OpenAPI</a:t>
+              <a:t>系统</a:t>
+            </a:r>
+            <a:r>
+              <a:rPr lang="zh-CN" altLang="en-US" sz="2000" dirty="0" smtClean="0"/>
+              <a:t>通过</a:t>
+            </a:r>
+            <a:r>
+              <a:rPr lang="en-US" altLang="zh-CN" sz="2000" dirty="0" smtClean="0"/>
+              <a:t>API</a:t>
             </a:r>
             <a:r>
               <a:rPr lang="zh-CN" altLang="en-US" sz="2000" dirty="0"/>
@@ -6453,29 +6457,61 @@
           <a:p>
             <a:r>
               <a:rPr lang="zh-CN" altLang="en-US" dirty="0" smtClean="0"/>
-              <a:t>患者诊疗信息、医嘱、病历高度互动</a:t>
+              <a:t>实现了患者</a:t>
+            </a:r>
+            <a:r>
+              <a:rPr lang="zh-CN" altLang="en-US" dirty="0" smtClean="0"/>
+              <a:t>诊疗信息、医嘱、</a:t>
+            </a:r>
+            <a:r>
+              <a:rPr lang="zh-CN" altLang="en-US" dirty="0" smtClean="0"/>
+              <a:t>病历的高度</a:t>
+            </a:r>
+            <a:r>
+              <a:rPr lang="zh-CN" altLang="en-US" dirty="0" smtClean="0"/>
+              <a:t>互动</a:t>
             </a:r>
             <a:endParaRPr lang="en-US" altLang="zh-CN" dirty="0" smtClean="0"/>
           </a:p>
           <a:p>
             <a:r>
               <a:rPr lang="zh-CN" altLang="en-US" dirty="0" smtClean="0"/>
-              <a:t>以医嘱为核心驱动院内绝大部分诊疗行为，自动向医生、护士推送待做事项，并提供基于人员、部门、单笔业务等多角度的绩效数据</a:t>
+              <a:t>以医嘱为核心驱动院内绝大部分</a:t>
+            </a:r>
+            <a:r>
+              <a:rPr lang="zh-CN" altLang="en-US" dirty="0" smtClean="0"/>
+              <a:t>诊疗</a:t>
+            </a:r>
+            <a:r>
+              <a:rPr lang="zh-CN" altLang="en-US" dirty="0"/>
+              <a:t>任务</a:t>
+            </a:r>
+            <a:r>
+              <a:rPr lang="zh-CN" altLang="en-US" dirty="0" smtClean="0"/>
+              <a:t>，</a:t>
+            </a:r>
+            <a:r>
+              <a:rPr lang="zh-CN" altLang="en-US" dirty="0" smtClean="0"/>
+              <a:t>自动向医生、护士推送待做事项，并提供基于人员、部门、单笔业务等多角度的绩效数据</a:t>
             </a:r>
             <a:endParaRPr lang="en-US" altLang="zh-CN" dirty="0" smtClean="0"/>
           </a:p>
           <a:p>
             <a:r>
+              <a:rPr lang="zh-CN" altLang="en-US" dirty="0"/>
+              <a:t>实现了诊疗</a:t>
+            </a:r>
+            <a:r>
               <a:rPr lang="zh-CN" altLang="en-US" dirty="0" smtClean="0"/>
-              <a:t>诊疗业务与计费业务</a:t>
+              <a:t>业务与计费</a:t>
             </a:r>
             <a:r>
               <a:rPr lang="zh-CN" altLang="en-US" dirty="0" smtClean="0"/>
-              <a:t>实现</a:t>
+              <a:t>业务的</a:t>
             </a:r>
             <a:r>
               <a:rPr lang="zh-CN" altLang="en-US" dirty="0" smtClean="0"/>
-              <a:t>了真正</a:t>
+              <a:t>真正</a:t>
             </a:r>
             <a:r>
               <a:rPr lang="zh-CN" altLang="en-US" dirty="0" smtClean="0"/>
@@ -6486,7 +6522,7 @@
           <a:p>
             <a:r>
               <a:rPr lang="zh-CN" altLang="en-US" dirty="0" smtClean="0"/>
-              <a:t>支持药房、挂号、门诊医生站、住院医生站、护士站等应用的独立发布</a:t>
+              <a:t>支持药房、挂号室、收费处、门诊医生站、住院医生站、护士站等应用的独立发布</a:t>
             </a:r>
             <a:endParaRPr lang="en-US" altLang="zh-CN" dirty="0" smtClean="0"/>
           </a:p>
@@ -6506,11 +6542,15 @@
           <a:p>
             <a:r>
               <a:rPr lang="zh-CN" altLang="en-US" dirty="0" smtClean="0"/>
-              <a:t>系统通过</a:t>
-            </a:r>
-            <a:r>
-              <a:rPr lang="en-US" altLang="zh-CN" dirty="0" err="1" smtClean="0"/>
-              <a:t>OpenAPI</a:t>
+              <a:t>系统</a:t>
+            </a:r>
+            <a:r>
+              <a:rPr lang="zh-CN" altLang="en-US" dirty="0" smtClean="0"/>
+              <a:t>通过</a:t>
+            </a:r>
+            <a:r>
+              <a:rPr lang="en-US" altLang="zh-CN" dirty="0" smtClean="0"/>
+              <a:t>API</a:t>
             </a:r>
             <a:r>
               <a:rPr lang="zh-CN" altLang="en-US" dirty="0" smtClean="0"/>
@@ -7527,7 +7567,15 @@
             </a:r>
             <a:r>
               <a:rPr lang="zh-CN" altLang="en-US" sz="2000" dirty="0"/>
-              <a:t>以患者为中心，联通患者初诊、复诊、住院等多个业务</a:t>
+              <a:t>以患者为中心，联通患者初诊、复诊、</a:t>
+            </a:r>
+            <a:r>
+              <a:rPr lang="zh-CN" altLang="en-US" sz="2000" dirty="0" smtClean="0"/>
+              <a:t>住院多</a:t>
+            </a:r>
+            <a:r>
+              <a:rPr lang="zh-CN" altLang="en-US" sz="2000" dirty="0"/>
+              <a:t>个业务</a:t>
             </a:r>
             <a:r>
               <a:rPr lang="zh-CN" altLang="en-US" sz="2000" dirty="0" smtClean="0"/>
@@ -7748,8 +7796,20 @@
               <a:t>-</a:t>
             </a:r>
             <a:r>
+              <a:rPr lang="zh-CN" altLang="en-US" sz="2000" dirty="0" smtClean="0"/>
+              <a:t>实现了患者</a:t>
+            </a:r>
+            <a:r>
               <a:rPr lang="zh-CN" altLang="en-US" sz="2000" dirty="0"/>
-              <a:t>患者诊疗信息、医嘱、病历高度互动</a:t>
+              <a:t>诊疗信息、医嘱、</a:t>
+            </a:r>
+            <a:r>
+              <a:rPr lang="zh-CN" altLang="en-US" sz="2000" dirty="0" smtClean="0"/>
+              <a:t>病历的高度</a:t>
+            </a:r>
+            <a:r>
+              <a:rPr lang="zh-CN" altLang="en-US" sz="2000" dirty="0"/>
+              <a:t>互动</a:t>
             </a:r>
             <a:endParaRPr lang="en-US" altLang="zh-CN" sz="2000" dirty="0"/>
           </a:p>
@@ -7928,7 +7988,15 @@
             </a:r>
             <a:r>
               <a:rPr lang="zh-CN" altLang="en-US" sz="2000" dirty="0"/>
-              <a:t>以医嘱为核心驱动院内绝大部分诊疗行为，自动向医生、护士推送待做事项</a:t>
+              <a:t>以医嘱为核心驱动院内绝大部分</a:t>
+            </a:r>
+            <a:r>
+              <a:rPr lang="zh-CN" altLang="en-US" sz="2000" dirty="0" smtClean="0"/>
+              <a:t>诊疗任务，</a:t>
+            </a:r>
+            <a:r>
+              <a:rPr lang="zh-CN" altLang="en-US" sz="2000" dirty="0"/>
+              <a:t>自动向医生、护士推送待做事项</a:t>
             </a:r>
           </a:p>
         </p:txBody>
@@ -8123,7 +8191,23 @@
             </a:r>
             <a:r>
               <a:rPr lang="zh-CN" altLang="en-US" sz="2000" dirty="0"/>
-              <a:t>诊疗业务与计费业务实现了真正分离</a:t>
+              <a:t>实现了</a:t>
+            </a:r>
+            <a:r>
+              <a:rPr lang="zh-CN" altLang="en-US" sz="2000" dirty="0" smtClean="0"/>
+              <a:t>诊疗</a:t>
+            </a:r>
+            <a:r>
+              <a:rPr lang="zh-CN" altLang="en-US" sz="2000" dirty="0"/>
+              <a:t>业务与计费</a:t>
+            </a:r>
+            <a:r>
+              <a:rPr lang="zh-CN" altLang="en-US" sz="2000" dirty="0" smtClean="0"/>
+              <a:t>业务的真正</a:t>
+            </a:r>
+            <a:r>
+              <a:rPr lang="zh-CN" altLang="en-US" sz="2000" dirty="0"/>
+              <a:t>分离</a:t>
             </a:r>
             <a:endParaRPr lang="en-US" altLang="zh-CN" sz="2000" dirty="0"/>
           </a:p>
@@ -8306,7 +8390,23 @@
             </a:r>
             <a:r>
               <a:rPr lang="zh-CN" altLang="en-US" sz="2000" dirty="0"/>
-              <a:t>支持药房、挂号、门诊医生站、住院医生站、护士站等应用的独立</a:t>
+              <a:t>支持药房、</a:t>
+            </a:r>
+            <a:r>
+              <a:rPr lang="zh-CN" altLang="en-US" sz="2000" dirty="0" smtClean="0"/>
+              <a:t>挂号室、收费处</a:t>
+            </a:r>
+            <a:r>
+              <a:rPr lang="zh-CN" altLang="en-US" sz="2000" dirty="0"/>
+              <a:t>、</a:t>
+            </a:r>
+            <a:r>
+              <a:rPr lang="zh-CN" altLang="en-US" sz="2000" dirty="0" smtClean="0"/>
+              <a:t>门诊</a:t>
+            </a:r>
+            <a:r>
+              <a:rPr lang="zh-CN" altLang="en-US" sz="2000" dirty="0"/>
+              <a:t>医生站、住院医生站、护士站等应用的独立</a:t>
             </a:r>
             <a:r>
               <a:rPr lang="zh-CN" altLang="en-US" sz="2000" dirty="0" smtClean="0"/>
@@ -8396,11 +8496,7 @@
             </a:r>
             <a:r>
               <a:rPr lang="zh-CN" altLang="en-US" dirty="0" smtClean="0"/>
-              <a:t>进行研发和发布，互相之间</a:t>
-            </a:r>
-            <a:r>
-              <a:rPr lang="zh-CN" altLang="en-US" smtClean="0"/>
-              <a:t>没有依赖</a:t>
+              <a:t>进行研发和发布，互相之间没有依赖</a:t>
             </a:r>
             <a:endParaRPr lang="en-US" altLang="zh-CN" dirty="0" smtClean="0"/>
           </a:p>

--- a/doc/EVE新一代HIS核心系统.pptx
+++ b/doc/EVE新一代HIS核心系统.pptx
@@ -5212,9 +5212,145 @@
           </a:p>
         </p:txBody>
       </p:sp>
+      <p:sp>
+        <p:nvSpPr>
+          <p:cNvPr id="5" name="内容占位符 2"/>
+          <p:cNvSpPr>
+            <a:spLocks noGrp="1"/>
+          </p:cNvSpPr>
+          <p:nvPr>
+            <p:ph idx="1"/>
+          </p:nvPr>
+        </p:nvSpPr>
+        <p:spPr>
+          <a:xfrm>
+            <a:off x="6661868" y="2156386"/>
+            <a:ext cx="5009432" cy="4434914"/>
+          </a:xfrm>
+        </p:spPr>
+        <p:txBody>
+          <a:bodyPr>
+            <a:normAutofit/>
+          </a:bodyPr>
+          <a:lstStyle/>
+          <a:p>
+            <a:r>
+              <a:rPr lang="zh-CN" altLang="en-US" dirty="0" smtClean="0"/>
+              <a:t>将</a:t>
+            </a:r>
+            <a:r>
+              <a:rPr lang="en-US" altLang="zh-CN" dirty="0" smtClean="0"/>
+              <a:t>HIS</a:t>
+            </a:r>
+            <a:r>
+              <a:rPr lang="zh-CN" altLang="en-US" dirty="0" smtClean="0"/>
+              <a:t>中的核心业务（患者生命周期、医嘱执行、诊疗信息维护、病历生成和维护）置于</a:t>
+            </a:r>
+            <a:r>
+              <a:rPr lang="en-US" altLang="zh-CN" dirty="0" smtClean="0"/>
+              <a:t>ENGINE</a:t>
+            </a:r>
+            <a:r>
+              <a:rPr lang="zh-CN" altLang="en-US" dirty="0" smtClean="0"/>
+              <a:t>中独立运行，</a:t>
+            </a:r>
+            <a:r>
+              <a:rPr lang="en-US" altLang="zh-CN" dirty="0"/>
+              <a:t> </a:t>
+            </a:r>
+            <a:r>
+              <a:rPr lang="en-US" altLang="zh-CN" dirty="0" smtClean="0"/>
+              <a:t>ENGINE</a:t>
+            </a:r>
+            <a:r>
+              <a:rPr lang="zh-CN" altLang="en-US" dirty="0" smtClean="0"/>
+              <a:t>通过接口以请求响应模式应对其他系统的调用来读写业务数据</a:t>
+            </a:r>
+            <a:endParaRPr lang="en-US" altLang="zh-CN" dirty="0" smtClean="0"/>
+          </a:p>
+          <a:p>
+            <a:r>
+              <a:rPr lang="en-US" altLang="zh-CN" dirty="0" smtClean="0"/>
+              <a:t>HIS</a:t>
+            </a:r>
+            <a:r>
+              <a:rPr lang="zh-CN" altLang="en-US" dirty="0" smtClean="0"/>
+              <a:t>、</a:t>
+            </a:r>
+            <a:r>
+              <a:rPr lang="en-US" altLang="zh-CN" dirty="0" smtClean="0"/>
+              <a:t>LIS</a:t>
+            </a:r>
+            <a:r>
+              <a:rPr lang="zh-CN" altLang="en-US" dirty="0" smtClean="0"/>
+              <a:t>、</a:t>
+            </a:r>
+            <a:r>
+              <a:rPr lang="en-US" altLang="zh-CN" dirty="0" smtClean="0"/>
+              <a:t>PACS</a:t>
+            </a:r>
+            <a:r>
+              <a:rPr lang="zh-CN" altLang="en-US" dirty="0" smtClean="0"/>
+              <a:t>可以通过向总线上发布</a:t>
+            </a:r>
+            <a:r>
+              <a:rPr lang="en-US" altLang="zh-CN" dirty="0" err="1" smtClean="0"/>
+              <a:t>DomainEvent</a:t>
+            </a:r>
+            <a:r>
+              <a:rPr lang="zh-CN" altLang="en-US" dirty="0"/>
+              <a:t>由</a:t>
+            </a:r>
+            <a:r>
+              <a:rPr lang="en-US" altLang="zh-CN" dirty="0" err="1" smtClean="0"/>
+              <a:t>EventBus</a:t>
+            </a:r>
+            <a:r>
+              <a:rPr lang="zh-CN" altLang="en-US" dirty="0" smtClean="0"/>
+              <a:t>同步或异步触发各个软件系统注册在</a:t>
+            </a:r>
+            <a:r>
+              <a:rPr lang="en-US" altLang="zh-CN" dirty="0" smtClean="0"/>
+              <a:t>Bus</a:t>
+            </a:r>
+            <a:r>
+              <a:rPr lang="zh-CN" altLang="en-US" dirty="0" smtClean="0"/>
+              <a:t>上的事件监听器完成业务调用</a:t>
+            </a:r>
+            <a:endParaRPr lang="en-US" altLang="zh-CN" dirty="0" smtClean="0"/>
+          </a:p>
+          <a:p>
+            <a:r>
+              <a:rPr lang="en-US" altLang="zh-CN" dirty="0" smtClean="0"/>
+              <a:t>HIS</a:t>
+            </a:r>
+            <a:r>
+              <a:rPr lang="zh-CN" altLang="en-US" dirty="0" smtClean="0"/>
+              <a:t>在完成本身业务时，可以通过运行在</a:t>
+            </a:r>
+            <a:r>
+              <a:rPr lang="en-US" altLang="zh-CN" dirty="0" smtClean="0"/>
+              <a:t>HIS</a:t>
+            </a:r>
+            <a:r>
+              <a:rPr lang="zh-CN" altLang="en-US" dirty="0" smtClean="0"/>
+              <a:t>中的逻辑</a:t>
+            </a:r>
+            <a:r>
+              <a:rPr lang="en-US" altLang="zh-CN" dirty="0" smtClean="0"/>
+              <a:t>ENGINE</a:t>
+            </a:r>
+            <a:r>
+              <a:rPr lang="zh-CN" altLang="en-US" dirty="0" smtClean="0"/>
+              <a:t>完成业务，以保证业务数据的一致性</a:t>
+            </a:r>
+            <a:endParaRPr lang="zh-CN" altLang="en-US" dirty="0"/>
+          </a:p>
+        </p:txBody>
+      </p:sp>
       <p:pic>
         <p:nvPicPr>
-          <p:cNvPr id="4" name="图片 3"/>
+          <p:cNvPr id="6" name="图片 5"/>
           <p:cNvPicPr>
             <a:picLocks noChangeAspect="1"/>
           </p:cNvPicPr>
@@ -5228,7 +5364,7 @@
         </p:blipFill>
         <p:spPr>
           <a:xfrm>
-            <a:off x="831132" y="2156386"/>
+            <a:off x="567481" y="1921346"/>
             <a:ext cx="5830736" cy="3916828"/>
           </a:xfrm>
           <a:prstGeom prst="rect">
@@ -5236,142 +5372,6 @@
           </a:prstGeom>
         </p:spPr>
       </p:pic>
-      <p:sp>
-        <p:nvSpPr>
-          <p:cNvPr id="5" name="内容占位符 2"/>
-          <p:cNvSpPr>
-            <a:spLocks noGrp="1"/>
-          </p:cNvSpPr>
-          <p:nvPr>
-            <p:ph idx="1"/>
-          </p:nvPr>
-        </p:nvSpPr>
-        <p:spPr>
-          <a:xfrm>
-            <a:off x="6661868" y="2156386"/>
-            <a:ext cx="5009432" cy="4434914"/>
-          </a:xfrm>
-        </p:spPr>
-        <p:txBody>
-          <a:bodyPr>
-            <a:normAutofit/>
-          </a:bodyPr>
-          <a:lstStyle/>
-          <a:p>
-            <a:r>
-              <a:rPr lang="zh-CN" altLang="en-US" dirty="0" smtClean="0"/>
-              <a:t>将</a:t>
-            </a:r>
-            <a:r>
-              <a:rPr lang="en-US" altLang="zh-CN" dirty="0" smtClean="0"/>
-              <a:t>HIS</a:t>
-            </a:r>
-            <a:r>
-              <a:rPr lang="zh-CN" altLang="en-US" dirty="0" smtClean="0"/>
-              <a:t>中的核心业务（患者生命周期、医嘱执行、诊疗信息维护、病历生成和维护）置于</a:t>
-            </a:r>
-            <a:r>
-              <a:rPr lang="en-US" altLang="zh-CN" dirty="0" smtClean="0"/>
-              <a:t>ENGINE</a:t>
-            </a:r>
-            <a:r>
-              <a:rPr lang="zh-CN" altLang="en-US" dirty="0" smtClean="0"/>
-              <a:t>中独立运行，</a:t>
-            </a:r>
-            <a:r>
-              <a:rPr lang="en-US" altLang="zh-CN" dirty="0"/>
-              <a:t> </a:t>
-            </a:r>
-            <a:r>
-              <a:rPr lang="en-US" altLang="zh-CN" dirty="0" smtClean="0"/>
-              <a:t>ENGINE</a:t>
-            </a:r>
-            <a:r>
-              <a:rPr lang="zh-CN" altLang="en-US" dirty="0" smtClean="0"/>
-              <a:t>通过接口以请求相应模式应对其他系统的调用来读写业务数据</a:t>
-            </a:r>
-            <a:endParaRPr lang="en-US" altLang="zh-CN" dirty="0" smtClean="0"/>
-          </a:p>
-          <a:p>
-            <a:r>
-              <a:rPr lang="en-US" altLang="zh-CN" dirty="0" smtClean="0"/>
-              <a:t>HIS</a:t>
-            </a:r>
-            <a:r>
-              <a:rPr lang="zh-CN" altLang="en-US" dirty="0" smtClean="0"/>
-              <a:t>、</a:t>
-            </a:r>
-            <a:r>
-              <a:rPr lang="en-US" altLang="zh-CN" dirty="0" smtClean="0"/>
-              <a:t>LIS</a:t>
-            </a:r>
-            <a:r>
-              <a:rPr lang="zh-CN" altLang="en-US" dirty="0" smtClean="0"/>
-              <a:t>、</a:t>
-            </a:r>
-            <a:r>
-              <a:rPr lang="en-US" altLang="zh-CN" dirty="0" smtClean="0"/>
-              <a:t>PACS</a:t>
-            </a:r>
-            <a:r>
-              <a:rPr lang="zh-CN" altLang="en-US" dirty="0" smtClean="0"/>
-              <a:t>可以通过向总线上发布</a:t>
-            </a:r>
-            <a:r>
-              <a:rPr lang="en-US" altLang="zh-CN" dirty="0" err="1" smtClean="0"/>
-              <a:t>DomainEvent</a:t>
-            </a:r>
-            <a:r>
-              <a:rPr lang="zh-CN" altLang="en-US" dirty="0"/>
-              <a:t>由</a:t>
-            </a:r>
-            <a:r>
-              <a:rPr lang="en-US" altLang="zh-CN" dirty="0" err="1" smtClean="0"/>
-              <a:t>EventBus</a:t>
-            </a:r>
-            <a:r>
-              <a:rPr lang="zh-CN" altLang="en-US" dirty="0" smtClean="0"/>
-              <a:t>同步或异步触发各个软件系统注册在</a:t>
-            </a:r>
-            <a:r>
-              <a:rPr lang="en-US" altLang="zh-CN" dirty="0" smtClean="0"/>
-              <a:t>Bus</a:t>
-            </a:r>
-            <a:r>
-              <a:rPr lang="zh-CN" altLang="en-US" dirty="0" smtClean="0"/>
-              <a:t>上的事件监听器完成业务调用</a:t>
-            </a:r>
-            <a:endParaRPr lang="en-US" altLang="zh-CN" dirty="0" smtClean="0"/>
-          </a:p>
-          <a:p>
-            <a:r>
-              <a:rPr lang="en-US" altLang="zh-CN" dirty="0" smtClean="0"/>
-              <a:t>HIS</a:t>
-            </a:r>
-            <a:r>
-              <a:rPr lang="zh-CN" altLang="en-US" dirty="0" smtClean="0"/>
-              <a:t>在完成本身业务时，可以通过运行在</a:t>
-            </a:r>
-            <a:r>
-              <a:rPr lang="en-US" altLang="zh-CN" dirty="0" smtClean="0"/>
-              <a:t>HIS</a:t>
-            </a:r>
-            <a:r>
-              <a:rPr lang="zh-CN" altLang="en-US" dirty="0" smtClean="0"/>
-              <a:t>中的逻辑</a:t>
-            </a:r>
-            <a:r>
-              <a:rPr lang="en-US" altLang="zh-CN" dirty="0" smtClean="0"/>
-              <a:t>ENGINE</a:t>
-            </a:r>
-            <a:r>
-              <a:rPr lang="zh-CN" altLang="en-US" dirty="0" smtClean="0"/>
-              <a:t>完成业务，以保证业务数据的一致性</a:t>
-            </a:r>
-            <a:endParaRPr lang="zh-CN" altLang="en-US" dirty="0"/>
-          </a:p>
-        </p:txBody>
-      </p:sp>
     </p:spTree>
     <p:extLst>
       <p:ext uri="{BB962C8B-B14F-4D97-AF65-F5344CB8AC3E}">
@@ -5763,8 +5763,8 @@
               <a:t>CS+SS+CSS</a:t>
             </a:r>
             <a:r>
-              <a:rPr lang="zh-CN" altLang="en-US" dirty="0" smtClean="0"/>
-              <a:t>模式</a:t>
+              <a:rPr lang="zh-CN" altLang="en-US" smtClean="0"/>
+              <a:t>混合模式运行</a:t>
             </a:r>
             <a:endParaRPr lang="zh-CN" altLang="en-US" dirty="0"/>
           </a:p>
@@ -5780,6 +5780,13 @@
   <p:clrMapOvr>
     <a:masterClrMapping/>
   </p:clrMapOvr>
+  <p:timing>
+    <p:tnLst>
+      <p:par>
+        <p:cTn id="1" dur="indefinite" restart="never" nodeType="tmRoot"/>
+      </p:par>
+    </p:tnLst>
+  </p:timing>
 </p:sld>
 </file>
 
@@ -8018,7 +8025,7 @@
         <p:spPr>
           <a:xfrm>
             <a:off x="-342900" y="1208868"/>
-            <a:ext cx="8191500" cy="5847188"/>
+            <a:ext cx="7742635" cy="5526783"/>
           </a:xfrm>
           <a:prstGeom prst="rect">
             <a:avLst/>
@@ -8042,7 +8049,7 @@
         <p:spPr>
           <a:xfrm>
             <a:off x="7229956" y="1417672"/>
-            <a:ext cx="4187343" cy="1207116"/>
+            <a:ext cx="4000421" cy="1153231"/>
           </a:xfrm>
           <a:prstGeom prst="rect">
             <a:avLst/>
@@ -8065,8 +8072,8 @@
         </p:blipFill>
         <p:spPr>
           <a:xfrm>
-            <a:off x="7229956" y="2699345"/>
-            <a:ext cx="3984143" cy="1524796"/>
+            <a:off x="7643257" y="2570903"/>
+            <a:ext cx="3343598" cy="1279649"/>
           </a:xfrm>
           <a:prstGeom prst="rect">
             <a:avLst/>
@@ -8085,13 +8092,13 @@
         </p:nvSpPr>
         <p:spPr>
           <a:xfrm>
-            <a:off x="7229956" y="4373255"/>
-            <a:ext cx="4828693" cy="2570077"/>
+            <a:off x="7229956" y="3850552"/>
+            <a:ext cx="4828693" cy="2885099"/>
           </a:xfrm>
         </p:spPr>
         <p:txBody>
           <a:bodyPr>
-            <a:normAutofit/>
+            <a:normAutofit fontScale="92500" lnSpcReduction="20000"/>
           </a:bodyPr>
           <a:lstStyle/>
           <a:p>
@@ -8119,11 +8126,14 @@
           <a:p>
             <a:r>
               <a:rPr lang="zh-CN" altLang="en-US" dirty="0" smtClean="0"/>
-              <a:t>通过在不同的执行条目的回调函数中编写逻辑实现伴随在一种执行过程中的</a:t>
-            </a:r>
-            <a:r>
-              <a:rPr lang="zh-CN" altLang="en-US" dirty="0"/>
-              <a:t>业务</a:t>
+              <a:t>通过在不同的执行条目的回调函数中编写逻辑实现伴随在一种执行过程中的业务</a:t>
+            </a:r>
+            <a:endParaRPr lang="en-US" altLang="zh-CN" dirty="0" smtClean="0"/>
+          </a:p>
+          <a:p>
+            <a:r>
+              <a:rPr lang="zh-CN" altLang="en-US" dirty="0" smtClean="0"/>
+              <a:t>通过执行条目过滤器实现对基于患者的单条任务的聚合执行（如：配液、住院摆发药）</a:t>
             </a:r>
             <a:endParaRPr lang="en-US" altLang="zh-CN" dirty="0" smtClean="0"/>
           </a:p>
@@ -8560,6 +8570,13 @@
   <p:clrMapOvr>
     <a:masterClrMapping/>
   </p:clrMapOvr>
+  <p:timing>
+    <p:tnLst>
+      <p:par>
+        <p:cTn id="1" dur="indefinite" restart="never" nodeType="tmRoot"/>
+      </p:par>
+    </p:tnLst>
+  </p:timing>
 </p:sld>
 </file>
 

--- a/doc/EVE新一代HIS核心系统.pptx
+++ b/doc/EVE新一代HIS核心系统.pptx
@@ -12,8 +12,8 @@
     <p:sldId id="257" r:id="rId4"/>
     <p:sldId id="264" r:id="rId5"/>
     <p:sldId id="265" r:id="rId6"/>
-    <p:sldId id="266" r:id="rId7"/>
-    <p:sldId id="267" r:id="rId8"/>
+    <p:sldId id="267" r:id="rId7"/>
+    <p:sldId id="266" r:id="rId8"/>
     <p:sldId id="268" r:id="rId9"/>
     <p:sldId id="274" r:id="rId10"/>
     <p:sldId id="269" r:id="rId11"/>
@@ -133,8 +133,8 @@
             <p14:sldId id="257"/>
             <p14:sldId id="264"/>
             <p14:sldId id="265"/>
+            <p14:sldId id="267"/>
             <p14:sldId id="266"/>
-            <p14:sldId id="267"/>
             <p14:sldId id="268"/>
             <p14:sldId id="274"/>
             <p14:sldId id="269"/>
@@ -256,7 +256,7 @@
           </a:lstStyle>
           <a:p>
             <a:fld id="{EC13577B-6902-467D-A26C-08A0DD5E4E03}" type="datetimeFigureOut">
-              <a:t>2017/7/4</a:t>
+              <a:t>2017/7/5</a:t>
             </a:fld>
             <a:endParaRPr lang="zh-CN"/>
           </a:p>
@@ -903,7 +903,7 @@
           <a:lstStyle/>
           <a:p>
             <a:fld id="{8BEEBAAA-29B5-4AF5-BC5F-7E580C29002D}" type="datetimeFigureOut">
-              <a:t>2017/7/4</a:t>
+              <a:t>2017/7/5</a:t>
             </a:fld>
             <a:endParaRPr lang="zh-CN"/>
           </a:p>
@@ -1178,7 +1178,7 @@
           <a:lstStyle/>
           <a:p>
             <a:fld id="{8BEEBAAA-29B5-4AF5-BC5F-7E580C29002D}" type="datetimeFigureOut">
-              <a:t>2017/7/4</a:t>
+              <a:t>2017/7/5</a:t>
             </a:fld>
             <a:endParaRPr lang="zh-CN"/>
           </a:p>
@@ -1458,7 +1458,7 @@
           <a:lstStyle/>
           <a:p>
             <a:fld id="{8BEEBAAA-29B5-4AF5-BC5F-7E580C29002D}" type="datetimeFigureOut">
-              <a:t>2017/7/4</a:t>
+              <a:t>2017/7/5</a:t>
             </a:fld>
             <a:endParaRPr lang="zh-CN"/>
           </a:p>
@@ -1817,7 +1817,7 @@
           <a:lstStyle/>
           <a:p>
             <a:fld id="{8BEEBAAA-29B5-4AF5-BC5F-7E580C29002D}" type="datetimeFigureOut">
-              <a:t>2017/7/4</a:t>
+              <a:t>2017/7/5</a:t>
             </a:fld>
             <a:endParaRPr lang="zh-CN"/>
           </a:p>
@@ -2115,7 +2115,7 @@
           <a:lstStyle/>
           <a:p>
             <a:fld id="{8BEEBAAA-29B5-4AF5-BC5F-7E580C29002D}" type="datetimeFigureOut">
-              <a:t>2017/7/4</a:t>
+              <a:t>2017/7/5</a:t>
             </a:fld>
             <a:endParaRPr lang="zh-CN"/>
           </a:p>
@@ -2628,7 +2628,7 @@
           <a:lstStyle/>
           <a:p>
             <a:fld id="{8BEEBAAA-29B5-4AF5-BC5F-7E580C29002D}" type="datetimeFigureOut">
-              <a:t>2017/7/4</a:t>
+              <a:t>2017/7/5</a:t>
             </a:fld>
             <a:endParaRPr lang="zh-CN"/>
           </a:p>
@@ -3271,7 +3271,7 @@
           <a:lstStyle/>
           <a:p>
             <a:fld id="{8BEEBAAA-29B5-4AF5-BC5F-7E580C29002D}" type="datetimeFigureOut">
-              <a:t>2017/7/4</a:t>
+              <a:t>2017/7/5</a:t>
             </a:fld>
             <a:endParaRPr lang="zh-CN"/>
           </a:p>
@@ -3494,7 +3494,7 @@
           <a:lstStyle/>
           <a:p>
             <a:fld id="{8BEEBAAA-29B5-4AF5-BC5F-7E580C29002D}" type="datetimeFigureOut">
-              <a:t>2017/7/4</a:t>
+              <a:t>2017/7/5</a:t>
             </a:fld>
             <a:endParaRPr lang="zh-CN"/>
           </a:p>
@@ -3633,7 +3633,7 @@
           <a:lstStyle/>
           <a:p>
             <a:fld id="{8BEEBAAA-29B5-4AF5-BC5F-7E580C29002D}" type="datetimeFigureOut">
-              <a:t>2017/7/4</a:t>
+              <a:t>2017/7/5</a:t>
             </a:fld>
             <a:endParaRPr lang="zh-CN"/>
           </a:p>
@@ -3968,7 +3968,7 @@
           <a:lstStyle/>
           <a:p>
             <a:fld id="{8BEEBAAA-29B5-4AF5-BC5F-7E580C29002D}" type="datetimeFigureOut">
-              <a:t>2017/7/4</a:t>
+              <a:t>2017/7/5</a:t>
             </a:fld>
             <a:endParaRPr lang="zh-CN"/>
           </a:p>
@@ -4223,7 +4223,7 @@
           <a:lstStyle/>
           <a:p>
             <a:fld id="{8BEEBAAA-29B5-4AF5-BC5F-7E580C29002D}" type="datetimeFigureOut">
-              <a:t>2017/7/4</a:t>
+              <a:t>2017/7/5</a:t>
             </a:fld>
             <a:endParaRPr lang="zh-CN"/>
           </a:p>
@@ -4436,7 +4436,7 @@
             <a:fld id="{8BEEBAAA-29B5-4AF5-BC5F-7E580C29002D}" type="datetimeFigureOut">
               <a:rPr lang="en-US" altLang="zh-CN" smtClean="0"/>
               <a:pPr/>
-              <a:t>7/4/2017</a:t>
+              <a:t>7/5/2017</a:t>
             </a:fld>
             <a:endParaRPr lang="zh-CN" altLang="en-US"/>
           </a:p>
@@ -6449,80 +6449,44 @@
           <a:p>
             <a:r>
               <a:rPr lang="zh-CN" altLang="en-US" dirty="0" smtClean="0"/>
-              <a:t>以患者为中心，联通患者初诊、复诊、</a:t>
+              <a:t>以患者为中心，联通患者初诊、复诊、住院多个业务</a:t>
             </a:r>
             <a:r>
               <a:rPr lang="zh-CN" altLang="en-US" dirty="0" smtClean="0"/>
-              <a:t>住院多</a:t>
-            </a:r>
+              <a:t>环节</a:t>
+            </a:r>
+            <a:endParaRPr lang="en-US" altLang="zh-CN" dirty="0" smtClean="0"/>
+          </a:p>
+          <a:p>
+            <a:r>
+              <a:rPr lang="zh-CN" altLang="en-US" dirty="0"/>
+              <a:t>以医嘱为核心驱动院内绝大部分诊疗任务，自动向医生、护士推送待做事项，并提供基于人员、部门、单笔业务等多角度的绩效数据</a:t>
+            </a:r>
+            <a:endParaRPr lang="en-US" altLang="zh-CN" dirty="0"/>
+          </a:p>
+          <a:p>
             <a:r>
               <a:rPr lang="zh-CN" altLang="en-US" dirty="0" smtClean="0"/>
-              <a:t>个业务环节</a:t>
+              <a:t>实现</a:t>
+            </a:r>
+            <a:r>
+              <a:rPr lang="zh-CN" altLang="en-US" dirty="0" smtClean="0"/>
+              <a:t>了患者诊疗信息、医嘱、病历的高度互动</a:t>
             </a:r>
             <a:endParaRPr lang="en-US" altLang="zh-CN" dirty="0" smtClean="0"/>
           </a:p>
           <a:p>
             <a:r>
               <a:rPr lang="zh-CN" altLang="en-US" dirty="0" smtClean="0"/>
-              <a:t>实现了患者</a:t>
+              <a:t>实现</a:t>
+            </a:r>
+            <a:r>
+              <a:rPr lang="zh-CN" altLang="en-US" dirty="0"/>
+              <a:t>了诊疗</a:t>
             </a:r>
             <a:r>
               <a:rPr lang="zh-CN" altLang="en-US" dirty="0" smtClean="0"/>
-              <a:t>诊疗信息、医嘱、</a:t>
-            </a:r>
-            <a:r>
-              <a:rPr lang="zh-CN" altLang="en-US" dirty="0" smtClean="0"/>
-              <a:t>病历的高度</a:t>
-            </a:r>
-            <a:r>
-              <a:rPr lang="zh-CN" altLang="en-US" dirty="0" smtClean="0"/>
-              <a:t>互动</a:t>
-            </a:r>
-            <a:endParaRPr lang="en-US" altLang="zh-CN" dirty="0" smtClean="0"/>
-          </a:p>
-          <a:p>
-            <a:r>
-              <a:rPr lang="zh-CN" altLang="en-US" dirty="0" smtClean="0"/>
-              <a:t>以医嘱为核心驱动院内绝大部分</a:t>
-            </a:r>
-            <a:r>
-              <a:rPr lang="zh-CN" altLang="en-US" dirty="0" smtClean="0"/>
-              <a:t>诊疗</a:t>
-            </a:r>
-            <a:r>
-              <a:rPr lang="zh-CN" altLang="en-US" dirty="0"/>
-              <a:t>任务</a:t>
-            </a:r>
-            <a:r>
-              <a:rPr lang="zh-CN" altLang="en-US" dirty="0" smtClean="0"/>
-              <a:t>，</a:t>
-            </a:r>
-            <a:r>
-              <a:rPr lang="zh-CN" altLang="en-US" dirty="0" smtClean="0"/>
-              <a:t>自动向医生、护士推送待做事项，并提供基于人员、部门、单笔业务等多角度的绩效数据</a:t>
-            </a:r>
-            <a:endParaRPr lang="en-US" altLang="zh-CN" dirty="0" smtClean="0"/>
-          </a:p>
-          <a:p>
-            <a:r>
-              <a:rPr lang="zh-CN" altLang="en-US" dirty="0"/>
-              <a:t>实现了诊疗</a:t>
-            </a:r>
-            <a:r>
-              <a:rPr lang="zh-CN" altLang="en-US" dirty="0" smtClean="0"/>
-              <a:t>业务与计费</a:t>
-            </a:r>
-            <a:r>
-              <a:rPr lang="zh-CN" altLang="en-US" dirty="0" smtClean="0"/>
-              <a:t>业务的</a:t>
-            </a:r>
-            <a:r>
-              <a:rPr lang="zh-CN" altLang="en-US" dirty="0" smtClean="0"/>
-              <a:t>真正</a:t>
-            </a:r>
-            <a:r>
-              <a:rPr lang="zh-CN" altLang="en-US" dirty="0" smtClean="0"/>
-              <a:t>分离</a:t>
+              <a:t>业务与计费业务的真正分离</a:t>
             </a:r>
             <a:endParaRPr lang="en-US" altLang="zh-CN" dirty="0" smtClean="0"/>
           </a:p>
@@ -6549,11 +6513,7 @@
           <a:p>
             <a:r>
               <a:rPr lang="zh-CN" altLang="en-US" dirty="0" smtClean="0"/>
-              <a:t>系统</a:t>
-            </a:r>
-            <a:r>
-              <a:rPr lang="zh-CN" altLang="en-US" dirty="0" smtClean="0"/>
-              <a:t>通过</a:t>
+              <a:t>系统通过</a:t>
             </a:r>
             <a:r>
               <a:rPr lang="en-US" altLang="zh-CN" dirty="0" smtClean="0"/>
@@ -6569,15 +6529,7 @@
             </a:r>
             <a:r>
               <a:rPr lang="zh-CN" altLang="en-US" dirty="0" smtClean="0"/>
-              <a:t>的方式灵活的实现与医院其他</a:t>
-            </a:r>
-            <a:r>
-              <a:rPr lang="zh-CN" altLang="en-US" dirty="0" smtClean="0"/>
-              <a:t>专有软件系统</a:t>
-            </a:r>
-            <a:r>
-              <a:rPr lang="zh-CN" altLang="en-US" dirty="0" smtClean="0"/>
-              <a:t>的交互</a:t>
+              <a:t>的方式灵活的实现与医院其他专有软件系统的交互</a:t>
             </a:r>
             <a:endParaRPr lang="en-US" altLang="zh-CN" dirty="0" smtClean="0"/>
           </a:p>
@@ -7789,7 +7741,12 @@
             <p:ph type="title"/>
           </p:nvPr>
         </p:nvSpPr>
-        <p:spPr/>
+        <p:spPr>
+          <a:xfrm>
+            <a:off x="604434" y="0"/>
+            <a:ext cx="11587566" cy="1208868"/>
+          </a:xfrm>
+        </p:spPr>
         <p:txBody>
           <a:bodyPr/>
           <a:lstStyle/>
@@ -7803,28 +7760,23 @@
               <a:t>-</a:t>
             </a:r>
             <a:r>
+              <a:rPr lang="zh-CN" altLang="en-US" sz="2000" dirty="0"/>
+              <a:t>以医嘱为核心驱动院内绝大部分</a:t>
+            </a:r>
+            <a:r>
               <a:rPr lang="zh-CN" altLang="en-US" sz="2000" dirty="0" smtClean="0"/>
-              <a:t>实现了患者</a:t>
+              <a:t>诊疗任务，</a:t>
             </a:r>
             <a:r>
               <a:rPr lang="zh-CN" altLang="en-US" sz="2000" dirty="0"/>
-              <a:t>诊疗信息、医嘱、</a:t>
-            </a:r>
-            <a:r>
-              <a:rPr lang="zh-CN" altLang="en-US" sz="2000" dirty="0" smtClean="0"/>
-              <a:t>病历的高度</a:t>
-            </a:r>
-            <a:r>
-              <a:rPr lang="zh-CN" altLang="en-US" sz="2000" dirty="0"/>
-              <a:t>互动</a:t>
-            </a:r>
-            <a:endParaRPr lang="en-US" altLang="zh-CN" sz="2000" dirty="0"/>
+              <a:t>自动向医生、护士推送待做事项</a:t>
+            </a:r>
           </a:p>
         </p:txBody>
       </p:sp>
       <p:pic>
         <p:nvPicPr>
-          <p:cNvPr id="5" name="图片 4"/>
+          <p:cNvPr id="6" name="图片 5"/>
           <p:cNvPicPr>
             <a:picLocks noChangeAspect="1"/>
           </p:cNvPicPr>
@@ -7838,72 +7790,14 @@
         </p:blipFill>
         <p:spPr>
           <a:xfrm>
-            <a:off x="348067" y="1625647"/>
-            <a:ext cx="6382984" cy="4848895"/>
+            <a:off x="-342900" y="1208868"/>
+            <a:ext cx="7742635" cy="5526783"/>
           </a:xfrm>
           <a:prstGeom prst="rect">
             <a:avLst/>
           </a:prstGeom>
         </p:spPr>
       </p:pic>
-      <p:sp>
-        <p:nvSpPr>
-          <p:cNvPr id="6" name="内容占位符 2"/>
-          <p:cNvSpPr>
-            <a:spLocks noGrp="1"/>
-          </p:cNvSpPr>
-          <p:nvPr>
-            <p:ph idx="1"/>
-          </p:nvPr>
-        </p:nvSpPr>
-        <p:spPr>
-          <a:xfrm>
-            <a:off x="6988172" y="1672859"/>
-            <a:ext cx="4810128" cy="3670253"/>
-          </a:xfrm>
-        </p:spPr>
-        <p:txBody>
-          <a:bodyPr>
-            <a:normAutofit/>
-          </a:bodyPr>
-          <a:lstStyle/>
-          <a:p>
-            <a:r>
-              <a:rPr lang="zh-CN" altLang="en-US" dirty="0" smtClean="0">
-                <a:latin typeface="Microsoft YaHei UI" panose="020B0503020204020204" pitchFamily="34" charset="-122"/>
-                <a:ea typeface="Microsoft YaHei UI" panose="020B0503020204020204" pitchFamily="34" charset="-122"/>
-              </a:rPr>
-              <a:t>通过病历类型与患者诊疗信息项类型关联实现了在生成病历时数据来源于患者诊疗信息</a:t>
-            </a:r>
-            <a:endParaRPr lang="en-US" altLang="zh-CN" dirty="0" smtClean="0">
-              <a:latin typeface="Microsoft YaHei UI" panose="020B0503020204020204" pitchFamily="34" charset="-122"/>
-              <a:ea typeface="Microsoft YaHei UI" panose="020B0503020204020204" pitchFamily="34" charset="-122"/>
-            </a:endParaRPr>
-          </a:p>
-          <a:p>
-            <a:r>
-              <a:rPr lang="zh-CN" altLang="en-US" dirty="0" smtClean="0"/>
-              <a:t>患者诊疗信息独立于病历，可独立生成和维护，可以通过病历来展示和修改</a:t>
-            </a:r>
-            <a:endParaRPr lang="en-US" altLang="zh-CN" dirty="0" smtClean="0"/>
-          </a:p>
-          <a:p>
-            <a:r>
-              <a:rPr lang="zh-CN" altLang="en-US" dirty="0" smtClean="0"/>
-              <a:t>医嘱生成的患者临时医嘱列表被认为是一项诊疗信息类型，患者临时医嘱单由患者姓名、</a:t>
-            </a:r>
-            <a:r>
-              <a:rPr lang="zh-CN" altLang="en-US" dirty="0"/>
-              <a:t>患者临时医嘱</a:t>
-            </a:r>
-            <a:r>
-              <a:rPr lang="zh-CN" altLang="en-US" dirty="0" smtClean="0"/>
-              <a:t>列表等信息组成</a:t>
-            </a:r>
-            <a:endParaRPr lang="en-US" altLang="zh-CN" dirty="0" smtClean="0"/>
-          </a:p>
-        </p:txBody>
-      </p:sp>
       <p:pic>
         <p:nvPicPr>
           <p:cNvPr id="7" name="图片 6"/>
@@ -7920,18 +7814,101 @@
         </p:blipFill>
         <p:spPr>
           <a:xfrm>
-            <a:off x="7089772" y="5062103"/>
-            <a:ext cx="4606928" cy="1412439"/>
+            <a:off x="7229956" y="1417672"/>
+            <a:ext cx="4000421" cy="1153231"/>
           </a:xfrm>
           <a:prstGeom prst="rect">
             <a:avLst/>
           </a:prstGeom>
         </p:spPr>
       </p:pic>
+      <p:pic>
+        <p:nvPicPr>
+          <p:cNvPr id="8" name="图片 7"/>
+          <p:cNvPicPr>
+            <a:picLocks noChangeAspect="1"/>
+          </p:cNvPicPr>
+          <p:nvPr/>
+        </p:nvPicPr>
+        <p:blipFill>
+          <a:blip r:embed="rId4"/>
+          <a:stretch>
+            <a:fillRect/>
+          </a:stretch>
+        </p:blipFill>
+        <p:spPr>
+          <a:xfrm>
+            <a:off x="7643257" y="2570903"/>
+            <a:ext cx="3343598" cy="1279649"/>
+          </a:xfrm>
+          <a:prstGeom prst="rect">
+            <a:avLst/>
+          </a:prstGeom>
+        </p:spPr>
+      </p:pic>
+      <p:sp>
+        <p:nvSpPr>
+          <p:cNvPr id="10" name="内容占位符 2"/>
+          <p:cNvSpPr>
+            <a:spLocks noGrp="1"/>
+          </p:cNvSpPr>
+          <p:nvPr>
+            <p:ph idx="1"/>
+          </p:nvPr>
+        </p:nvSpPr>
+        <p:spPr>
+          <a:xfrm>
+            <a:off x="7229956" y="3850552"/>
+            <a:ext cx="4828693" cy="2885099"/>
+          </a:xfrm>
+        </p:spPr>
+        <p:txBody>
+          <a:bodyPr>
+            <a:normAutofit fontScale="92500" lnSpcReduction="20000"/>
+          </a:bodyPr>
+          <a:lstStyle/>
+          <a:p>
+            <a:r>
+              <a:rPr lang="zh-CN" altLang="en-US" dirty="0" smtClean="0"/>
+              <a:t>通过在不同的医嘱类型中编写不同的分解逻辑实现医嘱的分解</a:t>
+            </a:r>
+            <a:endParaRPr lang="en-US" altLang="zh-CN" dirty="0" smtClean="0"/>
+          </a:p>
+          <a:p>
+            <a:r>
+              <a:rPr lang="zh-CN" altLang="en-US" dirty="0" smtClean="0"/>
+              <a:t>通过统一的</a:t>
+            </a:r>
+            <a:r>
+              <a:rPr lang="en-US" altLang="zh-CN" dirty="0" smtClean="0"/>
+              <a:t>API</a:t>
+            </a:r>
+            <a:r>
+              <a:rPr lang="zh-CN" altLang="en-US" dirty="0" smtClean="0"/>
+              <a:t>完成医嘱执行条目的获取和办理</a:t>
+            </a:r>
+            <a:endParaRPr lang="en-US" altLang="zh-CN" dirty="0" smtClean="0"/>
+          </a:p>
+          <a:p>
+            <a:r>
+              <a:rPr lang="zh-CN" altLang="en-US" dirty="0" smtClean="0"/>
+              <a:t>通过在不同的执行条目的回调函数中编写逻辑实现伴随在一种执行过程中的业务</a:t>
+            </a:r>
+            <a:endParaRPr lang="en-US" altLang="zh-CN" dirty="0" smtClean="0"/>
+          </a:p>
+          <a:p>
+            <a:r>
+              <a:rPr lang="zh-CN" altLang="en-US" dirty="0" smtClean="0"/>
+              <a:t>通过执行条目过滤器实现对基于患者的单条任务的聚合执行（如：配液、住院摆发药）</a:t>
+            </a:r>
+            <a:endParaRPr lang="en-US" altLang="zh-CN" dirty="0" smtClean="0"/>
+          </a:p>
+        </p:txBody>
+      </p:sp>
     </p:spTree>
     <p:extLst>
       <p:ext uri="{BB962C8B-B14F-4D97-AF65-F5344CB8AC3E}">
-        <p14:creationId xmlns:p14="http://schemas.microsoft.com/office/powerpoint/2010/main" val="2956261430"/>
+        <p14:creationId xmlns:p14="http://schemas.microsoft.com/office/powerpoint/2010/main" val="4200738755"/>
       </p:ext>
     </p:extLst>
   </p:cSld>
@@ -7975,12 +7952,7 @@
             <p:ph type="title"/>
           </p:nvPr>
         </p:nvSpPr>
-        <p:spPr>
-          <a:xfrm>
-            <a:off x="604434" y="0"/>
-            <a:ext cx="11587566" cy="1208868"/>
-          </a:xfrm>
-        </p:spPr>
+        <p:spPr/>
         <p:txBody>
           <a:bodyPr/>
           <a:lstStyle/>
@@ -7994,23 +7966,28 @@
               <a:t>-</a:t>
             </a:r>
             <a:r>
+              <a:rPr lang="zh-CN" altLang="en-US" sz="2000" dirty="0" smtClean="0"/>
+              <a:t>实现了患者</a:t>
+            </a:r>
+            <a:r>
               <a:rPr lang="zh-CN" altLang="en-US" sz="2000" dirty="0"/>
-              <a:t>以医嘱为核心驱动院内绝大部分</a:t>
+              <a:t>诊疗信息、医嘱、</a:t>
             </a:r>
             <a:r>
               <a:rPr lang="zh-CN" altLang="en-US" sz="2000" dirty="0" smtClean="0"/>
-              <a:t>诊疗任务，</a:t>
+              <a:t>病历的高度</a:t>
             </a:r>
             <a:r>
               <a:rPr lang="zh-CN" altLang="en-US" sz="2000" dirty="0"/>
-              <a:t>自动向医生、护士推送待做事项</a:t>
-            </a:r>
+              <a:t>互动</a:t>
+            </a:r>
+            <a:endParaRPr lang="en-US" altLang="zh-CN" sz="2000" dirty="0"/>
           </a:p>
         </p:txBody>
       </p:sp>
       <p:pic>
         <p:nvPicPr>
-          <p:cNvPr id="6" name="图片 5"/>
+          <p:cNvPr id="5" name="图片 4"/>
           <p:cNvPicPr>
             <a:picLocks noChangeAspect="1"/>
           </p:cNvPicPr>
@@ -8024,14 +8001,72 @@
         </p:blipFill>
         <p:spPr>
           <a:xfrm>
-            <a:off x="-342900" y="1208868"/>
-            <a:ext cx="7742635" cy="5526783"/>
+            <a:off x="348067" y="1625647"/>
+            <a:ext cx="6382984" cy="4848895"/>
           </a:xfrm>
           <a:prstGeom prst="rect">
             <a:avLst/>
           </a:prstGeom>
         </p:spPr>
       </p:pic>
+      <p:sp>
+        <p:nvSpPr>
+          <p:cNvPr id="6" name="内容占位符 2"/>
+          <p:cNvSpPr>
+            <a:spLocks noGrp="1"/>
+          </p:cNvSpPr>
+          <p:nvPr>
+            <p:ph idx="1"/>
+          </p:nvPr>
+        </p:nvSpPr>
+        <p:spPr>
+          <a:xfrm>
+            <a:off x="6988172" y="1672859"/>
+            <a:ext cx="4810128" cy="3670253"/>
+          </a:xfrm>
+        </p:spPr>
+        <p:txBody>
+          <a:bodyPr>
+            <a:normAutofit/>
+          </a:bodyPr>
+          <a:lstStyle/>
+          <a:p>
+            <a:r>
+              <a:rPr lang="zh-CN" altLang="en-US" dirty="0" smtClean="0">
+                <a:latin typeface="Microsoft YaHei UI" panose="020B0503020204020204" pitchFamily="34" charset="-122"/>
+                <a:ea typeface="Microsoft YaHei UI" panose="020B0503020204020204" pitchFamily="34" charset="-122"/>
+              </a:rPr>
+              <a:t>通过病历类型与患者诊疗信息项类型关联实现了在生成病历时数据来源于患者诊疗信息</a:t>
+            </a:r>
+            <a:endParaRPr lang="en-US" altLang="zh-CN" dirty="0" smtClean="0">
+              <a:latin typeface="Microsoft YaHei UI" panose="020B0503020204020204" pitchFamily="34" charset="-122"/>
+              <a:ea typeface="Microsoft YaHei UI" panose="020B0503020204020204" pitchFamily="34" charset="-122"/>
+            </a:endParaRPr>
+          </a:p>
+          <a:p>
+            <a:r>
+              <a:rPr lang="zh-CN" altLang="en-US" dirty="0" smtClean="0"/>
+              <a:t>患者诊疗信息独立于病历，可独立生成和维护，可以通过病历来展示和修改</a:t>
+            </a:r>
+            <a:endParaRPr lang="en-US" altLang="zh-CN" dirty="0" smtClean="0"/>
+          </a:p>
+          <a:p>
+            <a:r>
+              <a:rPr lang="zh-CN" altLang="en-US" dirty="0" smtClean="0"/>
+              <a:t>医嘱生成的患者临时医嘱列表被认为是一项诊疗信息类型，患者临时医嘱单由患者姓名、</a:t>
+            </a:r>
+            <a:r>
+              <a:rPr lang="zh-CN" altLang="en-US" dirty="0"/>
+              <a:t>患者临时医嘱</a:t>
+            </a:r>
+            <a:r>
+              <a:rPr lang="zh-CN" altLang="en-US" dirty="0" smtClean="0"/>
+              <a:t>列表等信息组成</a:t>
+            </a:r>
+            <a:endParaRPr lang="en-US" altLang="zh-CN" dirty="0" smtClean="0"/>
+          </a:p>
+        </p:txBody>
+      </p:sp>
       <p:pic>
         <p:nvPicPr>
           <p:cNvPr id="7" name="图片 6"/>
@@ -8048,101 +8083,18 @@
         </p:blipFill>
         <p:spPr>
           <a:xfrm>
-            <a:off x="7229956" y="1417672"/>
-            <a:ext cx="4000421" cy="1153231"/>
+            <a:off x="7089772" y="5062103"/>
+            <a:ext cx="4606928" cy="1412439"/>
           </a:xfrm>
           <a:prstGeom prst="rect">
             <a:avLst/>
           </a:prstGeom>
         </p:spPr>
       </p:pic>
-      <p:pic>
-        <p:nvPicPr>
-          <p:cNvPr id="8" name="图片 7"/>
-          <p:cNvPicPr>
-            <a:picLocks noChangeAspect="1"/>
-          </p:cNvPicPr>
-          <p:nvPr/>
-        </p:nvPicPr>
-        <p:blipFill>
-          <a:blip r:embed="rId4"/>
-          <a:stretch>
-            <a:fillRect/>
-          </a:stretch>
-        </p:blipFill>
-        <p:spPr>
-          <a:xfrm>
-            <a:off x="7643257" y="2570903"/>
-            <a:ext cx="3343598" cy="1279649"/>
-          </a:xfrm>
-          <a:prstGeom prst="rect">
-            <a:avLst/>
-          </a:prstGeom>
-        </p:spPr>
-      </p:pic>
-      <p:sp>
-        <p:nvSpPr>
-          <p:cNvPr id="10" name="内容占位符 2"/>
-          <p:cNvSpPr>
-            <a:spLocks noGrp="1"/>
-          </p:cNvSpPr>
-          <p:nvPr>
-            <p:ph idx="1"/>
-          </p:nvPr>
-        </p:nvSpPr>
-        <p:spPr>
-          <a:xfrm>
-            <a:off x="7229956" y="3850552"/>
-            <a:ext cx="4828693" cy="2885099"/>
-          </a:xfrm>
-        </p:spPr>
-        <p:txBody>
-          <a:bodyPr>
-            <a:normAutofit fontScale="92500" lnSpcReduction="20000"/>
-          </a:bodyPr>
-          <a:lstStyle/>
-          <a:p>
-            <a:r>
-              <a:rPr lang="zh-CN" altLang="en-US" dirty="0" smtClean="0"/>
-              <a:t>通过在不同的医嘱类型中编写不同的分解逻辑实现医嘱的分解</a:t>
-            </a:r>
-            <a:endParaRPr lang="en-US" altLang="zh-CN" dirty="0" smtClean="0"/>
-          </a:p>
-          <a:p>
-            <a:r>
-              <a:rPr lang="zh-CN" altLang="en-US" dirty="0" smtClean="0"/>
-              <a:t>通过统一的</a:t>
-            </a:r>
-            <a:r>
-              <a:rPr lang="en-US" altLang="zh-CN" dirty="0" smtClean="0"/>
-              <a:t>API</a:t>
-            </a:r>
-            <a:r>
-              <a:rPr lang="zh-CN" altLang="en-US" dirty="0" smtClean="0"/>
-              <a:t>完成医嘱执行条目的获取和办理</a:t>
-            </a:r>
-            <a:endParaRPr lang="en-US" altLang="zh-CN" dirty="0" smtClean="0"/>
-          </a:p>
-          <a:p>
-            <a:r>
-              <a:rPr lang="zh-CN" altLang="en-US" dirty="0" smtClean="0"/>
-              <a:t>通过在不同的执行条目的回调函数中编写逻辑实现伴随在一种执行过程中的业务</a:t>
-            </a:r>
-            <a:endParaRPr lang="en-US" altLang="zh-CN" dirty="0" smtClean="0"/>
-          </a:p>
-          <a:p>
-            <a:r>
-              <a:rPr lang="zh-CN" altLang="en-US" dirty="0" smtClean="0"/>
-              <a:t>通过执行条目过滤器实现对基于患者的单条任务的聚合执行（如：配液、住院摆发药）</a:t>
-            </a:r>
-            <a:endParaRPr lang="en-US" altLang="zh-CN" dirty="0" smtClean="0"/>
-          </a:p>
-        </p:txBody>
-      </p:sp>
     </p:spTree>
     <p:extLst>
       <p:ext uri="{BB962C8B-B14F-4D97-AF65-F5344CB8AC3E}">
-        <p14:creationId xmlns:p14="http://schemas.microsoft.com/office/powerpoint/2010/main" val="4200738755"/>
+        <p14:creationId xmlns:p14="http://schemas.microsoft.com/office/powerpoint/2010/main" val="2956261430"/>
       </p:ext>
     </p:extLst>
   </p:cSld>

--- a/doc/EVE新一代HIS核心系统.pptx
+++ b/doc/EVE新一代HIS核心系统.pptx
@@ -4924,6 +4924,36 @@
           </a:p>
         </p:txBody>
       </p:sp>
+      <p:pic>
+        <p:nvPicPr>
+          <p:cNvPr id="7" name="图片 6"/>
+          <p:cNvPicPr>
+            <a:picLocks noChangeAspect="1"/>
+          </p:cNvPicPr>
+          <p:nvPr/>
+        </p:nvPicPr>
+        <p:blipFill>
+          <a:blip r:embed="rId3">
+            <a:extLst>
+              <a:ext uri="{28A0092B-C50C-407E-A947-70E740481C1C}">
+                <a14:useLocalDpi xmlns:a14="http://schemas.microsoft.com/office/drawing/2010/main" val="0"/>
+              </a:ext>
+            </a:extLst>
+          </a:blip>
+          <a:stretch>
+            <a:fillRect/>
+          </a:stretch>
+        </p:blipFill>
+        <p:spPr>
+          <a:xfrm>
+            <a:off x="2170112" y="3491706"/>
+            <a:ext cx="289356" cy="289356"/>
+          </a:xfrm>
+          <a:prstGeom prst="rect">
+            <a:avLst/>
+          </a:prstGeom>
+        </p:spPr>
+      </p:pic>
     </p:spTree>
     <p:extLst>
       <p:ext uri="{BB962C8B-B14F-4D97-AF65-F5344CB8AC3E}">
@@ -4973,30 +5003,26 @@
         </p:nvSpPr>
         <p:spPr>
           <a:xfrm>
-            <a:off x="114300" y="0"/>
-            <a:ext cx="12077700" cy="1208868"/>
-          </a:xfrm>
-        </p:spPr>
-        <p:txBody>
-          <a:bodyPr>
+            <a:off x="590550" y="0"/>
+            <a:ext cx="11436350" cy="1208868"/>
+          </a:xfrm>
+        </p:spPr>
+        <p:txBody>
+          <a:bodyPr vert="horz" lIns="91440" tIns="45720" rIns="91440" bIns="45720" rtlCol="0" anchor="b">
             <a:normAutofit/>
           </a:bodyPr>
           <a:lstStyle/>
           <a:p>
             <a:r>
-              <a:rPr lang="zh-CN" altLang="en-US" dirty="0"/>
-              <a:t>特点分项讲解</a:t>
-            </a:r>
-            <a:r>
-              <a:rPr lang="en-US" altLang="zh-CN" dirty="0" smtClean="0"/>
-              <a:t>-</a:t>
-            </a:r>
-            <a:r>
               <a:rPr lang="zh-CN" altLang="en-US" sz="2000" dirty="0"/>
-              <a:t>支持核心资产研发与本地化研发的分离，系统提供多种手段满足个性化业务</a:t>
-            </a:r>
-            <a:r>
-              <a:rPr lang="zh-CN" altLang="en-US" sz="2000" dirty="0" smtClean="0"/>
+              <a:t>支持</a:t>
+            </a:r>
+            <a:r>
+              <a:rPr lang="zh-CN" altLang="en-US" sz="2000" dirty="0"/>
+              <a:t>核心资产研发与本地化研发的分离，系统提供多种手段满足个性化业务</a:t>
+            </a:r>
+            <a:r>
+              <a:rPr lang="zh-CN" altLang="en-US" sz="2000" dirty="0"/>
               <a:t>扩展</a:t>
             </a:r>
             <a:endParaRPr lang="zh-CN" altLang="en-US" sz="2000" dirty="0"/>
@@ -5016,13 +5042,17 @@
         <p:spPr>
           <a:xfrm>
             <a:off x="766728" y="4851400"/>
-            <a:ext cx="5202272" cy="1627188"/>
+            <a:ext cx="5418172" cy="1627188"/>
           </a:xfrm>
         </p:spPr>
         <p:txBody>
           <a:bodyPr/>
           <a:lstStyle/>
           <a:p>
+            <a:pPr marL="285750" indent="-285750">
+              <a:buFont typeface="Wingdings" panose="05000000000000000000" pitchFamily="2" charset="2"/>
+              <a:buChar char="Ø"/>
+            </a:pPr>
             <a:r>
               <a:rPr lang="zh-CN" altLang="en-US" dirty="0" smtClean="0"/>
               <a:t>业务逻辑分布：将业务逻辑区分为应用逻辑和领域逻辑，采用事务脚本风格编写应用逻辑（</a:t>
@@ -5177,15 +5207,7 @@
           <a:lstStyle/>
           <a:p>
             <a:r>
-              <a:rPr lang="zh-CN" altLang="en-US" dirty="0"/>
-              <a:t>特点分项讲解</a:t>
-            </a:r>
-            <a:r>
-              <a:rPr lang="en-US" altLang="zh-CN" dirty="0" smtClean="0"/>
-              <a:t>-</a:t>
-            </a:r>
-            <a:r>
-              <a:rPr lang="zh-CN" altLang="en-US" sz="2000" dirty="0"/>
+              <a:rPr lang="zh-CN" altLang="en-US" sz="2000" dirty="0" smtClean="0"/>
               <a:t>系统</a:t>
             </a:r>
             <a:r>
@@ -5234,6 +5256,10 @@
           </a:bodyPr>
           <a:lstStyle/>
           <a:p>
+            <a:pPr marL="285750" indent="-285750">
+              <a:buFont typeface="Wingdings" panose="05000000000000000000" pitchFamily="2" charset="2"/>
+              <a:buChar char="Ø"/>
+            </a:pPr>
             <a:r>
               <a:rPr lang="zh-CN" altLang="en-US" dirty="0" smtClean="0"/>
               <a:t>将</a:t>
@@ -5269,6 +5295,10 @@
             <a:endParaRPr lang="en-US" altLang="zh-CN" dirty="0" smtClean="0"/>
           </a:p>
           <a:p>
+            <a:pPr marL="285750" indent="-285750">
+              <a:buFont typeface="Wingdings" panose="05000000000000000000" pitchFamily="2" charset="2"/>
+              <a:buChar char="Ø"/>
+            </a:pPr>
             <a:r>
               <a:rPr lang="en-US" altLang="zh-CN" dirty="0" smtClean="0"/>
               <a:t>HIS</a:t>
@@ -5320,6 +5350,10 @@
             <a:endParaRPr lang="en-US" altLang="zh-CN" dirty="0" smtClean="0"/>
           </a:p>
           <a:p>
+            <a:pPr marL="285750" indent="-285750">
+              <a:buFont typeface="Wingdings" panose="05000000000000000000" pitchFamily="2" charset="2"/>
+              <a:buChar char="Ø"/>
+            </a:pPr>
             <a:r>
               <a:rPr lang="en-US" altLang="zh-CN" dirty="0" smtClean="0"/>
               <a:t>HIS</a:t>
@@ -5432,16 +5466,12 @@
           <a:lstStyle/>
           <a:p>
             <a:r>
-              <a:rPr lang="zh-CN" altLang="en-US" dirty="0"/>
-              <a:t>特点分项讲解</a:t>
-            </a:r>
-            <a:r>
-              <a:rPr lang="en-US" altLang="zh-CN" dirty="0" smtClean="0"/>
-              <a:t>-</a:t>
+              <a:rPr lang="zh-CN" altLang="en-US" sz="2000" dirty="0" smtClean="0"/>
+              <a:t>系统</a:t>
             </a:r>
             <a:r>
               <a:rPr lang="zh-CN" altLang="en-US" sz="2000" dirty="0"/>
-              <a:t>系统通过严格的错误处理设计和测试设计保证核心代码的质量，以及应用核心代码出现问题时定位问题的</a:t>
+              <a:t>通过严格的错误处理设计和测试设计保证核心代码的质量，以及应用核心代码出现问题时定位问题的</a:t>
             </a:r>
             <a:r>
               <a:rPr lang="zh-CN" altLang="en-US" sz="2000" dirty="0" smtClean="0"/>
@@ -5569,6 +5599,10 @@
           </a:bodyPr>
           <a:lstStyle/>
           <a:p>
+            <a:pPr marL="285750" indent="-285750">
+              <a:buFont typeface="Wingdings" panose="05000000000000000000" pitchFamily="2" charset="2"/>
+              <a:buChar char="Ø"/>
+            </a:pPr>
             <a:r>
               <a:rPr lang="zh-CN" altLang="en-US" dirty="0" smtClean="0"/>
               <a:t>采用可捕获异常来定义业务异常</a:t>
@@ -5576,6 +5610,10 @@
             <a:endParaRPr lang="en-US" altLang="zh-CN" dirty="0" smtClean="0"/>
           </a:p>
           <a:p>
+            <a:pPr marL="285750" indent="-285750">
+              <a:buFont typeface="Wingdings" panose="05000000000000000000" pitchFamily="2" charset="2"/>
+              <a:buChar char="Ø"/>
+            </a:pPr>
             <a:r>
               <a:rPr lang="zh-CN" altLang="en-US" dirty="0" smtClean="0"/>
               <a:t>通过伪造系统时间进行全业务场景测试</a:t>
@@ -5642,6 +5680,20 @@
 <file path=ppt/slides/slide13.xml><?xml version="1.0" encoding="utf-8"?>
 <p:sld xmlns:a="http://schemas.openxmlformats.org/drawingml/2006/main" xmlns:r="http://schemas.openxmlformats.org/officeDocument/2006/relationships" xmlns:p="http://schemas.openxmlformats.org/presentationml/2006/main">
   <p:cSld>
+    <p:bg>
+      <p:bgPr>
+        <a:blipFill dpi="0" rotWithShape="1">
+          <a:blip r:embed="rId2">
+            <a:lum/>
+          </a:blip>
+          <a:srcRect/>
+          <a:stretch>
+            <a:fillRect t="-17000" b="-17000"/>
+          </a:stretch>
+        </a:blipFill>
+        <a:effectLst/>
+      </p:bgPr>
+    </p:bg>
     <p:spTree>
       <p:nvGrpSpPr>
         <p:cNvPr id="1" name=""/>
@@ -5699,6 +5751,10 @@
           <a:bodyPr/>
           <a:lstStyle/>
           <a:p>
+            <a:pPr marL="285750" indent="-285750">
+              <a:buFont typeface="Wingdings" panose="05000000000000000000" pitchFamily="2" charset="2"/>
+              <a:buChar char="Ø"/>
+            </a:pPr>
             <a:r>
               <a:rPr lang="zh-CN" altLang="en-US" dirty="0" smtClean="0"/>
               <a:t>采用</a:t>
@@ -5730,6 +5786,10 @@
             <a:endParaRPr lang="en-US" altLang="zh-CN" dirty="0" smtClean="0"/>
           </a:p>
           <a:p>
+            <a:pPr marL="285750" indent="-285750">
+              <a:buFont typeface="Wingdings" panose="05000000000000000000" pitchFamily="2" charset="2"/>
+              <a:buChar char="Ø"/>
+            </a:pPr>
             <a:r>
               <a:rPr lang="zh-CN" altLang="en-US" dirty="0" smtClean="0"/>
               <a:t>支持</a:t>
@@ -5763,13 +5823,43 @@
               <a:t>CS+SS+CSS</a:t>
             </a:r>
             <a:r>
-              <a:rPr lang="zh-CN" altLang="en-US" smtClean="0"/>
+              <a:rPr lang="zh-CN" altLang="en-US" dirty="0" smtClean="0"/>
               <a:t>混合模式运行</a:t>
             </a:r>
             <a:endParaRPr lang="zh-CN" altLang="en-US" dirty="0"/>
           </a:p>
         </p:txBody>
       </p:sp>
+      <p:pic>
+        <p:nvPicPr>
+          <p:cNvPr id="4" name="图片 3"/>
+          <p:cNvPicPr>
+            <a:picLocks noChangeAspect="1"/>
+          </p:cNvPicPr>
+          <p:nvPr/>
+        </p:nvPicPr>
+        <p:blipFill>
+          <a:blip r:embed="rId3">
+            <a:extLst>
+              <a:ext uri="{28A0092B-C50C-407E-A947-70E740481C1C}">
+                <a14:useLocalDpi xmlns:a14="http://schemas.microsoft.com/office/drawing/2010/main" val="0"/>
+              </a:ext>
+            </a:extLst>
+          </a:blip>
+          <a:stretch>
+            <a:fillRect/>
+          </a:stretch>
+        </p:blipFill>
+        <p:spPr>
+          <a:xfrm>
+            <a:off x="1378826" y="3238471"/>
+            <a:ext cx="4571035" cy="3555249"/>
+          </a:xfrm>
+          <a:prstGeom prst="rect">
+            <a:avLst/>
+          </a:prstGeom>
+        </p:spPr>
+      </p:pic>
     </p:spTree>
     <p:extLst>
       <p:ext uri="{BB962C8B-B14F-4D97-AF65-F5344CB8AC3E}">
@@ -6443,28 +6533,40 @@
         </p:spPr>
         <p:txBody>
           <a:bodyPr>
-            <a:normAutofit fontScale="92500" lnSpcReduction="20000"/>
+            <a:normAutofit fontScale="92500" lnSpcReduction="10000"/>
           </a:bodyPr>
           <a:lstStyle/>
           <a:p>
+            <a:pPr marL="285750" indent="-285750">
+              <a:buFont typeface="Wingdings" panose="05000000000000000000" pitchFamily="2" charset="2"/>
+              <a:buChar char="u"/>
+            </a:pPr>
             <a:r>
               <a:rPr lang="zh-CN" altLang="en-US" dirty="0" smtClean="0"/>
-              <a:t>以患者为中心，联通患者初诊、复诊、住院多个业务</a:t>
+              <a:t>以患者为中心，联通患者初诊、复诊、住院多个业务环节</a:t>
+            </a:r>
+            <a:endParaRPr lang="en-US" altLang="zh-CN" dirty="0" smtClean="0"/>
+          </a:p>
+          <a:p>
+            <a:pPr marL="285750" indent="-285750">
+              <a:buFont typeface="Wingdings" panose="05000000000000000000" pitchFamily="2" charset="2"/>
+              <a:buChar char="u"/>
+            </a:pPr>
+            <a:r>
+              <a:rPr lang="zh-CN" altLang="en-US" dirty="0"/>
+              <a:t>以医嘱为核心驱动院内绝大部分诊疗任务，自动向医生、护士推送待做</a:t>
             </a:r>
             <a:r>
               <a:rPr lang="zh-CN" altLang="en-US" dirty="0" smtClean="0"/>
-              <a:t>环节</a:t>
+              <a:t>事项</a:t>
             </a:r>
             <a:endParaRPr lang="en-US" altLang="zh-CN" dirty="0" smtClean="0"/>
           </a:p>
           <a:p>
-            <a:r>
-              <a:rPr lang="zh-CN" altLang="en-US" dirty="0"/>
-              <a:t>以医嘱为核心驱动院内绝大部分诊疗任务，自动向医生、护士推送待做事项，并提供基于人员、部门、单笔业务等多角度的绩效数据</a:t>
-            </a:r>
-            <a:endParaRPr lang="en-US" altLang="zh-CN" dirty="0"/>
-          </a:p>
-          <a:p>
+            <a:pPr marL="285750" indent="-285750">
+              <a:buFont typeface="Wingdings" panose="05000000000000000000" pitchFamily="2" charset="2"/>
+              <a:buChar char="u"/>
+            </a:pPr>
             <a:r>
               <a:rPr lang="zh-CN" altLang="en-US" dirty="0" smtClean="0"/>
               <a:t>实现</a:t>
@@ -6476,6 +6578,10 @@
             <a:endParaRPr lang="en-US" altLang="zh-CN" dirty="0" smtClean="0"/>
           </a:p>
           <a:p>
+            <a:pPr marL="285750" indent="-285750">
+              <a:buFont typeface="Wingdings" panose="05000000000000000000" pitchFamily="2" charset="2"/>
+              <a:buChar char="u"/>
+            </a:pPr>
             <a:r>
               <a:rPr lang="zh-CN" altLang="en-US" dirty="0" smtClean="0"/>
               <a:t>实现</a:t>
@@ -6491,6 +6597,10 @@
             <a:endParaRPr lang="en-US" altLang="zh-CN" dirty="0" smtClean="0"/>
           </a:p>
           <a:p>
+            <a:pPr marL="285750" indent="-285750">
+              <a:buFont typeface="Wingdings" panose="05000000000000000000" pitchFamily="2" charset="2"/>
+              <a:buChar char="u"/>
+            </a:pPr>
             <a:r>
               <a:rPr lang="zh-CN" altLang="en-US" dirty="0" smtClean="0"/>
               <a:t>支持药房、挂号室、收费处、门诊医生站、住院医生站、护士站等应用的独立发布</a:t>
@@ -6498,6 +6608,10 @@
             <a:endParaRPr lang="en-US" altLang="zh-CN" dirty="0" smtClean="0"/>
           </a:p>
           <a:p>
+            <a:pPr marL="285750" indent="-285750">
+              <a:buFont typeface="Wingdings" panose="05000000000000000000" pitchFamily="2" charset="2"/>
+              <a:buChar char="u"/>
+            </a:pPr>
             <a:r>
               <a:rPr lang="zh-CN" altLang="en-US" dirty="0" smtClean="0">
                 <a:latin typeface="Microsoft YaHei UI" panose="020B0503020204020204" pitchFamily="34" charset="-122"/>
@@ -6511,6 +6625,10 @@
             </a:endParaRPr>
           </a:p>
           <a:p>
+            <a:pPr marL="285750" indent="-285750">
+              <a:buFont typeface="Wingdings" panose="05000000000000000000" pitchFamily="2" charset="2"/>
+              <a:buChar char="u"/>
+            </a:pPr>
             <a:r>
               <a:rPr lang="zh-CN" altLang="en-US" dirty="0" smtClean="0"/>
               <a:t>系统通过</a:t>
@@ -6534,6 +6652,10 @@
             <a:endParaRPr lang="en-US" altLang="zh-CN" dirty="0" smtClean="0"/>
           </a:p>
           <a:p>
+            <a:pPr marL="285750" indent="-285750">
+              <a:buFont typeface="Wingdings" panose="05000000000000000000" pitchFamily="2" charset="2"/>
+              <a:buChar char="u"/>
+            </a:pPr>
             <a:r>
               <a:rPr lang="zh-CN" altLang="en-US" dirty="0" smtClean="0">
                 <a:latin typeface="Microsoft YaHei UI" panose="020B0503020204020204" pitchFamily="34" charset="-122"/>
@@ -6610,6 +6732,10 @@
           <a:p>
             <a:r>
               <a:rPr lang="zh-CN" altLang="en-US" dirty="0" smtClean="0"/>
+              <a:t>当前覆盖</a:t>
+            </a:r>
+            <a:r>
+              <a:rPr lang="zh-CN" altLang="en-US" dirty="0" smtClean="0"/>
               <a:t>内容</a:t>
             </a:r>
             <a:endParaRPr lang="zh-CN" altLang="en-US" dirty="0"/>
@@ -6624,8 +6750,8 @@
         </p:nvSpPr>
         <p:spPr>
           <a:xfrm>
-            <a:off x="4338406" y="6126479"/>
-            <a:ext cx="2323651" cy="560143"/>
+            <a:off x="4101160" y="5969726"/>
+            <a:ext cx="2963730" cy="560143"/>
           </a:xfrm>
           <a:prstGeom prst="rect">
             <a:avLst/>
@@ -6730,7 +6856,7 @@
         </p:nvSpPr>
         <p:spPr>
           <a:xfrm>
-            <a:off x="4101160" y="4864241"/>
+            <a:off x="4101160" y="4789594"/>
             <a:ext cx="2963730" cy="984386"/>
           </a:xfrm>
           <a:prstGeom prst="rect">
@@ -6783,7 +6909,7 @@
         </p:nvSpPr>
         <p:spPr>
           <a:xfrm>
-            <a:off x="7865811" y="5444517"/>
+            <a:off x="7865810" y="5313967"/>
             <a:ext cx="2323651" cy="525209"/>
           </a:xfrm>
           <a:prstGeom prst="rect">
@@ -7043,8 +7169,8 @@
         </p:nvSpPr>
         <p:spPr>
           <a:xfrm>
-            <a:off x="867937" y="4349931"/>
-            <a:ext cx="10013424" cy="2508068"/>
+            <a:off x="867937" y="4349930"/>
+            <a:ext cx="10029680" cy="2336692"/>
           </a:xfrm>
           <a:prstGeom prst="rect">
             <a:avLst/>
@@ -7517,16 +7643,12 @@
           <a:lstStyle/>
           <a:p>
             <a:r>
-              <a:rPr lang="zh-CN" altLang="en-US" dirty="0" smtClean="0"/>
-              <a:t>特点分项讲解</a:t>
-            </a:r>
-            <a:r>
-              <a:rPr lang="en-US" altLang="zh-CN" sz="2000" dirty="0" smtClean="0"/>
-              <a:t>-</a:t>
+              <a:rPr lang="zh-CN" altLang="en-US" sz="2000" dirty="0" smtClean="0"/>
+              <a:t>以</a:t>
             </a:r>
             <a:r>
               <a:rPr lang="zh-CN" altLang="en-US" sz="2000" dirty="0"/>
-              <a:t>以患者为中心，联通患者初诊、复诊、</a:t>
+              <a:t>患者为中心，联通患者初诊、复诊、</a:t>
             </a:r>
             <a:r>
               <a:rPr lang="zh-CN" altLang="en-US" sz="2000" dirty="0" smtClean="0"/>
@@ -7638,6 +7760,10 @@
           </a:bodyPr>
           <a:lstStyle/>
           <a:p>
+            <a:pPr marL="285750" indent="-285750">
+              <a:buFont typeface="Wingdings" panose="05000000000000000000" pitchFamily="2" charset="2"/>
+              <a:buChar char="Ø"/>
+            </a:pPr>
             <a:r>
               <a:rPr lang="zh-CN" altLang="en-US" dirty="0" smtClean="0">
                 <a:latin typeface="Microsoft YaHei UI" panose="020B0503020204020204" pitchFamily="34" charset="-122"/>
@@ -7665,6 +7791,10 @@
             </a:endParaRPr>
           </a:p>
           <a:p>
+            <a:pPr marL="285750" indent="-285750">
+              <a:buFont typeface="Wingdings" panose="05000000000000000000" pitchFamily="2" charset="2"/>
+              <a:buChar char="Ø"/>
+            </a:pPr>
             <a:r>
               <a:rPr lang="zh-CN" altLang="en-US" dirty="0"/>
               <a:t>患者一次就诊实体（</a:t>
@@ -7680,6 +7810,10 @@
             <a:endParaRPr lang="en-US" altLang="zh-CN" dirty="0" smtClean="0"/>
           </a:p>
           <a:p>
+            <a:pPr marL="285750" indent="-285750">
+              <a:buFont typeface="Wingdings" panose="05000000000000000000" pitchFamily="2" charset="2"/>
+              <a:buChar char="Ø"/>
+            </a:pPr>
             <a:r>
               <a:rPr lang="zh-CN" altLang="en-US" dirty="0" smtClean="0">
                 <a:latin typeface="Microsoft YaHei UI" panose="020B0503020204020204" pitchFamily="34" charset="-122"/>
@@ -7694,6 +7828,36 @@
           </a:p>
         </p:txBody>
       </p:sp>
+      <p:pic>
+        <p:nvPicPr>
+          <p:cNvPr id="3" name="图片 2"/>
+          <p:cNvPicPr>
+            <a:picLocks noChangeAspect="1"/>
+          </p:cNvPicPr>
+          <p:nvPr/>
+        </p:nvPicPr>
+        <p:blipFill>
+          <a:blip r:embed="rId5">
+            <a:extLst>
+              <a:ext uri="{28A0092B-C50C-407E-A947-70E740481C1C}">
+                <a14:useLocalDpi xmlns:a14="http://schemas.microsoft.com/office/drawing/2010/main" val="0"/>
+              </a:ext>
+            </a:extLst>
+          </a:blip>
+          <a:stretch>
+            <a:fillRect/>
+          </a:stretch>
+        </p:blipFill>
+        <p:spPr>
+          <a:xfrm>
+            <a:off x="10477500" y="0"/>
+            <a:ext cx="1219200" cy="1219200"/>
+          </a:xfrm>
+          <a:prstGeom prst="rect">
+            <a:avLst/>
+          </a:prstGeom>
+        </p:spPr>
+      </p:pic>
     </p:spTree>
     <p:extLst>
       <p:ext uri="{BB962C8B-B14F-4D97-AF65-F5344CB8AC3E}">
@@ -7752,25 +7916,22 @@
           <a:lstStyle/>
           <a:p>
             <a:r>
-              <a:rPr lang="zh-CN" altLang="en-US" dirty="0"/>
-              <a:t>特点分项讲解</a:t>
-            </a:r>
-            <a:r>
-              <a:rPr lang="en-US" altLang="zh-CN" dirty="0" smtClean="0"/>
-              <a:t>-</a:t>
+              <a:rPr lang="zh-CN" altLang="en-US" sz="2000" dirty="0" smtClean="0"/>
+              <a:t>以</a:t>
             </a:r>
             <a:r>
               <a:rPr lang="zh-CN" altLang="en-US" sz="2000" dirty="0"/>
-              <a:t>以医嘱为核心驱动院内绝大部分</a:t>
+              <a:t>医嘱为核心驱动院内绝大部分</a:t>
             </a:r>
             <a:r>
               <a:rPr lang="zh-CN" altLang="en-US" sz="2000" dirty="0" smtClean="0"/>
-              <a:t>诊疗任务，</a:t>
+              <a:t>诊疗</a:t>
             </a:r>
             <a:r>
               <a:rPr lang="zh-CN" altLang="en-US" sz="2000" dirty="0"/>
-              <a:t>自动向医生、护士推送待做事项</a:t>
-            </a:r>
+              <a:t>任务，自动向医生、护士推送待做事项</a:t>
+            </a:r>
+            <a:endParaRPr lang="zh-CN" altLang="en-US" sz="2000" dirty="0"/>
           </a:p>
         </p:txBody>
       </p:sp>
@@ -7868,6 +8029,10 @@
           </a:bodyPr>
           <a:lstStyle/>
           <a:p>
+            <a:pPr marL="285750" indent="-285750">
+              <a:buFont typeface="Wingdings" panose="05000000000000000000" pitchFamily="2" charset="2"/>
+              <a:buChar char="Ø"/>
+            </a:pPr>
             <a:r>
               <a:rPr lang="zh-CN" altLang="en-US" dirty="0" smtClean="0"/>
               <a:t>通过在不同的医嘱类型中编写不同的分解逻辑实现医嘱的分解</a:t>
@@ -7875,6 +8040,10 @@
             <a:endParaRPr lang="en-US" altLang="zh-CN" dirty="0" smtClean="0"/>
           </a:p>
           <a:p>
+            <a:pPr marL="285750" indent="-285750">
+              <a:buFont typeface="Wingdings" panose="05000000000000000000" pitchFamily="2" charset="2"/>
+              <a:buChar char="Ø"/>
+            </a:pPr>
             <a:r>
               <a:rPr lang="zh-CN" altLang="en-US" dirty="0" smtClean="0"/>
               <a:t>通过统一的</a:t>
@@ -7890,6 +8059,10 @@
             <a:endParaRPr lang="en-US" altLang="zh-CN" dirty="0" smtClean="0"/>
           </a:p>
           <a:p>
+            <a:pPr marL="285750" indent="-285750">
+              <a:buFont typeface="Wingdings" panose="05000000000000000000" pitchFamily="2" charset="2"/>
+              <a:buChar char="Ø"/>
+            </a:pPr>
             <a:r>
               <a:rPr lang="zh-CN" altLang="en-US" dirty="0" smtClean="0"/>
               <a:t>通过在不同的执行条目的回调函数中编写逻辑实现伴随在一种执行过程中的业务</a:t>
@@ -7897,6 +8070,10 @@
             <a:endParaRPr lang="en-US" altLang="zh-CN" dirty="0" smtClean="0"/>
           </a:p>
           <a:p>
+            <a:pPr marL="285750" indent="-285750">
+              <a:buFont typeface="Wingdings" panose="05000000000000000000" pitchFamily="2" charset="2"/>
+              <a:buChar char="Ø"/>
+            </a:pPr>
             <a:r>
               <a:rPr lang="zh-CN" altLang="en-US" dirty="0" smtClean="0"/>
               <a:t>通过执行条目过滤器实现对基于患者的单条任务的聚合执行（如：配液、住院摆发药）</a:t>
@@ -7905,6 +8082,36 @@
           </a:p>
         </p:txBody>
       </p:sp>
+      <p:pic>
+        <p:nvPicPr>
+          <p:cNvPr id="4" name="图片 3"/>
+          <p:cNvPicPr>
+            <a:picLocks noChangeAspect="1"/>
+          </p:cNvPicPr>
+          <p:nvPr/>
+        </p:nvPicPr>
+        <p:blipFill>
+          <a:blip r:embed="rId5">
+            <a:extLst>
+              <a:ext uri="{28A0092B-C50C-407E-A947-70E740481C1C}">
+                <a14:useLocalDpi xmlns:a14="http://schemas.microsoft.com/office/drawing/2010/main" val="0"/>
+              </a:ext>
+            </a:extLst>
+          </a:blip>
+          <a:stretch>
+            <a:fillRect/>
+          </a:stretch>
+        </p:blipFill>
+        <p:spPr>
+          <a:xfrm>
+            <a:off x="10459855" y="196062"/>
+            <a:ext cx="1053999" cy="1053999"/>
+          </a:xfrm>
+          <a:prstGeom prst="rect">
+            <a:avLst/>
+          </a:prstGeom>
+        </p:spPr>
+      </p:pic>
     </p:spTree>
     <p:extLst>
       <p:ext uri="{BB962C8B-B14F-4D97-AF65-F5344CB8AC3E}">
@@ -7958,16 +8165,12 @@
           <a:lstStyle/>
           <a:p>
             <a:r>
-              <a:rPr lang="zh-CN" altLang="en-US" dirty="0"/>
-              <a:t>特点分项讲解</a:t>
-            </a:r>
-            <a:r>
-              <a:rPr lang="en-US" altLang="zh-CN" dirty="0" smtClean="0"/>
-              <a:t>-</a:t>
-            </a:r>
-            <a:r>
               <a:rPr lang="zh-CN" altLang="en-US" sz="2000" dirty="0" smtClean="0"/>
-              <a:t>实现了患者</a:t>
+              <a:t>实现</a:t>
+            </a:r>
+            <a:r>
+              <a:rPr lang="zh-CN" altLang="en-US" sz="2000" dirty="0" smtClean="0"/>
+              <a:t>了患者</a:t>
             </a:r>
             <a:r>
               <a:rPr lang="zh-CN" altLang="en-US" sz="2000" dirty="0"/>
@@ -8031,6 +8234,10 @@
           </a:bodyPr>
           <a:lstStyle/>
           <a:p>
+            <a:pPr marL="285750" indent="-285750">
+              <a:buFont typeface="Wingdings" panose="05000000000000000000" pitchFamily="2" charset="2"/>
+              <a:buChar char="ü"/>
+            </a:pPr>
             <a:r>
               <a:rPr lang="zh-CN" altLang="en-US" dirty="0" smtClean="0">
                 <a:latin typeface="Microsoft YaHei UI" panose="020B0503020204020204" pitchFamily="34" charset="-122"/>
@@ -8044,6 +8251,10 @@
             </a:endParaRPr>
           </a:p>
           <a:p>
+            <a:pPr marL="285750" indent="-285750">
+              <a:buFont typeface="Wingdings" panose="05000000000000000000" pitchFamily="2" charset="2"/>
+              <a:buChar char="ü"/>
+            </a:pPr>
             <a:r>
               <a:rPr lang="zh-CN" altLang="en-US" dirty="0" smtClean="0"/>
               <a:t>患者诊疗信息独立于病历，可独立生成和维护，可以通过病历来展示和修改</a:t>
@@ -8051,6 +8262,10 @@
             <a:endParaRPr lang="en-US" altLang="zh-CN" dirty="0" smtClean="0"/>
           </a:p>
           <a:p>
+            <a:pPr marL="285750" indent="-285750">
+              <a:buFont typeface="Wingdings" panose="05000000000000000000" pitchFamily="2" charset="2"/>
+              <a:buChar char="ü"/>
+            </a:pPr>
             <a:r>
               <a:rPr lang="zh-CN" altLang="en-US" dirty="0" smtClean="0"/>
               <a:t>医嘱生成的患者临时医嘱列表被认为是一项诊疗信息类型，患者临时医嘱单由患者姓名、</a:t>
@@ -8144,16 +8359,12 @@
           <a:lstStyle/>
           <a:p>
             <a:r>
-              <a:rPr lang="zh-CN" altLang="en-US" dirty="0"/>
-              <a:t>特点分项讲解</a:t>
-            </a:r>
-            <a:r>
-              <a:rPr lang="en-US" altLang="zh-CN" dirty="0" smtClean="0"/>
-              <a:t>-</a:t>
+              <a:rPr lang="zh-CN" altLang="en-US" sz="2000" dirty="0" smtClean="0"/>
+              <a:t>实现</a:t>
             </a:r>
             <a:r>
               <a:rPr lang="zh-CN" altLang="en-US" sz="2000" dirty="0"/>
-              <a:t>实现了</a:t>
+              <a:t>了</a:t>
             </a:r>
             <a:r>
               <a:rPr lang="zh-CN" altLang="en-US" sz="2000" dirty="0" smtClean="0"/>
@@ -8245,6 +8456,10 @@
           </a:bodyPr>
           <a:lstStyle/>
           <a:p>
+            <a:pPr marL="285750" indent="-285750">
+              <a:buFont typeface="Wingdings" panose="05000000000000000000" pitchFamily="2" charset="2"/>
+              <a:buChar char="Ø"/>
+            </a:pPr>
             <a:r>
               <a:rPr lang="zh-CN" altLang="en-US" dirty="0" smtClean="0"/>
               <a:t>采用</a:t>
@@ -8260,6 +8475,10 @@
             <a:endParaRPr lang="en-US" altLang="zh-CN" dirty="0" smtClean="0"/>
           </a:p>
           <a:p>
+            <a:pPr marL="285750" indent="-285750">
+              <a:buFont typeface="Wingdings" panose="05000000000000000000" pitchFamily="2" charset="2"/>
+              <a:buChar char="Ø"/>
+            </a:pPr>
             <a:r>
               <a:rPr lang="zh-CN" altLang="en-US" dirty="0" smtClean="0"/>
               <a:t>在医嘱分解时在执行条目上记录收费项目和数量，在医嘱条目的执行过程中触发计费</a:t>
@@ -8267,6 +8486,10 @@
             <a:endParaRPr lang="en-US" altLang="zh-CN" dirty="0" smtClean="0"/>
           </a:p>
           <a:p>
+            <a:pPr marL="285750" indent="-285750">
+              <a:buFont typeface="Wingdings" panose="05000000000000000000" pitchFamily="2" charset="2"/>
+              <a:buChar char="Ø"/>
+            </a:pPr>
             <a:r>
               <a:rPr lang="zh-CN" altLang="en-US" dirty="0" smtClean="0"/>
               <a:t>对于其他需要弱耦合的触发也可以采用</a:t>
@@ -8343,16 +8566,12 @@
           <a:lstStyle/>
           <a:p>
             <a:r>
-              <a:rPr lang="zh-CN" altLang="en-US" dirty="0"/>
-              <a:t>特点分项讲解</a:t>
-            </a:r>
-            <a:r>
-              <a:rPr lang="en-US" altLang="zh-CN" dirty="0" smtClean="0"/>
-              <a:t>-</a:t>
+              <a:rPr lang="zh-CN" altLang="en-US" sz="2000" dirty="0" smtClean="0"/>
+              <a:t>支持</a:t>
             </a:r>
             <a:r>
               <a:rPr lang="zh-CN" altLang="en-US" sz="2000" dirty="0"/>
-              <a:t>支持药房、</a:t>
+              <a:t>药房、</a:t>
             </a:r>
             <a:r>
               <a:rPr lang="zh-CN" altLang="en-US" sz="2000" dirty="0" smtClean="0"/>
@@ -8448,6 +8667,10 @@
           </a:bodyPr>
           <a:lstStyle/>
           <a:p>
+            <a:pPr marL="285750" indent="-285750">
+              <a:buFont typeface="Wingdings" panose="05000000000000000000" pitchFamily="2" charset="2"/>
+              <a:buChar char="Ø"/>
+            </a:pPr>
             <a:r>
               <a:rPr lang="zh-CN" altLang="en-US" dirty="0" smtClean="0"/>
               <a:t>供各部门使用的应用以独立的</a:t>
@@ -8463,6 +8686,10 @@
             <a:endParaRPr lang="en-US" altLang="zh-CN" dirty="0" smtClean="0"/>
           </a:p>
           <a:p>
+            <a:pPr marL="285750" indent="-285750">
+              <a:buFont typeface="Wingdings" panose="05000000000000000000" pitchFamily="2" charset="2"/>
+              <a:buChar char="Ø"/>
+            </a:pPr>
             <a:r>
               <a:rPr lang="zh-CN" altLang="en-US" dirty="0" smtClean="0"/>
               <a:t>它们共享的</a:t>
@@ -8486,6 +8713,10 @@
             <a:endParaRPr lang="en-US" altLang="zh-CN" dirty="0" smtClean="0"/>
           </a:p>
           <a:p>
+            <a:pPr marL="285750" indent="-285750">
+              <a:buFont typeface="Wingdings" panose="05000000000000000000" pitchFamily="2" charset="2"/>
+              <a:buChar char="Ø"/>
+            </a:pPr>
             <a:r>
               <a:rPr lang="zh-CN" altLang="en-US" dirty="0" smtClean="0">
                 <a:latin typeface="Microsoft YaHei UI" panose="020B0503020204020204" pitchFamily="34" charset="-122"/>
@@ -8561,7 +8792,7 @@
         </p:nvSpPr>
         <p:spPr>
           <a:xfrm>
-            <a:off x="114300" y="0"/>
+            <a:off x="431800" y="25400"/>
             <a:ext cx="12077700" cy="1208868"/>
           </a:xfrm>
         </p:spPr>
@@ -8572,16 +8803,12 @@
           <a:lstStyle/>
           <a:p>
             <a:r>
-              <a:rPr lang="zh-CN" altLang="en-US" dirty="0"/>
-              <a:t>特点分项讲解</a:t>
-            </a:r>
-            <a:r>
-              <a:rPr lang="en-US" altLang="zh-CN" dirty="0" smtClean="0"/>
-              <a:t>-</a:t>
+              <a:rPr lang="zh-CN" altLang="en-US" sz="2000" dirty="0" smtClean="0"/>
+              <a:t>支持</a:t>
             </a:r>
             <a:r>
               <a:rPr lang="zh-CN" altLang="en-US" sz="2000" dirty="0"/>
-              <a:t>支持核心资产研发与本地化研发的分离，系统提供多种手段满足个性化业务</a:t>
+              <a:t>核心资产研发与本地化研发的分离，系统提供多种手段满足个性化业务</a:t>
             </a:r>
             <a:r>
               <a:rPr lang="zh-CN" altLang="en-US" sz="2000" dirty="0" smtClean="0"/>
@@ -8635,6 +8862,10 @@
           <a:bodyPr/>
           <a:lstStyle/>
           <a:p>
+            <a:pPr marL="285750" indent="-285750">
+              <a:buFont typeface="Wingdings" panose="05000000000000000000" pitchFamily="2" charset="2"/>
+              <a:buChar char="Ø"/>
+            </a:pPr>
             <a:r>
               <a:rPr lang="zh-CN" altLang="en-US" dirty="0" smtClean="0"/>
               <a:t>结构：</a:t>

--- a/doc/EVE新一代HIS核心系统.pptx
+++ b/doc/EVE新一代HIS核心系统.pptx
@@ -8084,7 +8084,7 @@
       </p:sp>
       <p:pic>
         <p:nvPicPr>
-          <p:cNvPr id="4" name="图片 3"/>
+          <p:cNvPr id="9" name="图片 8"/>
           <p:cNvPicPr>
             <a:picLocks noChangeAspect="1"/>
           </p:cNvPicPr>
@@ -8104,8 +8104,8 @@
         </p:blipFill>
         <p:spPr>
           <a:xfrm>
-            <a:off x="10459855" y="196062"/>
-            <a:ext cx="1053999" cy="1053999"/>
+            <a:off x="10377255" y="30861"/>
+            <a:ext cx="1219200" cy="1219200"/>
           </a:xfrm>
           <a:prstGeom prst="rect">
             <a:avLst/>
@@ -8306,6 +8306,36 @@
           </a:prstGeom>
         </p:spPr>
       </p:pic>
+      <p:pic>
+        <p:nvPicPr>
+          <p:cNvPr id="3" name="图片 2"/>
+          <p:cNvPicPr>
+            <a:picLocks noChangeAspect="1"/>
+          </p:cNvPicPr>
+          <p:nvPr/>
+        </p:nvPicPr>
+        <p:blipFill>
+          <a:blip r:embed="rId4">
+            <a:extLst>
+              <a:ext uri="{28A0092B-C50C-407E-A947-70E740481C1C}">
+                <a14:useLocalDpi xmlns:a14="http://schemas.microsoft.com/office/drawing/2010/main" val="0"/>
+              </a:ext>
+            </a:extLst>
+          </a:blip>
+          <a:stretch>
+            <a:fillRect/>
+          </a:stretch>
+        </p:blipFill>
+        <p:spPr>
+          <a:xfrm>
+            <a:off x="10090738" y="0"/>
+            <a:ext cx="1440864" cy="1440864"/>
+          </a:xfrm>
+          <a:prstGeom prst="rect">
+            <a:avLst/>
+          </a:prstGeom>
+        </p:spPr>
+      </p:pic>
     </p:spTree>
     <p:extLst>
       <p:ext uri="{BB962C8B-B14F-4D97-AF65-F5344CB8AC3E}">
@@ -8506,6 +8536,36 @@
           </a:p>
         </p:txBody>
       </p:sp>
+      <p:pic>
+        <p:nvPicPr>
+          <p:cNvPr id="3" name="图片 2"/>
+          <p:cNvPicPr>
+            <a:picLocks noChangeAspect="1"/>
+          </p:cNvPicPr>
+          <p:nvPr/>
+        </p:nvPicPr>
+        <p:blipFill>
+          <a:blip r:embed="rId4">
+            <a:extLst>
+              <a:ext uri="{28A0092B-C50C-407E-A947-70E740481C1C}">
+                <a14:useLocalDpi xmlns:a14="http://schemas.microsoft.com/office/drawing/2010/main" val="0"/>
+              </a:ext>
+            </a:extLst>
+          </a:blip>
+          <a:stretch>
+            <a:fillRect/>
+          </a:stretch>
+        </p:blipFill>
+        <p:spPr>
+          <a:xfrm>
+            <a:off x="10501315" y="78569"/>
+            <a:ext cx="1208086" cy="1208086"/>
+          </a:xfrm>
+          <a:prstGeom prst="rect">
+            <a:avLst/>
+          </a:prstGeom>
+        </p:spPr>
+      </p:pic>
     </p:spTree>
     <p:extLst>
       <p:ext uri="{BB962C8B-B14F-4D97-AF65-F5344CB8AC3E}">
@@ -8743,6 +8803,36 @@
           </a:p>
         </p:txBody>
       </p:sp>
+      <p:pic>
+        <p:nvPicPr>
+          <p:cNvPr id="5" name="图片 4"/>
+          <p:cNvPicPr>
+            <a:picLocks noChangeAspect="1"/>
+          </p:cNvPicPr>
+          <p:nvPr/>
+        </p:nvPicPr>
+        <p:blipFill>
+          <a:blip r:embed="rId4">
+            <a:extLst>
+              <a:ext uri="{28A0092B-C50C-407E-A947-70E740481C1C}">
+                <a14:useLocalDpi xmlns:a14="http://schemas.microsoft.com/office/drawing/2010/main" val="0"/>
+              </a:ext>
+            </a:extLst>
+          </a:blip>
+          <a:stretch>
+            <a:fillRect/>
+          </a:stretch>
+        </p:blipFill>
+        <p:spPr>
+          <a:xfrm>
+            <a:off x="10541101" y="243769"/>
+            <a:ext cx="965099" cy="965099"/>
+          </a:xfrm>
+          <a:prstGeom prst="rect">
+            <a:avLst/>
+          </a:prstGeom>
+        </p:spPr>
+      </p:pic>
     </p:spTree>
     <p:extLst>
       <p:ext uri="{BB962C8B-B14F-4D97-AF65-F5344CB8AC3E}">

--- a/doc/EVE新一代HIS核心系统.pptx
+++ b/doc/EVE新一代HIS核心系统.pptx
@@ -256,7 +256,7 @@
           </a:lstStyle>
           <a:p>
             <a:fld id="{EC13577B-6902-467D-A26C-08A0DD5E4E03}" type="datetimeFigureOut">
-              <a:t>2017/7/5</a:t>
+              <a:t>2017/7/6</a:t>
             </a:fld>
             <a:endParaRPr lang="zh-CN"/>
           </a:p>
@@ -903,7 +903,7 @@
           <a:lstStyle/>
           <a:p>
             <a:fld id="{8BEEBAAA-29B5-4AF5-BC5F-7E580C29002D}" type="datetimeFigureOut">
-              <a:t>2017/7/5</a:t>
+              <a:t>2017/7/6</a:t>
             </a:fld>
             <a:endParaRPr lang="zh-CN"/>
           </a:p>
@@ -1178,7 +1178,7 @@
           <a:lstStyle/>
           <a:p>
             <a:fld id="{8BEEBAAA-29B5-4AF5-BC5F-7E580C29002D}" type="datetimeFigureOut">
-              <a:t>2017/7/5</a:t>
+              <a:t>2017/7/6</a:t>
             </a:fld>
             <a:endParaRPr lang="zh-CN"/>
           </a:p>
@@ -1458,7 +1458,7 @@
           <a:lstStyle/>
           <a:p>
             <a:fld id="{8BEEBAAA-29B5-4AF5-BC5F-7E580C29002D}" type="datetimeFigureOut">
-              <a:t>2017/7/5</a:t>
+              <a:t>2017/7/6</a:t>
             </a:fld>
             <a:endParaRPr lang="zh-CN"/>
           </a:p>
@@ -1817,7 +1817,7 @@
           <a:lstStyle/>
           <a:p>
             <a:fld id="{8BEEBAAA-29B5-4AF5-BC5F-7E580C29002D}" type="datetimeFigureOut">
-              <a:t>2017/7/5</a:t>
+              <a:t>2017/7/6</a:t>
             </a:fld>
             <a:endParaRPr lang="zh-CN"/>
           </a:p>
@@ -2115,7 +2115,7 @@
           <a:lstStyle/>
           <a:p>
             <a:fld id="{8BEEBAAA-29B5-4AF5-BC5F-7E580C29002D}" type="datetimeFigureOut">
-              <a:t>2017/7/5</a:t>
+              <a:t>2017/7/6</a:t>
             </a:fld>
             <a:endParaRPr lang="zh-CN"/>
           </a:p>
@@ -2628,7 +2628,7 @@
           <a:lstStyle/>
           <a:p>
             <a:fld id="{8BEEBAAA-29B5-4AF5-BC5F-7E580C29002D}" type="datetimeFigureOut">
-              <a:t>2017/7/5</a:t>
+              <a:t>2017/7/6</a:t>
             </a:fld>
             <a:endParaRPr lang="zh-CN"/>
           </a:p>
@@ -3271,7 +3271,7 @@
           <a:lstStyle/>
           <a:p>
             <a:fld id="{8BEEBAAA-29B5-4AF5-BC5F-7E580C29002D}" type="datetimeFigureOut">
-              <a:t>2017/7/5</a:t>
+              <a:t>2017/7/6</a:t>
             </a:fld>
             <a:endParaRPr lang="zh-CN"/>
           </a:p>
@@ -3494,7 +3494,7 @@
           <a:lstStyle/>
           <a:p>
             <a:fld id="{8BEEBAAA-29B5-4AF5-BC5F-7E580C29002D}" type="datetimeFigureOut">
-              <a:t>2017/7/5</a:t>
+              <a:t>2017/7/6</a:t>
             </a:fld>
             <a:endParaRPr lang="zh-CN"/>
           </a:p>
@@ -3633,7 +3633,7 @@
           <a:lstStyle/>
           <a:p>
             <a:fld id="{8BEEBAAA-29B5-4AF5-BC5F-7E580C29002D}" type="datetimeFigureOut">
-              <a:t>2017/7/5</a:t>
+              <a:t>2017/7/6</a:t>
             </a:fld>
             <a:endParaRPr lang="zh-CN"/>
           </a:p>
@@ -3968,7 +3968,7 @@
           <a:lstStyle/>
           <a:p>
             <a:fld id="{8BEEBAAA-29B5-4AF5-BC5F-7E580C29002D}" type="datetimeFigureOut">
-              <a:t>2017/7/5</a:t>
+              <a:t>2017/7/6</a:t>
             </a:fld>
             <a:endParaRPr lang="zh-CN"/>
           </a:p>
@@ -4223,7 +4223,7 @@
           <a:lstStyle/>
           <a:p>
             <a:fld id="{8BEEBAAA-29B5-4AF5-BC5F-7E580C29002D}" type="datetimeFigureOut">
-              <a:t>2017/7/5</a:t>
+              <a:t>2017/7/6</a:t>
             </a:fld>
             <a:endParaRPr lang="zh-CN"/>
           </a:p>
@@ -4436,7 +4436,7 @@
             <a:fld id="{8BEEBAAA-29B5-4AF5-BC5F-7E580C29002D}" type="datetimeFigureOut">
               <a:rPr lang="en-US" altLang="zh-CN" smtClean="0"/>
               <a:pPr/>
-              <a:t>7/5/2017</a:t>
+              <a:t>7/6/2017</a:t>
             </a:fld>
             <a:endParaRPr lang="zh-CN" altLang="en-US"/>
           </a:p>
@@ -5015,17 +5015,8 @@
           <a:p>
             <a:r>
               <a:rPr lang="zh-CN" altLang="en-US" sz="2000" dirty="0"/>
-              <a:t>支持</a:t>
-            </a:r>
-            <a:r>
-              <a:rPr lang="zh-CN" altLang="en-US" sz="2000" dirty="0"/>
-              <a:t>核心资产研发与本地化研发的分离，系统提供多种手段满足个性化业务</a:t>
-            </a:r>
-            <a:r>
-              <a:rPr lang="zh-CN" altLang="en-US" sz="2000" dirty="0"/>
-              <a:t>扩展</a:t>
-            </a:r>
-            <a:endParaRPr lang="zh-CN" altLang="en-US" sz="2000" dirty="0"/>
+              <a:t>支持核心资产研发与本地化研发的分离，系统提供多种手段满足个性化业务扩展</a:t>
+            </a:r>
           </a:p>
         </p:txBody>
       </p:sp>
@@ -5208,11 +5199,7 @@
           <a:p>
             <a:r>
               <a:rPr lang="zh-CN" altLang="en-US" sz="2000" dirty="0" smtClean="0"/>
-              <a:t>系统</a:t>
-            </a:r>
-            <a:r>
-              <a:rPr lang="zh-CN" altLang="en-US" sz="2000" dirty="0" smtClean="0"/>
-              <a:t>通过</a:t>
+              <a:t>系统通过</a:t>
             </a:r>
             <a:r>
               <a:rPr lang="en-US" altLang="zh-CN" sz="2000" dirty="0" smtClean="0"/>
@@ -6569,11 +6556,7 @@
             </a:pPr>
             <a:r>
               <a:rPr lang="zh-CN" altLang="en-US" dirty="0" smtClean="0"/>
-              <a:t>实现</a:t>
-            </a:r>
-            <a:r>
-              <a:rPr lang="zh-CN" altLang="en-US" dirty="0" smtClean="0"/>
-              <a:t>了患者诊疗信息、医嘱、病历的高度互动</a:t>
+              <a:t>实现了患者诊疗信息、医嘱、病历的高度互动</a:t>
             </a:r>
             <a:endParaRPr lang="en-US" altLang="zh-CN" dirty="0" smtClean="0"/>
           </a:p>
@@ -6732,11 +6715,7 @@
           <a:p>
             <a:r>
               <a:rPr lang="zh-CN" altLang="en-US" dirty="0" smtClean="0"/>
-              <a:t>当前覆盖</a:t>
-            </a:r>
-            <a:r>
-              <a:rPr lang="zh-CN" altLang="en-US" dirty="0" smtClean="0"/>
-              <a:t>内容</a:t>
+              <a:t>当前覆盖内容</a:t>
             </a:r>
             <a:endParaRPr lang="zh-CN" altLang="en-US" dirty="0"/>
           </a:p>
@@ -7931,13 +7910,12 @@
               <a:rPr lang="zh-CN" altLang="en-US" sz="2000" dirty="0"/>
               <a:t>任务，自动向医生、护士推送待做事项</a:t>
             </a:r>
-            <a:endParaRPr lang="zh-CN" altLang="en-US" sz="2000" dirty="0"/>
           </a:p>
         </p:txBody>
       </p:sp>
       <p:pic>
         <p:nvPicPr>
-          <p:cNvPr id="6" name="图片 5"/>
+          <p:cNvPr id="7" name="图片 6"/>
           <p:cNvPicPr>
             <a:picLocks noChangeAspect="1"/>
           </p:cNvPicPr>
@@ -7951,8 +7929,8 @@
         </p:blipFill>
         <p:spPr>
           <a:xfrm>
-            <a:off x="-342900" y="1208868"/>
-            <a:ext cx="7742635" cy="5526783"/>
+            <a:off x="7229956" y="1417672"/>
+            <a:ext cx="4000421" cy="1153231"/>
           </a:xfrm>
           <a:prstGeom prst="rect">
             <a:avLst/>
@@ -7961,7 +7939,7 @@
       </p:pic>
       <p:pic>
         <p:nvPicPr>
-          <p:cNvPr id="7" name="图片 6"/>
+          <p:cNvPr id="8" name="图片 7"/>
           <p:cNvPicPr>
             <a:picLocks noChangeAspect="1"/>
           </p:cNvPicPr>
@@ -7975,30 +7953,6 @@
         </p:blipFill>
         <p:spPr>
           <a:xfrm>
-            <a:off x="7229956" y="1417672"/>
-            <a:ext cx="4000421" cy="1153231"/>
-          </a:xfrm>
-          <a:prstGeom prst="rect">
-            <a:avLst/>
-          </a:prstGeom>
-        </p:spPr>
-      </p:pic>
-      <p:pic>
-        <p:nvPicPr>
-          <p:cNvPr id="8" name="图片 7"/>
-          <p:cNvPicPr>
-            <a:picLocks noChangeAspect="1"/>
-          </p:cNvPicPr>
-          <p:nvPr/>
-        </p:nvPicPr>
-        <p:blipFill>
-          <a:blip r:embed="rId4"/>
-          <a:stretch>
-            <a:fillRect/>
-          </a:stretch>
-        </p:blipFill>
-        <p:spPr>
-          <a:xfrm>
             <a:off x="7643257" y="2570903"/>
             <a:ext cx="3343598" cy="1279649"/>
           </a:xfrm>
@@ -8091,7 +8045,7 @@
           <p:nvPr/>
         </p:nvPicPr>
         <p:blipFill>
-          <a:blip r:embed="rId5">
+          <a:blip r:embed="rId4">
             <a:extLst>
               <a:ext uri="{28A0092B-C50C-407E-A947-70E740481C1C}">
                 <a14:useLocalDpi xmlns:a14="http://schemas.microsoft.com/office/drawing/2010/main" val="0"/>
@@ -8112,6 +8066,675 @@
           </a:prstGeom>
         </p:spPr>
       </p:pic>
+      <p:pic>
+        <p:nvPicPr>
+          <p:cNvPr id="4" name="图片 3"/>
+          <p:cNvPicPr>
+            <a:picLocks noChangeAspect="1"/>
+          </p:cNvPicPr>
+          <p:nvPr/>
+        </p:nvPicPr>
+        <p:blipFill>
+          <a:blip r:embed="rId5"/>
+          <a:stretch>
+            <a:fillRect/>
+          </a:stretch>
+        </p:blipFill>
+        <p:spPr>
+          <a:xfrm>
+            <a:off x="-583973" y="1417672"/>
+            <a:ext cx="8020580" cy="5440328"/>
+          </a:xfrm>
+          <a:prstGeom prst="rect">
+            <a:avLst/>
+          </a:prstGeom>
+        </p:spPr>
+      </p:pic>
+      <p:graphicFrame>
+        <p:nvGraphicFramePr>
+          <p:cNvPr id="5" name="表格 4"/>
+          <p:cNvGraphicFramePr>
+            <a:graphicFrameLocks noGrp="1"/>
+          </p:cNvGraphicFramePr>
+          <p:nvPr>
+            <p:extLst>
+              <p:ext uri="{D42A27DB-BD31-4B8C-83A1-F6EECF244321}">
+                <p14:modId xmlns:p14="http://schemas.microsoft.com/office/powerpoint/2010/main" val="3337979280"/>
+              </p:ext>
+            </p:extLst>
+          </p:nvPr>
+        </p:nvGraphicFramePr>
+        <p:xfrm>
+          <a:off x="3956531" y="1515357"/>
+          <a:ext cx="3273425" cy="857250"/>
+        </p:xfrm>
+        <a:graphic>
+          <a:graphicData uri="http://schemas.openxmlformats.org/drawingml/2006/table">
+            <a:tbl>
+              <a:tblPr>
+                <a:tableStyleId>{5C22544A-7EE6-4342-B048-85BDC9FD1C3A}</a:tableStyleId>
+              </a:tblPr>
+              <a:tblGrid>
+                <a:gridCol w="434975"/>
+                <a:gridCol w="742950"/>
+                <a:gridCol w="771525"/>
+                <a:gridCol w="752475"/>
+                <a:gridCol w="571500"/>
+              </a:tblGrid>
+              <a:tr h="171450">
+                <a:tc>
+                  <a:txBody>
+                    <a:bodyPr/>
+                    <a:lstStyle/>
+                    <a:p>
+                      <a:pPr algn="l" fontAlgn="ctr"/>
+                      <a:r>
+                        <a:rPr lang="zh-CN" altLang="en-US" sz="700" u="none" strike="noStrike" dirty="0">
+                          <a:effectLst/>
+                        </a:rPr>
+                        <a:t>入院医嘱</a:t>
+                      </a:r>
+                      <a:endParaRPr lang="zh-CN" altLang="en-US" sz="700" b="0" i="0" u="none" strike="noStrike" dirty="0">
+                        <a:solidFill>
+                          <a:srgbClr val="000000"/>
+                        </a:solidFill>
+                        <a:effectLst/>
+                        <a:latin typeface="宋体" panose="02010600030101010101" pitchFamily="2" charset="-122"/>
+                        <a:ea typeface="宋体" panose="02010600030101010101" pitchFamily="2" charset="-122"/>
+                      </a:endParaRPr>
+                    </a:p>
+                  </a:txBody>
+                  <a:tcPr marL="9525" marR="9525" marT="9525" marB="0" anchor="ctr"/>
+                </a:tc>
+                <a:tc>
+                  <a:txBody>
+                    <a:bodyPr/>
+                    <a:lstStyle/>
+                    <a:p>
+                      <a:pPr algn="l" fontAlgn="ctr"/>
+                      <a:r>
+                        <a:rPr lang="zh-CN" altLang="en-US" sz="700" u="none" strike="noStrike">
+                          <a:effectLst/>
+                        </a:rPr>
+                        <a:t>入院登记执行条目</a:t>
+                      </a:r>
+                      <a:endParaRPr lang="zh-CN" altLang="en-US" sz="700" b="0" i="0" u="none" strike="noStrike">
+                        <a:solidFill>
+                          <a:srgbClr val="000000"/>
+                        </a:solidFill>
+                        <a:effectLst/>
+                        <a:latin typeface="宋体" panose="02010600030101010101" pitchFamily="2" charset="-122"/>
+                        <a:ea typeface="宋体" panose="02010600030101010101" pitchFamily="2" charset="-122"/>
+                      </a:endParaRPr>
+                    </a:p>
+                  </a:txBody>
+                  <a:tcPr marL="9525" marR="9525" marT="9525" marB="0" anchor="ctr"/>
+                </a:tc>
+                <a:tc>
+                  <a:txBody>
+                    <a:bodyPr/>
+                    <a:lstStyle/>
+                    <a:p>
+                      <a:pPr algn="l" fontAlgn="ctr"/>
+                      <a:r>
+                        <a:rPr lang="zh-CN" altLang="en-US" sz="700" u="none" strike="noStrike">
+                          <a:effectLst/>
+                        </a:rPr>
+                        <a:t>　</a:t>
+                      </a:r>
+                      <a:endParaRPr lang="zh-CN" altLang="en-US" sz="700" b="0" i="0" u="none" strike="noStrike">
+                        <a:solidFill>
+                          <a:srgbClr val="000000"/>
+                        </a:solidFill>
+                        <a:effectLst/>
+                        <a:latin typeface="宋体" panose="02010600030101010101" pitchFamily="2" charset="-122"/>
+                        <a:ea typeface="宋体" panose="02010600030101010101" pitchFamily="2" charset="-122"/>
+                      </a:endParaRPr>
+                    </a:p>
+                  </a:txBody>
+                  <a:tcPr marL="9525" marR="9525" marT="9525" marB="0" anchor="ctr"/>
+                </a:tc>
+                <a:tc>
+                  <a:txBody>
+                    <a:bodyPr/>
+                    <a:lstStyle/>
+                    <a:p>
+                      <a:pPr algn="l" fontAlgn="ctr"/>
+                      <a:r>
+                        <a:rPr lang="zh-CN" altLang="en-US" sz="700" u="none" strike="noStrike">
+                          <a:effectLst/>
+                        </a:rPr>
+                        <a:t>　</a:t>
+                      </a:r>
+                      <a:endParaRPr lang="zh-CN" altLang="en-US" sz="700" b="0" i="0" u="none" strike="noStrike">
+                        <a:solidFill>
+                          <a:srgbClr val="000000"/>
+                        </a:solidFill>
+                        <a:effectLst/>
+                        <a:latin typeface="宋体" panose="02010600030101010101" pitchFamily="2" charset="-122"/>
+                        <a:ea typeface="宋体" panose="02010600030101010101" pitchFamily="2" charset="-122"/>
+                      </a:endParaRPr>
+                    </a:p>
+                  </a:txBody>
+                  <a:tcPr marL="9525" marR="9525" marT="9525" marB="0" anchor="ctr"/>
+                </a:tc>
+                <a:tc>
+                  <a:txBody>
+                    <a:bodyPr/>
+                    <a:lstStyle/>
+                    <a:p>
+                      <a:pPr algn="l" fontAlgn="ctr"/>
+                      <a:r>
+                        <a:rPr lang="zh-CN" altLang="en-US" sz="700" u="none" strike="noStrike">
+                          <a:effectLst/>
+                        </a:rPr>
+                        <a:t>　</a:t>
+                      </a:r>
+                      <a:endParaRPr lang="zh-CN" altLang="en-US" sz="700" b="0" i="0" u="none" strike="noStrike">
+                        <a:solidFill>
+                          <a:srgbClr val="000000"/>
+                        </a:solidFill>
+                        <a:effectLst/>
+                        <a:latin typeface="宋体" panose="02010600030101010101" pitchFamily="2" charset="-122"/>
+                        <a:ea typeface="宋体" panose="02010600030101010101" pitchFamily="2" charset="-122"/>
+                      </a:endParaRPr>
+                    </a:p>
+                  </a:txBody>
+                  <a:tcPr marL="9525" marR="9525" marT="9525" marB="0" anchor="ctr"/>
+                </a:tc>
+              </a:tr>
+              <a:tr h="171450">
+                <a:tc>
+                  <a:txBody>
+                    <a:bodyPr/>
+                    <a:lstStyle/>
+                    <a:p>
+                      <a:pPr algn="l" fontAlgn="ctr"/>
+                      <a:r>
+                        <a:rPr lang="zh-CN" altLang="en-US" sz="700" u="none" strike="noStrike">
+                          <a:effectLst/>
+                        </a:rPr>
+                        <a:t>药品医嘱</a:t>
+                      </a:r>
+                      <a:endParaRPr lang="zh-CN" altLang="en-US" sz="700" b="0" i="0" u="none" strike="noStrike">
+                        <a:solidFill>
+                          <a:srgbClr val="000000"/>
+                        </a:solidFill>
+                        <a:effectLst/>
+                        <a:latin typeface="宋体" panose="02010600030101010101" pitchFamily="2" charset="-122"/>
+                        <a:ea typeface="宋体" panose="02010600030101010101" pitchFamily="2" charset="-122"/>
+                      </a:endParaRPr>
+                    </a:p>
+                  </a:txBody>
+                  <a:tcPr marL="9525" marR="9525" marT="9525" marB="0" anchor="ctr"/>
+                </a:tc>
+                <a:tc>
+                  <a:txBody>
+                    <a:bodyPr/>
+                    <a:lstStyle/>
+                    <a:p>
+                      <a:pPr algn="l" fontAlgn="ctr"/>
+                      <a:r>
+                        <a:rPr lang="zh-CN" altLang="en-US" sz="700" u="none" strike="noStrike" dirty="0">
+                          <a:effectLst/>
+                        </a:rPr>
+                        <a:t>收费执行条目</a:t>
+                      </a:r>
+                      <a:endParaRPr lang="zh-CN" altLang="en-US" sz="700" b="0" i="0" u="none" strike="noStrike" dirty="0">
+                        <a:solidFill>
+                          <a:srgbClr val="000000"/>
+                        </a:solidFill>
+                        <a:effectLst/>
+                        <a:latin typeface="宋体" panose="02010600030101010101" pitchFamily="2" charset="-122"/>
+                        <a:ea typeface="宋体" panose="02010600030101010101" pitchFamily="2" charset="-122"/>
+                      </a:endParaRPr>
+                    </a:p>
+                  </a:txBody>
+                  <a:tcPr marL="9525" marR="9525" marT="9525" marB="0" anchor="ctr"/>
+                </a:tc>
+                <a:tc>
+                  <a:txBody>
+                    <a:bodyPr/>
+                    <a:lstStyle/>
+                    <a:p>
+                      <a:pPr algn="l" fontAlgn="ctr"/>
+                      <a:r>
+                        <a:rPr lang="zh-CN" altLang="en-US" sz="700" u="none" strike="noStrike">
+                          <a:effectLst/>
+                        </a:rPr>
+                        <a:t>摆药执行条目</a:t>
+                      </a:r>
+                      <a:endParaRPr lang="zh-CN" altLang="en-US" sz="700" b="0" i="0" u="none" strike="noStrike">
+                        <a:solidFill>
+                          <a:srgbClr val="000000"/>
+                        </a:solidFill>
+                        <a:effectLst/>
+                        <a:latin typeface="宋体" panose="02010600030101010101" pitchFamily="2" charset="-122"/>
+                        <a:ea typeface="宋体" panose="02010600030101010101" pitchFamily="2" charset="-122"/>
+                      </a:endParaRPr>
+                    </a:p>
+                  </a:txBody>
+                  <a:tcPr marL="9525" marR="9525" marT="9525" marB="0" anchor="ctr"/>
+                </a:tc>
+                <a:tc>
+                  <a:txBody>
+                    <a:bodyPr/>
+                    <a:lstStyle/>
+                    <a:p>
+                      <a:pPr algn="l" fontAlgn="ctr"/>
+                      <a:r>
+                        <a:rPr lang="zh-CN" altLang="en-US" sz="700" u="none" strike="noStrike">
+                          <a:effectLst/>
+                        </a:rPr>
+                        <a:t>配液执行条目</a:t>
+                      </a:r>
+                      <a:endParaRPr lang="zh-CN" altLang="en-US" sz="700" b="0" i="0" u="none" strike="noStrike">
+                        <a:solidFill>
+                          <a:srgbClr val="000000"/>
+                        </a:solidFill>
+                        <a:effectLst/>
+                        <a:latin typeface="宋体" panose="02010600030101010101" pitchFamily="2" charset="-122"/>
+                        <a:ea typeface="宋体" panose="02010600030101010101" pitchFamily="2" charset="-122"/>
+                      </a:endParaRPr>
+                    </a:p>
+                  </a:txBody>
+                  <a:tcPr marL="9525" marR="9525" marT="9525" marB="0" anchor="ctr"/>
+                </a:tc>
+                <a:tc>
+                  <a:txBody>
+                    <a:bodyPr/>
+                    <a:lstStyle/>
+                    <a:p>
+                      <a:pPr algn="l" fontAlgn="ctr"/>
+                      <a:r>
+                        <a:rPr lang="zh-CN" altLang="en-US" sz="700" u="none" strike="noStrike">
+                          <a:effectLst/>
+                        </a:rPr>
+                        <a:t>发药执行条目</a:t>
+                      </a:r>
+                      <a:endParaRPr lang="zh-CN" altLang="en-US" sz="700" b="0" i="0" u="none" strike="noStrike">
+                        <a:solidFill>
+                          <a:srgbClr val="000000"/>
+                        </a:solidFill>
+                        <a:effectLst/>
+                        <a:latin typeface="宋体" panose="02010600030101010101" pitchFamily="2" charset="-122"/>
+                        <a:ea typeface="宋体" panose="02010600030101010101" pitchFamily="2" charset="-122"/>
+                      </a:endParaRPr>
+                    </a:p>
+                  </a:txBody>
+                  <a:tcPr marL="9525" marR="9525" marT="9525" marB="0" anchor="ctr"/>
+                </a:tc>
+              </a:tr>
+              <a:tr h="171450">
+                <a:tc>
+                  <a:txBody>
+                    <a:bodyPr/>
+                    <a:lstStyle/>
+                    <a:p>
+                      <a:pPr algn="l" fontAlgn="ctr"/>
+                      <a:r>
+                        <a:rPr lang="zh-CN" altLang="en-US" sz="700" u="none" strike="noStrike">
+                          <a:effectLst/>
+                        </a:rPr>
+                        <a:t>护理医嘱</a:t>
+                      </a:r>
+                      <a:endParaRPr lang="zh-CN" altLang="en-US" sz="700" b="0" i="0" u="none" strike="noStrike">
+                        <a:solidFill>
+                          <a:srgbClr val="000000"/>
+                        </a:solidFill>
+                        <a:effectLst/>
+                        <a:latin typeface="宋体" panose="02010600030101010101" pitchFamily="2" charset="-122"/>
+                        <a:ea typeface="宋体" panose="02010600030101010101" pitchFamily="2" charset="-122"/>
+                      </a:endParaRPr>
+                    </a:p>
+                  </a:txBody>
+                  <a:tcPr marL="9525" marR="9525" marT="9525" marB="0" anchor="ctr"/>
+                </a:tc>
+                <a:tc>
+                  <a:txBody>
+                    <a:bodyPr/>
+                    <a:lstStyle/>
+                    <a:p>
+                      <a:pPr algn="l" fontAlgn="ctr"/>
+                      <a:r>
+                        <a:rPr lang="zh-CN" altLang="en-US" sz="700" u="none" strike="noStrike" dirty="0">
+                          <a:effectLst/>
+                        </a:rPr>
+                        <a:t>护理执行条目</a:t>
+                      </a:r>
+                      <a:endParaRPr lang="zh-CN" altLang="en-US" sz="700" b="0" i="0" u="none" strike="noStrike" dirty="0">
+                        <a:solidFill>
+                          <a:srgbClr val="000000"/>
+                        </a:solidFill>
+                        <a:effectLst/>
+                        <a:latin typeface="宋体" panose="02010600030101010101" pitchFamily="2" charset="-122"/>
+                        <a:ea typeface="宋体" panose="02010600030101010101" pitchFamily="2" charset="-122"/>
+                      </a:endParaRPr>
+                    </a:p>
+                  </a:txBody>
+                  <a:tcPr marL="9525" marR="9525" marT="9525" marB="0" anchor="ctr"/>
+                </a:tc>
+                <a:tc>
+                  <a:txBody>
+                    <a:bodyPr/>
+                    <a:lstStyle/>
+                    <a:p>
+                      <a:pPr algn="l" fontAlgn="ctr"/>
+                      <a:r>
+                        <a:rPr lang="zh-CN" altLang="en-US" sz="700" u="none" strike="noStrike" dirty="0">
+                          <a:effectLst/>
+                        </a:rPr>
+                        <a:t>　</a:t>
+                      </a:r>
+                      <a:endParaRPr lang="zh-CN" altLang="en-US" sz="700" b="0" i="0" u="none" strike="noStrike" dirty="0">
+                        <a:solidFill>
+                          <a:srgbClr val="000000"/>
+                        </a:solidFill>
+                        <a:effectLst/>
+                        <a:latin typeface="宋体" panose="02010600030101010101" pitchFamily="2" charset="-122"/>
+                        <a:ea typeface="宋体" panose="02010600030101010101" pitchFamily="2" charset="-122"/>
+                      </a:endParaRPr>
+                    </a:p>
+                  </a:txBody>
+                  <a:tcPr marL="9525" marR="9525" marT="9525" marB="0" anchor="ctr"/>
+                </a:tc>
+                <a:tc>
+                  <a:txBody>
+                    <a:bodyPr/>
+                    <a:lstStyle/>
+                    <a:p>
+                      <a:pPr algn="l" fontAlgn="ctr"/>
+                      <a:r>
+                        <a:rPr lang="zh-CN" altLang="en-US" sz="700" u="none" strike="noStrike">
+                          <a:effectLst/>
+                        </a:rPr>
+                        <a:t>　</a:t>
+                      </a:r>
+                      <a:endParaRPr lang="zh-CN" altLang="en-US" sz="700" b="0" i="0" u="none" strike="noStrike">
+                        <a:solidFill>
+                          <a:srgbClr val="000000"/>
+                        </a:solidFill>
+                        <a:effectLst/>
+                        <a:latin typeface="宋体" panose="02010600030101010101" pitchFamily="2" charset="-122"/>
+                        <a:ea typeface="宋体" panose="02010600030101010101" pitchFamily="2" charset="-122"/>
+                      </a:endParaRPr>
+                    </a:p>
+                  </a:txBody>
+                  <a:tcPr marL="9525" marR="9525" marT="9525" marB="0" anchor="ctr"/>
+                </a:tc>
+                <a:tc>
+                  <a:txBody>
+                    <a:bodyPr/>
+                    <a:lstStyle/>
+                    <a:p>
+                      <a:pPr algn="l" fontAlgn="ctr"/>
+                      <a:r>
+                        <a:rPr lang="zh-CN" altLang="en-US" sz="700" u="none" strike="noStrike">
+                          <a:effectLst/>
+                        </a:rPr>
+                        <a:t>　</a:t>
+                      </a:r>
+                      <a:endParaRPr lang="zh-CN" altLang="en-US" sz="700" b="0" i="0" u="none" strike="noStrike">
+                        <a:solidFill>
+                          <a:srgbClr val="000000"/>
+                        </a:solidFill>
+                        <a:effectLst/>
+                        <a:latin typeface="宋体" panose="02010600030101010101" pitchFamily="2" charset="-122"/>
+                        <a:ea typeface="宋体" panose="02010600030101010101" pitchFamily="2" charset="-122"/>
+                      </a:endParaRPr>
+                    </a:p>
+                  </a:txBody>
+                  <a:tcPr marL="9525" marR="9525" marT="9525" marB="0" anchor="ctr"/>
+                </a:tc>
+              </a:tr>
+              <a:tr h="171450">
+                <a:tc>
+                  <a:txBody>
+                    <a:bodyPr/>
+                    <a:lstStyle/>
+                    <a:p>
+                      <a:pPr algn="l" fontAlgn="ctr"/>
+                      <a:r>
+                        <a:rPr lang="zh-CN" altLang="en-US" sz="700" u="none" strike="noStrike">
+                          <a:effectLst/>
+                        </a:rPr>
+                        <a:t>检查医嘱</a:t>
+                      </a:r>
+                      <a:endParaRPr lang="zh-CN" altLang="en-US" sz="700" b="0" i="0" u="none" strike="noStrike">
+                        <a:solidFill>
+                          <a:srgbClr val="000000"/>
+                        </a:solidFill>
+                        <a:effectLst/>
+                        <a:latin typeface="宋体" panose="02010600030101010101" pitchFamily="2" charset="-122"/>
+                        <a:ea typeface="宋体" panose="02010600030101010101" pitchFamily="2" charset="-122"/>
+                      </a:endParaRPr>
+                    </a:p>
+                  </a:txBody>
+                  <a:tcPr marL="9525" marR="9525" marT="9525" marB="0" anchor="ctr"/>
+                </a:tc>
+                <a:tc>
+                  <a:txBody>
+                    <a:bodyPr/>
+                    <a:lstStyle/>
+                    <a:p>
+                      <a:pPr algn="l" fontAlgn="ctr"/>
+                      <a:r>
+                        <a:rPr lang="zh-CN" altLang="en-US" sz="700" u="none" strike="noStrike">
+                          <a:effectLst/>
+                        </a:rPr>
+                        <a:t>收费执行条目</a:t>
+                      </a:r>
+                      <a:endParaRPr lang="zh-CN" altLang="en-US" sz="700" b="0" i="0" u="none" strike="noStrike">
+                        <a:solidFill>
+                          <a:srgbClr val="000000"/>
+                        </a:solidFill>
+                        <a:effectLst/>
+                        <a:latin typeface="宋体" panose="02010600030101010101" pitchFamily="2" charset="-122"/>
+                        <a:ea typeface="宋体" panose="02010600030101010101" pitchFamily="2" charset="-122"/>
+                      </a:endParaRPr>
+                    </a:p>
+                  </a:txBody>
+                  <a:tcPr marL="9525" marR="9525" marT="9525" marB="0" anchor="ctr"/>
+                </a:tc>
+                <a:tc>
+                  <a:txBody>
+                    <a:bodyPr/>
+                    <a:lstStyle/>
+                    <a:p>
+                      <a:pPr algn="l" fontAlgn="ctr"/>
+                      <a:r>
+                        <a:rPr lang="zh-CN" altLang="en-US" sz="700" u="none" strike="noStrike" dirty="0">
+                          <a:effectLst/>
+                        </a:rPr>
+                        <a:t>安排检查执行条目</a:t>
+                      </a:r>
+                      <a:endParaRPr lang="zh-CN" altLang="en-US" sz="700" b="0" i="0" u="none" strike="noStrike" dirty="0">
+                        <a:solidFill>
+                          <a:srgbClr val="000000"/>
+                        </a:solidFill>
+                        <a:effectLst/>
+                        <a:latin typeface="宋体" panose="02010600030101010101" pitchFamily="2" charset="-122"/>
+                        <a:ea typeface="宋体" panose="02010600030101010101" pitchFamily="2" charset="-122"/>
+                      </a:endParaRPr>
+                    </a:p>
+                  </a:txBody>
+                  <a:tcPr marL="9525" marR="9525" marT="9525" marB="0" anchor="ctr"/>
+                </a:tc>
+                <a:tc>
+                  <a:txBody>
+                    <a:bodyPr/>
+                    <a:lstStyle/>
+                    <a:p>
+                      <a:pPr algn="l" fontAlgn="ctr"/>
+                      <a:r>
+                        <a:rPr lang="zh-CN" altLang="en-US" sz="700" u="none" strike="noStrike" dirty="0">
+                          <a:effectLst/>
+                        </a:rPr>
+                        <a:t>完成检查执行条目</a:t>
+                      </a:r>
+                      <a:endParaRPr lang="zh-CN" altLang="en-US" sz="700" b="0" i="0" u="none" strike="noStrike" dirty="0">
+                        <a:solidFill>
+                          <a:srgbClr val="000000"/>
+                        </a:solidFill>
+                        <a:effectLst/>
+                        <a:latin typeface="宋体" panose="02010600030101010101" pitchFamily="2" charset="-122"/>
+                        <a:ea typeface="宋体" panose="02010600030101010101" pitchFamily="2" charset="-122"/>
+                      </a:endParaRPr>
+                    </a:p>
+                  </a:txBody>
+                  <a:tcPr marL="9525" marR="9525" marT="9525" marB="0" anchor="ctr"/>
+                </a:tc>
+                <a:tc>
+                  <a:txBody>
+                    <a:bodyPr/>
+                    <a:lstStyle/>
+                    <a:p>
+                      <a:pPr algn="l" fontAlgn="ctr"/>
+                      <a:r>
+                        <a:rPr lang="zh-CN" altLang="en-US" sz="700" u="none" strike="noStrike">
+                          <a:effectLst/>
+                        </a:rPr>
+                        <a:t>　</a:t>
+                      </a:r>
+                      <a:endParaRPr lang="zh-CN" altLang="en-US" sz="700" b="0" i="0" u="none" strike="noStrike">
+                        <a:solidFill>
+                          <a:srgbClr val="000000"/>
+                        </a:solidFill>
+                        <a:effectLst/>
+                        <a:latin typeface="宋体" panose="02010600030101010101" pitchFamily="2" charset="-122"/>
+                        <a:ea typeface="宋体" panose="02010600030101010101" pitchFamily="2" charset="-122"/>
+                      </a:endParaRPr>
+                    </a:p>
+                  </a:txBody>
+                  <a:tcPr marL="9525" marR="9525" marT="9525" marB="0" anchor="ctr"/>
+                </a:tc>
+              </a:tr>
+              <a:tr h="171450">
+                <a:tc>
+                  <a:txBody>
+                    <a:bodyPr/>
+                    <a:lstStyle/>
+                    <a:p>
+                      <a:pPr algn="l" fontAlgn="ctr"/>
+                      <a:r>
+                        <a:rPr lang="zh-CN" altLang="en-US" sz="700" u="none" strike="noStrike">
+                          <a:effectLst/>
+                        </a:rPr>
+                        <a:t>出院医嘱</a:t>
+                      </a:r>
+                      <a:endParaRPr lang="zh-CN" altLang="en-US" sz="700" b="0" i="0" u="none" strike="noStrike">
+                        <a:solidFill>
+                          <a:srgbClr val="000000"/>
+                        </a:solidFill>
+                        <a:effectLst/>
+                        <a:latin typeface="宋体" panose="02010600030101010101" pitchFamily="2" charset="-122"/>
+                        <a:ea typeface="宋体" panose="02010600030101010101" pitchFamily="2" charset="-122"/>
+                      </a:endParaRPr>
+                    </a:p>
+                  </a:txBody>
+                  <a:tcPr marL="9525" marR="9525" marT="9525" marB="0" anchor="ctr"/>
+                </a:tc>
+                <a:tc>
+                  <a:txBody>
+                    <a:bodyPr/>
+                    <a:lstStyle/>
+                    <a:p>
+                      <a:pPr algn="l" fontAlgn="ctr"/>
+                      <a:r>
+                        <a:rPr lang="zh-CN" altLang="en-US" sz="700" u="none" strike="noStrike">
+                          <a:effectLst/>
+                        </a:rPr>
+                        <a:t>出院登记执行条目</a:t>
+                      </a:r>
+                      <a:endParaRPr lang="zh-CN" altLang="en-US" sz="700" b="0" i="0" u="none" strike="noStrike">
+                        <a:solidFill>
+                          <a:srgbClr val="000000"/>
+                        </a:solidFill>
+                        <a:effectLst/>
+                        <a:latin typeface="宋体" panose="02010600030101010101" pitchFamily="2" charset="-122"/>
+                        <a:ea typeface="宋体" panose="02010600030101010101" pitchFamily="2" charset="-122"/>
+                      </a:endParaRPr>
+                    </a:p>
+                  </a:txBody>
+                  <a:tcPr marL="9525" marR="9525" marT="9525" marB="0" anchor="ctr"/>
+                </a:tc>
+                <a:tc>
+                  <a:txBody>
+                    <a:bodyPr/>
+                    <a:lstStyle/>
+                    <a:p>
+                      <a:pPr algn="l" fontAlgn="ctr"/>
+                      <a:r>
+                        <a:rPr lang="zh-CN" altLang="en-US" sz="700" u="none" strike="noStrike">
+                          <a:effectLst/>
+                        </a:rPr>
+                        <a:t>出院结算执行条目</a:t>
+                      </a:r>
+                      <a:endParaRPr lang="zh-CN" altLang="en-US" sz="700" b="0" i="0" u="none" strike="noStrike">
+                        <a:solidFill>
+                          <a:srgbClr val="000000"/>
+                        </a:solidFill>
+                        <a:effectLst/>
+                        <a:latin typeface="宋体" panose="02010600030101010101" pitchFamily="2" charset="-122"/>
+                        <a:ea typeface="宋体" panose="02010600030101010101" pitchFamily="2" charset="-122"/>
+                      </a:endParaRPr>
+                    </a:p>
+                  </a:txBody>
+                  <a:tcPr marL="9525" marR="9525" marT="9525" marB="0" anchor="ctr"/>
+                </a:tc>
+                <a:tc>
+                  <a:txBody>
+                    <a:bodyPr/>
+                    <a:lstStyle/>
+                    <a:p>
+                      <a:pPr algn="l" fontAlgn="ctr"/>
+                      <a:r>
+                        <a:rPr lang="zh-CN" altLang="en-US" sz="700" u="none" strike="noStrike" dirty="0">
+                          <a:effectLst/>
+                        </a:rPr>
+                        <a:t>　</a:t>
+                      </a:r>
+                      <a:endParaRPr lang="zh-CN" altLang="en-US" sz="700" b="0" i="0" u="none" strike="noStrike" dirty="0">
+                        <a:solidFill>
+                          <a:srgbClr val="000000"/>
+                        </a:solidFill>
+                        <a:effectLst/>
+                        <a:latin typeface="宋体" panose="02010600030101010101" pitchFamily="2" charset="-122"/>
+                        <a:ea typeface="宋体" panose="02010600030101010101" pitchFamily="2" charset="-122"/>
+                      </a:endParaRPr>
+                    </a:p>
+                  </a:txBody>
+                  <a:tcPr marL="9525" marR="9525" marT="9525" marB="0" anchor="ctr"/>
+                </a:tc>
+                <a:tc>
+                  <a:txBody>
+                    <a:bodyPr/>
+                    <a:lstStyle/>
+                    <a:p>
+                      <a:pPr algn="l" fontAlgn="ctr"/>
+                      <a:r>
+                        <a:rPr lang="zh-CN" altLang="en-US" sz="700" u="none" strike="noStrike" dirty="0">
+                          <a:effectLst/>
+                        </a:rPr>
+                        <a:t>　</a:t>
+                      </a:r>
+                      <a:endParaRPr lang="zh-CN" altLang="en-US" sz="700" b="0" i="0" u="none" strike="noStrike" dirty="0">
+                        <a:solidFill>
+                          <a:srgbClr val="000000"/>
+                        </a:solidFill>
+                        <a:effectLst/>
+                        <a:latin typeface="宋体" panose="02010600030101010101" pitchFamily="2" charset="-122"/>
+                        <a:ea typeface="宋体" panose="02010600030101010101" pitchFamily="2" charset="-122"/>
+                      </a:endParaRPr>
+                    </a:p>
+                  </a:txBody>
+                  <a:tcPr marL="9525" marR="9525" marT="9525" marB="0" anchor="ctr"/>
+                </a:tc>
+              </a:tr>
+            </a:tbl>
+          </a:graphicData>
+        </a:graphic>
+      </p:graphicFrame>
     </p:spTree>
     <p:extLst>
       <p:ext uri="{BB962C8B-B14F-4D97-AF65-F5344CB8AC3E}">
@@ -8149,48 +8772,9 @@
           <a:chExt cx="0" cy="0"/>
         </a:xfrm>
       </p:grpSpPr>
-      <p:sp>
-        <p:nvSpPr>
-          <p:cNvPr id="2" name="标题 1"/>
-          <p:cNvSpPr>
-            <a:spLocks noGrp="1"/>
-          </p:cNvSpPr>
-          <p:nvPr>
-            <p:ph type="title"/>
-          </p:nvPr>
-        </p:nvSpPr>
-        <p:spPr/>
-        <p:txBody>
-          <a:bodyPr/>
-          <a:lstStyle/>
-          <a:p>
-            <a:r>
-              <a:rPr lang="zh-CN" altLang="en-US" sz="2000" dirty="0" smtClean="0"/>
-              <a:t>实现</a:t>
-            </a:r>
-            <a:r>
-              <a:rPr lang="zh-CN" altLang="en-US" sz="2000" dirty="0" smtClean="0"/>
-              <a:t>了患者</a:t>
-            </a:r>
-            <a:r>
-              <a:rPr lang="zh-CN" altLang="en-US" sz="2000" dirty="0"/>
-              <a:t>诊疗信息、医嘱、</a:t>
-            </a:r>
-            <a:r>
-              <a:rPr lang="zh-CN" altLang="en-US" sz="2000" dirty="0" smtClean="0"/>
-              <a:t>病历的高度</a:t>
-            </a:r>
-            <a:r>
-              <a:rPr lang="zh-CN" altLang="en-US" sz="2000" dirty="0"/>
-              <a:t>互动</a:t>
-            </a:r>
-            <a:endParaRPr lang="en-US" altLang="zh-CN" sz="2000" dirty="0"/>
-          </a:p>
-        </p:txBody>
-      </p:sp>
       <p:pic>
         <p:nvPicPr>
-          <p:cNvPr id="5" name="图片 4"/>
+          <p:cNvPr id="12" name="图片 11"/>
           <p:cNvPicPr>
             <a:picLocks noChangeAspect="1"/>
           </p:cNvPicPr>
@@ -8204,14 +8788,49 @@
         </p:blipFill>
         <p:spPr>
           <a:xfrm>
-            <a:off x="348067" y="1625647"/>
-            <a:ext cx="6382984" cy="4848895"/>
+            <a:off x="7136670" y="4919813"/>
+            <a:ext cx="4553772" cy="1567798"/>
           </a:xfrm>
           <a:prstGeom prst="rect">
             <a:avLst/>
           </a:prstGeom>
         </p:spPr>
       </p:pic>
+      <p:sp>
+        <p:nvSpPr>
+          <p:cNvPr id="2" name="标题 1"/>
+          <p:cNvSpPr>
+            <a:spLocks noGrp="1"/>
+          </p:cNvSpPr>
+          <p:nvPr>
+            <p:ph type="title"/>
+          </p:nvPr>
+        </p:nvSpPr>
+        <p:spPr/>
+        <p:txBody>
+          <a:bodyPr/>
+          <a:lstStyle/>
+          <a:p>
+            <a:r>
+              <a:rPr lang="zh-CN" altLang="en-US" sz="2000" dirty="0" smtClean="0"/>
+              <a:t>实现了患者</a:t>
+            </a:r>
+            <a:r>
+              <a:rPr lang="zh-CN" altLang="en-US" sz="2000" dirty="0"/>
+              <a:t>诊疗信息、医嘱、</a:t>
+            </a:r>
+            <a:r>
+              <a:rPr lang="zh-CN" altLang="en-US" sz="2000" dirty="0" smtClean="0"/>
+              <a:t>病历的高度</a:t>
+            </a:r>
+            <a:r>
+              <a:rPr lang="zh-CN" altLang="en-US" sz="2000" dirty="0"/>
+              <a:t>互动</a:t>
+            </a:r>
+            <a:endParaRPr lang="en-US" altLang="zh-CN" sz="2000" dirty="0"/>
+          </a:p>
+        </p:txBody>
+      </p:sp>
       <p:sp>
         <p:nvSpPr>
           <p:cNvPr id="6" name="内容占位符 2"/>
@@ -8282,30 +8901,6 @@
           </a:p>
         </p:txBody>
       </p:sp>
-      <p:pic>
-        <p:nvPicPr>
-          <p:cNvPr id="7" name="图片 6"/>
-          <p:cNvPicPr>
-            <a:picLocks noChangeAspect="1"/>
-          </p:cNvPicPr>
-          <p:nvPr/>
-        </p:nvPicPr>
-        <p:blipFill>
-          <a:blip r:embed="rId3"/>
-          <a:stretch>
-            <a:fillRect/>
-          </a:stretch>
-        </p:blipFill>
-        <p:spPr>
-          <a:xfrm>
-            <a:off x="7089772" y="5062103"/>
-            <a:ext cx="4606928" cy="1412439"/>
-          </a:xfrm>
-          <a:prstGeom prst="rect">
-            <a:avLst/>
-          </a:prstGeom>
-        </p:spPr>
-      </p:pic>
       <p:pic>
         <p:nvPicPr>
           <p:cNvPr id="3" name="图片 2"/>
@@ -8315,7 +8910,7 @@
           <p:nvPr/>
         </p:nvPicPr>
         <p:blipFill>
-          <a:blip r:embed="rId4">
+          <a:blip r:embed="rId3">
             <a:extLst>
               <a:ext uri="{28A0092B-C50C-407E-A947-70E740481C1C}">
                 <a14:useLocalDpi xmlns:a14="http://schemas.microsoft.com/office/drawing/2010/main" val="0"/>
@@ -8336,6 +8931,168 @@
           </a:prstGeom>
         </p:spPr>
       </p:pic>
+      <p:pic>
+        <p:nvPicPr>
+          <p:cNvPr id="8" name="图片 7"/>
+          <p:cNvPicPr>
+            <a:picLocks noChangeAspect="1"/>
+          </p:cNvPicPr>
+          <p:nvPr/>
+        </p:nvPicPr>
+        <p:blipFill>
+          <a:blip r:embed="rId4"/>
+          <a:stretch>
+            <a:fillRect/>
+          </a:stretch>
+        </p:blipFill>
+        <p:spPr>
+          <a:xfrm>
+            <a:off x="-259849" y="1440864"/>
+            <a:ext cx="7512481" cy="5663463"/>
+          </a:xfrm>
+          <a:prstGeom prst="rect">
+            <a:avLst/>
+          </a:prstGeom>
+        </p:spPr>
+      </p:pic>
+      <p:sp>
+        <p:nvSpPr>
+          <p:cNvPr id="9" name="矩形 8"/>
+          <p:cNvSpPr/>
+          <p:nvPr/>
+        </p:nvSpPr>
+        <p:spPr>
+          <a:xfrm>
+            <a:off x="7136725" y="5202618"/>
+            <a:ext cx="522330" cy="157576"/>
+          </a:xfrm>
+          <a:prstGeom prst="rect">
+            <a:avLst/>
+          </a:prstGeom>
+          <a:noFill/>
+          <a:ln>
+            <a:solidFill>
+              <a:srgbClr val="FF0000"/>
+            </a:solidFill>
+          </a:ln>
+        </p:spPr>
+        <p:style>
+          <a:lnRef idx="2">
+            <a:schemeClr val="accent1">
+              <a:shade val="50000"/>
+            </a:schemeClr>
+          </a:lnRef>
+          <a:fillRef idx="1">
+            <a:schemeClr val="accent1"/>
+          </a:fillRef>
+          <a:effectRef idx="0">
+            <a:schemeClr val="accent1"/>
+          </a:effectRef>
+          <a:fontRef idx="minor">
+            <a:schemeClr val="lt1"/>
+          </a:fontRef>
+        </p:style>
+        <p:txBody>
+          <a:bodyPr rtlCol="0" anchor="ctr"/>
+          <a:lstStyle/>
+          <a:p>
+            <a:pPr algn="ctr"/>
+            <a:endParaRPr lang="zh-CN" altLang="en-US"/>
+          </a:p>
+        </p:txBody>
+      </p:sp>
+      <p:sp>
+        <p:nvSpPr>
+          <p:cNvPr id="10" name="矩形 9"/>
+          <p:cNvSpPr/>
+          <p:nvPr/>
+        </p:nvSpPr>
+        <p:spPr>
+          <a:xfrm>
+            <a:off x="7136670" y="5392226"/>
+            <a:ext cx="4553772" cy="1095385"/>
+          </a:xfrm>
+          <a:prstGeom prst="rect">
+            <a:avLst/>
+          </a:prstGeom>
+          <a:noFill/>
+          <a:ln>
+            <a:solidFill>
+              <a:srgbClr val="FF0000"/>
+            </a:solidFill>
+          </a:ln>
+        </p:spPr>
+        <p:style>
+          <a:lnRef idx="2">
+            <a:schemeClr val="accent1">
+              <a:shade val="50000"/>
+            </a:schemeClr>
+          </a:lnRef>
+          <a:fillRef idx="1">
+            <a:schemeClr val="accent1"/>
+          </a:fillRef>
+          <a:effectRef idx="0">
+            <a:schemeClr val="accent1"/>
+          </a:effectRef>
+          <a:fontRef idx="minor">
+            <a:schemeClr val="lt1"/>
+          </a:fontRef>
+        </p:style>
+        <p:txBody>
+          <a:bodyPr rtlCol="0" anchor="ctr"/>
+          <a:lstStyle/>
+          <a:p>
+            <a:pPr algn="ctr"/>
+            <a:endParaRPr lang="zh-CN" altLang="en-US"/>
+          </a:p>
+        </p:txBody>
+      </p:sp>
+      <p:sp>
+        <p:nvSpPr>
+          <p:cNvPr id="11" name="矩形 10"/>
+          <p:cNvSpPr/>
+          <p:nvPr/>
+        </p:nvSpPr>
+        <p:spPr>
+          <a:xfrm>
+            <a:off x="7028812" y="4847984"/>
+            <a:ext cx="4769488" cy="1712835"/>
+          </a:xfrm>
+          <a:prstGeom prst="rect">
+            <a:avLst/>
+          </a:prstGeom>
+          <a:noFill/>
+          <a:ln>
+            <a:solidFill>
+              <a:srgbClr val="00B050"/>
+            </a:solidFill>
+          </a:ln>
+        </p:spPr>
+        <p:style>
+          <a:lnRef idx="2">
+            <a:schemeClr val="accent1">
+              <a:shade val="50000"/>
+            </a:schemeClr>
+          </a:lnRef>
+          <a:fillRef idx="1">
+            <a:schemeClr val="accent1"/>
+          </a:fillRef>
+          <a:effectRef idx="0">
+            <a:schemeClr val="accent1"/>
+          </a:effectRef>
+          <a:fontRef idx="minor">
+            <a:schemeClr val="lt1"/>
+          </a:fontRef>
+        </p:style>
+        <p:txBody>
+          <a:bodyPr rtlCol="0" anchor="ctr"/>
+          <a:lstStyle/>
+          <a:p>
+            <a:pPr algn="ctr"/>
+            <a:endParaRPr lang="zh-CN" altLang="en-US"/>
+          </a:p>
+        </p:txBody>
+      </p:sp>
     </p:spTree>
     <p:extLst>
       <p:ext uri="{BB962C8B-B14F-4D97-AF65-F5344CB8AC3E}">
@@ -8566,6 +9323,331 @@
           </a:prstGeom>
         </p:spPr>
       </p:pic>
+      <p:sp>
+        <p:nvSpPr>
+          <p:cNvPr id="4" name="椭圆 3"/>
+          <p:cNvSpPr/>
+          <p:nvPr/>
+        </p:nvSpPr>
+        <p:spPr>
+          <a:xfrm>
+            <a:off x="1975898" y="3032760"/>
+            <a:ext cx="134841" cy="141613"/>
+          </a:xfrm>
+          <a:prstGeom prst="ellipse">
+            <a:avLst/>
+          </a:prstGeom>
+          <a:noFill/>
+          <a:ln w="6350">
+            <a:solidFill>
+              <a:srgbClr val="FF0000"/>
+            </a:solidFill>
+          </a:ln>
+        </p:spPr>
+        <p:style>
+          <a:lnRef idx="2">
+            <a:schemeClr val="accent1">
+              <a:shade val="50000"/>
+            </a:schemeClr>
+          </a:lnRef>
+          <a:fillRef idx="1">
+            <a:schemeClr val="accent1"/>
+          </a:fillRef>
+          <a:effectRef idx="0">
+            <a:schemeClr val="accent1"/>
+          </a:effectRef>
+          <a:fontRef idx="minor">
+            <a:schemeClr val="lt1"/>
+          </a:fontRef>
+        </p:style>
+        <p:txBody>
+          <a:bodyPr rtlCol="0" anchor="ctr"/>
+          <a:lstStyle/>
+          <a:p>
+            <a:pPr algn="ctr"/>
+            <a:r>
+              <a:rPr lang="en-US" altLang="zh-CN" sz="800" dirty="0" smtClean="0">
+                <a:solidFill>
+                  <a:srgbClr val="FF0000"/>
+                </a:solidFill>
+              </a:rPr>
+              <a:t>1</a:t>
+            </a:r>
+            <a:endParaRPr lang="zh-CN" altLang="en-US" dirty="0">
+              <a:solidFill>
+                <a:srgbClr val="FF0000"/>
+              </a:solidFill>
+            </a:endParaRPr>
+          </a:p>
+        </p:txBody>
+      </p:sp>
+      <p:sp>
+        <p:nvSpPr>
+          <p:cNvPr id="10" name="椭圆 9"/>
+          <p:cNvSpPr/>
+          <p:nvPr/>
+        </p:nvSpPr>
+        <p:spPr>
+          <a:xfrm>
+            <a:off x="1087905" y="3032760"/>
+            <a:ext cx="134841" cy="141613"/>
+          </a:xfrm>
+          <a:prstGeom prst="ellipse">
+            <a:avLst/>
+          </a:prstGeom>
+          <a:noFill/>
+          <a:ln w="6350">
+            <a:solidFill>
+              <a:srgbClr val="FF0000"/>
+            </a:solidFill>
+          </a:ln>
+        </p:spPr>
+        <p:style>
+          <a:lnRef idx="2">
+            <a:schemeClr val="accent1">
+              <a:shade val="50000"/>
+            </a:schemeClr>
+          </a:lnRef>
+          <a:fillRef idx="1">
+            <a:schemeClr val="accent1"/>
+          </a:fillRef>
+          <a:effectRef idx="0">
+            <a:schemeClr val="accent1"/>
+          </a:effectRef>
+          <a:fontRef idx="minor">
+            <a:schemeClr val="lt1"/>
+          </a:fontRef>
+        </p:style>
+        <p:txBody>
+          <a:bodyPr rtlCol="0" anchor="ctr"/>
+          <a:lstStyle/>
+          <a:p>
+            <a:pPr algn="ctr"/>
+            <a:r>
+              <a:rPr lang="en-US" altLang="zh-CN" sz="800" dirty="0">
+                <a:solidFill>
+                  <a:srgbClr val="FF0000"/>
+                </a:solidFill>
+              </a:rPr>
+              <a:t>2</a:t>
+            </a:r>
+            <a:endParaRPr lang="zh-CN" altLang="en-US" dirty="0">
+              <a:solidFill>
+                <a:srgbClr val="FF0000"/>
+              </a:solidFill>
+            </a:endParaRPr>
+          </a:p>
+        </p:txBody>
+      </p:sp>
+      <p:sp>
+        <p:nvSpPr>
+          <p:cNvPr id="11" name="椭圆 10"/>
+          <p:cNvSpPr/>
+          <p:nvPr/>
+        </p:nvSpPr>
+        <p:spPr>
+          <a:xfrm>
+            <a:off x="953064" y="1673233"/>
+            <a:ext cx="134841" cy="141613"/>
+          </a:xfrm>
+          <a:prstGeom prst="ellipse">
+            <a:avLst/>
+          </a:prstGeom>
+          <a:noFill/>
+          <a:ln w="6350">
+            <a:solidFill>
+              <a:srgbClr val="FF0000"/>
+            </a:solidFill>
+          </a:ln>
+        </p:spPr>
+        <p:style>
+          <a:lnRef idx="2">
+            <a:schemeClr val="accent1">
+              <a:shade val="50000"/>
+            </a:schemeClr>
+          </a:lnRef>
+          <a:fillRef idx="1">
+            <a:schemeClr val="accent1"/>
+          </a:fillRef>
+          <a:effectRef idx="0">
+            <a:schemeClr val="accent1"/>
+          </a:effectRef>
+          <a:fontRef idx="minor">
+            <a:schemeClr val="lt1"/>
+          </a:fontRef>
+        </p:style>
+        <p:txBody>
+          <a:bodyPr rtlCol="0" anchor="ctr"/>
+          <a:lstStyle/>
+          <a:p>
+            <a:pPr algn="ctr"/>
+            <a:r>
+              <a:rPr lang="en-US" altLang="zh-CN" sz="800" dirty="0" smtClean="0">
+                <a:solidFill>
+                  <a:srgbClr val="FF0000"/>
+                </a:solidFill>
+              </a:rPr>
+              <a:t>3</a:t>
+            </a:r>
+            <a:endParaRPr lang="zh-CN" altLang="en-US" dirty="0">
+              <a:solidFill>
+                <a:srgbClr val="FF0000"/>
+              </a:solidFill>
+            </a:endParaRPr>
+          </a:p>
+        </p:txBody>
+      </p:sp>
+      <p:sp>
+        <p:nvSpPr>
+          <p:cNvPr id="12" name="椭圆 11"/>
+          <p:cNvSpPr/>
+          <p:nvPr/>
+        </p:nvSpPr>
+        <p:spPr>
+          <a:xfrm>
+            <a:off x="2202744" y="2176153"/>
+            <a:ext cx="134841" cy="141613"/>
+          </a:xfrm>
+          <a:prstGeom prst="ellipse">
+            <a:avLst/>
+          </a:prstGeom>
+          <a:noFill/>
+          <a:ln w="6350">
+            <a:solidFill>
+              <a:srgbClr val="FF0000"/>
+            </a:solidFill>
+          </a:ln>
+        </p:spPr>
+        <p:style>
+          <a:lnRef idx="2">
+            <a:schemeClr val="accent1">
+              <a:shade val="50000"/>
+            </a:schemeClr>
+          </a:lnRef>
+          <a:fillRef idx="1">
+            <a:schemeClr val="accent1"/>
+          </a:fillRef>
+          <a:effectRef idx="0">
+            <a:schemeClr val="accent1"/>
+          </a:effectRef>
+          <a:fontRef idx="minor">
+            <a:schemeClr val="lt1"/>
+          </a:fontRef>
+        </p:style>
+        <p:txBody>
+          <a:bodyPr rtlCol="0" anchor="ctr"/>
+          <a:lstStyle/>
+          <a:p>
+            <a:pPr algn="ctr"/>
+            <a:r>
+              <a:rPr lang="en-US" altLang="zh-CN" sz="800" dirty="0">
+                <a:solidFill>
+                  <a:srgbClr val="FF0000"/>
+                </a:solidFill>
+              </a:rPr>
+              <a:t>4</a:t>
+            </a:r>
+            <a:endParaRPr lang="zh-CN" altLang="en-US" dirty="0">
+              <a:solidFill>
+                <a:srgbClr val="FF0000"/>
+              </a:solidFill>
+            </a:endParaRPr>
+          </a:p>
+        </p:txBody>
+      </p:sp>
+      <p:cxnSp>
+        <p:nvCxnSpPr>
+          <p:cNvPr id="7" name="直接连接符 6"/>
+          <p:cNvCxnSpPr/>
+          <p:nvPr/>
+        </p:nvCxnSpPr>
+        <p:spPr>
+          <a:xfrm>
+            <a:off x="2805114" y="2919413"/>
+            <a:ext cx="0" cy="1123950"/>
+          </a:xfrm>
+          <a:prstGeom prst="line">
+            <a:avLst/>
+          </a:prstGeom>
+          <a:ln w="25400">
+            <a:solidFill>
+              <a:srgbClr val="DD462F"/>
+            </a:solidFill>
+          </a:ln>
+        </p:spPr>
+        <p:style>
+          <a:lnRef idx="1">
+            <a:schemeClr val="accent1"/>
+          </a:lnRef>
+          <a:fillRef idx="0">
+            <a:schemeClr val="accent1"/>
+          </a:fillRef>
+          <a:effectRef idx="0">
+            <a:schemeClr val="accent1"/>
+          </a:effectRef>
+          <a:fontRef idx="minor">
+            <a:schemeClr val="tx1"/>
+          </a:fontRef>
+        </p:style>
+      </p:cxnSp>
+      <p:sp>
+        <p:nvSpPr>
+          <p:cNvPr id="15" name="椭圆 14"/>
+          <p:cNvSpPr/>
+          <p:nvPr/>
+        </p:nvSpPr>
+        <p:spPr>
+          <a:xfrm>
+            <a:off x="2572798" y="4671060"/>
+            <a:ext cx="134841" cy="141613"/>
+          </a:xfrm>
+          <a:prstGeom prst="ellipse">
+            <a:avLst/>
+          </a:prstGeom>
+          <a:noFill/>
+          <a:ln w="6350">
+            <a:solidFill>
+              <a:srgbClr val="FF0000"/>
+            </a:solidFill>
+          </a:ln>
+        </p:spPr>
+        <p:style>
+          <a:lnRef idx="2">
+            <a:schemeClr val="accent1">
+              <a:shade val="50000"/>
+            </a:schemeClr>
+          </a:lnRef>
+          <a:fillRef idx="1">
+            <a:schemeClr val="accent1"/>
+          </a:fillRef>
+          <a:effectRef idx="0">
+            <a:schemeClr val="accent1"/>
+          </a:effectRef>
+          <a:fontRef idx="minor">
+            <a:schemeClr val="lt1"/>
+          </a:fontRef>
+        </p:style>
+        <p:txBody>
+          <a:bodyPr rtlCol="0" anchor="ctr"/>
+          <a:lstStyle/>
+          <a:p>
+            <a:pPr algn="ctr"/>
+            <a:r>
+              <a:rPr lang="en-US" altLang="zh-CN" sz="800" dirty="0" smtClean="0">
+                <a:solidFill>
+                  <a:srgbClr val="FF0000"/>
+                </a:solidFill>
+              </a:rPr>
+              <a:t>0</a:t>
+            </a:r>
+            <a:endParaRPr lang="zh-CN" altLang="en-US" dirty="0">
+              <a:solidFill>
+                <a:srgbClr val="FF0000"/>
+              </a:solidFill>
+            </a:endParaRPr>
+          </a:p>
+        </p:txBody>
+      </p:sp>
     </p:spTree>
     <p:extLst>
       <p:ext uri="{BB962C8B-B14F-4D97-AF65-F5344CB8AC3E}">
@@ -8833,6 +9915,52 @@
           </a:prstGeom>
         </p:spPr>
       </p:pic>
+      <p:sp>
+        <p:nvSpPr>
+          <p:cNvPr id="8" name="矩形 7"/>
+          <p:cNvSpPr/>
+          <p:nvPr/>
+        </p:nvSpPr>
+        <p:spPr>
+          <a:xfrm>
+            <a:off x="3301270" y="2108200"/>
+            <a:ext cx="3455239" cy="2311400"/>
+          </a:xfrm>
+          <a:prstGeom prst="rect">
+            <a:avLst/>
+          </a:prstGeom>
+          <a:noFill/>
+          <a:ln>
+            <a:solidFill>
+              <a:srgbClr val="FF0000"/>
+            </a:solidFill>
+          </a:ln>
+        </p:spPr>
+        <p:style>
+          <a:lnRef idx="2">
+            <a:schemeClr val="accent1">
+              <a:shade val="50000"/>
+            </a:schemeClr>
+          </a:lnRef>
+          <a:fillRef idx="1">
+            <a:schemeClr val="accent1"/>
+          </a:fillRef>
+          <a:effectRef idx="0">
+            <a:schemeClr val="accent1"/>
+          </a:effectRef>
+          <a:fontRef idx="minor">
+            <a:schemeClr val="lt1"/>
+          </a:fontRef>
+        </p:style>
+        <p:txBody>
+          <a:bodyPr rtlCol="0" anchor="ctr"/>
+          <a:lstStyle/>
+          <a:p>
+            <a:pPr algn="ctr"/>
+            <a:endParaRPr lang="zh-CN" altLang="en-US"/>
+          </a:p>
+        </p:txBody>
+      </p:sp>
     </p:spTree>
     <p:extLst>
       <p:ext uri="{BB962C8B-B14F-4D97-AF65-F5344CB8AC3E}">
@@ -9855,8 +10983,8 @@
         </p:nvSpPr>
         <p:spPr>
           <a:xfrm>
-            <a:off x="8896676" y="5785307"/>
-            <a:ext cx="2918280" cy="646331"/>
+            <a:off x="8209222" y="5415975"/>
+            <a:ext cx="3557794" cy="1077218"/>
           </a:xfrm>
           <a:prstGeom prst="rect">
             <a:avLst/>
@@ -9870,10 +10998,53 @@
           <a:lstStyle/>
           <a:p>
             <a:r>
-              <a:rPr lang="zh-CN" altLang="en-US" dirty="0" smtClean="0"/>
-              <a:t>白盒与灰盒为本地化研发，黑盒为核心资产研发</a:t>
-            </a:r>
-            <a:endParaRPr lang="zh-CN" altLang="en-US" dirty="0"/>
+              <a:rPr lang="zh-CN" altLang="en-US" sz="2400" dirty="0" smtClean="0"/>
+              <a:t>白盒与灰盒为本地化</a:t>
+            </a:r>
+            <a:r>
+              <a:rPr lang="zh-CN" altLang="en-US" sz="2400" dirty="0" smtClean="0"/>
+              <a:t>研发黑</a:t>
+            </a:r>
+            <a:r>
+              <a:rPr lang="zh-CN" altLang="en-US" sz="2400" dirty="0" smtClean="0"/>
+              <a:t>盒为核心资产</a:t>
+            </a:r>
+            <a:r>
+              <a:rPr lang="zh-CN" altLang="en-US" sz="2400" dirty="0" smtClean="0"/>
+              <a:t>研发</a:t>
+            </a:r>
+            <a:endParaRPr lang="en-US" altLang="zh-CN" sz="2400" dirty="0" smtClean="0"/>
+          </a:p>
+          <a:p>
+            <a:r>
+              <a:rPr lang="zh-CN" altLang="en-US" sz="1600" dirty="0" smtClean="0">
+                <a:solidFill>
+                  <a:srgbClr val="FF0000"/>
+                </a:solidFill>
+              </a:rPr>
+              <a:t>当前设计了</a:t>
+            </a:r>
+            <a:r>
+              <a:rPr lang="en-US" altLang="zh-CN" sz="1600" dirty="0" smtClean="0">
+                <a:solidFill>
+                  <a:srgbClr val="FF0000"/>
+                </a:solidFill>
+              </a:rPr>
+              <a:t>30%</a:t>
+            </a:r>
+            <a:r>
+              <a:rPr lang="zh-CN" altLang="en-US" sz="1600" dirty="0" smtClean="0">
+                <a:solidFill>
+                  <a:srgbClr val="FF0000"/>
+                </a:solidFill>
+              </a:rPr>
+              <a:t>左右的核心资产研发</a:t>
+            </a:r>
+            <a:endParaRPr lang="zh-CN" altLang="en-US" sz="2400" dirty="0">
+              <a:solidFill>
+                <a:srgbClr val="FF0000"/>
+              </a:solidFill>
+            </a:endParaRPr>
           </a:p>
         </p:txBody>
       </p:sp>

--- a/doc/EVE新一代HIS核心系统.pptx
+++ b/doc/EVE新一代HIS核心系统.pptx
@@ -5033,11 +5033,13 @@
         <p:spPr>
           <a:xfrm>
             <a:off x="766728" y="4851400"/>
-            <a:ext cx="5418172" cy="1627188"/>
-          </a:xfrm>
-        </p:spPr>
-        <p:txBody>
-          <a:bodyPr/>
+            <a:ext cx="5537200" cy="1797050"/>
+          </a:xfrm>
+        </p:spPr>
+        <p:txBody>
+          <a:bodyPr>
+            <a:normAutofit fontScale="85000" lnSpcReduction="20000"/>
+          </a:bodyPr>
           <a:lstStyle/>
           <a:p>
             <a:pPr marL="285750" indent="-285750">
@@ -5063,6 +5065,25 @@
             <a:r>
               <a:rPr lang="zh-CN" altLang="en-US" dirty="0" smtClean="0"/>
               <a:t>）</a:t>
+            </a:r>
+            <a:endParaRPr lang="en-US" altLang="zh-CN" dirty="0" smtClean="0"/>
+          </a:p>
+          <a:p>
+            <a:pPr marL="285750" indent="-285750">
+              <a:buFont typeface="Wingdings" panose="05000000000000000000" pitchFamily="2" charset="2"/>
+              <a:buChar char="Ø"/>
+            </a:pPr>
+            <a:r>
+              <a:rPr lang="zh-CN" altLang="en-US" dirty="0" smtClean="0"/>
+              <a:t>通过</a:t>
+            </a:r>
+            <a:r>
+              <a:rPr lang="en-US" altLang="zh-CN" dirty="0" smtClean="0"/>
+              <a:t>Entity</a:t>
+            </a:r>
+            <a:r>
+              <a:rPr lang="zh-CN" altLang="en-US" dirty="0" smtClean="0"/>
+              <a:t>之间关系和本身职责的设计来处理精细化的可扩展业务逻辑</a:t>
             </a:r>
             <a:endParaRPr lang="zh-CN" altLang="en-US" dirty="0"/>
           </a:p>
@@ -5140,6 +5161,312 @@
           </a:prstGeom>
         </p:spPr>
       </p:pic>
+      <p:pic>
+        <p:nvPicPr>
+          <p:cNvPr id="7" name="图片 6"/>
+          <p:cNvPicPr>
+            <a:picLocks noChangeAspect="1"/>
+          </p:cNvPicPr>
+          <p:nvPr/>
+        </p:nvPicPr>
+        <p:blipFill>
+          <a:blip r:embed="rId5">
+            <a:extLst>
+              <a:ext uri="{28A0092B-C50C-407E-A947-70E740481C1C}">
+                <a14:useLocalDpi xmlns:a14="http://schemas.microsoft.com/office/drawing/2010/main" val="0"/>
+              </a:ext>
+            </a:extLst>
+          </a:blip>
+          <a:stretch>
+            <a:fillRect/>
+          </a:stretch>
+        </p:blipFill>
+        <p:spPr>
+          <a:xfrm>
+            <a:off x="10440473" y="110538"/>
+            <a:ext cx="1219200" cy="1219200"/>
+          </a:xfrm>
+          <a:prstGeom prst="rect">
+            <a:avLst/>
+          </a:prstGeom>
+        </p:spPr>
+      </p:pic>
+      <p:sp>
+        <p:nvSpPr>
+          <p:cNvPr id="8" name="矩形 7"/>
+          <p:cNvSpPr/>
+          <p:nvPr/>
+        </p:nvSpPr>
+        <p:spPr>
+          <a:xfrm>
+            <a:off x="4514121" y="3016250"/>
+            <a:ext cx="413480" cy="292100"/>
+          </a:xfrm>
+          <a:prstGeom prst="rect">
+            <a:avLst/>
+          </a:prstGeom>
+          <a:noFill/>
+          <a:ln>
+            <a:solidFill>
+              <a:srgbClr val="FF0000"/>
+            </a:solidFill>
+          </a:ln>
+        </p:spPr>
+        <p:style>
+          <a:lnRef idx="2">
+            <a:schemeClr val="accent1">
+              <a:shade val="50000"/>
+            </a:schemeClr>
+          </a:lnRef>
+          <a:fillRef idx="1">
+            <a:schemeClr val="accent1"/>
+          </a:fillRef>
+          <a:effectRef idx="0">
+            <a:schemeClr val="accent1"/>
+          </a:effectRef>
+          <a:fontRef idx="minor">
+            <a:schemeClr val="lt1"/>
+          </a:fontRef>
+        </p:style>
+        <p:txBody>
+          <a:bodyPr rtlCol="0" anchor="ctr"/>
+          <a:lstStyle/>
+          <a:p>
+            <a:pPr algn="ctr"/>
+            <a:endParaRPr lang="zh-CN" altLang="en-US"/>
+          </a:p>
+        </p:txBody>
+      </p:sp>
+      <p:sp>
+        <p:nvSpPr>
+          <p:cNvPr id="11" name="矩形 10"/>
+          <p:cNvSpPr/>
+          <p:nvPr/>
+        </p:nvSpPr>
+        <p:spPr>
+          <a:xfrm>
+            <a:off x="3421920" y="3020765"/>
+            <a:ext cx="616679" cy="292100"/>
+          </a:xfrm>
+          <a:prstGeom prst="rect">
+            <a:avLst/>
+          </a:prstGeom>
+          <a:noFill/>
+          <a:ln>
+            <a:solidFill>
+              <a:srgbClr val="FF0000"/>
+            </a:solidFill>
+          </a:ln>
+        </p:spPr>
+        <p:style>
+          <a:lnRef idx="2">
+            <a:schemeClr val="accent1">
+              <a:shade val="50000"/>
+            </a:schemeClr>
+          </a:lnRef>
+          <a:fillRef idx="1">
+            <a:schemeClr val="accent1"/>
+          </a:fillRef>
+          <a:effectRef idx="0">
+            <a:schemeClr val="accent1"/>
+          </a:effectRef>
+          <a:fontRef idx="minor">
+            <a:schemeClr val="lt1"/>
+          </a:fontRef>
+        </p:style>
+        <p:txBody>
+          <a:bodyPr rtlCol="0" anchor="ctr"/>
+          <a:lstStyle/>
+          <a:p>
+            <a:pPr algn="ctr"/>
+            <a:endParaRPr lang="zh-CN" altLang="en-US"/>
+          </a:p>
+        </p:txBody>
+      </p:sp>
+      <p:sp>
+        <p:nvSpPr>
+          <p:cNvPr id="12" name="矩形 11"/>
+          <p:cNvSpPr/>
+          <p:nvPr/>
+        </p:nvSpPr>
+        <p:spPr>
+          <a:xfrm>
+            <a:off x="2329719" y="3014415"/>
+            <a:ext cx="616679" cy="292100"/>
+          </a:xfrm>
+          <a:prstGeom prst="rect">
+            <a:avLst/>
+          </a:prstGeom>
+          <a:noFill/>
+          <a:ln>
+            <a:solidFill>
+              <a:srgbClr val="FF0000"/>
+            </a:solidFill>
+          </a:ln>
+        </p:spPr>
+        <p:style>
+          <a:lnRef idx="2">
+            <a:schemeClr val="accent1">
+              <a:shade val="50000"/>
+            </a:schemeClr>
+          </a:lnRef>
+          <a:fillRef idx="1">
+            <a:schemeClr val="accent1"/>
+          </a:fillRef>
+          <a:effectRef idx="0">
+            <a:schemeClr val="accent1"/>
+          </a:effectRef>
+          <a:fontRef idx="minor">
+            <a:schemeClr val="lt1"/>
+          </a:fontRef>
+        </p:style>
+        <p:txBody>
+          <a:bodyPr rtlCol="0" anchor="ctr"/>
+          <a:lstStyle/>
+          <a:p>
+            <a:pPr algn="ctr"/>
+            <a:endParaRPr lang="zh-CN" altLang="en-US"/>
+          </a:p>
+        </p:txBody>
+      </p:sp>
+      <p:sp>
+        <p:nvSpPr>
+          <p:cNvPr id="13" name="矩形 12"/>
+          <p:cNvSpPr/>
+          <p:nvPr/>
+        </p:nvSpPr>
+        <p:spPr>
+          <a:xfrm>
+            <a:off x="2341359" y="3572357"/>
+            <a:ext cx="616679" cy="292100"/>
+          </a:xfrm>
+          <a:prstGeom prst="rect">
+            <a:avLst/>
+          </a:prstGeom>
+          <a:noFill/>
+          <a:ln>
+            <a:solidFill>
+              <a:srgbClr val="FF0000"/>
+            </a:solidFill>
+          </a:ln>
+        </p:spPr>
+        <p:style>
+          <a:lnRef idx="2">
+            <a:schemeClr val="accent1">
+              <a:shade val="50000"/>
+            </a:schemeClr>
+          </a:lnRef>
+          <a:fillRef idx="1">
+            <a:schemeClr val="accent1"/>
+          </a:fillRef>
+          <a:effectRef idx="0">
+            <a:schemeClr val="accent1"/>
+          </a:effectRef>
+          <a:fontRef idx="minor">
+            <a:schemeClr val="lt1"/>
+          </a:fontRef>
+        </p:style>
+        <p:txBody>
+          <a:bodyPr rtlCol="0" anchor="ctr"/>
+          <a:lstStyle/>
+          <a:p>
+            <a:pPr algn="ctr"/>
+            <a:endParaRPr lang="zh-CN" altLang="en-US"/>
+          </a:p>
+        </p:txBody>
+      </p:sp>
+      <p:sp>
+        <p:nvSpPr>
+          <p:cNvPr id="14" name="矩形 13"/>
+          <p:cNvSpPr/>
+          <p:nvPr/>
+        </p:nvSpPr>
+        <p:spPr>
+          <a:xfrm>
+            <a:off x="3421919" y="3451480"/>
+            <a:ext cx="616679" cy="292100"/>
+          </a:xfrm>
+          <a:prstGeom prst="rect">
+            <a:avLst/>
+          </a:prstGeom>
+          <a:noFill/>
+          <a:ln>
+            <a:solidFill>
+              <a:srgbClr val="FF0000"/>
+            </a:solidFill>
+          </a:ln>
+        </p:spPr>
+        <p:style>
+          <a:lnRef idx="2">
+            <a:schemeClr val="accent1">
+              <a:shade val="50000"/>
+            </a:schemeClr>
+          </a:lnRef>
+          <a:fillRef idx="1">
+            <a:schemeClr val="accent1"/>
+          </a:fillRef>
+          <a:effectRef idx="0">
+            <a:schemeClr val="accent1"/>
+          </a:effectRef>
+          <a:fontRef idx="minor">
+            <a:schemeClr val="lt1"/>
+          </a:fontRef>
+        </p:style>
+        <p:txBody>
+          <a:bodyPr rtlCol="0" anchor="ctr"/>
+          <a:lstStyle/>
+          <a:p>
+            <a:pPr algn="ctr"/>
+            <a:endParaRPr lang="zh-CN" altLang="en-US"/>
+          </a:p>
+        </p:txBody>
+      </p:sp>
+      <p:sp>
+        <p:nvSpPr>
+          <p:cNvPr id="15" name="矩形 14"/>
+          <p:cNvSpPr/>
+          <p:nvPr/>
+        </p:nvSpPr>
+        <p:spPr>
+          <a:xfrm>
+            <a:off x="5159749" y="3020765"/>
+            <a:ext cx="413480" cy="292100"/>
+          </a:xfrm>
+          <a:prstGeom prst="rect">
+            <a:avLst/>
+          </a:prstGeom>
+          <a:noFill/>
+          <a:ln>
+            <a:solidFill>
+              <a:srgbClr val="FF0000"/>
+            </a:solidFill>
+          </a:ln>
+        </p:spPr>
+        <p:style>
+          <a:lnRef idx="2">
+            <a:schemeClr val="accent1">
+              <a:shade val="50000"/>
+            </a:schemeClr>
+          </a:lnRef>
+          <a:fillRef idx="1">
+            <a:schemeClr val="accent1"/>
+          </a:fillRef>
+          <a:effectRef idx="0">
+            <a:schemeClr val="accent1"/>
+          </a:effectRef>
+          <a:fontRef idx="minor">
+            <a:schemeClr val="lt1"/>
+          </a:fontRef>
+        </p:style>
+        <p:txBody>
+          <a:bodyPr rtlCol="0" anchor="ctr"/>
+          <a:lstStyle/>
+          <a:p>
+            <a:pPr algn="ctr"/>
+            <a:endParaRPr lang="zh-CN" altLang="en-US"/>
+          </a:p>
+        </p:txBody>
+      </p:sp>
     </p:spTree>
     <p:extLst>
       <p:ext uri="{BB962C8B-B14F-4D97-AF65-F5344CB8AC3E}">
@@ -5257,7 +5584,15 @@
             </a:r>
             <a:r>
               <a:rPr lang="zh-CN" altLang="en-US" dirty="0" smtClean="0"/>
-              <a:t>中的核心业务（患者生命周期、医嘱执行、诊疗信息维护、病历生成和维护）置于</a:t>
+              <a:t>中的核心业务（患者生命周期、医嘱执行、诊疗信息维护、病历生成和</a:t>
+            </a:r>
+            <a:r>
+              <a:rPr lang="zh-CN" altLang="en-US" dirty="0" smtClean="0"/>
+              <a:t>维护、核心计费）</a:t>
+            </a:r>
+            <a:r>
+              <a:rPr lang="zh-CN" altLang="en-US" dirty="0" smtClean="0"/>
+              <a:t>置于</a:t>
             </a:r>
             <a:r>
               <a:rPr lang="en-US" altLang="zh-CN" dirty="0" smtClean="0"/>
@@ -5387,6 +5722,36 @@
           <a:xfrm>
             <a:off x="567481" y="1921346"/>
             <a:ext cx="5830736" cy="3916828"/>
+          </a:xfrm>
+          <a:prstGeom prst="rect">
+            <a:avLst/>
+          </a:prstGeom>
+        </p:spPr>
+      </p:pic>
+      <p:pic>
+        <p:nvPicPr>
+          <p:cNvPr id="3" name="图片 2"/>
+          <p:cNvPicPr>
+            <a:picLocks noChangeAspect="1"/>
+          </p:cNvPicPr>
+          <p:nvPr/>
+        </p:nvPicPr>
+        <p:blipFill>
+          <a:blip r:embed="rId3">
+            <a:extLst>
+              <a:ext uri="{28A0092B-C50C-407E-A947-70E740481C1C}">
+                <a14:useLocalDpi xmlns:a14="http://schemas.microsoft.com/office/drawing/2010/main" val="0"/>
+              </a:ext>
+            </a:extLst>
+          </a:blip>
+          <a:stretch>
+            <a:fillRect/>
+          </a:stretch>
+        </p:blipFill>
+        <p:spPr>
+          <a:xfrm>
+            <a:off x="10290602" y="1"/>
+            <a:ext cx="1287506" cy="1287506"/>
           </a:xfrm>
           <a:prstGeom prst="rect">
             <a:avLst/>
@@ -5443,7 +5808,7 @@
         <p:spPr>
           <a:xfrm>
             <a:off x="604434" y="0"/>
-            <a:ext cx="11587566" cy="1208868"/>
+            <a:ext cx="8925932" cy="1208868"/>
           </a:xfrm>
         </p:spPr>
         <p:txBody>
@@ -5644,6 +6009,36 @@
           </a:fontRef>
         </p:style>
       </p:cxnSp>
+      <p:pic>
+        <p:nvPicPr>
+          <p:cNvPr id="3" name="图片 2"/>
+          <p:cNvPicPr>
+            <a:picLocks noChangeAspect="1"/>
+          </p:cNvPicPr>
+          <p:nvPr/>
+        </p:nvPicPr>
+        <p:blipFill>
+          <a:blip r:embed="rId6">
+            <a:extLst>
+              <a:ext uri="{28A0092B-C50C-407E-A947-70E740481C1C}">
+                <a14:useLocalDpi xmlns:a14="http://schemas.microsoft.com/office/drawing/2010/main" val="0"/>
+              </a:ext>
+            </a:extLst>
+          </a:blip>
+          <a:stretch>
+            <a:fillRect/>
+          </a:stretch>
+        </p:blipFill>
+        <p:spPr>
+          <a:xfrm>
+            <a:off x="10229316" y="-54427"/>
+            <a:ext cx="1413714" cy="1413714"/>
+          </a:xfrm>
+          <a:prstGeom prst="rect">
+            <a:avLst/>
+          </a:prstGeom>
+        </p:spPr>
+      </p:pic>
     </p:spTree>
     <p:extLst>
       <p:ext uri="{BB962C8B-B14F-4D97-AF65-F5344CB8AC3E}">
@@ -5841,6 +6236,36 @@
           <a:xfrm>
             <a:off x="1378826" y="3238471"/>
             <a:ext cx="4571035" cy="3555249"/>
+          </a:xfrm>
+          <a:prstGeom prst="rect">
+            <a:avLst/>
+          </a:prstGeom>
+        </p:spPr>
+      </p:pic>
+      <p:pic>
+        <p:nvPicPr>
+          <p:cNvPr id="5" name="图片 4"/>
+          <p:cNvPicPr>
+            <a:picLocks noChangeAspect="1"/>
+          </p:cNvPicPr>
+          <p:nvPr/>
+        </p:nvPicPr>
+        <p:blipFill>
+          <a:blip r:embed="rId4">
+            <a:extLst>
+              <a:ext uri="{28A0092B-C50C-407E-A947-70E740481C1C}">
+                <a14:useLocalDpi xmlns:a14="http://schemas.microsoft.com/office/drawing/2010/main" val="0"/>
+              </a:ext>
+            </a:extLst>
+          </a:blip>
+          <a:stretch>
+            <a:fillRect/>
+          </a:stretch>
+        </p:blipFill>
+        <p:spPr>
+          <a:xfrm>
+            <a:off x="10393251" y="101958"/>
+            <a:ext cx="1219200" cy="1219200"/>
           </a:xfrm>
           <a:prstGeom prst="rect">
             <a:avLst/>
@@ -8855,7 +9280,7 @@
           <a:p>
             <a:pPr marL="285750" indent="-285750">
               <a:buFont typeface="Wingdings" panose="05000000000000000000" pitchFamily="2" charset="2"/>
-              <a:buChar char="ü"/>
+              <a:buChar char="Ø"/>
             </a:pPr>
             <a:r>
               <a:rPr lang="zh-CN" altLang="en-US" dirty="0" smtClean="0">
@@ -8872,7 +9297,7 @@
           <a:p>
             <a:pPr marL="285750" indent="-285750">
               <a:buFont typeface="Wingdings" panose="05000000000000000000" pitchFamily="2" charset="2"/>
-              <a:buChar char="ü"/>
+              <a:buChar char="Ø"/>
             </a:pPr>
             <a:r>
               <a:rPr lang="zh-CN" altLang="en-US" dirty="0" smtClean="0"/>
@@ -8883,7 +9308,7 @@
           <a:p>
             <a:pPr marL="285750" indent="-285750">
               <a:buFont typeface="Wingdings" panose="05000000000000000000" pitchFamily="2" charset="2"/>
-              <a:buChar char="ü"/>
+              <a:buChar char="Ø"/>
             </a:pPr>
             <a:r>
               <a:rPr lang="zh-CN" altLang="en-US" dirty="0" smtClean="0"/>
@@ -10052,7 +10477,7 @@
         </p:blipFill>
         <p:spPr>
           <a:xfrm>
-            <a:off x="4154854" y="2429399"/>
+            <a:off x="2919699" y="2365663"/>
             <a:ext cx="3161325" cy="4492337"/>
           </a:xfrm>
           <a:prstGeom prst="rect">
@@ -10120,7 +10545,7 @@
         </p:nvSpPr>
         <p:spPr>
           <a:xfrm>
-            <a:off x="2406157" y="6062306"/>
+            <a:off x="1171002" y="5998570"/>
             <a:ext cx="896399" cy="369332"/>
           </a:xfrm>
           <a:prstGeom prst="rect">
@@ -10154,7 +10579,7 @@
         </p:nvCxnSpPr>
         <p:spPr>
           <a:xfrm>
-            <a:off x="3389971" y="6316980"/>
+            <a:off x="2154816" y="6253244"/>
             <a:ext cx="846749" cy="114658"/>
           </a:xfrm>
           <a:prstGeom prst="straightConnector1">
@@ -10187,7 +10612,7 @@
         </p:nvCxnSpPr>
         <p:spPr>
           <a:xfrm flipV="1">
-            <a:off x="3346520" y="6080639"/>
+            <a:off x="2111365" y="6016903"/>
             <a:ext cx="1009446" cy="166333"/>
           </a:xfrm>
           <a:prstGeom prst="straightConnector1">
@@ -10220,7 +10645,7 @@
         </p:nvSpPr>
         <p:spPr>
           <a:xfrm>
-            <a:off x="2442506" y="5474066"/>
+            <a:off x="1207351" y="5410330"/>
             <a:ext cx="771365" cy="369332"/>
           </a:xfrm>
           <a:prstGeom prst="rect">
@@ -10254,7 +10679,7 @@
         </p:nvCxnSpPr>
         <p:spPr>
           <a:xfrm>
-            <a:off x="3346520" y="5658732"/>
+            <a:off x="2111365" y="5594996"/>
             <a:ext cx="1160013" cy="9546"/>
           </a:xfrm>
           <a:prstGeom prst="straightConnector1">
@@ -10287,7 +10712,7 @@
         </p:nvSpPr>
         <p:spPr>
           <a:xfrm>
-            <a:off x="2442506" y="4644374"/>
+            <a:off x="1207351" y="4580638"/>
             <a:ext cx="771365" cy="369332"/>
           </a:xfrm>
           <a:prstGeom prst="rect">
@@ -10321,7 +10746,7 @@
         </p:nvCxnSpPr>
         <p:spPr>
           <a:xfrm flipV="1">
-            <a:off x="3320094" y="4818302"/>
+            <a:off x="2084939" y="4754566"/>
             <a:ext cx="1097755" cy="10740"/>
           </a:xfrm>
           <a:prstGeom prst="straightConnector1">
@@ -10354,7 +10779,7 @@
         </p:nvSpPr>
         <p:spPr>
           <a:xfrm>
-            <a:off x="8209222" y="5015264"/>
+            <a:off x="6974067" y="4951528"/>
             <a:ext cx="771365" cy="369332"/>
           </a:xfrm>
           <a:prstGeom prst="rect">
@@ -10388,7 +10813,7 @@
         </p:nvCxnSpPr>
         <p:spPr>
           <a:xfrm flipH="1" flipV="1">
-            <a:off x="7048500" y="5199930"/>
+            <a:off x="5813345" y="5136194"/>
             <a:ext cx="1083293" cy="1"/>
           </a:xfrm>
           <a:prstGeom prst="straightConnector1">
@@ -10421,7 +10846,7 @@
         </p:nvSpPr>
         <p:spPr>
           <a:xfrm>
-            <a:off x="2420190" y="3897865"/>
+            <a:off x="1185035" y="3834129"/>
             <a:ext cx="771365" cy="369332"/>
           </a:xfrm>
           <a:prstGeom prst="rect">
@@ -10455,7 +10880,7 @@
         </p:nvCxnSpPr>
         <p:spPr>
           <a:xfrm flipV="1">
-            <a:off x="3362956" y="4077164"/>
+            <a:off x="2127801" y="4013428"/>
             <a:ext cx="1165074" cy="5370"/>
           </a:xfrm>
           <a:prstGeom prst="straightConnector1">
@@ -10488,7 +10913,7 @@
         </p:nvSpPr>
         <p:spPr>
           <a:xfrm>
-            <a:off x="2425788" y="3514163"/>
+            <a:off x="1190633" y="3450427"/>
             <a:ext cx="771365" cy="369332"/>
           </a:xfrm>
           <a:prstGeom prst="rect">
@@ -10522,7 +10947,7 @@
         </p:nvCxnSpPr>
         <p:spPr>
           <a:xfrm flipV="1">
-            <a:off x="3346520" y="3767214"/>
+            <a:off x="2111365" y="3703478"/>
             <a:ext cx="1187108" cy="2"/>
           </a:xfrm>
           <a:prstGeom prst="straightConnector1">
@@ -10555,7 +10980,7 @@
         </p:nvSpPr>
         <p:spPr>
           <a:xfrm>
-            <a:off x="8159877" y="3708025"/>
+            <a:off x="6924722" y="3644289"/>
             <a:ext cx="771365" cy="369332"/>
           </a:xfrm>
           <a:prstGeom prst="rect">
@@ -10589,7 +11014,7 @@
         </p:nvCxnSpPr>
         <p:spPr>
           <a:xfrm flipH="1" flipV="1">
-            <a:off x="5486400" y="3859122"/>
+            <a:off x="4251245" y="3795386"/>
             <a:ext cx="2567865" cy="24372"/>
           </a:xfrm>
           <a:prstGeom prst="straightConnector1">
@@ -10622,7 +11047,7 @@
         </p:nvSpPr>
         <p:spPr>
           <a:xfrm>
-            <a:off x="2420190" y="2783604"/>
+            <a:off x="1185035" y="2719868"/>
             <a:ext cx="771365" cy="369332"/>
           </a:xfrm>
           <a:prstGeom prst="rect">
@@ -10656,7 +11081,7 @@
         </p:nvCxnSpPr>
         <p:spPr>
           <a:xfrm flipV="1">
-            <a:off x="3170568" y="2959488"/>
+            <a:off x="1935413" y="2895752"/>
             <a:ext cx="1352176" cy="2"/>
           </a:xfrm>
           <a:prstGeom prst="straightConnector1">
@@ -10689,7 +11114,7 @@
         </p:nvSpPr>
         <p:spPr>
           <a:xfrm>
-            <a:off x="9728200" y="3242365"/>
+            <a:off x="6974067" y="2465247"/>
             <a:ext cx="1576072" cy="923330"/>
           </a:xfrm>
           <a:prstGeom prst="rect">
@@ -10745,7 +11170,7 @@
         </p:nvSpPr>
         <p:spPr>
           <a:xfrm>
-            <a:off x="660262" y="5324295"/>
+            <a:off x="53422" y="5283308"/>
             <a:ext cx="1107996" cy="369332"/>
           </a:xfrm>
           <a:prstGeom prst="rect">
@@ -10783,7 +11208,7 @@
         </p:nvSpPr>
         <p:spPr>
           <a:xfrm>
-            <a:off x="627617" y="3859122"/>
+            <a:off x="112399" y="3792444"/>
             <a:ext cx="1107996" cy="369332"/>
           </a:xfrm>
           <a:prstGeom prst="rect">
@@ -10824,7 +11249,7 @@
         </p:nvSpPr>
         <p:spPr>
           <a:xfrm>
-            <a:off x="6615141" y="4599626"/>
+            <a:off x="5379986" y="4535890"/>
             <a:ext cx="498802" cy="1380189"/>
           </a:xfrm>
           <a:prstGeom prst="rect">
@@ -10870,7 +11295,7 @@
         </p:nvSpPr>
         <p:spPr>
           <a:xfrm>
-            <a:off x="4506533" y="3924919"/>
+            <a:off x="3271378" y="3861183"/>
             <a:ext cx="545733" cy="372386"/>
           </a:xfrm>
           <a:prstGeom prst="rect">
@@ -10916,7 +11341,7 @@
         </p:nvSpPr>
         <p:spPr>
           <a:xfrm>
-            <a:off x="2442506" y="5097746"/>
+            <a:off x="1207351" y="5034010"/>
             <a:ext cx="771365" cy="369332"/>
           </a:xfrm>
           <a:prstGeom prst="rect">
@@ -10950,7 +11375,7 @@
         </p:nvCxnSpPr>
         <p:spPr>
           <a:xfrm flipV="1">
-            <a:off x="3339241" y="5324295"/>
+            <a:off x="2104086" y="5260559"/>
             <a:ext cx="1167292" cy="5370"/>
           </a:xfrm>
           <a:prstGeom prst="straightConnector1">
@@ -10977,14 +11402,14 @@
       </p:cxnSp>
       <p:sp>
         <p:nvSpPr>
-          <p:cNvPr id="57" name="文本框 56"/>
+          <p:cNvPr id="55" name="文本框 54"/>
           <p:cNvSpPr txBox="1"/>
           <p:nvPr/>
         </p:nvSpPr>
         <p:spPr>
           <a:xfrm>
-            <a:off x="8209222" y="5415975"/>
-            <a:ext cx="3557794" cy="1077218"/>
+            <a:off x="7919754" y="3842128"/>
+            <a:ext cx="3563678" cy="2262158"/>
           </a:xfrm>
           <a:prstGeom prst="rect">
             <a:avLst/>
@@ -10997,57 +11422,295 @@
           </a:bodyPr>
           <a:lstStyle/>
           <a:p>
-            <a:r>
-              <a:rPr lang="zh-CN" altLang="en-US" sz="2400" dirty="0" smtClean="0"/>
-              <a:t>白盒与灰盒为本地化</a:t>
-            </a:r>
-            <a:r>
-              <a:rPr lang="zh-CN" altLang="en-US" sz="2400" dirty="0" smtClean="0"/>
-              <a:t>研发黑</a:t>
-            </a:r>
-            <a:r>
-              <a:rPr lang="zh-CN" altLang="en-US" sz="2400" dirty="0" smtClean="0"/>
-              <a:t>盒为核心资产</a:t>
-            </a:r>
-            <a:r>
-              <a:rPr lang="zh-CN" altLang="en-US" sz="2400" dirty="0" smtClean="0"/>
-              <a:t>研发</a:t>
-            </a:r>
-            <a:endParaRPr lang="en-US" altLang="zh-CN" sz="2400" dirty="0" smtClean="0"/>
-          </a:p>
-          <a:p>
+            <a:pPr marL="342900" indent="-342900">
+              <a:spcBef>
+                <a:spcPts val="600"/>
+              </a:spcBef>
+              <a:spcAft>
+                <a:spcPts val="600"/>
+              </a:spcAft>
+              <a:buFont typeface="Wingdings" panose="05000000000000000000" pitchFamily="2" charset="2"/>
+              <a:buChar char="Ø"/>
+            </a:pPr>
+            <a:r>
+              <a:rPr lang="zh-CN" altLang="en-US" sz="1600" dirty="0">
+                <a:solidFill>
+                  <a:schemeClr val="bg1">
+                    <a:lumMod val="50000"/>
+                  </a:schemeClr>
+                </a:solidFill>
+                <a:latin typeface="Microsoft YaHei UI" panose="020B0503020204020204" pitchFamily="34" charset="-122"/>
+                <a:ea typeface="Microsoft YaHei UI" panose="020B0503020204020204" pitchFamily="34" charset="-122"/>
+              </a:rPr>
+              <a:t>白盒与灰盒为本地化研发</a:t>
+            </a:r>
+            <a:endParaRPr lang="en-US" altLang="zh-CN" sz="1600" dirty="0">
+              <a:solidFill>
+                <a:schemeClr val="bg1">
+                  <a:lumMod val="50000"/>
+                </a:schemeClr>
+              </a:solidFill>
+              <a:latin typeface="Microsoft YaHei UI" panose="020B0503020204020204" pitchFamily="34" charset="-122"/>
+              <a:ea typeface="Microsoft YaHei UI" panose="020B0503020204020204" pitchFamily="34" charset="-122"/>
+            </a:endParaRPr>
+          </a:p>
+          <a:p>
+            <a:pPr marL="342900" indent="-342900">
+              <a:spcBef>
+                <a:spcPts val="600"/>
+              </a:spcBef>
+              <a:spcAft>
+                <a:spcPts val="600"/>
+              </a:spcAft>
+              <a:buFont typeface="Wingdings" panose="05000000000000000000" pitchFamily="2" charset="2"/>
+              <a:buChar char="Ø"/>
+            </a:pPr>
+            <a:r>
+              <a:rPr lang="zh-CN" altLang="en-US" sz="1600" dirty="0">
+                <a:solidFill>
+                  <a:schemeClr val="bg1">
+                    <a:lumMod val="50000"/>
+                  </a:schemeClr>
+                </a:solidFill>
+                <a:latin typeface="Microsoft YaHei UI" panose="020B0503020204020204" pitchFamily="34" charset="-122"/>
+                <a:ea typeface="Microsoft YaHei UI" panose="020B0503020204020204" pitchFamily="34" charset="-122"/>
+              </a:rPr>
+              <a:t>黑盒为核心资产研发</a:t>
+            </a:r>
+            <a:endParaRPr lang="en-US" altLang="zh-CN" sz="1600" dirty="0">
+              <a:solidFill>
+                <a:schemeClr val="bg1">
+                  <a:lumMod val="50000"/>
+                </a:schemeClr>
+              </a:solidFill>
+              <a:latin typeface="Microsoft YaHei UI" panose="020B0503020204020204" pitchFamily="34" charset="-122"/>
+              <a:ea typeface="Microsoft YaHei UI" panose="020B0503020204020204" pitchFamily="34" charset="-122"/>
+            </a:endParaRPr>
+          </a:p>
+          <a:p>
+            <a:pPr marL="342900" indent="-342900">
+              <a:spcBef>
+                <a:spcPts val="600"/>
+              </a:spcBef>
+              <a:spcAft>
+                <a:spcPts val="600"/>
+              </a:spcAft>
+              <a:buFont typeface="Wingdings" panose="05000000000000000000" pitchFamily="2" charset="2"/>
+              <a:buChar char="Ø"/>
+            </a:pPr>
+            <a:r>
+              <a:rPr lang="zh-CN" altLang="en-US" sz="1600" dirty="0">
+                <a:solidFill>
+                  <a:schemeClr val="bg1">
+                    <a:lumMod val="50000"/>
+                  </a:schemeClr>
+                </a:solidFill>
+                <a:latin typeface="Microsoft YaHei UI" panose="020B0503020204020204" pitchFamily="34" charset="-122"/>
+                <a:ea typeface="Microsoft YaHei UI" panose="020B0503020204020204" pitchFamily="34" charset="-122"/>
+              </a:rPr>
+              <a:t>当前设计</a:t>
+            </a:r>
+            <a:r>
+              <a:rPr lang="zh-CN" altLang="en-US" sz="1600" dirty="0">
+                <a:solidFill>
+                  <a:schemeClr val="bg1">
+                    <a:lumMod val="50000"/>
+                  </a:schemeClr>
+                </a:solidFill>
+                <a:latin typeface="Microsoft YaHei UI" panose="020B0503020204020204" pitchFamily="34" charset="-122"/>
+                <a:ea typeface="Microsoft YaHei UI" panose="020B0503020204020204" pitchFamily="34" charset="-122"/>
+              </a:rPr>
+              <a:t>了约</a:t>
+            </a:r>
+            <a:r>
+              <a:rPr lang="en-US" altLang="zh-CN" sz="1600" dirty="0">
+                <a:solidFill>
+                  <a:schemeClr val="bg1">
+                    <a:lumMod val="50000"/>
+                  </a:schemeClr>
+                </a:solidFill>
+                <a:latin typeface="Microsoft YaHei UI" panose="020B0503020204020204" pitchFamily="34" charset="-122"/>
+                <a:ea typeface="Microsoft YaHei UI" panose="020B0503020204020204" pitchFamily="34" charset="-122"/>
+              </a:rPr>
+              <a:t>30</a:t>
+            </a:r>
+            <a:r>
+              <a:rPr lang="en-US" altLang="zh-CN" sz="1600" dirty="0">
+                <a:solidFill>
+                  <a:schemeClr val="bg1">
+                    <a:lumMod val="50000"/>
+                  </a:schemeClr>
+                </a:solidFill>
+                <a:latin typeface="Microsoft YaHei UI" panose="020B0503020204020204" pitchFamily="34" charset="-122"/>
+                <a:ea typeface="Microsoft YaHei UI" panose="020B0503020204020204" pitchFamily="34" charset="-122"/>
+              </a:rPr>
+              <a:t>%</a:t>
+            </a:r>
+            <a:r>
+              <a:rPr lang="zh-CN" altLang="en-US" sz="1600" dirty="0">
+                <a:solidFill>
+                  <a:schemeClr val="bg1">
+                    <a:lumMod val="50000"/>
+                  </a:schemeClr>
+                </a:solidFill>
+                <a:latin typeface="Microsoft YaHei UI" panose="020B0503020204020204" pitchFamily="34" charset="-122"/>
+                <a:ea typeface="Microsoft YaHei UI" panose="020B0503020204020204" pitchFamily="34" charset="-122"/>
+              </a:rPr>
+              <a:t>左右的核心资产研发，其需要的研发</a:t>
+            </a:r>
+            <a:r>
+              <a:rPr lang="zh-CN" altLang="en-US" sz="1600" dirty="0">
+                <a:solidFill>
+                  <a:schemeClr val="bg1">
+                    <a:lumMod val="50000"/>
+                  </a:schemeClr>
+                </a:solidFill>
+                <a:latin typeface="Microsoft YaHei UI" panose="020B0503020204020204" pitchFamily="34" charset="-122"/>
+                <a:ea typeface="Microsoft YaHei UI" panose="020B0503020204020204" pitchFamily="34" charset="-122"/>
+              </a:rPr>
+              <a:t>资源</a:t>
+            </a:r>
+            <a:r>
+              <a:rPr lang="zh-CN" altLang="en-US" sz="1600" dirty="0">
+                <a:solidFill>
+                  <a:schemeClr val="bg1">
+                    <a:lumMod val="50000"/>
+                  </a:schemeClr>
+                </a:solidFill>
+                <a:latin typeface="Microsoft YaHei UI" panose="020B0503020204020204" pitchFamily="34" charset="-122"/>
+                <a:ea typeface="Microsoft YaHei UI" panose="020B0503020204020204" pitchFamily="34" charset="-122"/>
+              </a:rPr>
+              <a:t>在</a:t>
+            </a:r>
+            <a:r>
+              <a:rPr lang="zh-CN" altLang="en-US" sz="1600" dirty="0">
+                <a:solidFill>
+                  <a:schemeClr val="bg1">
+                    <a:lumMod val="50000"/>
+                  </a:schemeClr>
+                </a:solidFill>
+                <a:latin typeface="Microsoft YaHei UI" panose="020B0503020204020204" pitchFamily="34" charset="-122"/>
+                <a:ea typeface="Microsoft YaHei UI" panose="020B0503020204020204" pitchFamily="34" charset="-122"/>
+              </a:rPr>
+              <a:t>数量</a:t>
+            </a:r>
+            <a:r>
+              <a:rPr lang="zh-CN" altLang="en-US" sz="1600" dirty="0">
+                <a:solidFill>
+                  <a:schemeClr val="bg1">
+                    <a:lumMod val="50000"/>
+                  </a:schemeClr>
+                </a:solidFill>
+                <a:latin typeface="Microsoft YaHei UI" panose="020B0503020204020204" pitchFamily="34" charset="-122"/>
+                <a:ea typeface="Microsoft YaHei UI" panose="020B0503020204020204" pitchFamily="34" charset="-122"/>
+              </a:rPr>
+              <a:t>上应该不多于</a:t>
+            </a:r>
+            <a:r>
+              <a:rPr lang="en-US" altLang="zh-CN" sz="1600" dirty="0">
+                <a:solidFill>
+                  <a:schemeClr val="bg1">
+                    <a:lumMod val="50000"/>
+                  </a:schemeClr>
+                </a:solidFill>
+                <a:latin typeface="Microsoft YaHei UI" panose="020B0503020204020204" pitchFamily="34" charset="-122"/>
+                <a:ea typeface="Microsoft YaHei UI" panose="020B0503020204020204" pitchFamily="34" charset="-122"/>
+              </a:rPr>
+              <a:t>15</a:t>
+            </a:r>
+            <a:r>
+              <a:rPr lang="en-US" altLang="zh-CN" sz="1600" dirty="0" smtClean="0">
+                <a:solidFill>
+                  <a:schemeClr val="bg1">
+                    <a:lumMod val="50000"/>
+                  </a:schemeClr>
+                </a:solidFill>
+                <a:latin typeface="Microsoft YaHei UI" panose="020B0503020204020204" pitchFamily="34" charset="-122"/>
+                <a:ea typeface="Microsoft YaHei UI" panose="020B0503020204020204" pitchFamily="34" charset="-122"/>
+              </a:rPr>
+              <a:t>%</a:t>
+            </a:r>
             <a:r>
               <a:rPr lang="zh-CN" altLang="en-US" sz="1600" dirty="0" smtClean="0">
                 <a:solidFill>
-                  <a:srgbClr val="FF0000"/>
+                  <a:schemeClr val="bg1">
+                    <a:lumMod val="50000"/>
+                  </a:schemeClr>
                 </a:solidFill>
+                <a:latin typeface="Microsoft YaHei UI" panose="020B0503020204020204" pitchFamily="34" charset="-122"/>
+                <a:ea typeface="Microsoft YaHei UI" panose="020B0503020204020204" pitchFamily="34" charset="-122"/>
               </a:rPr>
-              <a:t>当前设计了</a:t>
+              <a:t>，在能力上要至少高于平均水平</a:t>
+            </a:r>
+            <a:r>
+              <a:rPr lang="en-US" altLang="zh-CN" sz="1600" dirty="0">
+                <a:solidFill>
+                  <a:schemeClr val="bg1">
+                    <a:lumMod val="50000"/>
+                  </a:schemeClr>
+                </a:solidFill>
+                <a:latin typeface="Microsoft YaHei UI" panose="020B0503020204020204" pitchFamily="34" charset="-122"/>
+                <a:ea typeface="Microsoft YaHei UI" panose="020B0503020204020204" pitchFamily="34" charset="-122"/>
+              </a:rPr>
+              <a:t>5</a:t>
             </a:r>
             <a:r>
               <a:rPr lang="en-US" altLang="zh-CN" sz="1600" dirty="0" smtClean="0">
                 <a:solidFill>
-                  <a:srgbClr val="FF0000"/>
+                  <a:schemeClr val="bg1">
+                    <a:lumMod val="50000"/>
+                  </a:schemeClr>
                 </a:solidFill>
+                <a:latin typeface="Microsoft YaHei UI" panose="020B0503020204020204" pitchFamily="34" charset="-122"/>
+                <a:ea typeface="Microsoft YaHei UI" panose="020B0503020204020204" pitchFamily="34" charset="-122"/>
               </a:rPr>
-              <a:t>30%</a:t>
-            </a:r>
-            <a:r>
-              <a:rPr lang="zh-CN" altLang="en-US" sz="1600" dirty="0" smtClean="0">
-                <a:solidFill>
-                  <a:srgbClr val="FF0000"/>
-                </a:solidFill>
-              </a:rPr>
-              <a:t>左右的核心资产研发</a:t>
-            </a:r>
-            <a:endParaRPr lang="zh-CN" altLang="en-US" sz="2400" dirty="0">
+              <a:t>0%</a:t>
+            </a:r>
+            <a:endParaRPr lang="zh-CN" altLang="en-US" sz="1600" dirty="0">
               <a:solidFill>
-                <a:srgbClr val="FF0000"/>
+                <a:schemeClr val="bg1">
+                  <a:lumMod val="50000"/>
+                </a:schemeClr>
               </a:solidFill>
+              <a:latin typeface="Microsoft YaHei UI" panose="020B0503020204020204" pitchFamily="34" charset="-122"/>
+              <a:ea typeface="Microsoft YaHei UI" panose="020B0503020204020204" pitchFamily="34" charset="-122"/>
             </a:endParaRPr>
           </a:p>
-        </p:txBody>
-      </p:sp>
+          <a:p>
+            <a:endParaRPr lang="en-US" altLang="zh-CN" sz="2000" dirty="0" smtClean="0"/>
+          </a:p>
+        </p:txBody>
+      </p:sp>
+      <p:pic>
+        <p:nvPicPr>
+          <p:cNvPr id="3" name="图片 2"/>
+          <p:cNvPicPr>
+            <a:picLocks noChangeAspect="1"/>
+          </p:cNvPicPr>
+          <p:nvPr/>
+        </p:nvPicPr>
+        <p:blipFill>
+          <a:blip r:embed="rId3">
+            <a:extLst>
+              <a:ext uri="{28A0092B-C50C-407E-A947-70E740481C1C}">
+                <a14:useLocalDpi xmlns:a14="http://schemas.microsoft.com/office/drawing/2010/main" val="0"/>
+              </a:ext>
+            </a:extLst>
+          </a:blip>
+          <a:stretch>
+            <a:fillRect/>
+          </a:stretch>
+        </p:blipFill>
+        <p:spPr>
+          <a:xfrm>
+            <a:off x="10440473" y="110538"/>
+            <a:ext cx="1219200" cy="1219200"/>
+          </a:xfrm>
+          <a:prstGeom prst="rect">
+            <a:avLst/>
+          </a:prstGeom>
+        </p:spPr>
+      </p:pic>
     </p:spTree>
     <p:extLst>
       <p:ext uri="{BB962C8B-B14F-4D97-AF65-F5344CB8AC3E}">

--- a/doc/EVE新一代HIS核心系统.pptx
+++ b/doc/EVE新一代HIS核心系统.pptx
@@ -1,6 +1,6 @@
 
 <file path=ppt/presentation.xml><?xml version="1.0" encoding="utf-8"?>
-<p:presentation xmlns:a="http://schemas.openxmlformats.org/drawingml/2006/main" xmlns:r="http://schemas.openxmlformats.org/officeDocument/2006/relationships" xmlns:p="http://schemas.openxmlformats.org/presentationml/2006/main" removePersonalInfoOnSave="1" saveSubsetFonts="1">
+<p:presentation xmlns:a="http://schemas.openxmlformats.org/drawingml/2006/main" xmlns:r="http://schemas.openxmlformats.org/officeDocument/2006/relationships" xmlns:p="http://schemas.openxmlformats.org/presentationml/2006/main" removePersonalInfoOnSave="1" saveSubsetFonts="1" bookmarkIdSeed="2">
   <p:sldMasterIdLst>
     <p:sldMasterId id="2147483660" r:id="rId2"/>
   </p:sldMasterIdLst>
@@ -1942,52 +1942,6 @@
       </p:grpSpPr>
       <p:sp>
         <p:nvSpPr>
-          <p:cNvPr id="7" name="矩形 6"/>
-          <p:cNvSpPr/>
-          <p:nvPr/>
-        </p:nvSpPr>
-        <p:spPr>
-          <a:xfrm>
-            <a:off x="5656882" y="1709738"/>
-            <a:ext cx="6535119" cy="3575184"/>
-          </a:xfrm>
-          <a:prstGeom prst="rect">
-            <a:avLst/>
-          </a:prstGeom>
-          <a:solidFill>
-            <a:srgbClr val="D24726"/>
-          </a:solidFill>
-          <a:ln>
-            <a:noFill/>
-          </a:ln>
-        </p:spPr>
-        <p:style>
-          <a:lnRef idx="2">
-            <a:schemeClr val="accent1">
-              <a:shade val="50000"/>
-            </a:schemeClr>
-          </a:lnRef>
-          <a:fillRef idx="1">
-            <a:schemeClr val="accent1"/>
-          </a:fillRef>
-          <a:effectRef idx="0">
-            <a:schemeClr val="accent1"/>
-          </a:effectRef>
-          <a:fontRef idx="minor">
-            <a:schemeClr val="lt1"/>
-          </a:fontRef>
-        </p:style>
-        <p:txBody>
-          <a:bodyPr rtlCol="0" anchor="ctr"/>
-          <a:lstStyle/>
-          <a:p>
-            <a:pPr algn="ctr"/>
-            <a:endParaRPr lang="zh-CN" sz="1800"/>
-          </a:p>
-        </p:txBody>
-      </p:sp>
-      <p:sp>
-        <p:nvSpPr>
           <p:cNvPr id="2" name="标题 1"/>
           <p:cNvSpPr>
             <a:spLocks noGrp="1"/>
@@ -2162,52 +2116,6 @@
           </a:p>
         </p:txBody>
       </p:sp>
-      <p:sp>
-        <p:nvSpPr>
-          <p:cNvPr id="8" name="矩形 7"/>
-          <p:cNvSpPr/>
-          <p:nvPr userDrawn="1"/>
-        </p:nvSpPr>
-        <p:spPr>
-          <a:xfrm>
-            <a:off x="5656882" y="1709738"/>
-            <a:ext cx="6535119" cy="3575184"/>
-          </a:xfrm>
-          <a:prstGeom prst="rect">
-            <a:avLst/>
-          </a:prstGeom>
-          <a:solidFill>
-            <a:srgbClr val="D24726"/>
-          </a:solidFill>
-          <a:ln>
-            <a:noFill/>
-          </a:ln>
-        </p:spPr>
-        <p:style>
-          <a:lnRef idx="2">
-            <a:schemeClr val="accent1">
-              <a:shade val="50000"/>
-            </a:schemeClr>
-          </a:lnRef>
-          <a:fillRef idx="1">
-            <a:schemeClr val="accent1"/>
-          </a:fillRef>
-          <a:effectRef idx="0">
-            <a:schemeClr val="accent1"/>
-          </a:effectRef>
-          <a:fontRef idx="minor">
-            <a:schemeClr val="lt1"/>
-          </a:fontRef>
-        </p:style>
-        <p:txBody>
-          <a:bodyPr rtlCol="0" anchor="ctr"/>
-          <a:lstStyle/>
-          <a:p>
-            <a:pPr algn="ctr"/>
-            <a:endParaRPr lang="zh-CN" sz="1800"/>
-          </a:p>
-        </p:txBody>
-      </p:sp>
     </p:spTree>
     <p:extLst>
       <p:ext uri="{BB962C8B-B14F-4D97-AF65-F5344CB8AC3E}">
@@ -2218,6 +2126,13 @@
   <p:clrMapOvr>
     <a:masterClrMapping/>
   </p:clrMapOvr>
+  <p:timing>
+    <p:tnLst>
+      <p:par>
+        <p:cTn id="1" dur="indefinite" restart="never" nodeType="tmRoot"/>
+      </p:par>
+    </p:tnLst>
+  </p:timing>
 </p:sldLayout>
 </file>
 
@@ -2731,6 +2646,13 @@
   <p:clrMapOvr>
     <a:masterClrMapping/>
   </p:clrMapOvr>
+  <p:timing>
+    <p:tnLst>
+      <p:par>
+        <p:cTn id="1" dur="indefinite" restart="never" nodeType="tmRoot"/>
+      </p:par>
+    </p:tnLst>
+  </p:timing>
 </p:sldLayout>
 </file>
 
@@ -3374,6 +3296,13 @@
   <p:clrMapOvr>
     <a:masterClrMapping/>
   </p:clrMapOvr>
+  <p:timing>
+    <p:tnLst>
+      <p:par>
+        <p:cTn id="1" dur="indefinite" restart="never" nodeType="tmRoot"/>
+      </p:par>
+    </p:tnLst>
+  </p:timing>
 </p:sldLayout>
 </file>
 
@@ -4915,7 +4844,21 @@
                 <a:latin typeface="Microsoft YaHei UI" panose="020B0503020204020204" pitchFamily="34" charset="-122"/>
                 <a:ea typeface="Microsoft YaHei UI" panose="020B0503020204020204" pitchFamily="34" charset="-122"/>
               </a:rPr>
-              <a:t>王德刚</a:t>
+              <a:t>王德</a:t>
+            </a:r>
+            <a:r>
+              <a:rPr lang="zh-CN" altLang="en-US" dirty="0" smtClean="0">
+                <a:latin typeface="Microsoft YaHei UI" panose="020B0503020204020204" pitchFamily="34" charset="-122"/>
+                <a:ea typeface="Microsoft YaHei UI" panose="020B0503020204020204" pitchFamily="34" charset="-122"/>
+              </a:rPr>
+              <a:t>刚 </a:t>
+            </a:r>
+            <a:r>
+              <a:rPr lang="en-US" altLang="zh-CN" smtClean="0">
+                <a:latin typeface="Microsoft YaHei UI" panose="020B0503020204020204" pitchFamily="34" charset="-122"/>
+                <a:ea typeface="Microsoft YaHei UI" panose="020B0503020204020204" pitchFamily="34" charset="-122"/>
+              </a:rPr>
+              <a:t>2017-7</a:t>
             </a:r>
             <a:endParaRPr lang="zh-CN" dirty="0">
               <a:latin typeface="Microsoft YaHei UI" panose="020B0503020204020204" pitchFamily="34" charset="-122"/>
@@ -6214,7 +6157,7 @@
       </p:sp>
       <p:pic>
         <p:nvPicPr>
-          <p:cNvPr id="4" name="图片 3"/>
+          <p:cNvPr id="5" name="图片 4"/>
           <p:cNvPicPr>
             <a:picLocks noChangeAspect="1"/>
           </p:cNvPicPr>
@@ -6234,8 +6177,8 @@
         </p:blipFill>
         <p:spPr>
           <a:xfrm>
-            <a:off x="1378826" y="3238471"/>
-            <a:ext cx="4571035" cy="3555249"/>
+            <a:off x="10393251" y="101958"/>
+            <a:ext cx="1219200" cy="1219200"/>
           </a:xfrm>
           <a:prstGeom prst="rect">
             <a:avLst/>
@@ -6244,7 +6187,7 @@
       </p:pic>
       <p:pic>
         <p:nvPicPr>
-          <p:cNvPr id="5" name="图片 4"/>
+          <p:cNvPr id="6" name="图片 5"/>
           <p:cNvPicPr>
             <a:picLocks noChangeAspect="1"/>
           </p:cNvPicPr>
@@ -6264,8 +6207,8 @@
         </p:blipFill>
         <p:spPr>
           <a:xfrm>
-            <a:off x="10393251" y="101958"/>
-            <a:ext cx="1219200" cy="1219200"/>
+            <a:off x="1378826" y="3238471"/>
+            <a:ext cx="4571035" cy="3555249"/>
           </a:xfrm>
           <a:prstGeom prst="rect">
             <a:avLst/>
@@ -6295,6 +6238,20 @@
 <file path=ppt/slides/slide14.xml><?xml version="1.0" encoding="utf-8"?>
 <p:sld xmlns:a="http://schemas.openxmlformats.org/drawingml/2006/main" xmlns:r="http://schemas.openxmlformats.org/officeDocument/2006/relationships" xmlns:p="http://schemas.openxmlformats.org/presentationml/2006/main">
   <p:cSld>
+    <p:bg>
+      <p:bgPr>
+        <a:blipFill dpi="0" rotWithShape="1">
+          <a:blip r:embed="rId3">
+            <a:lum/>
+          </a:blip>
+          <a:srcRect/>
+          <a:stretch>
+            <a:fillRect t="-6000" b="-6000"/>
+          </a:stretch>
+        </a:blipFill>
+        <a:effectLst/>
+      </p:bgPr>
+    </p:bg>
     <p:spTree>
       <p:nvGrpSpPr>
         <p:cNvPr id="1" name=""/>
@@ -6311,65 +6268,8 @@
       </p:grpSpPr>
       <p:sp>
         <p:nvSpPr>
-          <p:cNvPr id="2" name="标题 1"/>
-          <p:cNvSpPr>
-            <a:spLocks noGrp="1"/>
-          </p:cNvSpPr>
-          <p:nvPr>
-            <p:ph type="title"/>
-          </p:nvPr>
-        </p:nvSpPr>
-        <p:spPr/>
-        <p:txBody>
-          <a:bodyPr/>
-          <a:lstStyle/>
-          <a:p>
-            <a:r>
-              <a:rPr lang="zh-CN" sz="4000" dirty="0">
-                <a:latin typeface="Microsoft YaHei UI" panose="020B0503020204020204" pitchFamily="34" charset="-122"/>
-                <a:ea typeface="Microsoft YaHei UI" panose="020B0503020204020204" pitchFamily="34" charset="-122"/>
-              </a:rPr>
-              <a:t>PowerPoint 2013</a:t>
-            </a:r>
-          </a:p>
-        </p:txBody>
-      </p:sp>
-      <p:sp>
-        <p:nvSpPr>
-          <p:cNvPr id="3" name="文本占位符 2"/>
-          <p:cNvSpPr>
-            <a:spLocks noGrp="1"/>
-          </p:cNvSpPr>
-          <p:nvPr>
-            <p:ph type="body" idx="1"/>
-          </p:nvPr>
-        </p:nvSpPr>
-        <p:spPr>
-          <a:xfrm>
-            <a:off x="6028267" y="2402237"/>
-            <a:ext cx="5859506" cy="2187226"/>
-          </a:xfrm>
-        </p:spPr>
-        <p:txBody>
-          <a:bodyPr>
-            <a:noAutofit/>
-          </a:bodyPr>
-          <a:lstStyle/>
-          <a:p>
-            <a:r>
-              <a:rPr lang="zh-CN" sz="2400" dirty="0">
-                <a:latin typeface="Microsoft YaHei UI" panose="020B0503020204020204" pitchFamily="34" charset="-122"/>
-                <a:ea typeface="Microsoft YaHei UI" panose="020B0503020204020204" pitchFamily="34" charset="-122"/>
-              </a:rPr>
-              <a:t>使用先进的演示工具直观地设计精美的演示文稿、轻松与其他人共享和协作、提供展现专业素质的演示。</a:t>
-            </a:r>
-          </a:p>
-        </p:txBody>
-      </p:sp>
-      <p:sp>
-        <p:nvSpPr>
           <p:cNvPr id="8" name="任意多边形 7">
-            <a:hlinkClick r:id="rId3" tooltip="了解详细信息"/>
+            <a:hlinkClick r:id="rId4" tooltip="了解详细信息"/>
           </p:cNvPr>
           <p:cNvSpPr/>
           <p:nvPr/>
@@ -6601,9 +6501,7 @@
       </p:sp>
       <p:sp>
         <p:nvSpPr>
-          <p:cNvPr id="9" name="文本占位符 2">
-            <a:hlinkClick r:id="rId3" tooltip="了解详细信息"/>
-          </p:cNvPr>
+          <p:cNvPr id="10" name="内容占位符 2"/>
           <p:cNvSpPr txBox="1">
             <a:spLocks/>
           </p:cNvSpPr>
@@ -6611,8 +6509,8 @@
         </p:nvSpPr>
         <p:spPr>
           <a:xfrm>
-            <a:off x="2897188" y="5844663"/>
-            <a:ext cx="8659850" cy="931371"/>
+            <a:off x="191067" y="0"/>
+            <a:ext cx="6005018" cy="4545356"/>
           </a:xfrm>
           <a:prstGeom prst="rect">
             <a:avLst/>
@@ -6620,7 +6518,7 @@
         </p:spPr>
         <p:txBody>
           <a:bodyPr vert="horz" lIns="91440" tIns="45720" rIns="91440" bIns="45720" rtlCol="0" anchor="ctr">
-            <a:normAutofit/>
+            <a:noAutofit/>
           </a:bodyPr>
           <a:lstStyle>
             <a:lvl1pPr marL="0" indent="0" algn="l" defTabSz="914400" rtl="0" eaLnBrk="1" latinLnBrk="0" hangingPunct="1">
@@ -6637,7 +6535,7 @@
                   <a:schemeClr val="bg1"/>
                 </a:solidFill>
                 <a:latin typeface="+mj-lt"/>
-                <a:ea typeface="+mn-ea"/>
+                <a:ea typeface="Microsoft YaHei UI" panose="020B0503020204020204" pitchFamily="34" charset="-122"/>
                 <a:cs typeface="+mn-cs"/>
               </a:defRPr>
             </a:lvl1pPr>
@@ -6654,8 +6552,8 @@
                 <a:solidFill>
                   <a:schemeClr val="tx1"/>
                 </a:solidFill>
-                <a:latin typeface="+mn-lt"/>
-                <a:ea typeface="+mn-ea"/>
+                <a:latin typeface="Microsoft YaHei UI" panose="020B0503020204020204" pitchFamily="34" charset="-122"/>
+                <a:ea typeface="Microsoft YaHei UI" panose="020B0503020204020204" pitchFamily="34" charset="-122"/>
                 <a:cs typeface="+mn-cs"/>
               </a:defRPr>
             </a:lvl2pPr>
@@ -6672,8 +6570,8 @@
                 <a:solidFill>
                   <a:schemeClr val="tx1"/>
                 </a:solidFill>
-                <a:latin typeface="+mn-lt"/>
-                <a:ea typeface="+mn-ea"/>
+                <a:latin typeface="Microsoft YaHei UI" panose="020B0503020204020204" pitchFamily="34" charset="-122"/>
+                <a:ea typeface="Microsoft YaHei UI" panose="020B0503020204020204" pitchFamily="34" charset="-122"/>
                 <a:cs typeface="+mn-cs"/>
               </a:defRPr>
             </a:lvl3pPr>
@@ -6690,8 +6588,8 @@
                 <a:solidFill>
                   <a:schemeClr val="tx1"/>
                 </a:solidFill>
-                <a:latin typeface="+mn-lt"/>
-                <a:ea typeface="+mn-ea"/>
+                <a:latin typeface="Microsoft YaHei UI" panose="020B0503020204020204" pitchFamily="34" charset="-122"/>
+                <a:ea typeface="Microsoft YaHei UI" panose="020B0503020204020204" pitchFamily="34" charset="-122"/>
                 <a:cs typeface="+mn-cs"/>
               </a:defRPr>
             </a:lvl4pPr>
@@ -6708,8 +6606,8 @@
                 <a:solidFill>
                   <a:schemeClr val="tx1"/>
                 </a:solidFill>
-                <a:latin typeface="+mn-lt"/>
-                <a:ea typeface="+mn-ea"/>
+                <a:latin typeface="Microsoft YaHei UI" panose="020B0503020204020204" pitchFamily="34" charset="-122"/>
+                <a:ea typeface="Microsoft YaHei UI" panose="020B0503020204020204" pitchFamily="34" charset="-122"/>
                 <a:cs typeface="+mn-cs"/>
               </a:defRPr>
             </a:lvl5pPr>
@@ -6787,65 +6685,67 @@
             </a:lvl9pPr>
           </a:lstStyle>
           <a:p>
-            <a:pPr algn="r"/>
-            <a:r>
-              <a:rPr lang="zh-CN" sz="1800" dirty="0">
-                <a:solidFill>
-                  <a:srgbClr val="DD462F"/>
-                </a:solidFill>
-                <a:latin typeface="Microsoft YaHei UI" panose="020B0503020204020204" pitchFamily="34" charset="-122"/>
-                <a:ea typeface="Microsoft YaHei UI" panose="020B0503020204020204" pitchFamily="34" charset="-122"/>
-              </a:rPr>
-              <a:t>在 PowerPoint 入门中心查找更多内容</a:t>
-            </a:r>
-          </a:p>
-        </p:txBody>
-      </p:sp>
-      <p:sp>
-        <p:nvSpPr>
-          <p:cNvPr id="4" name="文本框 3"/>
-          <p:cNvSpPr txBox="1"/>
-          <p:nvPr/>
-        </p:nvSpPr>
-        <p:spPr>
-          <a:xfrm>
-            <a:off x="8466022" y="6477369"/>
-            <a:ext cx="2963979" cy="298665"/>
-          </a:xfrm>
-          <a:prstGeom prst="rect">
-            <a:avLst/>
-          </a:prstGeom>
-          <a:noFill/>
-        </p:spPr>
-        <p:txBody>
-          <a:bodyPr wrap="none" rtlCol="0">
-            <a:noAutofit/>
-          </a:bodyPr>
-          <a:lstStyle/>
-          <a:p>
-            <a:r>
-              <a:rPr lang="zh-CN" sz="1200" dirty="0">
-                <a:solidFill>
-                  <a:srgbClr val="D24726">
-                    <a:alpha val="37000"/>
-                  </a:srgbClr>
-                </a:solidFill>
-                <a:latin typeface="Microsoft YaHei UI" panose="020B0503020204020204" pitchFamily="34" charset="-122"/>
-                <a:ea typeface="Microsoft YaHei UI" panose="020B0503020204020204" pitchFamily="34" charset="-122"/>
-              </a:rPr>
-              <a:t>（在“幻灯片放映”模式中时单击该箭头）</a:t>
-            </a:r>
-          </a:p>
-          <a:p>
-            <a:endParaRPr lang="zh-CN" sz="1200" dirty="0">
-              <a:solidFill>
-                <a:srgbClr val="D24726">
-                  <a:alpha val="37000"/>
-                </a:srgbClr>
-              </a:solidFill>
-              <a:latin typeface="Microsoft YaHei UI" panose="020B0503020204020204" pitchFamily="34" charset="-122"/>
-              <a:ea typeface="Microsoft YaHei UI" panose="020B0503020204020204" pitchFamily="34" charset="-122"/>
-            </a:endParaRPr>
+            <a:r>
+              <a:rPr lang="zh-CN" altLang="en-US" sz="1200" dirty="0"/>
+              <a:t>公元</a:t>
+            </a:r>
+            <a:r>
+              <a:rPr lang="en-US" altLang="zh-CN" sz="1200" dirty="0"/>
+              <a:t>2700</a:t>
+            </a:r>
+            <a:r>
+              <a:rPr lang="zh-CN" altLang="en-US" sz="1200" dirty="0"/>
+              <a:t>年，地球早就被人类祸害成了一个巨大的垃圾场，已经到了无法居住的地步，人类只能大举迁移到别的星球，然后委托一家机器人垃圾清理公司善后，直至地球的环境系统重新达到生态平衡。</a:t>
+            </a:r>
+          </a:p>
+          <a:p>
+            <a:r>
+              <a:rPr lang="zh-CN" altLang="en-US" sz="1200" dirty="0"/>
+              <a:t>在人类离开之后，垃圾清理公司将机器人瓦力成批地输送到地球，并给他们安装了惟一的指令</a:t>
+            </a:r>
+            <a:r>
+              <a:rPr lang="en-US" altLang="zh-CN" sz="1200" dirty="0"/>
+              <a:t>——</a:t>
+            </a:r>
+            <a:r>
+              <a:rPr lang="zh-CN" altLang="en-US" sz="1200" dirty="0"/>
+              <a:t>垃圾分装，然而随着时间的推移，机器人一个接一个地坏掉，最后只剩下惟一的一个，继续在这个似乎已经被遗忘了的角落，勤勤恳恳地在垃圾堆中忙碌着，转眼就过去了几百年的时间，寂寞与孤独变成了围绕着他的永恒的主题。</a:t>
+            </a:r>
+          </a:p>
+          <a:p>
+            <a:r>
+              <a:rPr lang="zh-CN" altLang="en-US" sz="1200" dirty="0"/>
+              <a:t>然而，一艘突然而至的宇宙飞船打破了这里的平静，它还带来了专职搜索任务的</a:t>
+            </a:r>
+            <a:r>
+              <a:rPr lang="zh-CN" altLang="en-US" sz="1200" dirty="0" smtClean="0"/>
+              <a:t>机器人伊娃，</a:t>
+            </a:r>
+            <a:r>
+              <a:rPr lang="zh-CN" altLang="en-US" sz="1200" dirty="0"/>
+              <a:t>当瓦力经历了几百年的孤独，终于见到了另一个机器人时，他觉得自己好像爱上她了，伊娃在经过了精确的计算之后，数据显示出，看起来漫不经心的瓦力很可能是关乎着地球未来的关键所在，她通过宇宙飞船将自己的发现报告给人类，收到了将瓦力带离地球的指令</a:t>
+            </a:r>
+            <a:r>
+              <a:rPr lang="en-US" altLang="zh-CN" sz="1200" dirty="0"/>
+              <a:t>——</a:t>
+            </a:r>
+            <a:r>
+              <a:rPr lang="zh-CN" altLang="en-US" sz="1200" dirty="0"/>
+              <a:t>人类正想尽办法重回地球，所以他们不会放弃任何可能的机会。于是瓦力追随着夏娃，展开了一次</a:t>
+            </a:r>
+            <a:r>
+              <a:rPr lang="zh-CN" altLang="en-US" sz="1200" dirty="0" smtClean="0"/>
+              <a:t>穿越奇幻旅程</a:t>
+            </a:r>
+            <a:r>
+              <a:rPr lang="en-US" altLang="zh-CN" sz="1200" dirty="0" smtClean="0"/>
+              <a:t> </a:t>
+            </a:r>
+            <a:r>
+              <a:rPr lang="zh-CN" altLang="en-US" sz="1200" dirty="0" smtClean="0"/>
+              <a:t>。</a:t>
+            </a:r>
+            <a:endParaRPr lang="zh-CN" altLang="en-US" sz="1200" dirty="0"/>
           </a:p>
         </p:txBody>
       </p:sp>
@@ -7242,7 +7142,15 @@
                   <a:schemeClr val="tx1"/>
                 </a:solidFill>
               </a:rPr>
-              <a:t>病历编写</a:t>
+              <a:t>病历</a:t>
+            </a:r>
+            <a:r>
+              <a:rPr lang="zh-CN" altLang="en-US" dirty="0">
+                <a:solidFill>
+                  <a:schemeClr val="tx1"/>
+                </a:solidFill>
+              </a:rPr>
+              <a:t>生成</a:t>
             </a:r>
             <a:endParaRPr lang="zh-CN" altLang="en-US" dirty="0">
               <a:solidFill>

--- a/doc/EVE新一代HIS核心系统.pptx
+++ b/doc/EVE新一代HIS核心系统.pptx
@@ -21,7 +21,7 @@
     <p:sldId id="271" r:id="rId13"/>
     <p:sldId id="272" r:id="rId14"/>
     <p:sldId id="273" r:id="rId15"/>
-    <p:sldId id="263" r:id="rId16"/>
+    <p:sldId id="275" r:id="rId16"/>
   </p:sldIdLst>
   <p:sldSz cx="12192000" cy="6858000"/>
   <p:notesSz cx="6858000" cy="9144000"/>
@@ -142,12 +142,11 @@
             <p14:sldId id="271"/>
             <p14:sldId id="272"/>
             <p14:sldId id="273"/>
+            <p14:sldId id="275"/>
           </p14:sldIdLst>
         </p14:section>
         <p14:section name="了解更多" id="{2CC34DB2-6590-42C0-AD4B-A04C6060184E}">
-          <p14:sldIdLst>
-            <p14:sldId id="263"/>
-          </p14:sldIdLst>
+          <p14:sldIdLst/>
         </p14:section>
       </p14:sectionLst>
     </p:ext>
@@ -602,103 +601,6 @@
     <p:extLst>
       <p:ext uri="{BB962C8B-B14F-4D97-AF65-F5344CB8AC3E}">
         <p14:creationId xmlns:p14="http://schemas.microsoft.com/office/powerpoint/2010/main" val="1011769815"/>
-      </p:ext>
-    </p:extLst>
-  </p:cSld>
-  <p:clrMapOvr>
-    <a:masterClrMapping/>
-  </p:clrMapOvr>
-</p:notes>
-</file>
-
-<file path=ppt/notesSlides/notesSlide2.xml><?xml version="1.0" encoding="utf-8"?>
-<p:notes xmlns:a="http://schemas.openxmlformats.org/drawingml/2006/main" xmlns:r="http://schemas.openxmlformats.org/officeDocument/2006/relationships" xmlns:p="http://schemas.openxmlformats.org/presentationml/2006/main">
-  <p:cSld>
-    <p:spTree>
-      <p:nvGrpSpPr>
-        <p:cNvPr id="1" name=""/>
-        <p:cNvGrpSpPr/>
-        <p:nvPr/>
-      </p:nvGrpSpPr>
-      <p:grpSpPr>
-        <a:xfrm>
-          <a:off x="0" y="0"/>
-          <a:ext cx="0" cy="0"/>
-          <a:chOff x="0" y="0"/>
-          <a:chExt cx="0" cy="0"/>
-        </a:xfrm>
-      </p:grpSpPr>
-      <p:sp>
-        <p:nvSpPr>
-          <p:cNvPr id="2" name="幻灯片图像占位符 1"/>
-          <p:cNvSpPr>
-            <a:spLocks noGrp="1" noRot="1" noChangeAspect="1"/>
-          </p:cNvSpPr>
-          <p:nvPr>
-            <p:ph type="sldImg"/>
-          </p:nvPr>
-        </p:nvSpPr>
-        <p:spPr>
-          <a:xfrm>
-            <a:off x="685800" y="1143000"/>
-            <a:ext cx="5486400" cy="3086100"/>
-          </a:xfrm>
-        </p:spPr>
-      </p:sp>
-      <p:sp>
-        <p:nvSpPr>
-          <p:cNvPr id="3" name="备注占位符 2"/>
-          <p:cNvSpPr>
-            <a:spLocks noGrp="1"/>
-          </p:cNvSpPr>
-          <p:nvPr>
-            <p:ph type="body" idx="1"/>
-          </p:nvPr>
-        </p:nvSpPr>
-        <p:spPr/>
-        <p:txBody>
-          <a:bodyPr/>
-          <a:lstStyle/>
-          <a:p>
-            <a:r>
-              <a:rPr lang="zh-CN" dirty="0" smtClean="0"/>
-              <a:t>在 </a:t>
-            </a:r>
-            <a:r>
-              <a:rPr lang="zh-CN" baseline="0" dirty="0" smtClean="0"/>
-              <a:t>“幻灯片放映”模式，单击箭头进入 PowerPoint 入门中心。</a:t>
-            </a:r>
-            <a:endParaRPr lang="zh-CN" dirty="0"/>
-          </a:p>
-        </p:txBody>
-      </p:sp>
-      <p:sp>
-        <p:nvSpPr>
-          <p:cNvPr id="4" name="幻灯片编号占位符 3"/>
-          <p:cNvSpPr>
-            <a:spLocks noGrp="1"/>
-          </p:cNvSpPr>
-          <p:nvPr>
-            <p:ph type="sldNum" sz="quarter" idx="10"/>
-          </p:nvPr>
-        </p:nvSpPr>
-        <p:spPr/>
-        <p:txBody>
-          <a:bodyPr/>
-          <a:lstStyle/>
-          <a:p>
-            <a:fld id="{DF61EA0F-A667-4B49-8422-0062BC55E249}" type="slidenum">
-              <a:rPr lang="en-US" altLang="zh-CN" smtClean="0"/>
-              <a:t>14</a:t>
-            </a:fld>
-            <a:endParaRPr lang="zh-CN"/>
-          </a:p>
-        </p:txBody>
-      </p:sp>
-    </p:spTree>
-    <p:extLst>
-      <p:ext uri="{BB962C8B-B14F-4D97-AF65-F5344CB8AC3E}">
-        <p14:creationId xmlns:p14="http://schemas.microsoft.com/office/powerpoint/2010/main" val="1851196112"/>
       </p:ext>
     </p:extLst>
   </p:cSld>
@@ -4842,9 +4744,22 @@
             <a:r>
               <a:rPr lang="zh-CN" altLang="en-US" dirty="0" smtClean="0">
                 <a:latin typeface="Microsoft YaHei UI" panose="020B0503020204020204" pitchFamily="34" charset="-122"/>
+              </a:rPr>
+              <a:t>技术发展部 </a:t>
+            </a:r>
+            <a:r>
+              <a:rPr lang="zh-CN" altLang="en-US" dirty="0" smtClean="0">
+                <a:latin typeface="Microsoft YaHei UI" panose="020B0503020204020204" pitchFamily="34" charset="-122"/>
                 <a:ea typeface="Microsoft YaHei UI" panose="020B0503020204020204" pitchFamily="34" charset="-122"/>
               </a:rPr>
-              <a:t>王德</a:t>
+              <a:t>王</a:t>
+            </a:r>
+            <a:r>
+              <a:rPr lang="zh-CN" altLang="en-US" dirty="0" smtClean="0">
+                <a:latin typeface="Microsoft YaHei UI" panose="020B0503020204020204" pitchFamily="34" charset="-122"/>
+                <a:ea typeface="Microsoft YaHei UI" panose="020B0503020204020204" pitchFamily="34" charset="-122"/>
+              </a:rPr>
+              <a:t>德</a:t>
             </a:r>
             <a:r>
               <a:rPr lang="zh-CN" altLang="en-US" dirty="0" smtClean="0">
@@ -4854,7 +4769,7 @@
               <a:t>刚 </a:t>
             </a:r>
             <a:r>
-              <a:rPr lang="en-US" altLang="zh-CN" smtClean="0">
+              <a:rPr lang="en-US" altLang="zh-CN" dirty="0" smtClean="0">
                 <a:latin typeface="Microsoft YaHei UI" panose="020B0503020204020204" pitchFamily="34" charset="-122"/>
                 <a:ea typeface="Microsoft YaHei UI" panose="020B0503020204020204" pitchFamily="34" charset="-122"/>
               </a:rPr>
@@ -6241,7 +6156,7 @@
     <p:bg>
       <p:bgPr>
         <a:blipFill dpi="0" rotWithShape="1">
-          <a:blip r:embed="rId3">
+          <a:blip r:embed="rId2">
             <a:lum/>
           </a:blip>
           <a:srcRect/>
@@ -6268,8 +6183,348 @@
       </p:grpSpPr>
       <p:sp>
         <p:nvSpPr>
-          <p:cNvPr id="8" name="任意多边形 7">
-            <a:hlinkClick r:id="rId4" tooltip="了解详细信息"/>
+          <p:cNvPr id="5" name="内容占位符 2"/>
+          <p:cNvSpPr txBox="1">
+            <a:spLocks/>
+          </p:cNvSpPr>
+          <p:nvPr/>
+        </p:nvSpPr>
+        <p:spPr>
+          <a:xfrm>
+            <a:off x="191067" y="0"/>
+            <a:ext cx="6005018" cy="4545356"/>
+          </a:xfrm>
+          <a:prstGeom prst="rect">
+            <a:avLst/>
+          </a:prstGeom>
+        </p:spPr>
+        <p:txBody>
+          <a:bodyPr vert="horz" lIns="91440" tIns="45720" rIns="91440" bIns="45720" rtlCol="0" anchor="ctr">
+            <a:noAutofit/>
+          </a:bodyPr>
+          <a:lstStyle>
+            <a:lvl1pPr marL="0" indent="0" algn="l" defTabSz="914400" rtl="0" eaLnBrk="1" latinLnBrk="0" hangingPunct="1">
+              <a:lnSpc>
+                <a:spcPct val="150000"/>
+              </a:lnSpc>
+              <a:spcBef>
+                <a:spcPct val="30000"/>
+              </a:spcBef>
+              <a:buFont typeface="Arial" panose="020B0604020202020204" pitchFamily="34" charset="0"/>
+              <a:buNone/>
+              <a:defRPr lang="zh-CN" sz="2800" kern="1200">
+                <a:solidFill>
+                  <a:schemeClr val="bg1"/>
+                </a:solidFill>
+                <a:latin typeface="+mj-lt"/>
+                <a:ea typeface="Microsoft YaHei UI" panose="020B0503020204020204" pitchFamily="34" charset="-122"/>
+                <a:cs typeface="+mn-cs"/>
+              </a:defRPr>
+            </a:lvl1pPr>
+            <a:lvl2pPr marL="457200" indent="0" algn="l" defTabSz="914400" rtl="0" eaLnBrk="1" latinLnBrk="0" hangingPunct="1">
+              <a:lnSpc>
+                <a:spcPct val="90000"/>
+              </a:lnSpc>
+              <a:spcBef>
+                <a:spcPct val="30000"/>
+              </a:spcBef>
+              <a:buFont typeface="Arial" panose="020B0604020202020204" pitchFamily="34" charset="0"/>
+              <a:buNone/>
+              <a:defRPr lang="zh-CN" sz="2000" kern="1200">
+                <a:solidFill>
+                  <a:schemeClr val="tx1"/>
+                </a:solidFill>
+                <a:latin typeface="Microsoft YaHei UI" panose="020B0503020204020204" pitchFamily="34" charset="-122"/>
+                <a:ea typeface="Microsoft YaHei UI" panose="020B0503020204020204" pitchFamily="34" charset="-122"/>
+                <a:cs typeface="+mn-cs"/>
+              </a:defRPr>
+            </a:lvl2pPr>
+            <a:lvl3pPr marL="914400" indent="0" algn="l" defTabSz="914400" rtl="0" eaLnBrk="1" latinLnBrk="0" hangingPunct="1">
+              <a:lnSpc>
+                <a:spcPct val="90000"/>
+              </a:lnSpc>
+              <a:spcBef>
+                <a:spcPct val="30000"/>
+              </a:spcBef>
+              <a:buFont typeface="Arial" panose="020B0604020202020204" pitchFamily="34" charset="0"/>
+              <a:buNone/>
+              <a:defRPr lang="zh-CN" sz="1800" kern="1200">
+                <a:solidFill>
+                  <a:schemeClr val="tx1"/>
+                </a:solidFill>
+                <a:latin typeface="Microsoft YaHei UI" panose="020B0503020204020204" pitchFamily="34" charset="-122"/>
+                <a:ea typeface="Microsoft YaHei UI" panose="020B0503020204020204" pitchFamily="34" charset="-122"/>
+                <a:cs typeface="+mn-cs"/>
+              </a:defRPr>
+            </a:lvl3pPr>
+            <a:lvl4pPr marL="1371600" indent="0" algn="l" defTabSz="914400" rtl="0" eaLnBrk="1" latinLnBrk="0" hangingPunct="1">
+              <a:lnSpc>
+                <a:spcPct val="90000"/>
+              </a:lnSpc>
+              <a:spcBef>
+                <a:spcPct val="30000"/>
+              </a:spcBef>
+              <a:buFont typeface="Arial" panose="020B0604020202020204" pitchFamily="34" charset="0"/>
+              <a:buNone/>
+              <a:defRPr lang="zh-CN" sz="1600" kern="1200">
+                <a:solidFill>
+                  <a:schemeClr val="tx1"/>
+                </a:solidFill>
+                <a:latin typeface="Microsoft YaHei UI" panose="020B0503020204020204" pitchFamily="34" charset="-122"/>
+                <a:ea typeface="Microsoft YaHei UI" panose="020B0503020204020204" pitchFamily="34" charset="-122"/>
+                <a:cs typeface="+mn-cs"/>
+              </a:defRPr>
+            </a:lvl4pPr>
+            <a:lvl5pPr marL="1828800" indent="0" algn="l" defTabSz="914400" rtl="0" eaLnBrk="1" latinLnBrk="0" hangingPunct="1">
+              <a:lnSpc>
+                <a:spcPct val="90000"/>
+              </a:lnSpc>
+              <a:spcBef>
+                <a:spcPct val="30000"/>
+              </a:spcBef>
+              <a:buFont typeface="Arial" panose="020B0604020202020204" pitchFamily="34" charset="0"/>
+              <a:buNone/>
+              <a:defRPr lang="zh-CN" sz="1600" kern="1200">
+                <a:solidFill>
+                  <a:schemeClr val="tx1"/>
+                </a:solidFill>
+                <a:latin typeface="Microsoft YaHei UI" panose="020B0503020204020204" pitchFamily="34" charset="-122"/>
+                <a:ea typeface="Microsoft YaHei UI" panose="020B0503020204020204" pitchFamily="34" charset="-122"/>
+                <a:cs typeface="+mn-cs"/>
+              </a:defRPr>
+            </a:lvl5pPr>
+            <a:lvl6pPr marL="2286000" indent="0" algn="l" defTabSz="914400" rtl="0" eaLnBrk="1" latinLnBrk="0" hangingPunct="1">
+              <a:lnSpc>
+                <a:spcPct val="90000"/>
+              </a:lnSpc>
+              <a:spcBef>
+                <a:spcPct val="30000"/>
+              </a:spcBef>
+              <a:buFont typeface="Arial" panose="020B0604020202020204" pitchFamily="34" charset="0"/>
+              <a:buNone/>
+              <a:defRPr lang="zh-CN" sz="1600" kern="1200">
+                <a:solidFill>
+                  <a:schemeClr val="tx1"/>
+                </a:solidFill>
+                <a:latin typeface="+mn-lt"/>
+                <a:ea typeface="+mn-ea"/>
+                <a:cs typeface="+mn-cs"/>
+              </a:defRPr>
+            </a:lvl6pPr>
+            <a:lvl7pPr marL="2743200" indent="0" algn="l" defTabSz="914400" rtl="0" eaLnBrk="1" latinLnBrk="0" hangingPunct="1">
+              <a:lnSpc>
+                <a:spcPct val="90000"/>
+              </a:lnSpc>
+              <a:spcBef>
+                <a:spcPct val="30000"/>
+              </a:spcBef>
+              <a:buFont typeface="Arial" panose="020B0604020202020204" pitchFamily="34" charset="0"/>
+              <a:buNone/>
+              <a:defRPr lang="zh-CN" sz="1600" kern="1200">
+                <a:solidFill>
+                  <a:schemeClr val="tx1"/>
+                </a:solidFill>
+                <a:latin typeface="+mn-lt"/>
+                <a:ea typeface="+mn-ea"/>
+                <a:cs typeface="+mn-cs"/>
+              </a:defRPr>
+            </a:lvl7pPr>
+            <a:lvl8pPr marL="3200400" indent="0" algn="l" defTabSz="914400" rtl="0" eaLnBrk="1" latinLnBrk="0" hangingPunct="1">
+              <a:lnSpc>
+                <a:spcPct val="90000"/>
+              </a:lnSpc>
+              <a:spcBef>
+                <a:spcPct val="30000"/>
+              </a:spcBef>
+              <a:buFont typeface="Arial" panose="020B0604020202020204" pitchFamily="34" charset="0"/>
+              <a:buNone/>
+              <a:defRPr lang="zh-CN" sz="1600" kern="1200">
+                <a:solidFill>
+                  <a:schemeClr val="tx1"/>
+                </a:solidFill>
+                <a:latin typeface="+mn-lt"/>
+                <a:ea typeface="+mn-ea"/>
+                <a:cs typeface="+mn-cs"/>
+              </a:defRPr>
+            </a:lvl8pPr>
+            <a:lvl9pPr marL="3657600" indent="0" algn="l" defTabSz="914400" rtl="0" eaLnBrk="1" latinLnBrk="0" hangingPunct="1">
+              <a:lnSpc>
+                <a:spcPct val="90000"/>
+              </a:lnSpc>
+              <a:spcBef>
+                <a:spcPct val="30000"/>
+              </a:spcBef>
+              <a:buFont typeface="Arial" panose="020B0604020202020204" pitchFamily="34" charset="0"/>
+              <a:buNone/>
+              <a:defRPr lang="zh-CN" sz="1600" kern="1200">
+                <a:solidFill>
+                  <a:schemeClr val="tx1"/>
+                </a:solidFill>
+                <a:latin typeface="+mn-lt"/>
+                <a:ea typeface="+mn-ea"/>
+                <a:cs typeface="+mn-cs"/>
+              </a:defRPr>
+            </a:lvl9pPr>
+          </a:lstStyle>
+          <a:p>
+            <a:r>
+              <a:rPr lang="zh-CN" altLang="en-US" sz="1200" dirty="0">
+                <a:solidFill>
+                  <a:schemeClr val="accent1">
+                    <a:lumMod val="75000"/>
+                  </a:schemeClr>
+                </a:solidFill>
+              </a:rPr>
+              <a:t>公元</a:t>
+            </a:r>
+            <a:r>
+              <a:rPr lang="en-US" altLang="zh-CN" sz="1200" dirty="0">
+                <a:solidFill>
+                  <a:schemeClr val="accent1">
+                    <a:lumMod val="75000"/>
+                  </a:schemeClr>
+                </a:solidFill>
+              </a:rPr>
+              <a:t>2700</a:t>
+            </a:r>
+            <a:r>
+              <a:rPr lang="zh-CN" altLang="en-US" sz="1200" dirty="0">
+                <a:solidFill>
+                  <a:schemeClr val="accent1">
+                    <a:lumMod val="75000"/>
+                  </a:schemeClr>
+                </a:solidFill>
+              </a:rPr>
+              <a:t>年，地球早就被人类祸害成了一个巨大的垃圾场，已经到了无法居住的地步，人类只能大举迁移到别的星球，然后委托一家机器人垃圾清理公司善后，直至地球的环境系统重新达到生态平衡</a:t>
+            </a:r>
+            <a:r>
+              <a:rPr lang="zh-CN" altLang="en-US" sz="1200" dirty="0" smtClean="0">
+                <a:solidFill>
+                  <a:schemeClr val="accent1">
+                    <a:lumMod val="75000"/>
+                  </a:schemeClr>
+                </a:solidFill>
+              </a:rPr>
+              <a:t>。</a:t>
+            </a:r>
+          </a:p>
+          <a:p>
+            <a:r>
+              <a:rPr lang="zh-CN" altLang="en-US" sz="1200" dirty="0" smtClean="0">
+                <a:solidFill>
+                  <a:schemeClr val="accent1">
+                    <a:lumMod val="75000"/>
+                  </a:schemeClr>
+                </a:solidFill>
+              </a:rPr>
+              <a:t>在人类离开之后，垃圾清理公司将机器人瓦力成批地输送到地球，并给他们安装了惟一的指令</a:t>
+            </a:r>
+            <a:r>
+              <a:rPr lang="en-US" altLang="zh-CN" sz="1200" dirty="0" smtClean="0">
+                <a:solidFill>
+                  <a:schemeClr val="accent1">
+                    <a:lumMod val="75000"/>
+                  </a:schemeClr>
+                </a:solidFill>
+              </a:rPr>
+              <a:t>——</a:t>
+            </a:r>
+            <a:r>
+              <a:rPr lang="zh-CN" altLang="en-US" sz="1200" dirty="0" smtClean="0">
+                <a:solidFill>
+                  <a:schemeClr val="accent1">
+                    <a:lumMod val="75000"/>
+                  </a:schemeClr>
+                </a:solidFill>
+              </a:rPr>
+              <a:t>垃圾分装，然而随着时间的推移，机器人一个接一个地坏掉，最后只剩下惟一的一个，继续在这个似乎已经被遗忘了的角落，勤勤恳恳地在垃圾堆中忙碌着，转眼就过去了几百年的时间，寂寞与孤独变成了围绕着他的永恒的主题。</a:t>
+            </a:r>
+          </a:p>
+          <a:p>
+            <a:r>
+              <a:rPr lang="zh-CN" altLang="en-US" sz="1200" dirty="0" smtClean="0">
+                <a:solidFill>
+                  <a:schemeClr val="accent1">
+                    <a:lumMod val="75000"/>
+                  </a:schemeClr>
+                </a:solidFill>
+              </a:rPr>
+              <a:t>然而，一艘突然而至的宇宙飞船打破了这里的平静，它还带来了专职搜索任务的机器人伊娃，当瓦力经历了几百年的孤独，终于见到了另一个机器人时，他觉得自己好像爱上她了，伊娃在经过了精确的计算之后，数据显示出，看起来漫不经心的瓦力很可能是关乎着地球未来的关键所在，她通过宇宙飞船将自己的发现报告给人类，收到了将瓦力带离地球的指令</a:t>
+            </a:r>
+            <a:r>
+              <a:rPr lang="en-US" altLang="zh-CN" sz="1200" dirty="0" smtClean="0">
+                <a:solidFill>
+                  <a:schemeClr val="accent1">
+                    <a:lumMod val="75000"/>
+                  </a:schemeClr>
+                </a:solidFill>
+              </a:rPr>
+              <a:t>——</a:t>
+            </a:r>
+            <a:r>
+              <a:rPr lang="zh-CN" altLang="en-US" sz="1200" dirty="0" smtClean="0">
+                <a:solidFill>
+                  <a:schemeClr val="accent1">
+                    <a:lumMod val="75000"/>
+                  </a:schemeClr>
+                </a:solidFill>
+              </a:rPr>
+              <a:t>人类正想尽办法重回地球，所以他们不会放弃任何可能的机会。于是瓦力</a:t>
+            </a:r>
+            <a:r>
+              <a:rPr lang="zh-CN" altLang="en-US" sz="1200" smtClean="0">
+                <a:solidFill>
+                  <a:schemeClr val="accent1">
+                    <a:lumMod val="75000"/>
+                  </a:schemeClr>
+                </a:solidFill>
+              </a:rPr>
+              <a:t>追随着伊娃，</a:t>
+            </a:r>
+            <a:r>
+              <a:rPr lang="zh-CN" altLang="en-US" sz="1200" dirty="0" smtClean="0">
+                <a:solidFill>
+                  <a:schemeClr val="accent1">
+                    <a:lumMod val="75000"/>
+                  </a:schemeClr>
+                </a:solidFill>
+              </a:rPr>
+              <a:t>展开了一次穿越奇幻旅程</a:t>
+            </a:r>
+            <a:r>
+              <a:rPr lang="en-US" altLang="zh-CN" sz="1200" dirty="0" smtClean="0">
+                <a:solidFill>
+                  <a:schemeClr val="accent1">
+                    <a:lumMod val="75000"/>
+                  </a:schemeClr>
+                </a:solidFill>
+              </a:rPr>
+              <a:t> </a:t>
+            </a:r>
+            <a:r>
+              <a:rPr lang="zh-CN" altLang="en-US" sz="1200" dirty="0" smtClean="0">
+                <a:solidFill>
+                  <a:schemeClr val="accent1">
+                    <a:lumMod val="75000"/>
+                  </a:schemeClr>
+                </a:solidFill>
+              </a:rPr>
+              <a:t>。</a:t>
+            </a:r>
+            <a:endParaRPr lang="zh-CN" altLang="en-US" sz="1200" dirty="0">
+              <a:solidFill>
+                <a:schemeClr val="accent1">
+                  <a:lumMod val="75000"/>
+                </a:schemeClr>
+              </a:solidFill>
+            </a:endParaRPr>
+          </a:p>
+        </p:txBody>
+      </p:sp>
+      <p:sp>
+        <p:nvSpPr>
+          <p:cNvPr id="6" name="任意多边形 5">
+            <a:hlinkClick r:id="rId3" tooltip="了解详细信息"/>
           </p:cNvPr>
           <p:cNvSpPr/>
           <p:nvPr/>
@@ -6464,7 +6719,9 @@
             </a:pathLst>
           </a:custGeom>
           <a:solidFill>
-            <a:srgbClr val="DD462F"/>
+            <a:schemeClr val="accent1">
+              <a:lumMod val="50000"/>
+            </a:schemeClr>
           </a:solidFill>
           <a:ln>
             <a:noFill/>
@@ -6499,278 +6756,16 @@
           </a:p>
         </p:txBody>
       </p:sp>
-      <p:sp>
-        <p:nvSpPr>
-          <p:cNvPr id="10" name="内容占位符 2"/>
-          <p:cNvSpPr txBox="1">
-            <a:spLocks/>
-          </p:cNvSpPr>
-          <p:nvPr/>
-        </p:nvSpPr>
-        <p:spPr>
-          <a:xfrm>
-            <a:off x="191067" y="0"/>
-            <a:ext cx="6005018" cy="4545356"/>
-          </a:xfrm>
-          <a:prstGeom prst="rect">
-            <a:avLst/>
-          </a:prstGeom>
-        </p:spPr>
-        <p:txBody>
-          <a:bodyPr vert="horz" lIns="91440" tIns="45720" rIns="91440" bIns="45720" rtlCol="0" anchor="ctr">
-            <a:noAutofit/>
-          </a:bodyPr>
-          <a:lstStyle>
-            <a:lvl1pPr marL="0" indent="0" algn="l" defTabSz="914400" rtl="0" eaLnBrk="1" latinLnBrk="0" hangingPunct="1">
-              <a:lnSpc>
-                <a:spcPct val="150000"/>
-              </a:lnSpc>
-              <a:spcBef>
-                <a:spcPct val="30000"/>
-              </a:spcBef>
-              <a:buFont typeface="Arial" panose="020B0604020202020204" pitchFamily="34" charset="0"/>
-              <a:buNone/>
-              <a:defRPr lang="zh-CN" sz="2800" kern="1200">
-                <a:solidFill>
-                  <a:schemeClr val="bg1"/>
-                </a:solidFill>
-                <a:latin typeface="+mj-lt"/>
-                <a:ea typeface="Microsoft YaHei UI" panose="020B0503020204020204" pitchFamily="34" charset="-122"/>
-                <a:cs typeface="+mn-cs"/>
-              </a:defRPr>
-            </a:lvl1pPr>
-            <a:lvl2pPr marL="457200" indent="0" algn="l" defTabSz="914400" rtl="0" eaLnBrk="1" latinLnBrk="0" hangingPunct="1">
-              <a:lnSpc>
-                <a:spcPct val="90000"/>
-              </a:lnSpc>
-              <a:spcBef>
-                <a:spcPct val="30000"/>
-              </a:spcBef>
-              <a:buFont typeface="Arial" panose="020B0604020202020204" pitchFamily="34" charset="0"/>
-              <a:buNone/>
-              <a:defRPr lang="zh-CN" sz="2000" kern="1200">
-                <a:solidFill>
-                  <a:schemeClr val="tx1"/>
-                </a:solidFill>
-                <a:latin typeface="Microsoft YaHei UI" panose="020B0503020204020204" pitchFamily="34" charset="-122"/>
-                <a:ea typeface="Microsoft YaHei UI" panose="020B0503020204020204" pitchFamily="34" charset="-122"/>
-                <a:cs typeface="+mn-cs"/>
-              </a:defRPr>
-            </a:lvl2pPr>
-            <a:lvl3pPr marL="914400" indent="0" algn="l" defTabSz="914400" rtl="0" eaLnBrk="1" latinLnBrk="0" hangingPunct="1">
-              <a:lnSpc>
-                <a:spcPct val="90000"/>
-              </a:lnSpc>
-              <a:spcBef>
-                <a:spcPct val="30000"/>
-              </a:spcBef>
-              <a:buFont typeface="Arial" panose="020B0604020202020204" pitchFamily="34" charset="0"/>
-              <a:buNone/>
-              <a:defRPr lang="zh-CN" sz="1800" kern="1200">
-                <a:solidFill>
-                  <a:schemeClr val="tx1"/>
-                </a:solidFill>
-                <a:latin typeface="Microsoft YaHei UI" panose="020B0503020204020204" pitchFamily="34" charset="-122"/>
-                <a:ea typeface="Microsoft YaHei UI" panose="020B0503020204020204" pitchFamily="34" charset="-122"/>
-                <a:cs typeface="+mn-cs"/>
-              </a:defRPr>
-            </a:lvl3pPr>
-            <a:lvl4pPr marL="1371600" indent="0" algn="l" defTabSz="914400" rtl="0" eaLnBrk="1" latinLnBrk="0" hangingPunct="1">
-              <a:lnSpc>
-                <a:spcPct val="90000"/>
-              </a:lnSpc>
-              <a:spcBef>
-                <a:spcPct val="30000"/>
-              </a:spcBef>
-              <a:buFont typeface="Arial" panose="020B0604020202020204" pitchFamily="34" charset="0"/>
-              <a:buNone/>
-              <a:defRPr lang="zh-CN" sz="1600" kern="1200">
-                <a:solidFill>
-                  <a:schemeClr val="tx1"/>
-                </a:solidFill>
-                <a:latin typeface="Microsoft YaHei UI" panose="020B0503020204020204" pitchFamily="34" charset="-122"/>
-                <a:ea typeface="Microsoft YaHei UI" panose="020B0503020204020204" pitchFamily="34" charset="-122"/>
-                <a:cs typeface="+mn-cs"/>
-              </a:defRPr>
-            </a:lvl4pPr>
-            <a:lvl5pPr marL="1828800" indent="0" algn="l" defTabSz="914400" rtl="0" eaLnBrk="1" latinLnBrk="0" hangingPunct="1">
-              <a:lnSpc>
-                <a:spcPct val="90000"/>
-              </a:lnSpc>
-              <a:spcBef>
-                <a:spcPct val="30000"/>
-              </a:spcBef>
-              <a:buFont typeface="Arial" panose="020B0604020202020204" pitchFamily="34" charset="0"/>
-              <a:buNone/>
-              <a:defRPr lang="zh-CN" sz="1600" kern="1200">
-                <a:solidFill>
-                  <a:schemeClr val="tx1"/>
-                </a:solidFill>
-                <a:latin typeface="Microsoft YaHei UI" panose="020B0503020204020204" pitchFamily="34" charset="-122"/>
-                <a:ea typeface="Microsoft YaHei UI" panose="020B0503020204020204" pitchFamily="34" charset="-122"/>
-                <a:cs typeface="+mn-cs"/>
-              </a:defRPr>
-            </a:lvl5pPr>
-            <a:lvl6pPr marL="2286000" indent="0" algn="l" defTabSz="914400" rtl="0" eaLnBrk="1" latinLnBrk="0" hangingPunct="1">
-              <a:lnSpc>
-                <a:spcPct val="90000"/>
-              </a:lnSpc>
-              <a:spcBef>
-                <a:spcPct val="30000"/>
-              </a:spcBef>
-              <a:buFont typeface="Arial" panose="020B0604020202020204" pitchFamily="34" charset="0"/>
-              <a:buNone/>
-              <a:defRPr lang="zh-CN" sz="1600" kern="1200">
-                <a:solidFill>
-                  <a:schemeClr val="tx1"/>
-                </a:solidFill>
-                <a:latin typeface="+mn-lt"/>
-                <a:ea typeface="+mn-ea"/>
-                <a:cs typeface="+mn-cs"/>
-              </a:defRPr>
-            </a:lvl6pPr>
-            <a:lvl7pPr marL="2743200" indent="0" algn="l" defTabSz="914400" rtl="0" eaLnBrk="1" latinLnBrk="0" hangingPunct="1">
-              <a:lnSpc>
-                <a:spcPct val="90000"/>
-              </a:lnSpc>
-              <a:spcBef>
-                <a:spcPct val="30000"/>
-              </a:spcBef>
-              <a:buFont typeface="Arial" panose="020B0604020202020204" pitchFamily="34" charset="0"/>
-              <a:buNone/>
-              <a:defRPr lang="zh-CN" sz="1600" kern="1200">
-                <a:solidFill>
-                  <a:schemeClr val="tx1"/>
-                </a:solidFill>
-                <a:latin typeface="+mn-lt"/>
-                <a:ea typeface="+mn-ea"/>
-                <a:cs typeface="+mn-cs"/>
-              </a:defRPr>
-            </a:lvl7pPr>
-            <a:lvl8pPr marL="3200400" indent="0" algn="l" defTabSz="914400" rtl="0" eaLnBrk="1" latinLnBrk="0" hangingPunct="1">
-              <a:lnSpc>
-                <a:spcPct val="90000"/>
-              </a:lnSpc>
-              <a:spcBef>
-                <a:spcPct val="30000"/>
-              </a:spcBef>
-              <a:buFont typeface="Arial" panose="020B0604020202020204" pitchFamily="34" charset="0"/>
-              <a:buNone/>
-              <a:defRPr lang="zh-CN" sz="1600" kern="1200">
-                <a:solidFill>
-                  <a:schemeClr val="tx1"/>
-                </a:solidFill>
-                <a:latin typeface="+mn-lt"/>
-                <a:ea typeface="+mn-ea"/>
-                <a:cs typeface="+mn-cs"/>
-              </a:defRPr>
-            </a:lvl8pPr>
-            <a:lvl9pPr marL="3657600" indent="0" algn="l" defTabSz="914400" rtl="0" eaLnBrk="1" latinLnBrk="0" hangingPunct="1">
-              <a:lnSpc>
-                <a:spcPct val="90000"/>
-              </a:lnSpc>
-              <a:spcBef>
-                <a:spcPct val="30000"/>
-              </a:spcBef>
-              <a:buFont typeface="Arial" panose="020B0604020202020204" pitchFamily="34" charset="0"/>
-              <a:buNone/>
-              <a:defRPr lang="zh-CN" sz="1600" kern="1200">
-                <a:solidFill>
-                  <a:schemeClr val="tx1"/>
-                </a:solidFill>
-                <a:latin typeface="+mn-lt"/>
-                <a:ea typeface="+mn-ea"/>
-                <a:cs typeface="+mn-cs"/>
-              </a:defRPr>
-            </a:lvl9pPr>
-          </a:lstStyle>
-          <a:p>
-            <a:r>
-              <a:rPr lang="zh-CN" altLang="en-US" sz="1200" dirty="0"/>
-              <a:t>公元</a:t>
-            </a:r>
-            <a:r>
-              <a:rPr lang="en-US" altLang="zh-CN" sz="1200" dirty="0"/>
-              <a:t>2700</a:t>
-            </a:r>
-            <a:r>
-              <a:rPr lang="zh-CN" altLang="en-US" sz="1200" dirty="0"/>
-              <a:t>年，地球早就被人类祸害成了一个巨大的垃圾场，已经到了无法居住的地步，人类只能大举迁移到别的星球，然后委托一家机器人垃圾清理公司善后，直至地球的环境系统重新达到生态平衡。</a:t>
-            </a:r>
-          </a:p>
-          <a:p>
-            <a:r>
-              <a:rPr lang="zh-CN" altLang="en-US" sz="1200" dirty="0"/>
-              <a:t>在人类离开之后，垃圾清理公司将机器人瓦力成批地输送到地球，并给他们安装了惟一的指令</a:t>
-            </a:r>
-            <a:r>
-              <a:rPr lang="en-US" altLang="zh-CN" sz="1200" dirty="0"/>
-              <a:t>——</a:t>
-            </a:r>
-            <a:r>
-              <a:rPr lang="zh-CN" altLang="en-US" sz="1200" dirty="0"/>
-              <a:t>垃圾分装，然而随着时间的推移，机器人一个接一个地坏掉，最后只剩下惟一的一个，继续在这个似乎已经被遗忘了的角落，勤勤恳恳地在垃圾堆中忙碌着，转眼就过去了几百年的时间，寂寞与孤独变成了围绕着他的永恒的主题。</a:t>
-            </a:r>
-          </a:p>
-          <a:p>
-            <a:r>
-              <a:rPr lang="zh-CN" altLang="en-US" sz="1200" dirty="0"/>
-              <a:t>然而，一艘突然而至的宇宙飞船打破了这里的平静，它还带来了专职搜索任务的</a:t>
-            </a:r>
-            <a:r>
-              <a:rPr lang="zh-CN" altLang="en-US" sz="1200" dirty="0" smtClean="0"/>
-              <a:t>机器人伊娃，</a:t>
-            </a:r>
-            <a:r>
-              <a:rPr lang="zh-CN" altLang="en-US" sz="1200" dirty="0"/>
-              <a:t>当瓦力经历了几百年的孤独，终于见到了另一个机器人时，他觉得自己好像爱上她了，伊娃在经过了精确的计算之后，数据显示出，看起来漫不经心的瓦力很可能是关乎着地球未来的关键所在，她通过宇宙飞船将自己的发现报告给人类，收到了将瓦力带离地球的指令</a:t>
-            </a:r>
-            <a:r>
-              <a:rPr lang="en-US" altLang="zh-CN" sz="1200" dirty="0"/>
-              <a:t>——</a:t>
-            </a:r>
-            <a:r>
-              <a:rPr lang="zh-CN" altLang="en-US" sz="1200" dirty="0"/>
-              <a:t>人类正想尽办法重回地球，所以他们不会放弃任何可能的机会。于是瓦力追随着夏娃，展开了一次</a:t>
-            </a:r>
-            <a:r>
-              <a:rPr lang="zh-CN" altLang="en-US" sz="1200" dirty="0" smtClean="0"/>
-              <a:t>穿越奇幻旅程</a:t>
-            </a:r>
-            <a:r>
-              <a:rPr lang="en-US" altLang="zh-CN" sz="1200" dirty="0" smtClean="0"/>
-              <a:t> </a:t>
-            </a:r>
-            <a:r>
-              <a:rPr lang="zh-CN" altLang="en-US" sz="1200" dirty="0" smtClean="0"/>
-              <a:t>。</a:t>
-            </a:r>
-            <a:endParaRPr lang="zh-CN" altLang="en-US" sz="1200" dirty="0"/>
-          </a:p>
-        </p:txBody>
-      </p:sp>
     </p:spTree>
     <p:extLst>
       <p:ext uri="{BB962C8B-B14F-4D97-AF65-F5344CB8AC3E}">
-        <p14:creationId xmlns:p14="http://schemas.microsoft.com/office/powerpoint/2010/main" val="2317502127"/>
+        <p14:creationId xmlns:p14="http://schemas.microsoft.com/office/powerpoint/2010/main" val="2087272847"/>
       </p:ext>
     </p:extLst>
   </p:cSld>
   <p:clrMapOvr>
     <a:masterClrMapping/>
   </p:clrMapOvr>
-  <mc:AlternateContent xmlns:mc="http://schemas.openxmlformats.org/markup-compatibility/2006" xmlns:p15="http://schemas.microsoft.com/office/powerpoint/2012/main">
-    <mc:Choice Requires="p15">
-      <p:transition xmlns:p14="http://schemas.microsoft.com/office/powerpoint/2010/main" spd="slow" p14:dur="2000">
-        <p15:prstTrans prst="drape"/>
-      </p:transition>
-    </mc:Choice>
-    <mc:Fallback xmlns="">
-      <p:transition spd="slow">
-        <p:fade/>
-      </p:transition>
-    </mc:Fallback>
-  </mc:AlternateContent>
   <p:timing>
     <p:tnLst>
       <p:par>

--- a/doc/EVE新一代HIS核心系统.pptx
+++ b/doc/EVE新一代HIS核心系统.pptx
@@ -4752,21 +4752,7 @@
                 <a:latin typeface="Microsoft YaHei UI" panose="020B0503020204020204" pitchFamily="34" charset="-122"/>
                 <a:ea typeface="Microsoft YaHei UI" panose="020B0503020204020204" pitchFamily="34" charset="-122"/>
               </a:rPr>
-              <a:t>王</a:t>
-            </a:r>
-            <a:r>
-              <a:rPr lang="zh-CN" altLang="en-US" dirty="0" smtClean="0">
-                <a:latin typeface="Microsoft YaHei UI" panose="020B0503020204020204" pitchFamily="34" charset="-122"/>
-                <a:ea typeface="Microsoft YaHei UI" panose="020B0503020204020204" pitchFamily="34" charset="-122"/>
-              </a:rPr>
-              <a:t>德</a:t>
-            </a:r>
-            <a:r>
-              <a:rPr lang="zh-CN" altLang="en-US" dirty="0" smtClean="0">
-                <a:latin typeface="Microsoft YaHei UI" panose="020B0503020204020204" pitchFamily="34" charset="-122"/>
-                <a:ea typeface="Microsoft YaHei UI" panose="020B0503020204020204" pitchFamily="34" charset="-122"/>
-              </a:rPr>
-              <a:t>刚 </a:t>
+              <a:t>王德刚 </a:t>
             </a:r>
             <a:r>
               <a:rPr lang="en-US" altLang="zh-CN" dirty="0" smtClean="0">
@@ -5019,36 +5005,6 @@
           </a:prstGeom>
         </p:spPr>
       </p:pic>
-      <p:pic>
-        <p:nvPicPr>
-          <p:cNvPr id="7" name="图片 6"/>
-          <p:cNvPicPr>
-            <a:picLocks noChangeAspect="1"/>
-          </p:cNvPicPr>
-          <p:nvPr/>
-        </p:nvPicPr>
-        <p:blipFill>
-          <a:blip r:embed="rId5">
-            <a:extLst>
-              <a:ext uri="{28A0092B-C50C-407E-A947-70E740481C1C}">
-                <a14:useLocalDpi xmlns:a14="http://schemas.microsoft.com/office/drawing/2010/main" val="0"/>
-              </a:ext>
-            </a:extLst>
-          </a:blip>
-          <a:stretch>
-            <a:fillRect/>
-          </a:stretch>
-        </p:blipFill>
-        <p:spPr>
-          <a:xfrm>
-            <a:off x="10440473" y="110538"/>
-            <a:ext cx="1219200" cy="1219200"/>
-          </a:xfrm>
-          <a:prstGeom prst="rect">
-            <a:avLst/>
-          </a:prstGeom>
-        </p:spPr>
-      </p:pic>
       <p:sp>
         <p:nvSpPr>
           <p:cNvPr id="8" name="矩形 7"/>
@@ -5442,15 +5398,7 @@
             </a:r>
             <a:r>
               <a:rPr lang="zh-CN" altLang="en-US" dirty="0" smtClean="0"/>
-              <a:t>中的核心业务（患者生命周期、医嘱执行、诊疗信息维护、病历生成和</a:t>
-            </a:r>
-            <a:r>
-              <a:rPr lang="zh-CN" altLang="en-US" dirty="0" smtClean="0"/>
-              <a:t>维护、核心计费）</a:t>
-            </a:r>
-            <a:r>
-              <a:rPr lang="zh-CN" altLang="en-US" dirty="0" smtClean="0"/>
-              <a:t>置于</a:t>
+              <a:t>中的核心业务（患者生命周期、医嘱执行、诊疗信息维护、病历生成和维护、核心计费）置于</a:t>
             </a:r>
             <a:r>
               <a:rPr lang="en-US" altLang="zh-CN" dirty="0" smtClean="0"/>
@@ -5580,36 +5528,6 @@
           <a:xfrm>
             <a:off x="567481" y="1921346"/>
             <a:ext cx="5830736" cy="3916828"/>
-          </a:xfrm>
-          <a:prstGeom prst="rect">
-            <a:avLst/>
-          </a:prstGeom>
-        </p:spPr>
-      </p:pic>
-      <p:pic>
-        <p:nvPicPr>
-          <p:cNvPr id="3" name="图片 2"/>
-          <p:cNvPicPr>
-            <a:picLocks noChangeAspect="1"/>
-          </p:cNvPicPr>
-          <p:nvPr/>
-        </p:nvPicPr>
-        <p:blipFill>
-          <a:blip r:embed="rId3">
-            <a:extLst>
-              <a:ext uri="{28A0092B-C50C-407E-A947-70E740481C1C}">
-                <a14:useLocalDpi xmlns:a14="http://schemas.microsoft.com/office/drawing/2010/main" val="0"/>
-              </a:ext>
-            </a:extLst>
-          </a:blip>
-          <a:stretch>
-            <a:fillRect/>
-          </a:stretch>
-        </p:blipFill>
-        <p:spPr>
-          <a:xfrm>
-            <a:off x="10290602" y="1"/>
-            <a:ext cx="1287506" cy="1287506"/>
           </a:xfrm>
           <a:prstGeom prst="rect">
             <a:avLst/>
@@ -5867,36 +5785,6 @@
           </a:fontRef>
         </p:style>
       </p:cxnSp>
-      <p:pic>
-        <p:nvPicPr>
-          <p:cNvPr id="3" name="图片 2"/>
-          <p:cNvPicPr>
-            <a:picLocks noChangeAspect="1"/>
-          </p:cNvPicPr>
-          <p:nvPr/>
-        </p:nvPicPr>
-        <p:blipFill>
-          <a:blip r:embed="rId6">
-            <a:extLst>
-              <a:ext uri="{28A0092B-C50C-407E-A947-70E740481C1C}">
-                <a14:useLocalDpi xmlns:a14="http://schemas.microsoft.com/office/drawing/2010/main" val="0"/>
-              </a:ext>
-            </a:extLst>
-          </a:blip>
-          <a:stretch>
-            <a:fillRect/>
-          </a:stretch>
-        </p:blipFill>
-        <p:spPr>
-          <a:xfrm>
-            <a:off x="10229316" y="-54427"/>
-            <a:ext cx="1413714" cy="1413714"/>
-          </a:xfrm>
-          <a:prstGeom prst="rect">
-            <a:avLst/>
-          </a:prstGeom>
-        </p:spPr>
-      </p:pic>
     </p:spTree>
     <p:extLst>
       <p:ext uri="{BB962C8B-B14F-4D97-AF65-F5344CB8AC3E}">
@@ -6072,7 +5960,7 @@
       </p:sp>
       <p:pic>
         <p:nvPicPr>
-          <p:cNvPr id="5" name="图片 4"/>
+          <p:cNvPr id="6" name="图片 5"/>
           <p:cNvPicPr>
             <a:picLocks noChangeAspect="1"/>
           </p:cNvPicPr>
@@ -6080,36 +5968,6 @@
         </p:nvPicPr>
         <p:blipFill>
           <a:blip r:embed="rId3">
-            <a:extLst>
-              <a:ext uri="{28A0092B-C50C-407E-A947-70E740481C1C}">
-                <a14:useLocalDpi xmlns:a14="http://schemas.microsoft.com/office/drawing/2010/main" val="0"/>
-              </a:ext>
-            </a:extLst>
-          </a:blip>
-          <a:stretch>
-            <a:fillRect/>
-          </a:stretch>
-        </p:blipFill>
-        <p:spPr>
-          <a:xfrm>
-            <a:off x="10393251" y="101958"/>
-            <a:ext cx="1219200" cy="1219200"/>
-          </a:xfrm>
-          <a:prstGeom prst="rect">
-            <a:avLst/>
-          </a:prstGeom>
-        </p:spPr>
-      </p:pic>
-      <p:pic>
-        <p:nvPicPr>
-          <p:cNvPr id="6" name="图片 5"/>
-          <p:cNvPicPr>
-            <a:picLocks noChangeAspect="1"/>
-          </p:cNvPicPr>
-          <p:nvPr/>
-        </p:nvPicPr>
-        <p:blipFill>
-          <a:blip r:embed="rId4">
             <a:extLst>
               <a:ext uri="{28A0092B-C50C-407E-A947-70E740481C1C}">
                 <a14:useLocalDpi xmlns:a14="http://schemas.microsoft.com/office/drawing/2010/main" val="0"/>
@@ -7147,11 +7005,6 @@
               </a:rPr>
               <a:t>生成</a:t>
             </a:r>
-            <a:endParaRPr lang="zh-CN" altLang="en-US" dirty="0">
-              <a:solidFill>
-                <a:schemeClr val="tx1"/>
-              </a:solidFill>
-            </a:endParaRPr>
           </a:p>
         </p:txBody>
       </p:sp>
@@ -8135,36 +7988,6 @@
           </a:p>
         </p:txBody>
       </p:sp>
-      <p:pic>
-        <p:nvPicPr>
-          <p:cNvPr id="3" name="图片 2"/>
-          <p:cNvPicPr>
-            <a:picLocks noChangeAspect="1"/>
-          </p:cNvPicPr>
-          <p:nvPr/>
-        </p:nvPicPr>
-        <p:blipFill>
-          <a:blip r:embed="rId5">
-            <a:extLst>
-              <a:ext uri="{28A0092B-C50C-407E-A947-70E740481C1C}">
-                <a14:useLocalDpi xmlns:a14="http://schemas.microsoft.com/office/drawing/2010/main" val="0"/>
-              </a:ext>
-            </a:extLst>
-          </a:blip>
-          <a:stretch>
-            <a:fillRect/>
-          </a:stretch>
-        </p:blipFill>
-        <p:spPr>
-          <a:xfrm>
-            <a:off x="10477500" y="0"/>
-            <a:ext cx="1219200" cy="1219200"/>
-          </a:xfrm>
-          <a:prstGeom prst="rect">
-            <a:avLst/>
-          </a:prstGeom>
-        </p:spPr>
-      </p:pic>
     </p:spTree>
     <p:extLst>
       <p:ext uri="{BB962C8B-B14F-4D97-AF65-F5344CB8AC3E}">
@@ -8366,36 +8189,6 @@
       </p:sp>
       <p:pic>
         <p:nvPicPr>
-          <p:cNvPr id="9" name="图片 8"/>
-          <p:cNvPicPr>
-            <a:picLocks noChangeAspect="1"/>
-          </p:cNvPicPr>
-          <p:nvPr/>
-        </p:nvPicPr>
-        <p:blipFill>
-          <a:blip r:embed="rId4">
-            <a:extLst>
-              <a:ext uri="{28A0092B-C50C-407E-A947-70E740481C1C}">
-                <a14:useLocalDpi xmlns:a14="http://schemas.microsoft.com/office/drawing/2010/main" val="0"/>
-              </a:ext>
-            </a:extLst>
-          </a:blip>
-          <a:stretch>
-            <a:fillRect/>
-          </a:stretch>
-        </p:blipFill>
-        <p:spPr>
-          <a:xfrm>
-            <a:off x="10377255" y="30861"/>
-            <a:ext cx="1219200" cy="1219200"/>
-          </a:xfrm>
-          <a:prstGeom prst="rect">
-            <a:avLst/>
-          </a:prstGeom>
-        </p:spPr>
-      </p:pic>
-      <p:pic>
-        <p:nvPicPr>
           <p:cNvPr id="4" name="图片 3"/>
           <p:cNvPicPr>
             <a:picLocks noChangeAspect="1"/>
@@ -8403,7 +8196,7 @@
           <p:nvPr/>
         </p:nvPicPr>
         <p:blipFill>
-          <a:blip r:embed="rId5"/>
+          <a:blip r:embed="rId4"/>
           <a:stretch>
             <a:fillRect/>
           </a:stretch>
@@ -9231,36 +9024,6 @@
       </p:sp>
       <p:pic>
         <p:nvPicPr>
-          <p:cNvPr id="3" name="图片 2"/>
-          <p:cNvPicPr>
-            <a:picLocks noChangeAspect="1"/>
-          </p:cNvPicPr>
-          <p:nvPr/>
-        </p:nvPicPr>
-        <p:blipFill>
-          <a:blip r:embed="rId3">
-            <a:extLst>
-              <a:ext uri="{28A0092B-C50C-407E-A947-70E740481C1C}">
-                <a14:useLocalDpi xmlns:a14="http://schemas.microsoft.com/office/drawing/2010/main" val="0"/>
-              </a:ext>
-            </a:extLst>
-          </a:blip>
-          <a:stretch>
-            <a:fillRect/>
-          </a:stretch>
-        </p:blipFill>
-        <p:spPr>
-          <a:xfrm>
-            <a:off x="10090738" y="0"/>
-            <a:ext cx="1440864" cy="1440864"/>
-          </a:xfrm>
-          <a:prstGeom prst="rect">
-            <a:avLst/>
-          </a:prstGeom>
-        </p:spPr>
-      </p:pic>
-      <p:pic>
-        <p:nvPicPr>
           <p:cNvPr id="8" name="图片 7"/>
           <p:cNvPicPr>
             <a:picLocks noChangeAspect="1"/>
@@ -9268,7 +9031,7 @@
           <p:nvPr/>
         </p:nvPicPr>
         <p:blipFill>
-          <a:blip r:embed="rId4"/>
+          <a:blip r:embed="rId3"/>
           <a:stretch>
             <a:fillRect/>
           </a:stretch>
@@ -9621,36 +9384,6 @@
           </a:p>
         </p:txBody>
       </p:sp>
-      <p:pic>
-        <p:nvPicPr>
-          <p:cNvPr id="3" name="图片 2"/>
-          <p:cNvPicPr>
-            <a:picLocks noChangeAspect="1"/>
-          </p:cNvPicPr>
-          <p:nvPr/>
-        </p:nvPicPr>
-        <p:blipFill>
-          <a:blip r:embed="rId4">
-            <a:extLst>
-              <a:ext uri="{28A0092B-C50C-407E-A947-70E740481C1C}">
-                <a14:useLocalDpi xmlns:a14="http://schemas.microsoft.com/office/drawing/2010/main" val="0"/>
-              </a:ext>
-            </a:extLst>
-          </a:blip>
-          <a:stretch>
-            <a:fillRect/>
-          </a:stretch>
-        </p:blipFill>
-        <p:spPr>
-          <a:xfrm>
-            <a:off x="10501315" y="78569"/>
-            <a:ext cx="1208086" cy="1208086"/>
-          </a:xfrm>
-          <a:prstGeom prst="rect">
-            <a:avLst/>
-          </a:prstGeom>
-        </p:spPr>
-      </p:pic>
       <p:sp>
         <p:nvSpPr>
           <p:cNvPr id="4" name="椭圆 3"/>
@@ -10213,36 +9946,6 @@
           </a:p>
         </p:txBody>
       </p:sp>
-      <p:pic>
-        <p:nvPicPr>
-          <p:cNvPr id="5" name="图片 4"/>
-          <p:cNvPicPr>
-            <a:picLocks noChangeAspect="1"/>
-          </p:cNvPicPr>
-          <p:nvPr/>
-        </p:nvPicPr>
-        <p:blipFill>
-          <a:blip r:embed="rId4">
-            <a:extLst>
-              <a:ext uri="{28A0092B-C50C-407E-A947-70E740481C1C}">
-                <a14:useLocalDpi xmlns:a14="http://schemas.microsoft.com/office/drawing/2010/main" val="0"/>
-              </a:ext>
-            </a:extLst>
-          </a:blip>
-          <a:stretch>
-            <a:fillRect/>
-          </a:stretch>
-        </p:blipFill>
-        <p:spPr>
-          <a:xfrm>
-            <a:off x="10541101" y="243769"/>
-            <a:ext cx="965099" cy="965099"/>
-          </a:xfrm>
-          <a:prstGeom prst="rect">
-            <a:avLst/>
-          </a:prstGeom>
-        </p:spPr>
-      </p:pic>
       <p:sp>
         <p:nvSpPr>
           <p:cNvPr id="8" name="矩形 7"/>
@@ -11411,7 +11114,19 @@
                 <a:latin typeface="Microsoft YaHei UI" panose="020B0503020204020204" pitchFamily="34" charset="-122"/>
                 <a:ea typeface="Microsoft YaHei UI" panose="020B0503020204020204" pitchFamily="34" charset="-122"/>
               </a:rPr>
-              <a:t>当前设计</a:t>
+              <a:t>当前设计了约</a:t>
+            </a:r>
+            <a:r>
+              <a:rPr lang="en-US" altLang="zh-CN" sz="1600" dirty="0">
+                <a:solidFill>
+                  <a:schemeClr val="bg1">
+                    <a:lumMod val="50000"/>
+                  </a:schemeClr>
+                </a:solidFill>
+                <a:latin typeface="Microsoft YaHei UI" panose="020B0503020204020204" pitchFamily="34" charset="-122"/>
+                <a:ea typeface="Microsoft YaHei UI" panose="020B0503020204020204" pitchFamily="34" charset="-122"/>
+              </a:rPr>
+              <a:t>30%</a:t>
             </a:r>
             <a:r>
               <a:rPr lang="zh-CN" altLang="en-US" sz="1600" dirty="0">
@@ -11423,91 +11138,7 @@
                 <a:latin typeface="Microsoft YaHei UI" panose="020B0503020204020204" pitchFamily="34" charset="-122"/>
                 <a:ea typeface="Microsoft YaHei UI" panose="020B0503020204020204" pitchFamily="34" charset="-122"/>
               </a:rPr>
-              <a:t>了约</a:t>
-            </a:r>
-            <a:r>
-              <a:rPr lang="en-US" altLang="zh-CN" sz="1600" dirty="0">
-                <a:solidFill>
-                  <a:schemeClr val="bg1">
-                    <a:lumMod val="50000"/>
-                  </a:schemeClr>
-                </a:solidFill>
-                <a:latin typeface="Microsoft YaHei UI" panose="020B0503020204020204" pitchFamily="34" charset="-122"/>
-                <a:ea typeface="Microsoft YaHei UI" panose="020B0503020204020204" pitchFamily="34" charset="-122"/>
-              </a:rPr>
-              <a:t>30</a:t>
-            </a:r>
-            <a:r>
-              <a:rPr lang="en-US" altLang="zh-CN" sz="1600" dirty="0">
-                <a:solidFill>
-                  <a:schemeClr val="bg1">
-                    <a:lumMod val="50000"/>
-                  </a:schemeClr>
-                </a:solidFill>
-                <a:latin typeface="Microsoft YaHei UI" panose="020B0503020204020204" pitchFamily="34" charset="-122"/>
-                <a:ea typeface="Microsoft YaHei UI" panose="020B0503020204020204" pitchFamily="34" charset="-122"/>
-              </a:rPr>
-              <a:t>%</a:t>
-            </a:r>
-            <a:r>
-              <a:rPr lang="zh-CN" altLang="en-US" sz="1600" dirty="0">
-                <a:solidFill>
-                  <a:schemeClr val="bg1">
-                    <a:lumMod val="50000"/>
-                  </a:schemeClr>
-                </a:solidFill>
-                <a:latin typeface="Microsoft YaHei UI" panose="020B0503020204020204" pitchFamily="34" charset="-122"/>
-                <a:ea typeface="Microsoft YaHei UI" panose="020B0503020204020204" pitchFamily="34" charset="-122"/>
-              </a:rPr>
-              <a:t>左右的核心资产研发，其需要的研发</a:t>
-            </a:r>
-            <a:r>
-              <a:rPr lang="zh-CN" altLang="en-US" sz="1600" dirty="0">
-                <a:solidFill>
-                  <a:schemeClr val="bg1">
-                    <a:lumMod val="50000"/>
-                  </a:schemeClr>
-                </a:solidFill>
-                <a:latin typeface="Microsoft YaHei UI" panose="020B0503020204020204" pitchFamily="34" charset="-122"/>
-                <a:ea typeface="Microsoft YaHei UI" panose="020B0503020204020204" pitchFamily="34" charset="-122"/>
-              </a:rPr>
-              <a:t>资源</a:t>
-            </a:r>
-            <a:r>
-              <a:rPr lang="zh-CN" altLang="en-US" sz="1600" dirty="0">
-                <a:solidFill>
-                  <a:schemeClr val="bg1">
-                    <a:lumMod val="50000"/>
-                  </a:schemeClr>
-                </a:solidFill>
-                <a:latin typeface="Microsoft YaHei UI" panose="020B0503020204020204" pitchFamily="34" charset="-122"/>
-                <a:ea typeface="Microsoft YaHei UI" panose="020B0503020204020204" pitchFamily="34" charset="-122"/>
-              </a:rPr>
-              <a:t>在</a:t>
-            </a:r>
-            <a:r>
-              <a:rPr lang="zh-CN" altLang="en-US" sz="1600" dirty="0">
-                <a:solidFill>
-                  <a:schemeClr val="bg1">
-                    <a:lumMod val="50000"/>
-                  </a:schemeClr>
-                </a:solidFill>
-                <a:latin typeface="Microsoft YaHei UI" panose="020B0503020204020204" pitchFamily="34" charset="-122"/>
-                <a:ea typeface="Microsoft YaHei UI" panose="020B0503020204020204" pitchFamily="34" charset="-122"/>
-              </a:rPr>
-              <a:t>数量</a:t>
-            </a:r>
-            <a:r>
-              <a:rPr lang="zh-CN" altLang="en-US" sz="1600" dirty="0">
-                <a:solidFill>
-                  <a:schemeClr val="bg1">
-                    <a:lumMod val="50000"/>
-                  </a:schemeClr>
-                </a:solidFill>
-                <a:latin typeface="Microsoft YaHei UI" panose="020B0503020204020204" pitchFamily="34" charset="-122"/>
-                <a:ea typeface="Microsoft YaHei UI" panose="020B0503020204020204" pitchFamily="34" charset="-122"/>
-              </a:rPr>
-              <a:t>上应该不多于</a:t>
+              <a:t>左右的核心资产研发，其需要的研发资源在数量上应该不多于</a:t>
             </a:r>
             <a:r>
               <a:rPr lang="en-US" altLang="zh-CN" sz="1600" dirty="0">
@@ -11584,36 +11215,6 @@
           </a:p>
         </p:txBody>
       </p:sp>
-      <p:pic>
-        <p:nvPicPr>
-          <p:cNvPr id="3" name="图片 2"/>
-          <p:cNvPicPr>
-            <a:picLocks noChangeAspect="1"/>
-          </p:cNvPicPr>
-          <p:nvPr/>
-        </p:nvPicPr>
-        <p:blipFill>
-          <a:blip r:embed="rId3">
-            <a:extLst>
-              <a:ext uri="{28A0092B-C50C-407E-A947-70E740481C1C}">
-                <a14:useLocalDpi xmlns:a14="http://schemas.microsoft.com/office/drawing/2010/main" val="0"/>
-              </a:ext>
-            </a:extLst>
-          </a:blip>
-          <a:stretch>
-            <a:fillRect/>
-          </a:stretch>
-        </p:blipFill>
-        <p:spPr>
-          <a:xfrm>
-            <a:off x="10440473" y="110538"/>
-            <a:ext cx="1219200" cy="1219200"/>
-          </a:xfrm>
-          <a:prstGeom prst="rect">
-            <a:avLst/>
-          </a:prstGeom>
-        </p:spPr>
-      </p:pic>
     </p:spTree>
     <p:extLst>
       <p:ext uri="{BB962C8B-B14F-4D97-AF65-F5344CB8AC3E}">
